--- a/chocolate_sales.pptx
+++ b/chocolate_sales.pptx
@@ -5,7 +5,7 @@
     <p:sldMasterId id="2147483672" r:id="rId1"/>
   </p:sldMasterIdLst>
   <p:notesMasterIdLst>
-    <p:notesMasterId r:id="rId9"/>
+    <p:notesMasterId r:id="rId10"/>
   </p:notesMasterIdLst>
   <p:sldIdLst>
     <p:sldId id="256" r:id="rId2"/>
@@ -13,8 +13,9 @@
     <p:sldId id="258" r:id="rId4"/>
     <p:sldId id="259" r:id="rId5"/>
     <p:sldId id="260" r:id="rId6"/>
-    <p:sldId id="261" r:id="rId7"/>
-    <p:sldId id="262" r:id="rId8"/>
+    <p:sldId id="263" r:id="rId7"/>
+    <p:sldId id="261" r:id="rId8"/>
+    <p:sldId id="262" r:id="rId9"/>
   </p:sldIdLst>
   <p:sldSz cx="12192000" cy="6858000"/>
   <p:notesSz cx="6858000" cy="9144000"/>
@@ -113,13 +114,18 @@
       </a:defRPr>
     </a:lvl9pPr>
   </p:defaultTextStyle>
+  <p:extLst>
+    <p:ext uri="{EFAFB233-063F-42B5-8137-9DF3F51BA10A}">
+      <p15:sldGuideLst xmlns:p15="http://schemas.microsoft.com/office/powerpoint/2012/main"/>
+    </p:ext>
+  </p:extLst>
 </p:presentation>
 </file>
 
 <file path=ppt/revisionInfo.xml><?xml version="1.0" encoding="utf-8"?>
 <p1510:revInfo xmlns:a="http://schemas.openxmlformats.org/drawingml/2006/main" xmlns:r="http://schemas.openxmlformats.org/officeDocument/2006/relationships" xmlns:p1510="http://schemas.microsoft.com/office/powerpoint/2015/10/main">
   <p1510:revLst>
-    <p1510:client id="{BEC3EAAE-8953-4B86-818A-C7A5BEB6D013}" v="6" dt="2025-03-08T21:11:53.731"/>
+    <p1510:client id="{BEC3EAAE-8953-4B86-818A-C7A5BEB6D013}" v="10" dt="2025-03-09T03:07:23.224"/>
   </p1510:revLst>
 </p1510:revInfo>
 </file>
@@ -129,7 +135,7 @@
   <pc:docChgLst>
     <pc:chgData name="David A. Gee" userId="e9ce1845d50193f0" providerId="LiveId" clId="{BEC3EAAE-8953-4B86-818A-C7A5BEB6D013}"/>
     <pc:docChg chg="undo custSel addSld modSld">
-      <pc:chgData name="David A. Gee" userId="e9ce1845d50193f0" providerId="LiveId" clId="{BEC3EAAE-8953-4B86-818A-C7A5BEB6D013}" dt="2025-03-08T21:25:29.017" v="1914" actId="20577"/>
+      <pc:chgData name="David A. Gee" userId="e9ce1845d50193f0" providerId="LiveId" clId="{BEC3EAAE-8953-4B86-818A-C7A5BEB6D013}" dt="2025-03-09T03:08:26.027" v="1945" actId="1076"/>
       <pc:docMkLst>
         <pc:docMk/>
       </pc:docMkLst>
@@ -284,7 +290,7 @@
         </pc:cxnChg>
       </pc:sldChg>
       <pc:sldChg chg="addSp delSp modSp new mod setBg">
-        <pc:chgData name="David A. Gee" userId="e9ce1845d50193f0" providerId="LiveId" clId="{BEC3EAAE-8953-4B86-818A-C7A5BEB6D013}" dt="2025-03-08T21:16:55.102" v="1010" actId="20577"/>
+        <pc:chgData name="David A. Gee" userId="e9ce1845d50193f0" providerId="LiveId" clId="{BEC3EAAE-8953-4B86-818A-C7A5BEB6D013}" dt="2025-03-09T01:29:09.912" v="1920" actId="26606"/>
         <pc:sldMkLst>
           <pc:docMk/>
           <pc:sldMk cId="106172727" sldId="258"/>
@@ -305,63 +311,103 @@
             <ac:spMk id="3" creationId="{242600E0-7021-9519-A205-F68C8A5713CE}"/>
           </ac:spMkLst>
         </pc:spChg>
-        <pc:spChg chg="add mod">
-          <ac:chgData name="David A. Gee" userId="e9ce1845d50193f0" providerId="LiveId" clId="{BEC3EAAE-8953-4B86-818A-C7A5BEB6D013}" dt="2025-03-08T21:16:55.102" v="1010" actId="20577"/>
+        <pc:spChg chg="add mod ord">
+          <ac:chgData name="David A. Gee" userId="e9ce1845d50193f0" providerId="LiveId" clId="{BEC3EAAE-8953-4B86-818A-C7A5BEB6D013}" dt="2025-03-09T01:29:09.912" v="1920" actId="26606"/>
           <ac:spMkLst>
             <pc:docMk/>
             <pc:sldMk cId="106172727" sldId="258"/>
             <ac:spMk id="9" creationId="{80F940E8-6D87-DDAD-0B3E-2A65D01B7E85}"/>
           </ac:spMkLst>
         </pc:spChg>
-        <pc:spChg chg="add">
-          <ac:chgData name="David A. Gee" userId="e9ce1845d50193f0" providerId="LiveId" clId="{BEC3EAAE-8953-4B86-818A-C7A5BEB6D013}" dt="2025-03-08T21:08:28.910" v="172" actId="26606"/>
+        <pc:spChg chg="add del">
+          <ac:chgData name="David A. Gee" userId="e9ce1845d50193f0" providerId="LiveId" clId="{BEC3EAAE-8953-4B86-818A-C7A5BEB6D013}" dt="2025-03-09T01:29:09.912" v="1920" actId="26606"/>
           <ac:spMkLst>
             <pc:docMk/>
             <pc:sldMk cId="106172727" sldId="258"/>
             <ac:spMk id="12" creationId="{284B70D5-875B-433D-BDBD-1522A85D6C1D}"/>
           </ac:spMkLst>
         </pc:spChg>
-        <pc:spChg chg="add">
-          <ac:chgData name="David A. Gee" userId="e9ce1845d50193f0" providerId="LiveId" clId="{BEC3EAAE-8953-4B86-818A-C7A5BEB6D013}" dt="2025-03-08T21:08:28.910" v="172" actId="26606"/>
+        <pc:spChg chg="add del">
+          <ac:chgData name="David A. Gee" userId="e9ce1845d50193f0" providerId="LiveId" clId="{BEC3EAAE-8953-4B86-818A-C7A5BEB6D013}" dt="2025-03-09T01:29:09.912" v="1920" actId="26606"/>
           <ac:spMkLst>
             <pc:docMk/>
             <pc:sldMk cId="106172727" sldId="258"/>
             <ac:spMk id="16" creationId="{1E299956-A9E7-4FC1-A0B1-D590CA9730E8}"/>
           </ac:spMkLst>
         </pc:spChg>
-        <pc:spChg chg="add">
-          <ac:chgData name="David A. Gee" userId="e9ce1845d50193f0" providerId="LiveId" clId="{BEC3EAAE-8953-4B86-818A-C7A5BEB6D013}" dt="2025-03-08T21:08:28.910" v="172" actId="26606"/>
+        <pc:spChg chg="add del">
+          <ac:chgData name="David A. Gee" userId="e9ce1845d50193f0" providerId="LiveId" clId="{BEC3EAAE-8953-4B86-818A-C7A5BEB6D013}" dt="2025-03-09T01:29:09.912" v="1920" actId="26606"/>
           <ac:spMkLst>
             <pc:docMk/>
             <pc:sldMk cId="106172727" sldId="258"/>
             <ac:spMk id="18" creationId="{17FC539C-B783-4B03-9F9E-D13430F3F64F}"/>
           </ac:spMkLst>
         </pc:spChg>
+        <pc:spChg chg="add">
+          <ac:chgData name="David A. Gee" userId="e9ce1845d50193f0" providerId="LiveId" clId="{BEC3EAAE-8953-4B86-818A-C7A5BEB6D013}" dt="2025-03-09T01:29:09.912" v="1920" actId="26606"/>
+          <ac:spMkLst>
+            <pc:docMk/>
+            <pc:sldMk cId="106172727" sldId="258"/>
+            <ac:spMk id="23" creationId="{284B70D5-875B-433D-BDBD-1522A85D6C1D}"/>
+          </ac:spMkLst>
+        </pc:spChg>
+        <pc:spChg chg="add">
+          <ac:chgData name="David A. Gee" userId="e9ce1845d50193f0" providerId="LiveId" clId="{BEC3EAAE-8953-4B86-818A-C7A5BEB6D013}" dt="2025-03-09T01:29:09.912" v="1920" actId="26606"/>
+          <ac:spMkLst>
+            <pc:docMk/>
+            <pc:sldMk cId="106172727" sldId="258"/>
+            <ac:spMk id="27" creationId="{1E299956-A9E7-4FC1-A0B1-D590CA9730E8}"/>
+          </ac:spMkLst>
+        </pc:spChg>
+        <pc:spChg chg="add">
+          <ac:chgData name="David A. Gee" userId="e9ce1845d50193f0" providerId="LiveId" clId="{BEC3EAAE-8953-4B86-818A-C7A5BEB6D013}" dt="2025-03-09T01:29:09.912" v="1920" actId="26606"/>
+          <ac:spMkLst>
+            <pc:docMk/>
+            <pc:sldMk cId="106172727" sldId="258"/>
+            <ac:spMk id="29" creationId="{17FC539C-B783-4B03-9F9E-D13430F3F64F}"/>
+          </ac:spMkLst>
+        </pc:spChg>
         <pc:picChg chg="add mod">
-          <ac:chgData name="David A. Gee" userId="e9ce1845d50193f0" providerId="LiveId" clId="{BEC3EAAE-8953-4B86-818A-C7A5BEB6D013}" dt="2025-03-08T21:08:28.910" v="172" actId="26606"/>
+          <ac:chgData name="David A. Gee" userId="e9ce1845d50193f0" providerId="LiveId" clId="{BEC3EAAE-8953-4B86-818A-C7A5BEB6D013}" dt="2025-03-09T01:29:09.912" v="1920" actId="26606"/>
+          <ac:picMkLst>
+            <pc:docMk/>
+            <pc:sldMk cId="106172727" sldId="258"/>
+            <ac:picMk id="4" creationId="{346FE6B3-2EC9-2A75-A09C-44A71B60A617}"/>
+          </ac:picMkLst>
+        </pc:picChg>
+        <pc:picChg chg="add del mod">
+          <ac:chgData name="David A. Gee" userId="e9ce1845d50193f0" providerId="LiveId" clId="{BEC3EAAE-8953-4B86-818A-C7A5BEB6D013}" dt="2025-03-09T01:28:40.908" v="1915" actId="478"/>
           <ac:picMkLst>
             <pc:docMk/>
             <pc:sldMk cId="106172727" sldId="258"/>
             <ac:picMk id="5" creationId="{47709F12-0BC5-16E4-5824-7AB70C32B0B7}"/>
           </ac:picMkLst>
         </pc:picChg>
-        <pc:cxnChg chg="add">
-          <ac:chgData name="David A. Gee" userId="e9ce1845d50193f0" providerId="LiveId" clId="{BEC3EAAE-8953-4B86-818A-C7A5BEB6D013}" dt="2025-03-08T21:08:28.910" v="172" actId="26606"/>
+        <pc:cxnChg chg="add del">
+          <ac:chgData name="David A. Gee" userId="e9ce1845d50193f0" providerId="LiveId" clId="{BEC3EAAE-8953-4B86-818A-C7A5BEB6D013}" dt="2025-03-09T01:29:09.912" v="1920" actId="26606"/>
           <ac:cxnSpMkLst>
             <pc:docMk/>
             <pc:sldMk cId="106172727" sldId="258"/>
             <ac:cxnSpMk id="14" creationId="{C947DF4A-614C-4B4C-8B80-E5B9D8E8CFED}"/>
           </ac:cxnSpMkLst>
         </pc:cxnChg>
+        <pc:cxnChg chg="add">
+          <ac:chgData name="David A. Gee" userId="e9ce1845d50193f0" providerId="LiveId" clId="{BEC3EAAE-8953-4B86-818A-C7A5BEB6D013}" dt="2025-03-09T01:29:09.912" v="1920" actId="26606"/>
+          <ac:cxnSpMkLst>
+            <pc:docMk/>
+            <pc:sldMk cId="106172727" sldId="258"/>
+            <ac:cxnSpMk id="25" creationId="{C947DF4A-614C-4B4C-8B80-E5B9D8E8CFED}"/>
+          </ac:cxnSpMkLst>
+        </pc:cxnChg>
       </pc:sldChg>
       <pc:sldChg chg="addSp delSp modSp new mod setBg">
-        <pc:chgData name="David A. Gee" userId="e9ce1845d50193f0" providerId="LiveId" clId="{BEC3EAAE-8953-4B86-818A-C7A5BEB6D013}" dt="2025-03-08T21:21:04.015" v="1239" actId="20577"/>
+        <pc:chgData name="David A. Gee" userId="e9ce1845d50193f0" providerId="LiveId" clId="{BEC3EAAE-8953-4B86-818A-C7A5BEB6D013}" dt="2025-03-09T01:29:25.375" v="1924" actId="26606"/>
         <pc:sldMkLst>
           <pc:docMk/>
           <pc:sldMk cId="2284348569" sldId="259"/>
         </pc:sldMkLst>
         <pc:spChg chg="mod">
-          <ac:chgData name="David A. Gee" userId="e9ce1845d50193f0" providerId="LiveId" clId="{BEC3EAAE-8953-4B86-818A-C7A5BEB6D013}" dt="2025-03-08T21:14:09.020" v="762" actId="404"/>
+          <ac:chgData name="David A. Gee" userId="e9ce1845d50193f0" providerId="LiveId" clId="{BEC3EAAE-8953-4B86-818A-C7A5BEB6D013}" dt="2025-03-09T01:29:25.375" v="1924" actId="26606"/>
           <ac:spMkLst>
             <pc:docMk/>
             <pc:sldMk cId="2284348569" sldId="259"/>
@@ -376,40 +422,72 @@
             <ac:spMk id="3" creationId="{7F041212-632D-6639-F707-939DF289169B}"/>
           </ac:spMkLst>
         </pc:spChg>
-        <pc:spChg chg="add mod">
-          <ac:chgData name="David A. Gee" userId="e9ce1845d50193f0" providerId="LiveId" clId="{BEC3EAAE-8953-4B86-818A-C7A5BEB6D013}" dt="2025-03-08T21:21:04.015" v="1239" actId="20577"/>
+        <pc:spChg chg="add mod ord">
+          <ac:chgData name="David A. Gee" userId="e9ce1845d50193f0" providerId="LiveId" clId="{BEC3EAAE-8953-4B86-818A-C7A5BEB6D013}" dt="2025-03-09T01:29:25.375" v="1924" actId="26606"/>
           <ac:spMkLst>
             <pc:docMk/>
             <pc:sldMk cId="2284348569" sldId="259"/>
             <ac:spMk id="9" creationId="{897F4E56-D766-2837-18CC-57E50BE46EFE}"/>
           </ac:spMkLst>
         </pc:spChg>
-        <pc:spChg chg="add">
-          <ac:chgData name="David A. Gee" userId="e9ce1845d50193f0" providerId="LiveId" clId="{BEC3EAAE-8953-4B86-818A-C7A5BEB6D013}" dt="2025-03-08T21:11:55.889" v="476" actId="26606"/>
+        <pc:spChg chg="add del">
+          <ac:chgData name="David A. Gee" userId="e9ce1845d50193f0" providerId="LiveId" clId="{BEC3EAAE-8953-4B86-818A-C7A5BEB6D013}" dt="2025-03-09T01:29:25.375" v="1924" actId="26606"/>
           <ac:spMkLst>
             <pc:docMk/>
             <pc:sldMk cId="2284348569" sldId="259"/>
             <ac:spMk id="12" creationId="{284B70D5-875B-433D-BDBD-1522A85D6C1D}"/>
           </ac:spMkLst>
         </pc:spChg>
-        <pc:spChg chg="add">
-          <ac:chgData name="David A. Gee" userId="e9ce1845d50193f0" providerId="LiveId" clId="{BEC3EAAE-8953-4B86-818A-C7A5BEB6D013}" dt="2025-03-08T21:11:55.889" v="476" actId="26606"/>
+        <pc:spChg chg="add del">
+          <ac:chgData name="David A. Gee" userId="e9ce1845d50193f0" providerId="LiveId" clId="{BEC3EAAE-8953-4B86-818A-C7A5BEB6D013}" dt="2025-03-09T01:29:25.375" v="1924" actId="26606"/>
           <ac:spMkLst>
             <pc:docMk/>
             <pc:sldMk cId="2284348569" sldId="259"/>
             <ac:spMk id="16" creationId="{1E299956-A9E7-4FC1-A0B1-D590CA9730E8}"/>
           </ac:spMkLst>
         </pc:spChg>
-        <pc:spChg chg="add">
-          <ac:chgData name="David A. Gee" userId="e9ce1845d50193f0" providerId="LiveId" clId="{BEC3EAAE-8953-4B86-818A-C7A5BEB6D013}" dt="2025-03-08T21:11:55.889" v="476" actId="26606"/>
+        <pc:spChg chg="add del">
+          <ac:chgData name="David A. Gee" userId="e9ce1845d50193f0" providerId="LiveId" clId="{BEC3EAAE-8953-4B86-818A-C7A5BEB6D013}" dt="2025-03-09T01:29:25.375" v="1924" actId="26606"/>
           <ac:spMkLst>
             <pc:docMk/>
             <pc:sldMk cId="2284348569" sldId="259"/>
             <ac:spMk id="18" creationId="{17FC539C-B783-4B03-9F9E-D13430F3F64F}"/>
           </ac:spMkLst>
         </pc:spChg>
+        <pc:spChg chg="add">
+          <ac:chgData name="David A. Gee" userId="e9ce1845d50193f0" providerId="LiveId" clId="{BEC3EAAE-8953-4B86-818A-C7A5BEB6D013}" dt="2025-03-09T01:29:25.375" v="1924" actId="26606"/>
+          <ac:spMkLst>
+            <pc:docMk/>
+            <pc:sldMk cId="2284348569" sldId="259"/>
+            <ac:spMk id="23" creationId="{284B70D5-875B-433D-BDBD-1522A85D6C1D}"/>
+          </ac:spMkLst>
+        </pc:spChg>
+        <pc:spChg chg="add">
+          <ac:chgData name="David A. Gee" userId="e9ce1845d50193f0" providerId="LiveId" clId="{BEC3EAAE-8953-4B86-818A-C7A5BEB6D013}" dt="2025-03-09T01:29:25.375" v="1924" actId="26606"/>
+          <ac:spMkLst>
+            <pc:docMk/>
+            <pc:sldMk cId="2284348569" sldId="259"/>
+            <ac:spMk id="27" creationId="{1E299956-A9E7-4FC1-A0B1-D590CA9730E8}"/>
+          </ac:spMkLst>
+        </pc:spChg>
+        <pc:spChg chg="add">
+          <ac:chgData name="David A. Gee" userId="e9ce1845d50193f0" providerId="LiveId" clId="{BEC3EAAE-8953-4B86-818A-C7A5BEB6D013}" dt="2025-03-09T01:29:25.375" v="1924" actId="26606"/>
+          <ac:spMkLst>
+            <pc:docMk/>
+            <pc:sldMk cId="2284348569" sldId="259"/>
+            <ac:spMk id="29" creationId="{17FC539C-B783-4B03-9F9E-D13430F3F64F}"/>
+          </ac:spMkLst>
+        </pc:spChg>
         <pc:picChg chg="add mod">
-          <ac:chgData name="David A. Gee" userId="e9ce1845d50193f0" providerId="LiveId" clId="{BEC3EAAE-8953-4B86-818A-C7A5BEB6D013}" dt="2025-03-08T21:11:55.889" v="476" actId="26606"/>
+          <ac:chgData name="David A. Gee" userId="e9ce1845d50193f0" providerId="LiveId" clId="{BEC3EAAE-8953-4B86-818A-C7A5BEB6D013}" dt="2025-03-09T01:29:25.375" v="1924" actId="26606"/>
+          <ac:picMkLst>
+            <pc:docMk/>
+            <pc:sldMk cId="2284348569" sldId="259"/>
+            <ac:picMk id="4" creationId="{A34EE503-9450-F633-8FFA-43F8E52C350F}"/>
+          </ac:picMkLst>
+        </pc:picChg>
+        <pc:picChg chg="add del mod">
+          <ac:chgData name="David A. Gee" userId="e9ce1845d50193f0" providerId="LiveId" clId="{BEC3EAAE-8953-4B86-818A-C7A5BEB6D013}" dt="2025-03-09T01:28:44.266" v="1916" actId="478"/>
           <ac:picMkLst>
             <pc:docMk/>
             <pc:sldMk cId="2284348569" sldId="259"/>
@@ -424,13 +502,85 @@
             <ac:cxnSpMk id="14" creationId="{C947DF4A-614C-4B4C-8B80-E5B9D8E8CFED}"/>
           </ac:cxnSpMkLst>
         </pc:cxnChg>
+        <pc:cxnChg chg="add">
+          <ac:chgData name="David A. Gee" userId="e9ce1845d50193f0" providerId="LiveId" clId="{BEC3EAAE-8953-4B86-818A-C7A5BEB6D013}" dt="2025-03-09T01:29:25.375" v="1924" actId="26606"/>
+          <ac:cxnSpMkLst>
+            <pc:docMk/>
+            <pc:sldMk cId="2284348569" sldId="259"/>
+            <ac:cxnSpMk id="25" creationId="{C947DF4A-614C-4B4C-8B80-E5B9D8E8CFED}"/>
+          </ac:cxnSpMkLst>
+        </pc:cxnChg>
       </pc:sldChg>
-      <pc:sldChg chg="new modNotesTx">
-        <pc:chgData name="David A. Gee" userId="e9ce1845d50193f0" providerId="LiveId" clId="{BEC3EAAE-8953-4B86-818A-C7A5BEB6D013}" dt="2025-03-08T21:21:57.289" v="1396" actId="20577"/>
+      <pc:sldChg chg="addSp delSp modSp new mod setBg modNotesTx">
+        <pc:chgData name="David A. Gee" userId="e9ce1845d50193f0" providerId="LiveId" clId="{BEC3EAAE-8953-4B86-818A-C7A5BEB6D013}" dt="2025-03-09T01:30:46.874" v="1930" actId="20577"/>
         <pc:sldMkLst>
           <pc:docMk/>
           <pc:sldMk cId="233070655" sldId="260"/>
         </pc:sldMkLst>
+        <pc:spChg chg="mod">
+          <ac:chgData name="David A. Gee" userId="e9ce1845d50193f0" providerId="LiveId" clId="{BEC3EAAE-8953-4B86-818A-C7A5BEB6D013}" dt="2025-03-09T01:29:37.426" v="1928" actId="26606"/>
+          <ac:spMkLst>
+            <pc:docMk/>
+            <pc:sldMk cId="233070655" sldId="260"/>
+            <ac:spMk id="2" creationId="{08206845-0B7A-D044-D8E7-0C68AE5BECDE}"/>
+          </ac:spMkLst>
+        </pc:spChg>
+        <pc:spChg chg="del">
+          <ac:chgData name="David A. Gee" userId="e9ce1845d50193f0" providerId="LiveId" clId="{BEC3EAAE-8953-4B86-818A-C7A5BEB6D013}" dt="2025-03-09T01:29:35.937" v="1925"/>
+          <ac:spMkLst>
+            <pc:docMk/>
+            <pc:sldMk cId="233070655" sldId="260"/>
+            <ac:spMk id="3" creationId="{61BF70ED-778D-355E-F84F-ABA46269311B}"/>
+          </ac:spMkLst>
+        </pc:spChg>
+        <pc:spChg chg="add">
+          <ac:chgData name="David A. Gee" userId="e9ce1845d50193f0" providerId="LiveId" clId="{BEC3EAAE-8953-4B86-818A-C7A5BEB6D013}" dt="2025-03-09T01:29:37.426" v="1928" actId="26606"/>
+          <ac:spMkLst>
+            <pc:docMk/>
+            <pc:sldMk cId="233070655" sldId="260"/>
+            <ac:spMk id="9" creationId="{AD4BB943-CFDF-03FD-1E85-C4DFE6D082A6}"/>
+          </ac:spMkLst>
+        </pc:spChg>
+        <pc:spChg chg="add">
+          <ac:chgData name="David A. Gee" userId="e9ce1845d50193f0" providerId="LiveId" clId="{BEC3EAAE-8953-4B86-818A-C7A5BEB6D013}" dt="2025-03-09T01:29:37.426" v="1928" actId="26606"/>
+          <ac:spMkLst>
+            <pc:docMk/>
+            <pc:sldMk cId="233070655" sldId="260"/>
+            <ac:spMk id="12" creationId="{284B70D5-875B-433D-BDBD-1522A85D6C1D}"/>
+          </ac:spMkLst>
+        </pc:spChg>
+        <pc:spChg chg="add">
+          <ac:chgData name="David A. Gee" userId="e9ce1845d50193f0" providerId="LiveId" clId="{BEC3EAAE-8953-4B86-818A-C7A5BEB6D013}" dt="2025-03-09T01:29:37.426" v="1928" actId="26606"/>
+          <ac:spMkLst>
+            <pc:docMk/>
+            <pc:sldMk cId="233070655" sldId="260"/>
+            <ac:spMk id="16" creationId="{1E299956-A9E7-4FC1-A0B1-D590CA9730E8}"/>
+          </ac:spMkLst>
+        </pc:spChg>
+        <pc:spChg chg="add">
+          <ac:chgData name="David A. Gee" userId="e9ce1845d50193f0" providerId="LiveId" clId="{BEC3EAAE-8953-4B86-818A-C7A5BEB6D013}" dt="2025-03-09T01:29:37.426" v="1928" actId="26606"/>
+          <ac:spMkLst>
+            <pc:docMk/>
+            <pc:sldMk cId="233070655" sldId="260"/>
+            <ac:spMk id="18" creationId="{17FC539C-B783-4B03-9F9E-D13430F3F64F}"/>
+          </ac:spMkLst>
+        </pc:spChg>
+        <pc:picChg chg="add mod">
+          <ac:chgData name="David A. Gee" userId="e9ce1845d50193f0" providerId="LiveId" clId="{BEC3EAAE-8953-4B86-818A-C7A5BEB6D013}" dt="2025-03-09T01:29:37.426" v="1928" actId="26606"/>
+          <ac:picMkLst>
+            <pc:docMk/>
+            <pc:sldMk cId="233070655" sldId="260"/>
+            <ac:picMk id="5" creationId="{0371389D-F31C-3CF7-D777-2640DD275FF2}"/>
+          </ac:picMkLst>
+        </pc:picChg>
+        <pc:cxnChg chg="add">
+          <ac:chgData name="David A. Gee" userId="e9ce1845d50193f0" providerId="LiveId" clId="{BEC3EAAE-8953-4B86-818A-C7A5BEB6D013}" dt="2025-03-09T01:29:37.426" v="1928" actId="26606"/>
+          <ac:cxnSpMkLst>
+            <pc:docMk/>
+            <pc:sldMk cId="233070655" sldId="260"/>
+            <ac:cxnSpMk id="14" creationId="{C947DF4A-614C-4B4C-8B80-E5B9D8E8CFED}"/>
+          </ac:cxnSpMkLst>
+        </pc:cxnChg>
       </pc:sldChg>
       <pc:sldChg chg="new">
         <pc:chgData name="David A. Gee" userId="e9ce1845d50193f0" providerId="LiveId" clId="{BEC3EAAE-8953-4B86-818A-C7A5BEB6D013}" dt="2025-03-08T21:22:29.932" v="1397" actId="680"/>
@@ -461,6 +611,109 @@
             <ac:spMk id="3" creationId="{B738DF57-A8C3-9D53-F410-CE63EFFB460C}"/>
           </ac:spMkLst>
         </pc:spChg>
+      </pc:sldChg>
+      <pc:sldChg chg="addSp delSp modSp add mod">
+        <pc:chgData name="David A. Gee" userId="e9ce1845d50193f0" providerId="LiveId" clId="{BEC3EAAE-8953-4B86-818A-C7A5BEB6D013}" dt="2025-03-09T03:08:26.027" v="1945" actId="1076"/>
+        <pc:sldMkLst>
+          <pc:docMk/>
+          <pc:sldMk cId="272809894" sldId="263"/>
+        </pc:sldMkLst>
+        <pc:spChg chg="mod">
+          <ac:chgData name="David A. Gee" userId="e9ce1845d50193f0" providerId="LiveId" clId="{BEC3EAAE-8953-4B86-818A-C7A5BEB6D013}" dt="2025-03-09T03:07:32.370" v="1935" actId="26606"/>
+          <ac:spMkLst>
+            <pc:docMk/>
+            <pc:sldMk cId="272809894" sldId="263"/>
+            <ac:spMk id="2" creationId="{EB74B43D-14EB-B348-476D-2BAF120DFFFB}"/>
+          </ac:spMkLst>
+        </pc:spChg>
+        <pc:spChg chg="del">
+          <ac:chgData name="David A. Gee" userId="e9ce1845d50193f0" providerId="LiveId" clId="{BEC3EAAE-8953-4B86-818A-C7A5BEB6D013}" dt="2025-03-09T03:07:23.224" v="1932"/>
+          <ac:spMkLst>
+            <pc:docMk/>
+            <pc:sldMk cId="272809894" sldId="263"/>
+            <ac:spMk id="9" creationId="{EEF21296-B6EE-8348-C2B4-838AE179284B}"/>
+          </ac:spMkLst>
+        </pc:spChg>
+        <pc:spChg chg="del">
+          <ac:chgData name="David A. Gee" userId="e9ce1845d50193f0" providerId="LiveId" clId="{BEC3EAAE-8953-4B86-818A-C7A5BEB6D013}" dt="2025-03-09T03:07:32.370" v="1935" actId="26606"/>
+          <ac:spMkLst>
+            <pc:docMk/>
+            <pc:sldMk cId="272809894" sldId="263"/>
+            <ac:spMk id="12" creationId="{91520A60-D88A-1B3F-6695-B5CF6FAA7CD4}"/>
+          </ac:spMkLst>
+        </pc:spChg>
+        <pc:spChg chg="del">
+          <ac:chgData name="David A. Gee" userId="e9ce1845d50193f0" providerId="LiveId" clId="{BEC3EAAE-8953-4B86-818A-C7A5BEB6D013}" dt="2025-03-09T03:07:32.370" v="1935" actId="26606"/>
+          <ac:spMkLst>
+            <pc:docMk/>
+            <pc:sldMk cId="272809894" sldId="263"/>
+            <ac:spMk id="16" creationId="{E6B27F31-AC14-345F-C374-5DC876043D4A}"/>
+          </ac:spMkLst>
+        </pc:spChg>
+        <pc:spChg chg="del">
+          <ac:chgData name="David A. Gee" userId="e9ce1845d50193f0" providerId="LiveId" clId="{BEC3EAAE-8953-4B86-818A-C7A5BEB6D013}" dt="2025-03-09T03:07:32.370" v="1935" actId="26606"/>
+          <ac:spMkLst>
+            <pc:docMk/>
+            <pc:sldMk cId="272809894" sldId="263"/>
+            <ac:spMk id="18" creationId="{02FB3C52-2C45-6EB5-7E10-568DE8178DA0}"/>
+          </ac:spMkLst>
+        </pc:spChg>
+        <pc:spChg chg="add">
+          <ac:chgData name="David A. Gee" userId="e9ce1845d50193f0" providerId="LiveId" clId="{BEC3EAAE-8953-4B86-818A-C7A5BEB6D013}" dt="2025-03-09T03:07:32.370" v="1935" actId="26606"/>
+          <ac:spMkLst>
+            <pc:docMk/>
+            <pc:sldMk cId="272809894" sldId="263"/>
+            <ac:spMk id="23" creationId="{25C8D2C1-DA83-420D-9635-D52CE066B5DA}"/>
+          </ac:spMkLst>
+        </pc:spChg>
+        <pc:spChg chg="add">
+          <ac:chgData name="David A. Gee" userId="e9ce1845d50193f0" providerId="LiveId" clId="{BEC3EAAE-8953-4B86-818A-C7A5BEB6D013}" dt="2025-03-09T03:07:32.370" v="1935" actId="26606"/>
+          <ac:spMkLst>
+            <pc:docMk/>
+            <pc:sldMk cId="272809894" sldId="263"/>
+            <ac:spMk id="25" creationId="{434F74C9-6A0B-409E-AD1C-45B58BE91BB8}"/>
+          </ac:spMkLst>
+        </pc:spChg>
+        <pc:spChg chg="add">
+          <ac:chgData name="David A. Gee" userId="e9ce1845d50193f0" providerId="LiveId" clId="{BEC3EAAE-8953-4B86-818A-C7A5BEB6D013}" dt="2025-03-09T03:07:32.370" v="1935" actId="26606"/>
+          <ac:spMkLst>
+            <pc:docMk/>
+            <pc:sldMk cId="272809894" sldId="263"/>
+            <ac:spMk id="29" creationId="{BE268116-E2A7-4F98-8812-192B4975E49B}"/>
+          </ac:spMkLst>
+        </pc:spChg>
+        <pc:spChg chg="add">
+          <ac:chgData name="David A. Gee" userId="e9ce1845d50193f0" providerId="LiveId" clId="{BEC3EAAE-8953-4B86-818A-C7A5BEB6D013}" dt="2025-03-09T03:07:32.370" v="1935" actId="26606"/>
+          <ac:spMkLst>
+            <pc:docMk/>
+            <pc:sldMk cId="272809894" sldId="263"/>
+            <ac:spMk id="33" creationId="{FBEFFA83-BC6D-4CD2-A2BA-98AD67423BF2}"/>
+          </ac:spMkLst>
+        </pc:spChg>
+        <pc:spChg chg="add">
+          <ac:chgData name="David A. Gee" userId="e9ce1845d50193f0" providerId="LiveId" clId="{BEC3EAAE-8953-4B86-818A-C7A5BEB6D013}" dt="2025-03-09T03:07:32.370" v="1935" actId="26606"/>
+          <ac:spMkLst>
+            <pc:docMk/>
+            <pc:sldMk cId="272809894" sldId="263"/>
+            <ac:spMk id="35" creationId="{AB5696BF-D495-4CAC-AA8A-4EBFF2C32A55}"/>
+          </ac:spMkLst>
+        </pc:spChg>
+        <pc:picChg chg="add mod modCrop">
+          <ac:chgData name="David A. Gee" userId="e9ce1845d50193f0" providerId="LiveId" clId="{BEC3EAAE-8953-4B86-818A-C7A5BEB6D013}" dt="2025-03-09T03:08:26.027" v="1945" actId="1076"/>
+          <ac:picMkLst>
+            <pc:docMk/>
+            <pc:sldMk cId="272809894" sldId="263"/>
+            <ac:picMk id="4" creationId="{145635DB-1D16-0001-D24F-CE0E67C5854F}"/>
+          </ac:picMkLst>
+        </pc:picChg>
+        <pc:picChg chg="del">
+          <ac:chgData name="David A. Gee" userId="e9ce1845d50193f0" providerId="LiveId" clId="{BEC3EAAE-8953-4B86-818A-C7A5BEB6D013}" dt="2025-03-09T01:30:51.857" v="1931" actId="478"/>
+          <ac:picMkLst>
+            <pc:docMk/>
+            <pc:sldMk cId="272809894" sldId="263"/>
+            <ac:picMk id="5" creationId="{DC9B58ED-2CEB-FCCB-87B5-0FC74BEB64DC}"/>
+          </ac:picMkLst>
+        </pc:picChg>
       </pc:sldChg>
     </pc:docChg>
   </pc:docChgLst>
@@ -944,10 +1197,7 @@
           <a:bodyPr/>
           <a:lstStyle/>
           <a:p>
-            <a:r>
-              <a:rPr lang="en-US" dirty="0"/>
-              <a:t>Need excel table with max product distribution and sales then can get back into highest grossing months</a:t>
-            </a:r>
+            <a:endParaRPr lang="en-US" dirty="0"/>
           </a:p>
         </p:txBody>
       </p:sp>
@@ -992,6 +1242,117 @@
   <p:cSld>
     <p:spTree>
       <p:nvGrpSpPr>
+        <p:cNvPr id="1" name="">
+          <a:extLst>
+            <a:ext uri="{FF2B5EF4-FFF2-40B4-BE49-F238E27FC236}">
+              <a16:creationId xmlns:a16="http://schemas.microsoft.com/office/drawing/2014/main" id="{31B1FD38-9F7F-226C-4163-0F70997974CB}"/>
+            </a:ext>
+          </a:extLst>
+        </p:cNvPr>
+        <p:cNvGrpSpPr/>
+        <p:nvPr/>
+      </p:nvGrpSpPr>
+      <p:grpSpPr>
+        <a:xfrm>
+          <a:off x="0" y="0"/>
+          <a:ext cx="0" cy="0"/>
+          <a:chOff x="0" y="0"/>
+          <a:chExt cx="0" cy="0"/>
+        </a:xfrm>
+      </p:grpSpPr>
+      <p:sp>
+        <p:nvSpPr>
+          <p:cNvPr id="2" name="Slide Image Placeholder 1">
+            <a:extLst>
+              <a:ext uri="{FF2B5EF4-FFF2-40B4-BE49-F238E27FC236}">
+                <a16:creationId xmlns:a16="http://schemas.microsoft.com/office/drawing/2014/main" id="{8140CBDA-B49A-B158-61C5-2505974D5F26}"/>
+              </a:ext>
+            </a:extLst>
+          </p:cNvPr>
+          <p:cNvSpPr>
+            <a:spLocks noGrp="1" noRot="1" noChangeAspect="1"/>
+          </p:cNvSpPr>
+          <p:nvPr>
+            <p:ph type="sldImg"/>
+          </p:nvPr>
+        </p:nvSpPr>
+        <p:spPr/>
+      </p:sp>
+      <p:sp>
+        <p:nvSpPr>
+          <p:cNvPr id="3" name="Notes Placeholder 2">
+            <a:extLst>
+              <a:ext uri="{FF2B5EF4-FFF2-40B4-BE49-F238E27FC236}">
+                <a16:creationId xmlns:a16="http://schemas.microsoft.com/office/drawing/2014/main" id="{D0E00651-6DD6-7E9F-B79A-65459052B830}"/>
+              </a:ext>
+            </a:extLst>
+          </p:cNvPr>
+          <p:cNvSpPr>
+            <a:spLocks noGrp="1"/>
+          </p:cNvSpPr>
+          <p:nvPr>
+            <p:ph type="body" idx="1"/>
+          </p:nvPr>
+        </p:nvSpPr>
+        <p:spPr/>
+        <p:txBody>
+          <a:bodyPr/>
+          <a:lstStyle/>
+          <a:p>
+            <a:r>
+              <a:rPr lang="en-US" dirty="0"/>
+              <a:t>Need excel table with max product distribution and sales then can get back into highest grossing months</a:t>
+            </a:r>
+          </a:p>
+        </p:txBody>
+      </p:sp>
+      <p:sp>
+        <p:nvSpPr>
+          <p:cNvPr id="4" name="Slide Number Placeholder 3">
+            <a:extLst>
+              <a:ext uri="{FF2B5EF4-FFF2-40B4-BE49-F238E27FC236}">
+                <a16:creationId xmlns:a16="http://schemas.microsoft.com/office/drawing/2014/main" id="{5B5DBA60-5E83-6B50-0052-1A798F38ECD4}"/>
+              </a:ext>
+            </a:extLst>
+          </p:cNvPr>
+          <p:cNvSpPr>
+            <a:spLocks noGrp="1"/>
+          </p:cNvSpPr>
+          <p:nvPr>
+            <p:ph type="sldNum" sz="quarter" idx="5"/>
+          </p:nvPr>
+        </p:nvSpPr>
+        <p:spPr/>
+        <p:txBody>
+          <a:bodyPr/>
+          <a:lstStyle/>
+          <a:p>
+            <a:fld id="{7A105F5F-2C84-484B-970F-30415024D2D8}" type="slidenum">
+              <a:rPr lang="en-US" smtClean="0"/>
+              <a:t>6</a:t>
+            </a:fld>
+            <a:endParaRPr lang="en-US"/>
+          </a:p>
+        </p:txBody>
+      </p:sp>
+    </p:spTree>
+    <p:extLst>
+      <p:ext uri="{BB962C8B-B14F-4D97-AF65-F5344CB8AC3E}">
+        <p14:creationId xmlns:p14="http://schemas.microsoft.com/office/powerpoint/2010/main" val="3178366312"/>
+      </p:ext>
+    </p:extLst>
+  </p:cSld>
+  <p:clrMapOvr>
+    <a:masterClrMapping/>
+  </p:clrMapOvr>
+</p:notes>
+</file>
+
+<file path=ppt/notesSlides/notesSlide4.xml><?xml version="1.0" encoding="utf-8"?>
+<p:notes xmlns:a="http://schemas.openxmlformats.org/drawingml/2006/main" xmlns:r="http://schemas.openxmlformats.org/officeDocument/2006/relationships" xmlns:p="http://schemas.openxmlformats.org/presentationml/2006/main">
+  <p:cSld>
+    <p:spTree>
+      <p:nvGrpSpPr>
         <p:cNvPr id="1" name=""/>
         <p:cNvGrpSpPr/>
         <p:nvPr/>
@@ -1055,7 +1416,7 @@
           <a:p>
             <a:fld id="{7A105F5F-2C84-484B-970F-30415024D2D8}" type="slidenum">
               <a:rPr lang="en-US" smtClean="0"/>
-              <a:t>7</a:t>
+              <a:t>8</a:t>
             </a:fld>
             <a:endParaRPr lang="en-US"/>
           </a:p>
@@ -5249,7 +5610,7 @@
       </p:grpSpPr>
       <p:sp useBgFill="1">
         <p:nvSpPr>
-          <p:cNvPr id="12" name="Rectangle 11">
+          <p:cNvPr id="23" name="Rectangle 22">
             <a:extLst>
               <a:ext uri="{FF2B5EF4-FFF2-40B4-BE49-F238E27FC236}">
                 <a16:creationId xmlns:a16="http://schemas.microsoft.com/office/drawing/2014/main" id="{284B70D5-875B-433D-BDBD-1522A85D6C1D}"/>
@@ -5344,10 +5705,10 @@
       </p:sp>
       <p:pic>
         <p:nvPicPr>
-          <p:cNvPr id="5" name="Content Placeholder 4" descr="A group of green bars&#10;&#10;AI-generated content may be incorrect.">
+          <p:cNvPr id="4" name="Picture 3" descr="A group of green bars&#10;&#10;AI-generated content may be incorrect.">
             <a:extLst>
               <a:ext uri="{FF2B5EF4-FFF2-40B4-BE49-F238E27FC236}">
-                <a16:creationId xmlns:a16="http://schemas.microsoft.com/office/drawing/2014/main" id="{47709F12-0BC5-16E4-5824-7AB70C32B0B7}"/>
+                <a16:creationId xmlns:a16="http://schemas.microsoft.com/office/drawing/2014/main" id="{346FE6B3-2EC9-2A75-A09C-44A71B60A617}"/>
               </a:ext>
             </a:extLst>
           </p:cNvPr>
@@ -5380,7 +5741,7 @@
       </p:pic>
       <p:cxnSp>
         <p:nvCxnSpPr>
-          <p:cNvPr id="14" name="Straight Connector 13">
+          <p:cNvPr id="25" name="Straight Connector 24">
             <a:extLst>
               <a:ext uri="{FF2B5EF4-FFF2-40B4-BE49-F238E27FC236}">
                 <a16:creationId xmlns:a16="http://schemas.microsoft.com/office/drawing/2014/main" id="{C947DF4A-614C-4B4C-8B80-E5B9D8E8CFED}"/>
@@ -5497,7 +5858,7 @@
       </p:sp>
       <p:sp>
         <p:nvSpPr>
-          <p:cNvPr id="16" name="Rectangle 15">
+          <p:cNvPr id="27" name="Rectangle 26">
             <a:extLst>
               <a:ext uri="{FF2B5EF4-FFF2-40B4-BE49-F238E27FC236}">
                 <a16:creationId xmlns:a16="http://schemas.microsoft.com/office/drawing/2014/main" id="{1E299956-A9E7-4FC1-A0B1-D590CA9730E8}"/>
@@ -5559,7 +5920,7 @@
       </p:sp>
       <p:sp>
         <p:nvSpPr>
-          <p:cNvPr id="18" name="Rectangle 17">
+          <p:cNvPr id="29" name="Rectangle 28">
             <a:extLst>
               <a:ext uri="{FF2B5EF4-FFF2-40B4-BE49-F238E27FC236}">
                 <a16:creationId xmlns:a16="http://schemas.microsoft.com/office/drawing/2014/main" id="{17FC539C-B783-4B03-9F9E-D13430F3F64F}"/>
@@ -5659,7 +6020,7 @@
       </p:grpSpPr>
       <p:sp useBgFill="1">
         <p:nvSpPr>
-          <p:cNvPr id="12" name="Rectangle 11">
+          <p:cNvPr id="23" name="Rectangle 22">
             <a:extLst>
               <a:ext uri="{FF2B5EF4-FFF2-40B4-BE49-F238E27FC236}">
                 <a16:creationId xmlns:a16="http://schemas.microsoft.com/office/drawing/2014/main" id="{284B70D5-875B-433D-BDBD-1522A85D6C1D}"/>
@@ -5741,12 +6102,12 @@
         </p:spPr>
         <p:txBody>
           <a:bodyPr>
-            <a:noAutofit/>
+            <a:normAutofit/>
           </a:bodyPr>
           <a:lstStyle/>
           <a:p>
             <a:r>
-              <a:rPr lang="en-US" sz="4000" dirty="0"/>
+              <a:rPr lang="en-US" sz="3400"/>
               <a:t>Product Distribution – Most Distributed</a:t>
             </a:r>
           </a:p>
@@ -5754,10 +6115,10 @@
       </p:sp>
       <p:pic>
         <p:nvPicPr>
-          <p:cNvPr id="5" name="Content Placeholder 4" descr="A group of green bars&#10;&#10;AI-generated content may be incorrect.">
+          <p:cNvPr id="4" name="Picture 3" descr="A group of green bars with red lines&#10;&#10;AI-generated content may be incorrect.">
             <a:extLst>
               <a:ext uri="{FF2B5EF4-FFF2-40B4-BE49-F238E27FC236}">
-                <a16:creationId xmlns:a16="http://schemas.microsoft.com/office/drawing/2014/main" id="{E16EF5AE-56D4-EFCF-C7B4-3681859EFB57}"/>
+                <a16:creationId xmlns:a16="http://schemas.microsoft.com/office/drawing/2014/main" id="{A34EE503-9450-F633-8FFA-43F8E52C350F}"/>
               </a:ext>
             </a:extLst>
           </p:cNvPr>
@@ -5790,7 +6151,7 @@
       </p:pic>
       <p:cxnSp>
         <p:nvCxnSpPr>
-          <p:cNvPr id="14" name="Straight Connector 13">
+          <p:cNvPr id="25" name="Straight Connector 24">
             <a:extLst>
               <a:ext uri="{FF2B5EF4-FFF2-40B4-BE49-F238E27FC236}">
                 <a16:creationId xmlns:a16="http://schemas.microsoft.com/office/drawing/2014/main" id="{C947DF4A-614C-4B4C-8B80-E5B9D8E8CFED}"/>
@@ -5893,7 +6254,7 @@
       </p:sp>
       <p:sp>
         <p:nvSpPr>
-          <p:cNvPr id="16" name="Rectangle 15">
+          <p:cNvPr id="27" name="Rectangle 26">
             <a:extLst>
               <a:ext uri="{FF2B5EF4-FFF2-40B4-BE49-F238E27FC236}">
                 <a16:creationId xmlns:a16="http://schemas.microsoft.com/office/drawing/2014/main" id="{1E299956-A9E7-4FC1-A0B1-D590CA9730E8}"/>
@@ -5955,7 +6316,7 @@
       </p:sp>
       <p:sp>
         <p:nvSpPr>
-          <p:cNvPr id="18" name="Rectangle 17">
+          <p:cNvPr id="29" name="Rectangle 28">
             <a:extLst>
               <a:ext uri="{FF2B5EF4-FFF2-40B4-BE49-F238E27FC236}">
                 <a16:creationId xmlns:a16="http://schemas.microsoft.com/office/drawing/2014/main" id="{17FC539C-B783-4B03-9F9E-D13430F3F64F}"/>
@@ -6031,6 +6392,14 @@
 <file path=ppt/slides/slide5.xml><?xml version="1.0" encoding="utf-8"?>
 <p:sld xmlns:a="http://schemas.openxmlformats.org/drawingml/2006/main" xmlns:r="http://schemas.openxmlformats.org/officeDocument/2006/relationships" xmlns:p="http://schemas.openxmlformats.org/presentationml/2006/main">
   <p:cSld>
+    <p:bg>
+      <p:bgPr>
+        <a:solidFill>
+          <a:schemeClr val="bg1"/>
+        </a:solidFill>
+        <a:effectLst/>
+      </p:bgPr>
+    </p:bg>
     <p:spTree>
       <p:nvGrpSpPr>
         <p:cNvPr id="1" name=""/>
@@ -6045,6 +6414,66 @@
           <a:chExt cx="0" cy="0"/>
         </a:xfrm>
       </p:grpSpPr>
+      <p:sp useBgFill="1">
+        <p:nvSpPr>
+          <p:cNvPr id="12" name="Rectangle 11">
+            <a:extLst>
+              <a:ext uri="{FF2B5EF4-FFF2-40B4-BE49-F238E27FC236}">
+                <a16:creationId xmlns:a16="http://schemas.microsoft.com/office/drawing/2014/main" id="{284B70D5-875B-433D-BDBD-1522A85D6C1D}"/>
+              </a:ext>
+              <a:ext uri="{C183D7F6-B498-43B3-948B-1728B52AA6E4}">
+                <adec:decorative xmlns:adec="http://schemas.microsoft.com/office/drawing/2017/decorative" val="1"/>
+              </a:ext>
+            </a:extLst>
+          </p:cNvPr>
+          <p:cNvSpPr>
+            <a:spLocks noGrp="1" noRot="1" noChangeAspect="1" noMove="1" noResize="1" noEditPoints="1" noAdjustHandles="1" noChangeArrowheads="1" noChangeShapeType="1" noTextEdit="1"/>
+          </p:cNvSpPr>
+          <p:nvPr>
+            <p:extLst>
+              <p:ext uri="{386F3935-93C4-4BCD-93E2-E3B085C9AB24}">
+                <p16:designElem xmlns:p16="http://schemas.microsoft.com/office/powerpoint/2015/main" val="1"/>
+              </p:ext>
+            </p:extLst>
+          </p:nvPr>
+        </p:nvSpPr>
+        <p:spPr>
+          <a:xfrm>
+            <a:off x="0" y="0"/>
+            <a:ext cx="12192001" cy="6334316"/>
+          </a:xfrm>
+          <a:prstGeom prst="rect">
+            <a:avLst/>
+          </a:prstGeom>
+          <a:ln>
+            <a:noFill/>
+          </a:ln>
+        </p:spPr>
+        <p:style>
+          <a:lnRef idx="2">
+            <a:schemeClr val="accent1">
+              <a:shade val="50000"/>
+            </a:schemeClr>
+          </a:lnRef>
+          <a:fillRef idx="1">
+            <a:schemeClr val="accent1"/>
+          </a:fillRef>
+          <a:effectRef idx="0">
+            <a:schemeClr val="accent1"/>
+          </a:effectRef>
+          <a:fontRef idx="minor">
+            <a:schemeClr val="lt1"/>
+          </a:fontRef>
+        </p:style>
+        <p:txBody>
+          <a:bodyPr rtlCol="0" anchor="ctr"/>
+          <a:lstStyle/>
+          <a:p>
+            <a:pPr algn="ctr"/>
+            <a:endParaRPr lang="en-US"/>
+          </a:p>
+        </p:txBody>
+      </p:sp>
       <p:sp>
         <p:nvSpPr>
           <p:cNvPr id="2" name="Title 1">
@@ -6061,24 +6490,123 @@
             <p:ph type="title"/>
           </p:nvPr>
         </p:nvSpPr>
-        <p:spPr/>
-        <p:txBody>
-          <a:bodyPr/>
+        <p:spPr>
+          <a:xfrm>
+            <a:off x="7859485" y="634946"/>
+            <a:ext cx="3690257" cy="1450757"/>
+          </a:xfrm>
+        </p:spPr>
+        <p:txBody>
+          <a:bodyPr>
+            <a:normAutofit/>
+          </a:bodyPr>
           <a:lstStyle/>
           <a:p>
             <a:endParaRPr lang="en-US"/>
           </a:p>
         </p:txBody>
       </p:sp>
-      <p:sp>
-        <p:nvSpPr>
-          <p:cNvPr id="3" name="Content Placeholder 2">
+      <p:pic>
+        <p:nvPicPr>
+          <p:cNvPr id="5" name="Content Placeholder 4" descr="A graph of the country's rising prices&#10;&#10;AI-generated content may be incorrect.">
             <a:extLst>
               <a:ext uri="{FF2B5EF4-FFF2-40B4-BE49-F238E27FC236}">
-                <a16:creationId xmlns:a16="http://schemas.microsoft.com/office/drawing/2014/main" id="{61BF70ED-778D-355E-F84F-ABA46269311B}"/>
+                <a16:creationId xmlns:a16="http://schemas.microsoft.com/office/drawing/2014/main" id="{0371389D-F31C-3CF7-D777-2640DD275FF2}"/>
               </a:ext>
             </a:extLst>
           </p:cNvPr>
+          <p:cNvPicPr>
+            <a:picLocks noChangeAspect="1"/>
+          </p:cNvPicPr>
+          <p:nvPr/>
+        </p:nvPicPr>
+        <p:blipFill>
+          <a:blip r:embed="rId3">
+            <a:extLst>
+              <a:ext uri="{28A0092B-C50C-407E-A947-70E740481C1C}">
+                <a14:useLocalDpi xmlns:a14="http://schemas.microsoft.com/office/drawing/2010/main" val="0"/>
+              </a:ext>
+            </a:extLst>
+          </a:blip>
+          <a:stretch>
+            <a:fillRect/>
+          </a:stretch>
+        </p:blipFill>
+        <p:spPr>
+          <a:xfrm>
+            <a:off x="633999" y="991138"/>
+            <a:ext cx="6909801" cy="4612292"/>
+          </a:xfrm>
+          <a:prstGeom prst="rect">
+            <a:avLst/>
+          </a:prstGeom>
+        </p:spPr>
+      </p:pic>
+      <p:cxnSp>
+        <p:nvCxnSpPr>
+          <p:cNvPr id="14" name="Straight Connector 13">
+            <a:extLst>
+              <a:ext uri="{FF2B5EF4-FFF2-40B4-BE49-F238E27FC236}">
+                <a16:creationId xmlns:a16="http://schemas.microsoft.com/office/drawing/2014/main" id="{C947DF4A-614C-4B4C-8B80-E5B9D8E8CFED}"/>
+              </a:ext>
+              <a:ext uri="{C183D7F6-B498-43B3-948B-1728B52AA6E4}">
+                <adec:decorative xmlns:adec="http://schemas.microsoft.com/office/drawing/2017/decorative" val="1"/>
+              </a:ext>
+            </a:extLst>
+          </p:cNvPr>
+          <p:cNvCxnSpPr>
+            <a:cxnSpLocks noGrp="1" noRot="1" noChangeAspect="1" noMove="1" noResize="1" noEditPoints="1" noAdjustHandles="1" noChangeArrowheads="1" noChangeShapeType="1"/>
+          </p:cNvCxnSpPr>
+          <p:nvPr>
+            <p:extLst>
+              <p:ext uri="{386F3935-93C4-4BCD-93E2-E3B085C9AB24}">
+                <p16:designElem xmlns:p16="http://schemas.microsoft.com/office/powerpoint/2015/main" val="1"/>
+              </p:ext>
+            </p:extLst>
+          </p:nvPr>
+        </p:nvCxnSpPr>
+        <p:spPr>
+          <a:xfrm>
+            <a:off x="7892143" y="2085703"/>
+            <a:ext cx="3566160" cy="0"/>
+          </a:xfrm>
+          <a:prstGeom prst="line">
+            <a:avLst/>
+          </a:prstGeom>
+          <a:ln w="6350">
+            <a:solidFill>
+              <a:schemeClr val="tx1">
+                <a:lumMod val="50000"/>
+                <a:lumOff val="50000"/>
+                <a:alpha val="90000"/>
+              </a:schemeClr>
+            </a:solidFill>
+          </a:ln>
+        </p:spPr>
+        <p:style>
+          <a:lnRef idx="1">
+            <a:schemeClr val="accent1"/>
+          </a:lnRef>
+          <a:fillRef idx="0">
+            <a:schemeClr val="accent1"/>
+          </a:fillRef>
+          <a:effectRef idx="0">
+            <a:schemeClr val="accent1"/>
+          </a:effectRef>
+          <a:fontRef idx="minor">
+            <a:schemeClr val="tx1"/>
+          </a:fontRef>
+        </p:style>
+      </p:cxnSp>
+      <p:sp>
+        <p:nvSpPr>
+          <p:cNvPr id="9" name="Content Placeholder 8">
+            <a:extLst>
+              <a:ext uri="{FF2B5EF4-FFF2-40B4-BE49-F238E27FC236}">
+                <a16:creationId xmlns:a16="http://schemas.microsoft.com/office/drawing/2014/main" id="{AD4BB943-CFDF-03FD-1E85-C4DFE6D082A6}"/>
+              </a:ext>
+            </a:extLst>
+          </p:cNvPr>
           <p:cNvSpPr>
             <a:spLocks noGrp="1"/>
           </p:cNvSpPr>
@@ -6086,7 +6614,138 @@
             <p:ph idx="1"/>
           </p:nvPr>
         </p:nvSpPr>
-        <p:spPr/>
+        <p:spPr>
+          <a:xfrm>
+            <a:off x="7859485" y="2198914"/>
+            <a:ext cx="3690257" cy="3670180"/>
+          </a:xfrm>
+        </p:spPr>
+        <p:txBody>
+          <a:bodyPr>
+            <a:normAutofit/>
+          </a:bodyPr>
+          <a:lstStyle/>
+          <a:p>
+            <a:endParaRPr lang="en-US"/>
+          </a:p>
+        </p:txBody>
+      </p:sp>
+      <p:sp>
+        <p:nvSpPr>
+          <p:cNvPr id="16" name="Rectangle 15">
+            <a:extLst>
+              <a:ext uri="{FF2B5EF4-FFF2-40B4-BE49-F238E27FC236}">
+                <a16:creationId xmlns:a16="http://schemas.microsoft.com/office/drawing/2014/main" id="{1E299956-A9E7-4FC1-A0B1-D590CA9730E8}"/>
+              </a:ext>
+              <a:ext uri="{C183D7F6-B498-43B3-948B-1728B52AA6E4}">
+                <adec:decorative xmlns:adec="http://schemas.microsoft.com/office/drawing/2017/decorative" val="1"/>
+              </a:ext>
+            </a:extLst>
+          </p:cNvPr>
+          <p:cNvSpPr>
+            <a:spLocks noGrp="1" noRot="1" noChangeAspect="1" noMove="1" noResize="1" noEditPoints="1" noAdjustHandles="1" noChangeArrowheads="1" noChangeShapeType="1" noTextEdit="1"/>
+          </p:cNvSpPr>
+          <p:nvPr>
+            <p:extLst>
+              <p:ext uri="{386F3935-93C4-4BCD-93E2-E3B085C9AB24}">
+                <p16:designElem xmlns:p16="http://schemas.microsoft.com/office/powerpoint/2015/main" val="1"/>
+              </p:ext>
+            </p:extLst>
+          </p:nvPr>
+        </p:nvSpPr>
+        <p:spPr>
+          <a:xfrm>
+            <a:off x="15" y="6334316"/>
+            <a:ext cx="12191985" cy="66484"/>
+          </a:xfrm>
+          <a:prstGeom prst="rect">
+            <a:avLst/>
+          </a:prstGeom>
+          <a:solidFill>
+            <a:schemeClr val="accent1"/>
+          </a:solidFill>
+          <a:ln>
+            <a:noFill/>
+          </a:ln>
+        </p:spPr>
+        <p:style>
+          <a:lnRef idx="2">
+            <a:schemeClr val="accent1">
+              <a:shade val="50000"/>
+            </a:schemeClr>
+          </a:lnRef>
+          <a:fillRef idx="1">
+            <a:schemeClr val="accent1"/>
+          </a:fillRef>
+          <a:effectRef idx="0">
+            <a:schemeClr val="accent1"/>
+          </a:effectRef>
+          <a:fontRef idx="minor">
+            <a:schemeClr val="lt1"/>
+          </a:fontRef>
+        </p:style>
+        <p:txBody>
+          <a:bodyPr/>
+          <a:lstStyle/>
+          <a:p>
+            <a:endParaRPr lang="en-US"/>
+          </a:p>
+        </p:txBody>
+      </p:sp>
+      <p:sp>
+        <p:nvSpPr>
+          <p:cNvPr id="18" name="Rectangle 17">
+            <a:extLst>
+              <a:ext uri="{FF2B5EF4-FFF2-40B4-BE49-F238E27FC236}">
+                <a16:creationId xmlns:a16="http://schemas.microsoft.com/office/drawing/2014/main" id="{17FC539C-B783-4B03-9F9E-D13430F3F64F}"/>
+              </a:ext>
+              <a:ext uri="{C183D7F6-B498-43B3-948B-1728B52AA6E4}">
+                <adec:decorative xmlns:adec="http://schemas.microsoft.com/office/drawing/2017/decorative" val="1"/>
+              </a:ext>
+            </a:extLst>
+          </p:cNvPr>
+          <p:cNvSpPr>
+            <a:spLocks noGrp="1" noRot="1" noChangeAspect="1" noMove="1" noResize="1" noEditPoints="1" noAdjustHandles="1" noChangeArrowheads="1" noChangeShapeType="1" noTextEdit="1"/>
+          </p:cNvSpPr>
+          <p:nvPr>
+            <p:extLst>
+              <p:ext uri="{386F3935-93C4-4BCD-93E2-E3B085C9AB24}">
+                <p16:designElem xmlns:p16="http://schemas.microsoft.com/office/powerpoint/2015/main" val="1"/>
+              </p:ext>
+            </p:extLst>
+          </p:nvPr>
+        </p:nvSpPr>
+        <p:spPr>
+          <a:xfrm>
+            <a:off x="1" y="6400800"/>
+            <a:ext cx="12192000" cy="457200"/>
+          </a:xfrm>
+          <a:prstGeom prst="rect">
+            <a:avLst/>
+          </a:prstGeom>
+          <a:solidFill>
+            <a:schemeClr val="accent2"/>
+          </a:solidFill>
+          <a:ln>
+            <a:noFill/>
+          </a:ln>
+        </p:spPr>
+        <p:style>
+          <a:lnRef idx="2">
+            <a:schemeClr val="accent1">
+              <a:shade val="50000"/>
+            </a:schemeClr>
+          </a:lnRef>
+          <a:fillRef idx="1">
+            <a:schemeClr val="accent1"/>
+          </a:fillRef>
+          <a:effectRef idx="0">
+            <a:schemeClr val="accent1"/>
+          </a:effectRef>
+          <a:fontRef idx="minor">
+            <a:schemeClr val="lt1"/>
+          </a:fontRef>
+        </p:style>
         <p:txBody>
           <a:bodyPr/>
           <a:lstStyle/>
@@ -6111,6 +6770,543 @@
 <file path=ppt/slides/slide6.xml><?xml version="1.0" encoding="utf-8"?>
 <p:sld xmlns:a="http://schemas.openxmlformats.org/drawingml/2006/main" xmlns:r="http://schemas.openxmlformats.org/officeDocument/2006/relationships" xmlns:p="http://schemas.openxmlformats.org/presentationml/2006/main">
   <p:cSld>
+    <p:bg>
+      <p:bgPr>
+        <a:solidFill>
+          <a:schemeClr val="bg1"/>
+        </a:solidFill>
+        <a:effectLst/>
+      </p:bgPr>
+    </p:bg>
+    <p:spTree>
+      <p:nvGrpSpPr>
+        <p:cNvPr id="1" name="">
+          <a:extLst>
+            <a:ext uri="{FF2B5EF4-FFF2-40B4-BE49-F238E27FC236}">
+              <a16:creationId xmlns:a16="http://schemas.microsoft.com/office/drawing/2014/main" id="{EB1D4BB8-EEBB-A993-3B02-FCCF34389390}"/>
+            </a:ext>
+          </a:extLst>
+        </p:cNvPr>
+        <p:cNvGrpSpPr/>
+        <p:nvPr/>
+      </p:nvGrpSpPr>
+      <p:grpSpPr>
+        <a:xfrm>
+          <a:off x="0" y="0"/>
+          <a:ext cx="0" cy="0"/>
+          <a:chOff x="0" y="0"/>
+          <a:chExt cx="0" cy="0"/>
+        </a:xfrm>
+      </p:grpSpPr>
+      <p:sp>
+        <p:nvSpPr>
+          <p:cNvPr id="23" name="Rectangle 22">
+            <a:extLst>
+              <a:ext uri="{FF2B5EF4-FFF2-40B4-BE49-F238E27FC236}">
+                <a16:creationId xmlns:a16="http://schemas.microsoft.com/office/drawing/2014/main" id="{25C8D2C1-DA83-420D-9635-D52CE066B5DA}"/>
+              </a:ext>
+              <a:ext uri="{C183D7F6-B498-43B3-948B-1728B52AA6E4}">
+                <adec:decorative xmlns:adec="http://schemas.microsoft.com/office/drawing/2017/decorative" val="1"/>
+              </a:ext>
+            </a:extLst>
+          </p:cNvPr>
+          <p:cNvSpPr>
+            <a:spLocks noGrp="1" noRot="1" noChangeAspect="1" noMove="1" noResize="1" noEditPoints="1" noAdjustHandles="1" noChangeArrowheads="1" noChangeShapeType="1" noTextEdit="1"/>
+          </p:cNvSpPr>
+          <p:nvPr>
+            <p:extLst>
+              <p:ext uri="{386F3935-93C4-4BCD-93E2-E3B085C9AB24}">
+                <p16:designElem xmlns:p16="http://schemas.microsoft.com/office/powerpoint/2015/main" val="1"/>
+              </p:ext>
+            </p:extLst>
+          </p:nvPr>
+        </p:nvSpPr>
+        <p:spPr>
+          <a:xfrm>
+            <a:off x="3175" y="6400800"/>
+            <a:ext cx="12188825" cy="457200"/>
+          </a:xfrm>
+          <a:prstGeom prst="rect">
+            <a:avLst/>
+          </a:prstGeom>
+          <a:solidFill>
+            <a:schemeClr val="accent2"/>
+          </a:solidFill>
+          <a:ln>
+            <a:noFill/>
+          </a:ln>
+        </p:spPr>
+        <p:style>
+          <a:lnRef idx="2">
+            <a:schemeClr val="accent1">
+              <a:shade val="50000"/>
+            </a:schemeClr>
+          </a:lnRef>
+          <a:fillRef idx="1">
+            <a:schemeClr val="accent1"/>
+          </a:fillRef>
+          <a:effectRef idx="0">
+            <a:schemeClr val="accent1"/>
+          </a:effectRef>
+          <a:fontRef idx="minor">
+            <a:schemeClr val="lt1"/>
+          </a:fontRef>
+        </p:style>
+        <p:txBody>
+          <a:bodyPr/>
+          <a:lstStyle/>
+          <a:p>
+            <a:endParaRPr lang="en-US"/>
+          </a:p>
+        </p:txBody>
+      </p:sp>
+      <p:sp>
+        <p:nvSpPr>
+          <p:cNvPr id="25" name="Rectangle 24">
+            <a:extLst>
+              <a:ext uri="{FF2B5EF4-FFF2-40B4-BE49-F238E27FC236}">
+                <a16:creationId xmlns:a16="http://schemas.microsoft.com/office/drawing/2014/main" id="{434F74C9-6A0B-409E-AD1C-45B58BE91BB8}"/>
+              </a:ext>
+              <a:ext uri="{C183D7F6-B498-43B3-948B-1728B52AA6E4}">
+                <adec:decorative xmlns:adec="http://schemas.microsoft.com/office/drawing/2017/decorative" val="1"/>
+              </a:ext>
+            </a:extLst>
+          </p:cNvPr>
+          <p:cNvSpPr>
+            <a:spLocks noGrp="1" noRot="1" noChangeAspect="1" noMove="1" noResize="1" noEditPoints="1" noAdjustHandles="1" noChangeArrowheads="1" noChangeShapeType="1" noTextEdit="1"/>
+          </p:cNvSpPr>
+          <p:nvPr>
+            <p:extLst>
+              <p:ext uri="{386F3935-93C4-4BCD-93E2-E3B085C9AB24}">
+                <p16:designElem xmlns:p16="http://schemas.microsoft.com/office/powerpoint/2015/main" val="1"/>
+              </p:ext>
+            </p:extLst>
+          </p:nvPr>
+        </p:nvSpPr>
+        <p:spPr>
+          <a:xfrm>
+            <a:off x="15" y="6334316"/>
+            <a:ext cx="12188825" cy="64008"/>
+          </a:xfrm>
+          <a:prstGeom prst="rect">
+            <a:avLst/>
+          </a:prstGeom>
+          <a:solidFill>
+            <a:schemeClr val="accent1"/>
+          </a:solidFill>
+          <a:ln>
+            <a:noFill/>
+          </a:ln>
+        </p:spPr>
+        <p:style>
+          <a:lnRef idx="2">
+            <a:schemeClr val="accent1">
+              <a:shade val="50000"/>
+            </a:schemeClr>
+          </a:lnRef>
+          <a:fillRef idx="1">
+            <a:schemeClr val="accent1"/>
+          </a:fillRef>
+          <a:effectRef idx="0">
+            <a:schemeClr val="accent1"/>
+          </a:effectRef>
+          <a:fontRef idx="minor">
+            <a:schemeClr val="lt1"/>
+          </a:fontRef>
+        </p:style>
+        <p:txBody>
+          <a:bodyPr/>
+          <a:lstStyle/>
+          <a:p>
+            <a:endParaRPr lang="en-US"/>
+          </a:p>
+        </p:txBody>
+      </p:sp>
+      <p:cxnSp>
+        <p:nvCxnSpPr>
+          <p:cNvPr id="27" name="Straight Connector 26">
+            <a:extLst>
+              <a:ext uri="{FF2B5EF4-FFF2-40B4-BE49-F238E27FC236}">
+                <a16:creationId xmlns:a16="http://schemas.microsoft.com/office/drawing/2014/main" id="{F5486A9D-1265-4B57-91E6-68E666B978BC}"/>
+              </a:ext>
+              <a:ext uri="{C183D7F6-B498-43B3-948B-1728B52AA6E4}">
+                <adec:decorative xmlns:adec="http://schemas.microsoft.com/office/drawing/2017/decorative" val="1"/>
+              </a:ext>
+            </a:extLst>
+          </p:cNvPr>
+          <p:cNvCxnSpPr>
+            <a:cxnSpLocks noGrp="1" noRot="1" noChangeAspect="1" noMove="1" noResize="1" noEditPoints="1" noAdjustHandles="1" noChangeArrowheads="1" noChangeShapeType="1"/>
+          </p:cNvCxnSpPr>
+          <p:nvPr>
+            <p:extLst>
+              <p:ext uri="{386F3935-93C4-4BCD-93E2-E3B085C9AB24}">
+                <p16:designElem xmlns:p16="http://schemas.microsoft.com/office/powerpoint/2015/main" val="1"/>
+              </p:ext>
+            </p:extLst>
+          </p:nvPr>
+        </p:nvCxnSpPr>
+        <p:spPr>
+          <a:xfrm>
+            <a:off x="1207658" y="4343400"/>
+            <a:ext cx="9875520" cy="0"/>
+          </a:xfrm>
+          <a:prstGeom prst="line">
+            <a:avLst/>
+          </a:prstGeom>
+          <a:ln w="6350">
+            <a:solidFill>
+              <a:schemeClr val="tx1">
+                <a:lumMod val="50000"/>
+                <a:lumOff val="50000"/>
+              </a:schemeClr>
+            </a:solidFill>
+          </a:ln>
+        </p:spPr>
+        <p:style>
+          <a:lnRef idx="1">
+            <a:schemeClr val="accent1"/>
+          </a:lnRef>
+          <a:fillRef idx="0">
+            <a:schemeClr val="accent1"/>
+          </a:fillRef>
+          <a:effectRef idx="0">
+            <a:schemeClr val="accent1"/>
+          </a:effectRef>
+          <a:fontRef idx="minor">
+            <a:schemeClr val="tx1"/>
+          </a:fontRef>
+        </p:style>
+      </p:cxnSp>
+      <p:sp useBgFill="1">
+        <p:nvSpPr>
+          <p:cNvPr id="29" name="Rectangle 28">
+            <a:extLst>
+              <a:ext uri="{FF2B5EF4-FFF2-40B4-BE49-F238E27FC236}">
+                <a16:creationId xmlns:a16="http://schemas.microsoft.com/office/drawing/2014/main" id="{BE268116-E2A7-4F98-8812-192B4975E49B}"/>
+              </a:ext>
+              <a:ext uri="{C183D7F6-B498-43B3-948B-1728B52AA6E4}">
+                <adec:decorative xmlns:adec="http://schemas.microsoft.com/office/drawing/2017/decorative" val="1"/>
+              </a:ext>
+            </a:extLst>
+          </p:cNvPr>
+          <p:cNvSpPr>
+            <a:spLocks noGrp="1" noRot="1" noChangeAspect="1" noMove="1" noResize="1" noEditPoints="1" noAdjustHandles="1" noChangeArrowheads="1" noChangeShapeType="1" noTextEdit="1"/>
+          </p:cNvSpPr>
+          <p:nvPr>
+            <p:extLst>
+              <p:ext uri="{386F3935-93C4-4BCD-93E2-E3B085C9AB24}">
+                <p16:designElem xmlns:p16="http://schemas.microsoft.com/office/powerpoint/2015/main" val="1"/>
+              </p:ext>
+            </p:extLst>
+          </p:nvPr>
+        </p:nvSpPr>
+        <p:spPr>
+          <a:xfrm>
+            <a:off x="0" y="0"/>
+            <a:ext cx="12192001" cy="6334316"/>
+          </a:xfrm>
+          <a:prstGeom prst="rect">
+            <a:avLst/>
+          </a:prstGeom>
+          <a:ln>
+            <a:noFill/>
+          </a:ln>
+        </p:spPr>
+        <p:style>
+          <a:lnRef idx="2">
+            <a:schemeClr val="accent1">
+              <a:shade val="50000"/>
+            </a:schemeClr>
+          </a:lnRef>
+          <a:fillRef idx="1">
+            <a:schemeClr val="accent1"/>
+          </a:fillRef>
+          <a:effectRef idx="0">
+            <a:schemeClr val="accent1"/>
+          </a:effectRef>
+          <a:fontRef idx="minor">
+            <a:schemeClr val="lt1"/>
+          </a:fontRef>
+        </p:style>
+        <p:txBody>
+          <a:bodyPr rtlCol="0" anchor="ctr"/>
+          <a:lstStyle/>
+          <a:p>
+            <a:pPr algn="ctr"/>
+            <a:endParaRPr lang="en-US"/>
+          </a:p>
+        </p:txBody>
+      </p:sp>
+      <p:sp>
+        <p:nvSpPr>
+          <p:cNvPr id="2" name="Title 1">
+            <a:extLst>
+              <a:ext uri="{FF2B5EF4-FFF2-40B4-BE49-F238E27FC236}">
+                <a16:creationId xmlns:a16="http://schemas.microsoft.com/office/drawing/2014/main" id="{EB74B43D-14EB-B348-476D-2BAF120DFFFB}"/>
+              </a:ext>
+            </a:extLst>
+          </p:cNvPr>
+          <p:cNvSpPr>
+            <a:spLocks noGrp="1"/>
+          </p:cNvSpPr>
+          <p:nvPr>
+            <p:ph type="title"/>
+          </p:nvPr>
+        </p:nvSpPr>
+        <p:spPr>
+          <a:xfrm>
+            <a:off x="633999" y="4550229"/>
+            <a:ext cx="10909073" cy="1057655"/>
+          </a:xfrm>
+        </p:spPr>
+        <p:txBody>
+          <a:bodyPr vert="horz" lIns="91440" tIns="45720" rIns="91440" bIns="45720" rtlCol="0" anchor="b">
+            <a:normAutofit/>
+          </a:bodyPr>
+          <a:lstStyle/>
+          <a:p>
+            <a:endParaRPr lang="en-US" sz="6000">
+              <a:solidFill>
+                <a:schemeClr val="tx1">
+                  <a:lumMod val="85000"/>
+                  <a:lumOff val="15000"/>
+                </a:schemeClr>
+              </a:solidFill>
+            </a:endParaRPr>
+          </a:p>
+        </p:txBody>
+      </p:sp>
+      <p:pic>
+        <p:nvPicPr>
+          <p:cNvPr id="4" name="Content Placeholder 3" descr="A table with a green and white background&#10;&#10;AI-generated content may be incorrect.">
+            <a:extLst>
+              <a:ext uri="{FF2B5EF4-FFF2-40B4-BE49-F238E27FC236}">
+                <a16:creationId xmlns:a16="http://schemas.microsoft.com/office/drawing/2014/main" id="{145635DB-1D16-0001-D24F-CE0E67C5854F}"/>
+              </a:ext>
+            </a:extLst>
+          </p:cNvPr>
+          <p:cNvPicPr>
+            <a:picLocks noGrp="1" noChangeAspect="1"/>
+          </p:cNvPicPr>
+          <p:nvPr>
+            <p:ph idx="1"/>
+          </p:nvPr>
+        </p:nvPicPr>
+        <p:blipFill>
+          <a:blip r:embed="rId3">
+            <a:extLst>
+              <a:ext uri="{28A0092B-C50C-407E-A947-70E740481C1C}">
+                <a14:useLocalDpi xmlns:a14="http://schemas.microsoft.com/office/drawing/2010/main" val="0"/>
+              </a:ext>
+            </a:extLst>
+          </a:blip>
+          <a:srcRect l="11968" t="36173" r="8952" b="34471"/>
+          <a:stretch/>
+        </p:blipFill>
+        <p:spPr>
+          <a:xfrm>
+            <a:off x="123331" y="1268408"/>
+            <a:ext cx="11711110" cy="1282522"/>
+          </a:xfrm>
+          <a:prstGeom prst="rect">
+            <a:avLst/>
+          </a:prstGeom>
+        </p:spPr>
+      </p:pic>
+      <p:cxnSp>
+        <p:nvCxnSpPr>
+          <p:cNvPr id="31" name="Straight Connector 30">
+            <a:extLst>
+              <a:ext uri="{FF2B5EF4-FFF2-40B4-BE49-F238E27FC236}">
+                <a16:creationId xmlns:a16="http://schemas.microsoft.com/office/drawing/2014/main" id="{73D8893D-DEBE-4F67-901F-166F75E9C6E7}"/>
+              </a:ext>
+              <a:ext uri="{C183D7F6-B498-43B3-948B-1728B52AA6E4}">
+                <adec:decorative xmlns:adec="http://schemas.microsoft.com/office/drawing/2017/decorative" val="1"/>
+              </a:ext>
+            </a:extLst>
+          </p:cNvPr>
+          <p:cNvCxnSpPr>
+            <a:cxnSpLocks noGrp="1" noRot="1" noChangeAspect="1" noMove="1" noResize="1" noEditPoints="1" noAdjustHandles="1" noChangeArrowheads="1" noChangeShapeType="1"/>
+          </p:cNvCxnSpPr>
+          <p:nvPr>
+            <p:extLst>
+              <p:ext uri="{386F3935-93C4-4BCD-93E2-E3B085C9AB24}">
+                <p16:designElem xmlns:p16="http://schemas.microsoft.com/office/powerpoint/2015/main" val="1"/>
+              </p:ext>
+            </p:extLst>
+          </p:nvPr>
+        </p:nvCxnSpPr>
+        <p:spPr>
+          <a:xfrm>
+            <a:off x="721086" y="5618770"/>
+            <a:ext cx="10515600" cy="0"/>
+          </a:xfrm>
+          <a:prstGeom prst="line">
+            <a:avLst/>
+          </a:prstGeom>
+          <a:ln w="6350">
+            <a:solidFill>
+              <a:schemeClr val="tx2">
+                <a:alpha val="90000"/>
+              </a:schemeClr>
+            </a:solidFill>
+          </a:ln>
+        </p:spPr>
+        <p:style>
+          <a:lnRef idx="1">
+            <a:schemeClr val="accent1"/>
+          </a:lnRef>
+          <a:fillRef idx="0">
+            <a:schemeClr val="accent1"/>
+          </a:fillRef>
+          <a:effectRef idx="0">
+            <a:schemeClr val="accent1"/>
+          </a:effectRef>
+          <a:fontRef idx="minor">
+            <a:schemeClr val="tx1"/>
+          </a:fontRef>
+        </p:style>
+      </p:cxnSp>
+      <p:sp>
+        <p:nvSpPr>
+          <p:cNvPr id="33" name="Rectangle 32">
+            <a:extLst>
+              <a:ext uri="{FF2B5EF4-FFF2-40B4-BE49-F238E27FC236}">
+                <a16:creationId xmlns:a16="http://schemas.microsoft.com/office/drawing/2014/main" id="{FBEFFA83-BC6D-4CD2-A2BA-98AD67423BF2}"/>
+              </a:ext>
+              <a:ext uri="{C183D7F6-B498-43B3-948B-1728B52AA6E4}">
+                <adec:decorative xmlns:adec="http://schemas.microsoft.com/office/drawing/2017/decorative" val="1"/>
+              </a:ext>
+            </a:extLst>
+          </p:cNvPr>
+          <p:cNvSpPr>
+            <a:spLocks noGrp="1" noRot="1" noChangeAspect="1" noMove="1" noResize="1" noEditPoints="1" noAdjustHandles="1" noChangeArrowheads="1" noChangeShapeType="1" noTextEdit="1"/>
+          </p:cNvSpPr>
+          <p:nvPr>
+            <p:extLst>
+              <p:ext uri="{386F3935-93C4-4BCD-93E2-E3B085C9AB24}">
+                <p16:designElem xmlns:p16="http://schemas.microsoft.com/office/powerpoint/2015/main" val="1"/>
+              </p:ext>
+            </p:extLst>
+          </p:nvPr>
+        </p:nvSpPr>
+        <p:spPr>
+          <a:xfrm>
+            <a:off x="15" y="6334316"/>
+            <a:ext cx="12191985" cy="66484"/>
+          </a:xfrm>
+          <a:prstGeom prst="rect">
+            <a:avLst/>
+          </a:prstGeom>
+          <a:solidFill>
+            <a:schemeClr val="accent1"/>
+          </a:solidFill>
+          <a:ln>
+            <a:noFill/>
+          </a:ln>
+        </p:spPr>
+        <p:style>
+          <a:lnRef idx="2">
+            <a:schemeClr val="accent1">
+              <a:shade val="50000"/>
+            </a:schemeClr>
+          </a:lnRef>
+          <a:fillRef idx="1">
+            <a:schemeClr val="accent1"/>
+          </a:fillRef>
+          <a:effectRef idx="0">
+            <a:schemeClr val="accent1"/>
+          </a:effectRef>
+          <a:fontRef idx="minor">
+            <a:schemeClr val="lt1"/>
+          </a:fontRef>
+        </p:style>
+        <p:txBody>
+          <a:bodyPr/>
+          <a:lstStyle/>
+          <a:p>
+            <a:endParaRPr lang="en-US"/>
+          </a:p>
+        </p:txBody>
+      </p:sp>
+      <p:sp>
+        <p:nvSpPr>
+          <p:cNvPr id="35" name="Rectangle 34">
+            <a:extLst>
+              <a:ext uri="{FF2B5EF4-FFF2-40B4-BE49-F238E27FC236}">
+                <a16:creationId xmlns:a16="http://schemas.microsoft.com/office/drawing/2014/main" id="{AB5696BF-D495-4CAC-AA8A-4EBFF2C32A55}"/>
+              </a:ext>
+              <a:ext uri="{C183D7F6-B498-43B3-948B-1728B52AA6E4}">
+                <adec:decorative xmlns:adec="http://schemas.microsoft.com/office/drawing/2017/decorative" val="1"/>
+              </a:ext>
+            </a:extLst>
+          </p:cNvPr>
+          <p:cNvSpPr>
+            <a:spLocks noGrp="1" noRot="1" noChangeAspect="1" noMove="1" noResize="1" noEditPoints="1" noAdjustHandles="1" noChangeArrowheads="1" noChangeShapeType="1" noTextEdit="1"/>
+          </p:cNvSpPr>
+          <p:nvPr>
+            <p:extLst>
+              <p:ext uri="{386F3935-93C4-4BCD-93E2-E3B085C9AB24}">
+                <p16:designElem xmlns:p16="http://schemas.microsoft.com/office/powerpoint/2015/main" val="1"/>
+              </p:ext>
+            </p:extLst>
+          </p:nvPr>
+        </p:nvSpPr>
+        <p:spPr>
+          <a:xfrm>
+            <a:off x="1" y="6400800"/>
+            <a:ext cx="12192000" cy="457200"/>
+          </a:xfrm>
+          <a:prstGeom prst="rect">
+            <a:avLst/>
+          </a:prstGeom>
+          <a:solidFill>
+            <a:schemeClr val="accent2"/>
+          </a:solidFill>
+          <a:ln>
+            <a:noFill/>
+          </a:ln>
+        </p:spPr>
+        <p:style>
+          <a:lnRef idx="2">
+            <a:schemeClr val="accent1">
+              <a:shade val="50000"/>
+            </a:schemeClr>
+          </a:lnRef>
+          <a:fillRef idx="1">
+            <a:schemeClr val="accent1"/>
+          </a:fillRef>
+          <a:effectRef idx="0">
+            <a:schemeClr val="accent1"/>
+          </a:effectRef>
+          <a:fontRef idx="minor">
+            <a:schemeClr val="lt1"/>
+          </a:fontRef>
+        </p:style>
+        <p:txBody>
+          <a:bodyPr/>
+          <a:lstStyle/>
+          <a:p>
+            <a:endParaRPr lang="en-US"/>
+          </a:p>
+        </p:txBody>
+      </p:sp>
+    </p:spTree>
+    <p:extLst>
+      <p:ext uri="{BB962C8B-B14F-4D97-AF65-F5344CB8AC3E}">
+        <p14:creationId xmlns:p14="http://schemas.microsoft.com/office/powerpoint/2010/main" val="272809894"/>
+      </p:ext>
+    </p:extLst>
+  </p:cSld>
+  <p:clrMapOvr>
+    <a:masterClrMapping/>
+  </p:clrMapOvr>
+</p:sld>
+</file>
+
+<file path=ppt/slides/slide7.xml><?xml version="1.0" encoding="utf-8"?>
+<p:sld xmlns:a="http://schemas.openxmlformats.org/drawingml/2006/main" xmlns:r="http://schemas.openxmlformats.org/officeDocument/2006/relationships" xmlns:p="http://schemas.openxmlformats.org/presentationml/2006/main">
+  <p:cSld>
     <p:spTree>
       <p:nvGrpSpPr>
         <p:cNvPr id="1" name=""/>
@@ -6188,7 +7384,7 @@
 </p:sld>
 </file>
 
-<file path=ppt/slides/slide7.xml><?xml version="1.0" encoding="utf-8"?>
+<file path=ppt/slides/slide8.xml><?xml version="1.0" encoding="utf-8"?>
 <p:sld xmlns:a="http://schemas.openxmlformats.org/drawingml/2006/main" xmlns:r="http://schemas.openxmlformats.org/officeDocument/2006/relationships" xmlns:p="http://schemas.openxmlformats.org/presentationml/2006/main">
   <p:cSld>
     <p:spTree>

--- a/chocolate_sales.pptx
+++ b/chocolate_sales.pptx
@@ -2,20 +2,21 @@
 <file path=ppt/presentation.xml><?xml version="1.0" encoding="utf-8"?>
 <p:presentation xmlns:a="http://schemas.openxmlformats.org/drawingml/2006/main" xmlns:r="http://schemas.openxmlformats.org/officeDocument/2006/relationships" xmlns:p="http://schemas.openxmlformats.org/presentationml/2006/main" saveSubsetFonts="1">
   <p:sldMasterIdLst>
-    <p:sldMasterId id="2147483672" r:id="rId1"/>
+    <p:sldMasterId id="2147483708" r:id="rId1"/>
   </p:sldMasterIdLst>
   <p:notesMasterIdLst>
-    <p:notesMasterId r:id="rId10"/>
+    <p:notesMasterId r:id="rId11"/>
   </p:notesMasterIdLst>
   <p:sldIdLst>
     <p:sldId id="256" r:id="rId2"/>
     <p:sldId id="257" r:id="rId3"/>
     <p:sldId id="258" r:id="rId4"/>
-    <p:sldId id="259" r:id="rId5"/>
-    <p:sldId id="260" r:id="rId6"/>
-    <p:sldId id="263" r:id="rId7"/>
-    <p:sldId id="261" r:id="rId8"/>
+    <p:sldId id="264" r:id="rId5"/>
+    <p:sldId id="267" r:id="rId6"/>
+    <p:sldId id="266" r:id="rId7"/>
+    <p:sldId id="260" r:id="rId8"/>
     <p:sldId id="262" r:id="rId9"/>
+    <p:sldId id="268" r:id="rId10"/>
   </p:sldIdLst>
   <p:sldSz cx="12192000" cy="6858000"/>
   <p:notesSz cx="6858000" cy="9144000"/>
@@ -125,7 +126,7 @@
 <file path=ppt/revisionInfo.xml><?xml version="1.0" encoding="utf-8"?>
 <p1510:revInfo xmlns:a="http://schemas.openxmlformats.org/drawingml/2006/main" xmlns:r="http://schemas.openxmlformats.org/officeDocument/2006/relationships" xmlns:p1510="http://schemas.microsoft.com/office/powerpoint/2015/10/main">
   <p1510:revLst>
-    <p1510:client id="{BEC3EAAE-8953-4B86-818A-C7A5BEB6D013}" v="10" dt="2025-03-09T03:07:23.224"/>
+    <p1510:client id="{BEC3EAAE-8953-4B86-818A-C7A5BEB6D013}" v="47" dt="2025-03-09T14:16:20.066"/>
   </p1510:revLst>
 </p1510:revInfo>
 </file>
@@ -134,19 +135,19 @@
 <pc:chgInfo xmlns:a="http://schemas.openxmlformats.org/drawingml/2006/main" xmlns:r="http://schemas.openxmlformats.org/officeDocument/2006/relationships" xmlns:ac="http://schemas.microsoft.com/office/drawing/2013/main/command" xmlns:pc="http://schemas.microsoft.com/office/powerpoint/2013/main/command">
   <pc:docChgLst>
     <pc:chgData name="David A. Gee" userId="e9ce1845d50193f0" providerId="LiveId" clId="{BEC3EAAE-8953-4B86-818A-C7A5BEB6D013}"/>
-    <pc:docChg chg="undo custSel addSld modSld">
-      <pc:chgData name="David A. Gee" userId="e9ce1845d50193f0" providerId="LiveId" clId="{BEC3EAAE-8953-4B86-818A-C7A5BEB6D013}" dt="2025-03-09T03:08:26.027" v="1945" actId="1076"/>
+    <pc:docChg chg="undo custSel addSld delSld modSld">
+      <pc:chgData name="David A. Gee" userId="e9ce1845d50193f0" providerId="LiveId" clId="{BEC3EAAE-8953-4B86-818A-C7A5BEB6D013}" dt="2025-03-09T14:29:58.616" v="4496" actId="20577"/>
       <pc:docMkLst>
         <pc:docMk/>
       </pc:docMkLst>
       <pc:sldChg chg="modSp mod">
-        <pc:chgData name="David A. Gee" userId="e9ce1845d50193f0" providerId="LiveId" clId="{BEC3EAAE-8953-4B86-818A-C7A5BEB6D013}" dt="2025-03-08T21:05:35.940" v="43"/>
+        <pc:chgData name="David A. Gee" userId="e9ce1845d50193f0" providerId="LiveId" clId="{BEC3EAAE-8953-4B86-818A-C7A5BEB6D013}" dt="2025-03-09T13:48:02.013" v="2812"/>
         <pc:sldMkLst>
           <pc:docMk/>
           <pc:sldMk cId="1588864799" sldId="256"/>
         </pc:sldMkLst>
         <pc:spChg chg="mod">
-          <ac:chgData name="David A. Gee" userId="e9ce1845d50193f0" providerId="LiveId" clId="{BEC3EAAE-8953-4B86-818A-C7A5BEB6D013}" dt="2025-03-08T21:05:35.940" v="43"/>
+          <ac:chgData name="David A. Gee" userId="e9ce1845d50193f0" providerId="LiveId" clId="{BEC3EAAE-8953-4B86-818A-C7A5BEB6D013}" dt="2025-03-09T13:48:02.013" v="2812"/>
           <ac:spMkLst>
             <pc:docMk/>
             <pc:sldMk cId="1588864799" sldId="256"/>
@@ -154,7 +155,7 @@
           </ac:spMkLst>
         </pc:spChg>
         <pc:spChg chg="mod">
-          <ac:chgData name="David A. Gee" userId="e9ce1845d50193f0" providerId="LiveId" clId="{BEC3EAAE-8953-4B86-818A-C7A5BEB6D013}" dt="2025-03-08T21:05:35.940" v="43"/>
+          <ac:chgData name="David A. Gee" userId="e9ce1845d50193f0" providerId="LiveId" clId="{BEC3EAAE-8953-4B86-818A-C7A5BEB6D013}" dt="2025-03-09T13:48:02.013" v="2812"/>
           <ac:spMkLst>
             <pc:docMk/>
             <pc:sldMk cId="1588864799" sldId="256"/>
@@ -162,14 +163,14 @@
           </ac:spMkLst>
         </pc:spChg>
       </pc:sldChg>
-      <pc:sldChg chg="addSp delSp modSp new mod setBg">
-        <pc:chgData name="David A. Gee" userId="e9ce1845d50193f0" providerId="LiveId" clId="{BEC3EAAE-8953-4B86-818A-C7A5BEB6D013}" dt="2025-03-08T21:08:05.286" v="168" actId="20577"/>
+      <pc:sldChg chg="addSp delSp modSp new mod setBg delDesignElem">
+        <pc:chgData name="David A. Gee" userId="e9ce1845d50193f0" providerId="LiveId" clId="{BEC3EAAE-8953-4B86-818A-C7A5BEB6D013}" dt="2025-03-09T13:47:59.223" v="2811"/>
         <pc:sldMkLst>
           <pc:docMk/>
           <pc:sldMk cId="127497214" sldId="257"/>
         </pc:sldMkLst>
         <pc:spChg chg="mod">
-          <ac:chgData name="David A. Gee" userId="e9ce1845d50193f0" providerId="LiveId" clId="{BEC3EAAE-8953-4B86-818A-C7A5BEB6D013}" dt="2025-03-08T21:07:11.842" v="82" actId="26606"/>
+          <ac:chgData name="David A. Gee" userId="e9ce1845d50193f0" providerId="LiveId" clId="{BEC3EAAE-8953-4B86-818A-C7A5BEB6D013}" dt="2025-03-09T13:33:05.403" v="1994" actId="26606"/>
           <ac:spMkLst>
             <pc:docMk/>
             <pc:sldMk cId="127497214" sldId="257"/>
@@ -185,7 +186,7 @@
           </ac:spMkLst>
         </pc:spChg>
         <pc:spChg chg="add mod">
-          <ac:chgData name="David A. Gee" userId="e9ce1845d50193f0" providerId="LiveId" clId="{BEC3EAAE-8953-4B86-818A-C7A5BEB6D013}" dt="2025-03-08T21:08:05.286" v="168" actId="20577"/>
+          <ac:chgData name="David A. Gee" userId="e9ce1845d50193f0" providerId="LiveId" clId="{BEC3EAAE-8953-4B86-818A-C7A5BEB6D013}" dt="2025-03-09T13:33:05.403" v="1994" actId="26606"/>
           <ac:spMkLst>
             <pc:docMk/>
             <pc:sldMk cId="127497214" sldId="257"/>
@@ -201,6 +202,14 @@
           </ac:spMkLst>
         </pc:spChg>
         <pc:spChg chg="add del">
+          <ac:chgData name="David A. Gee" userId="e9ce1845d50193f0" providerId="LiveId" clId="{BEC3EAAE-8953-4B86-818A-C7A5BEB6D013}" dt="2025-03-09T13:47:59.223" v="2811"/>
+          <ac:spMkLst>
+            <pc:docMk/>
+            <pc:sldMk cId="127497214" sldId="257"/>
+            <ac:spMk id="11" creationId="{4A8FFEA1-1B69-4F42-B552-0CCF7259687D}"/>
+          </ac:spMkLst>
+        </pc:spChg>
+        <pc:spChg chg="add del">
           <ac:chgData name="David A. Gee" userId="e9ce1845d50193f0" providerId="LiveId" clId="{BEC3EAAE-8953-4B86-818A-C7A5BEB6D013}" dt="2025-03-08T21:07:11.825" v="81" actId="26606"/>
           <ac:spMkLst>
             <pc:docMk/>
@@ -209,6 +218,14 @@
           </ac:spMkLst>
         </pc:spChg>
         <pc:spChg chg="add del">
+          <ac:chgData name="David A. Gee" userId="e9ce1845d50193f0" providerId="LiveId" clId="{BEC3EAAE-8953-4B86-818A-C7A5BEB6D013}" dt="2025-03-09T13:47:59.223" v="2811"/>
+          <ac:spMkLst>
+            <pc:docMk/>
+            <pc:sldMk cId="127497214" sldId="257"/>
+            <ac:spMk id="13" creationId="{AA3C9226-5EC8-460B-82D7-72AA994DF95E}"/>
+          </ac:spMkLst>
+        </pc:spChg>
+        <pc:spChg chg="add del">
           <ac:chgData name="David A. Gee" userId="e9ce1845d50193f0" providerId="LiveId" clId="{BEC3EAAE-8953-4B86-818A-C7A5BEB6D013}" dt="2025-03-08T21:07:11.825" v="81" actId="26606"/>
           <ac:spMkLst>
             <pc:docMk/>
@@ -217,6 +234,14 @@
           </ac:spMkLst>
         </pc:spChg>
         <pc:spChg chg="add del">
+          <ac:chgData name="David A. Gee" userId="e9ce1845d50193f0" providerId="LiveId" clId="{BEC3EAAE-8953-4B86-818A-C7A5BEB6D013}" dt="2025-03-09T13:47:59.223" v="2811"/>
+          <ac:spMkLst>
+            <pc:docMk/>
+            <pc:sldMk cId="127497214" sldId="257"/>
+            <ac:spMk id="17" creationId="{E6AA15AE-DAFE-4E1E-B05F-F57962FD3A2F}"/>
+          </ac:spMkLst>
+        </pc:spChg>
+        <pc:spChg chg="add del">
           <ac:chgData name="David A. Gee" userId="e9ce1845d50193f0" providerId="LiveId" clId="{BEC3EAAE-8953-4B86-818A-C7A5BEB6D013}" dt="2025-03-08T21:07:11.825" v="81" actId="26606"/>
           <ac:spMkLst>
             <pc:docMk/>
@@ -225,6 +250,14 @@
           </ac:spMkLst>
         </pc:spChg>
         <pc:spChg chg="add del">
+          <ac:chgData name="David A. Gee" userId="e9ce1845d50193f0" providerId="LiveId" clId="{BEC3EAAE-8953-4B86-818A-C7A5BEB6D013}" dt="2025-03-09T13:47:59.223" v="2811"/>
+          <ac:spMkLst>
+            <pc:docMk/>
+            <pc:sldMk cId="127497214" sldId="257"/>
+            <ac:spMk id="21" creationId="{D9DB1F97-BFF9-46CC-8EB4-BB63B98F13CA}"/>
+          </ac:spMkLst>
+        </pc:spChg>
+        <pc:spChg chg="add del">
           <ac:chgData name="David A. Gee" userId="e9ce1845d50193f0" providerId="LiveId" clId="{BEC3EAAE-8953-4B86-818A-C7A5BEB6D013}" dt="2025-03-08T21:07:11.825" v="81" actId="26606"/>
           <ac:spMkLst>
             <pc:docMk/>
@@ -232,24 +265,32 @@
             <ac:spMk id="22" creationId="{593ACC25-C262-417A-8AA9-0641C772BDB6}"/>
           </ac:spMkLst>
         </pc:spChg>
-        <pc:spChg chg="add">
-          <ac:chgData name="David A. Gee" userId="e9ce1845d50193f0" providerId="LiveId" clId="{BEC3EAAE-8953-4B86-818A-C7A5BEB6D013}" dt="2025-03-08T21:07:11.842" v="82" actId="26606"/>
+        <pc:spChg chg="add del">
+          <ac:chgData name="David A. Gee" userId="e9ce1845d50193f0" providerId="LiveId" clId="{BEC3EAAE-8953-4B86-818A-C7A5BEB6D013}" dt="2025-03-09T13:47:59.223" v="2811"/>
+          <ac:spMkLst>
+            <pc:docMk/>
+            <pc:sldMk cId="127497214" sldId="257"/>
+            <ac:spMk id="23" creationId="{88CAE6E3-39B4-4A16-97BC-9C376B9B7EAF}"/>
+          </ac:spMkLst>
+        </pc:spChg>
+        <pc:spChg chg="add del">
+          <ac:chgData name="David A. Gee" userId="e9ce1845d50193f0" providerId="LiveId" clId="{BEC3EAAE-8953-4B86-818A-C7A5BEB6D013}" dt="2025-03-09T13:30:54.386" v="1989"/>
           <ac:spMkLst>
             <pc:docMk/>
             <pc:sldMk cId="127497214" sldId="257"/>
             <ac:spMk id="24" creationId="{284B70D5-875B-433D-BDBD-1522A85D6C1D}"/>
           </ac:spMkLst>
         </pc:spChg>
-        <pc:spChg chg="add">
-          <ac:chgData name="David A. Gee" userId="e9ce1845d50193f0" providerId="LiveId" clId="{BEC3EAAE-8953-4B86-818A-C7A5BEB6D013}" dt="2025-03-08T21:07:11.842" v="82" actId="26606"/>
+        <pc:spChg chg="add del">
+          <ac:chgData name="David A. Gee" userId="e9ce1845d50193f0" providerId="LiveId" clId="{BEC3EAAE-8953-4B86-818A-C7A5BEB6D013}" dt="2025-03-09T13:30:54.386" v="1989"/>
           <ac:spMkLst>
             <pc:docMk/>
             <pc:sldMk cId="127497214" sldId="257"/>
             <ac:spMk id="26" creationId="{1E299956-A9E7-4FC1-A0B1-D590CA9730E8}"/>
           </ac:spMkLst>
         </pc:spChg>
-        <pc:spChg chg="add">
-          <ac:chgData name="David A. Gee" userId="e9ce1845d50193f0" providerId="LiveId" clId="{BEC3EAAE-8953-4B86-818A-C7A5BEB6D013}" dt="2025-03-08T21:07:11.842" v="82" actId="26606"/>
+        <pc:spChg chg="add del">
+          <ac:chgData name="David A. Gee" userId="e9ce1845d50193f0" providerId="LiveId" clId="{BEC3EAAE-8953-4B86-818A-C7A5BEB6D013}" dt="2025-03-09T13:30:54.386" v="1989"/>
           <ac:spMkLst>
             <pc:docMk/>
             <pc:sldMk cId="127497214" sldId="257"/>
@@ -257,7 +298,7 @@
           </ac:spMkLst>
         </pc:spChg>
         <pc:picChg chg="add mod">
-          <ac:chgData name="David A. Gee" userId="e9ce1845d50193f0" providerId="LiveId" clId="{BEC3EAAE-8953-4B86-818A-C7A5BEB6D013}" dt="2025-03-08T21:07:11.842" v="82" actId="26606"/>
+          <ac:chgData name="David A. Gee" userId="e9ce1845d50193f0" providerId="LiveId" clId="{BEC3EAAE-8953-4B86-818A-C7A5BEB6D013}" dt="2025-03-09T13:33:05.403" v="1994" actId="26606"/>
           <ac:picMkLst>
             <pc:docMk/>
             <pc:sldMk cId="127497214" sldId="257"/>
@@ -273,6 +314,14 @@
           </ac:cxnSpMkLst>
         </pc:cxnChg>
         <pc:cxnChg chg="add del">
+          <ac:chgData name="David A. Gee" userId="e9ce1845d50193f0" providerId="LiveId" clId="{BEC3EAAE-8953-4B86-818A-C7A5BEB6D013}" dt="2025-03-09T13:47:59.223" v="2811"/>
+          <ac:cxnSpMkLst>
+            <pc:docMk/>
+            <pc:sldMk cId="127497214" sldId="257"/>
+            <ac:cxnSpMk id="15" creationId="{62A90A9D-33DF-408E-BF4C-F82588935C96}"/>
+          </ac:cxnSpMkLst>
+        </pc:cxnChg>
+        <pc:cxnChg chg="add del">
           <ac:chgData name="David A. Gee" userId="e9ce1845d50193f0" providerId="LiveId" clId="{BEC3EAAE-8953-4B86-818A-C7A5BEB6D013}" dt="2025-03-08T21:07:11.825" v="81" actId="26606"/>
           <ac:cxnSpMkLst>
             <pc:docMk/>
@@ -280,8 +329,16 @@
             <ac:cxnSpMk id="18" creationId="{5C6A2BAE-B461-4B55-8E1F-0722ABDD1393}"/>
           </ac:cxnSpMkLst>
         </pc:cxnChg>
-        <pc:cxnChg chg="add">
-          <ac:chgData name="David A. Gee" userId="e9ce1845d50193f0" providerId="LiveId" clId="{BEC3EAAE-8953-4B86-818A-C7A5BEB6D013}" dt="2025-03-08T21:07:11.842" v="82" actId="26606"/>
+        <pc:cxnChg chg="add del">
+          <ac:chgData name="David A. Gee" userId="e9ce1845d50193f0" providerId="LiveId" clId="{BEC3EAAE-8953-4B86-818A-C7A5BEB6D013}" dt="2025-03-09T13:47:59.223" v="2811"/>
+          <ac:cxnSpMkLst>
+            <pc:docMk/>
+            <pc:sldMk cId="127497214" sldId="257"/>
+            <ac:cxnSpMk id="19" creationId="{D07141D5-A57C-43F5-A655-5BA2D0D2AFF3}"/>
+          </ac:cxnSpMkLst>
+        </pc:cxnChg>
+        <pc:cxnChg chg="add del">
+          <ac:chgData name="David A. Gee" userId="e9ce1845d50193f0" providerId="LiveId" clId="{BEC3EAAE-8953-4B86-818A-C7A5BEB6D013}" dt="2025-03-09T13:30:54.386" v="1989"/>
           <ac:cxnSpMkLst>
             <pc:docMk/>
             <pc:sldMk cId="127497214" sldId="257"/>
@@ -289,14 +346,14 @@
           </ac:cxnSpMkLst>
         </pc:cxnChg>
       </pc:sldChg>
-      <pc:sldChg chg="addSp delSp modSp new mod setBg">
-        <pc:chgData name="David A. Gee" userId="e9ce1845d50193f0" providerId="LiveId" clId="{BEC3EAAE-8953-4B86-818A-C7A5BEB6D013}" dt="2025-03-09T01:29:09.912" v="1920" actId="26606"/>
+      <pc:sldChg chg="addSp delSp modSp new mod setBg delDesignElem">
+        <pc:chgData name="David A. Gee" userId="e9ce1845d50193f0" providerId="LiveId" clId="{BEC3EAAE-8953-4B86-818A-C7A5BEB6D013}" dt="2025-03-09T14:17:19.373" v="3225" actId="20577"/>
         <pc:sldMkLst>
           <pc:docMk/>
           <pc:sldMk cId="106172727" sldId="258"/>
         </pc:sldMkLst>
         <pc:spChg chg="mod">
-          <ac:chgData name="David A. Gee" userId="e9ce1845d50193f0" providerId="LiveId" clId="{BEC3EAAE-8953-4B86-818A-C7A5BEB6D013}" dt="2025-03-08T21:08:55.413" v="195" actId="20577"/>
+          <ac:chgData name="David A. Gee" userId="e9ce1845d50193f0" providerId="LiveId" clId="{BEC3EAAE-8953-4B86-818A-C7A5BEB6D013}" dt="2025-03-09T13:32:57.248" v="1993" actId="26606"/>
           <ac:spMkLst>
             <pc:docMk/>
             <pc:sldMk cId="106172727" sldId="258"/>
@@ -311,14 +368,54 @@
             <ac:spMk id="3" creationId="{242600E0-7021-9519-A205-F68C8A5713CE}"/>
           </ac:spMkLst>
         </pc:spChg>
+        <pc:spChg chg="add mod">
+          <ac:chgData name="David A. Gee" userId="e9ce1845d50193f0" providerId="LiveId" clId="{BEC3EAAE-8953-4B86-818A-C7A5BEB6D013}" dt="2025-03-09T14:15:30.929" v="3174" actId="164"/>
+          <ac:spMkLst>
+            <pc:docMk/>
+            <pc:sldMk cId="106172727" sldId="258"/>
+            <ac:spMk id="3" creationId="{3AB7979F-10F5-E90E-8DAE-FC98D5F75520}"/>
+          </ac:spMkLst>
+        </pc:spChg>
+        <pc:spChg chg="add mod">
+          <ac:chgData name="David A. Gee" userId="e9ce1845d50193f0" providerId="LiveId" clId="{BEC3EAAE-8953-4B86-818A-C7A5BEB6D013}" dt="2025-03-09T14:15:30.929" v="3174" actId="164"/>
+          <ac:spMkLst>
+            <pc:docMk/>
+            <pc:sldMk cId="106172727" sldId="258"/>
+            <ac:spMk id="5" creationId="{D9DCDB9B-AEAE-E24F-ABB9-9E65FE2D6BDE}"/>
+          </ac:spMkLst>
+        </pc:spChg>
+        <pc:spChg chg="mod">
+          <ac:chgData name="David A. Gee" userId="e9ce1845d50193f0" providerId="LiveId" clId="{BEC3EAAE-8953-4B86-818A-C7A5BEB6D013}" dt="2025-03-09T14:15:35.497" v="3175"/>
+          <ac:spMkLst>
+            <pc:docMk/>
+            <pc:sldMk cId="106172727" sldId="258"/>
+            <ac:spMk id="8" creationId="{E4A20D65-DC23-04AB-3BF9-0AE359D54E85}"/>
+          </ac:spMkLst>
+        </pc:spChg>
         <pc:spChg chg="add mod ord">
-          <ac:chgData name="David A. Gee" userId="e9ce1845d50193f0" providerId="LiveId" clId="{BEC3EAAE-8953-4B86-818A-C7A5BEB6D013}" dt="2025-03-09T01:29:09.912" v="1920" actId="26606"/>
+          <ac:chgData name="David A. Gee" userId="e9ce1845d50193f0" providerId="LiveId" clId="{BEC3EAAE-8953-4B86-818A-C7A5BEB6D013}" dt="2025-03-09T14:17:19.373" v="3225" actId="20577"/>
           <ac:spMkLst>
             <pc:docMk/>
             <pc:sldMk cId="106172727" sldId="258"/>
             <ac:spMk id="9" creationId="{80F940E8-6D87-DDAD-0B3E-2A65D01B7E85}"/>
           </ac:spMkLst>
         </pc:spChg>
+        <pc:spChg chg="mod">
+          <ac:chgData name="David A. Gee" userId="e9ce1845d50193f0" providerId="LiveId" clId="{BEC3EAAE-8953-4B86-818A-C7A5BEB6D013}" dt="2025-03-09T14:15:35.497" v="3175"/>
+          <ac:spMkLst>
+            <pc:docMk/>
+            <pc:sldMk cId="106172727" sldId="258"/>
+            <ac:spMk id="10" creationId="{549A0EA3-C21A-A5CC-C3E9-7C5FE967719F}"/>
+          </ac:spMkLst>
+        </pc:spChg>
+        <pc:spChg chg="add del">
+          <ac:chgData name="David A. Gee" userId="e9ce1845d50193f0" providerId="LiveId" clId="{BEC3EAAE-8953-4B86-818A-C7A5BEB6D013}" dt="2025-03-09T13:47:59.223" v="2811"/>
+          <ac:spMkLst>
+            <pc:docMk/>
+            <pc:sldMk cId="106172727" sldId="258"/>
+            <ac:spMk id="11" creationId="{038B8727-D318-4B70-B353-C390602FF311}"/>
+          </ac:spMkLst>
+        </pc:spChg>
         <pc:spChg chg="add del">
           <ac:chgData name="David A. Gee" userId="e9ce1845d50193f0" providerId="LiveId" clId="{BEC3EAAE-8953-4B86-818A-C7A5BEB6D013}" dt="2025-03-09T01:29:09.912" v="1920" actId="26606"/>
           <ac:spMkLst>
@@ -328,6 +425,30 @@
           </ac:spMkLst>
         </pc:spChg>
         <pc:spChg chg="add del">
+          <ac:chgData name="David A. Gee" userId="e9ce1845d50193f0" providerId="LiveId" clId="{BEC3EAAE-8953-4B86-818A-C7A5BEB6D013}" dt="2025-03-09T13:47:59.223" v="2811"/>
+          <ac:spMkLst>
+            <pc:docMk/>
+            <pc:sldMk cId="106172727" sldId="258"/>
+            <ac:spMk id="13" creationId="{1B0C8367-28B6-4EF1-B182-01BEC98727DB}"/>
+          </ac:spMkLst>
+        </pc:spChg>
+        <pc:spChg chg="mod">
+          <ac:chgData name="David A. Gee" userId="e9ce1845d50193f0" providerId="LiveId" clId="{BEC3EAAE-8953-4B86-818A-C7A5BEB6D013}" dt="2025-03-09T14:15:42.834" v="3177"/>
+          <ac:spMkLst>
+            <pc:docMk/>
+            <pc:sldMk cId="106172727" sldId="258"/>
+            <ac:spMk id="14" creationId="{FD257939-B9FC-9B74-4F5F-5B92AA9C6594}"/>
+          </ac:spMkLst>
+        </pc:spChg>
+        <pc:spChg chg="add del">
+          <ac:chgData name="David A. Gee" userId="e9ce1845d50193f0" providerId="LiveId" clId="{BEC3EAAE-8953-4B86-818A-C7A5BEB6D013}" dt="2025-03-09T13:47:59.223" v="2811"/>
+          <ac:spMkLst>
+            <pc:docMk/>
+            <pc:sldMk cId="106172727" sldId="258"/>
+            <ac:spMk id="15" creationId="{649E3F4C-17F5-49E4-B05F-80C6B348AF28}"/>
+          </ac:spMkLst>
+        </pc:spChg>
+        <pc:spChg chg="add del">
           <ac:chgData name="David A. Gee" userId="e9ce1845d50193f0" providerId="LiveId" clId="{BEC3EAAE-8953-4B86-818A-C7A5BEB6D013}" dt="2025-03-09T01:29:09.912" v="1920" actId="26606"/>
           <ac:spMkLst>
             <pc:docMk/>
@@ -335,6 +456,22 @@
             <ac:spMk id="16" creationId="{1E299956-A9E7-4FC1-A0B1-D590CA9730E8}"/>
           </ac:spMkLst>
         </pc:spChg>
+        <pc:spChg chg="mod">
+          <ac:chgData name="David A. Gee" userId="e9ce1845d50193f0" providerId="LiveId" clId="{BEC3EAAE-8953-4B86-818A-C7A5BEB6D013}" dt="2025-03-09T14:15:42.834" v="3177"/>
+          <ac:spMkLst>
+            <pc:docMk/>
+            <pc:sldMk cId="106172727" sldId="258"/>
+            <ac:spMk id="16" creationId="{9244FC3E-BF71-1C88-E1B4-963728D35334}"/>
+          </ac:spMkLst>
+        </pc:spChg>
+        <pc:spChg chg="add">
+          <ac:chgData name="David A. Gee" userId="e9ce1845d50193f0" providerId="LiveId" clId="{BEC3EAAE-8953-4B86-818A-C7A5BEB6D013}" dt="2025-03-09T13:48:20.563" v="2813" actId="26606"/>
+          <ac:spMkLst>
+            <pc:docMk/>
+            <pc:sldMk cId="106172727" sldId="258"/>
+            <ac:spMk id="17" creationId="{038B8727-D318-4B70-B353-C390602FF311}"/>
+          </ac:spMkLst>
+        </pc:spChg>
         <pc:spChg chg="add del">
           <ac:chgData name="David A. Gee" userId="e9ce1845d50193f0" providerId="LiveId" clId="{BEC3EAAE-8953-4B86-818A-C7A5BEB6D013}" dt="2025-03-09T01:29:09.912" v="1920" actId="26606"/>
           <ac:spMkLst>
@@ -344,31 +481,143 @@
           </ac:spMkLst>
         </pc:spChg>
         <pc:spChg chg="add">
-          <ac:chgData name="David A. Gee" userId="e9ce1845d50193f0" providerId="LiveId" clId="{BEC3EAAE-8953-4B86-818A-C7A5BEB6D013}" dt="2025-03-09T01:29:09.912" v="1920" actId="26606"/>
+          <ac:chgData name="David A. Gee" userId="e9ce1845d50193f0" providerId="LiveId" clId="{BEC3EAAE-8953-4B86-818A-C7A5BEB6D013}" dt="2025-03-09T13:48:20.563" v="2813" actId="26606"/>
+          <ac:spMkLst>
+            <pc:docMk/>
+            <pc:sldMk cId="106172727" sldId="258"/>
+            <ac:spMk id="19" creationId="{1B0C8367-28B6-4EF1-B182-01BEC98727DB}"/>
+          </ac:spMkLst>
+        </pc:spChg>
+        <pc:spChg chg="add">
+          <ac:chgData name="David A. Gee" userId="e9ce1845d50193f0" providerId="LiveId" clId="{BEC3EAAE-8953-4B86-818A-C7A5BEB6D013}" dt="2025-03-09T13:48:20.563" v="2813" actId="26606"/>
+          <ac:spMkLst>
+            <pc:docMk/>
+            <pc:sldMk cId="106172727" sldId="258"/>
+            <ac:spMk id="20" creationId="{649E3F4C-17F5-49E4-B05F-80C6B348AF28}"/>
+          </ac:spMkLst>
+        </pc:spChg>
+        <pc:spChg chg="mod">
+          <ac:chgData name="David A. Gee" userId="e9ce1845d50193f0" providerId="LiveId" clId="{BEC3EAAE-8953-4B86-818A-C7A5BEB6D013}" dt="2025-03-09T14:16:01.878" v="3182"/>
+          <ac:spMkLst>
+            <pc:docMk/>
+            <pc:sldMk cId="106172727" sldId="258"/>
+            <ac:spMk id="21" creationId="{57B9EEBF-DD97-225B-782D-7FA4F1883E32}"/>
+          </ac:spMkLst>
+        </pc:spChg>
+        <pc:spChg chg="mod">
+          <ac:chgData name="David A. Gee" userId="e9ce1845d50193f0" providerId="LiveId" clId="{BEC3EAAE-8953-4B86-818A-C7A5BEB6D013}" dt="2025-03-09T14:16:01.878" v="3182"/>
+          <ac:spMkLst>
+            <pc:docMk/>
+            <pc:sldMk cId="106172727" sldId="258"/>
+            <ac:spMk id="22" creationId="{ED6564FE-8044-B0C3-6CE7-35CEAACF11F5}"/>
+          </ac:spMkLst>
+        </pc:spChg>
+        <pc:spChg chg="add del">
+          <ac:chgData name="David A. Gee" userId="e9ce1845d50193f0" providerId="LiveId" clId="{BEC3EAAE-8953-4B86-818A-C7A5BEB6D013}" dt="2025-03-09T13:30:54.386" v="1989"/>
           <ac:spMkLst>
             <pc:docMk/>
             <pc:sldMk cId="106172727" sldId="258"/>
             <ac:spMk id="23" creationId="{284B70D5-875B-433D-BDBD-1522A85D6C1D}"/>
           </ac:spMkLst>
         </pc:spChg>
-        <pc:spChg chg="add">
-          <ac:chgData name="David A. Gee" userId="e9ce1845d50193f0" providerId="LiveId" clId="{BEC3EAAE-8953-4B86-818A-C7A5BEB6D013}" dt="2025-03-09T01:29:09.912" v="1920" actId="26606"/>
+        <pc:spChg chg="mod">
+          <ac:chgData name="David A. Gee" userId="e9ce1845d50193f0" providerId="LiveId" clId="{BEC3EAAE-8953-4B86-818A-C7A5BEB6D013}" dt="2025-03-09T14:16:12.744" v="3184"/>
+          <ac:spMkLst>
+            <pc:docMk/>
+            <pc:sldMk cId="106172727" sldId="258"/>
+            <ac:spMk id="26" creationId="{9802F76D-EF3F-7889-F1E5-06ABCE0A4BE6}"/>
+          </ac:spMkLst>
+        </pc:spChg>
+        <pc:spChg chg="add del">
+          <ac:chgData name="David A. Gee" userId="e9ce1845d50193f0" providerId="LiveId" clId="{BEC3EAAE-8953-4B86-818A-C7A5BEB6D013}" dt="2025-03-09T13:30:54.386" v="1989"/>
           <ac:spMkLst>
             <pc:docMk/>
             <pc:sldMk cId="106172727" sldId="258"/>
             <ac:spMk id="27" creationId="{1E299956-A9E7-4FC1-A0B1-D590CA9730E8}"/>
           </ac:spMkLst>
         </pc:spChg>
-        <pc:spChg chg="add">
-          <ac:chgData name="David A. Gee" userId="e9ce1845d50193f0" providerId="LiveId" clId="{BEC3EAAE-8953-4B86-818A-C7A5BEB6D013}" dt="2025-03-09T01:29:09.912" v="1920" actId="26606"/>
+        <pc:spChg chg="mod">
+          <ac:chgData name="David A. Gee" userId="e9ce1845d50193f0" providerId="LiveId" clId="{BEC3EAAE-8953-4B86-818A-C7A5BEB6D013}" dt="2025-03-09T14:16:12.744" v="3184"/>
+          <ac:spMkLst>
+            <pc:docMk/>
+            <pc:sldMk cId="106172727" sldId="258"/>
+            <ac:spMk id="28" creationId="{CDF78217-5D70-136A-CB92-9DD2F776D742}"/>
+          </ac:spMkLst>
+        </pc:spChg>
+        <pc:spChg chg="add del">
+          <ac:chgData name="David A. Gee" userId="e9ce1845d50193f0" providerId="LiveId" clId="{BEC3EAAE-8953-4B86-818A-C7A5BEB6D013}" dt="2025-03-09T13:30:54.386" v="1989"/>
           <ac:spMkLst>
             <pc:docMk/>
             <pc:sldMk cId="106172727" sldId="258"/>
             <ac:spMk id="29" creationId="{17FC539C-B783-4B03-9F9E-D13430F3F64F}"/>
           </ac:spMkLst>
         </pc:spChg>
+        <pc:spChg chg="mod">
+          <ac:chgData name="David A. Gee" userId="e9ce1845d50193f0" providerId="LiveId" clId="{BEC3EAAE-8953-4B86-818A-C7A5BEB6D013}" dt="2025-03-09T14:16:20.066" v="3186"/>
+          <ac:spMkLst>
+            <pc:docMk/>
+            <pc:sldMk cId="106172727" sldId="258"/>
+            <ac:spMk id="31" creationId="{6AC9E399-C124-9C96-60AC-85DC03A28287}"/>
+          </ac:spMkLst>
+        </pc:spChg>
+        <pc:spChg chg="mod">
+          <ac:chgData name="David A. Gee" userId="e9ce1845d50193f0" providerId="LiveId" clId="{BEC3EAAE-8953-4B86-818A-C7A5BEB6D013}" dt="2025-03-09T14:16:20.066" v="3186"/>
+          <ac:spMkLst>
+            <pc:docMk/>
+            <pc:sldMk cId="106172727" sldId="258"/>
+            <ac:spMk id="32" creationId="{E876AF18-9E84-B1B7-8057-DAC91CB6204C}"/>
+          </ac:spMkLst>
+        </pc:spChg>
+        <pc:grpChg chg="add mod">
+          <ac:chgData name="David A. Gee" userId="e9ce1845d50193f0" providerId="LiveId" clId="{BEC3EAAE-8953-4B86-818A-C7A5BEB6D013}" dt="2025-03-09T14:15:30.929" v="3174" actId="164"/>
+          <ac:grpSpMkLst>
+            <pc:docMk/>
+            <pc:sldMk cId="106172727" sldId="258"/>
+            <ac:grpSpMk id="6" creationId="{3905D468-50DF-C0B2-3DDF-F4ADC3EE5B01}"/>
+          </ac:grpSpMkLst>
+        </pc:grpChg>
+        <pc:grpChg chg="add mod">
+          <ac:chgData name="David A. Gee" userId="e9ce1845d50193f0" providerId="LiveId" clId="{BEC3EAAE-8953-4B86-818A-C7A5BEB6D013}" dt="2025-03-09T14:15:39.607" v="3176" actId="1076"/>
+          <ac:grpSpMkLst>
+            <pc:docMk/>
+            <pc:sldMk cId="106172727" sldId="258"/>
+            <ac:grpSpMk id="7" creationId="{5CE57D6F-AF70-186A-CA16-8BA9355D28C5}"/>
+          </ac:grpSpMkLst>
+        </pc:grpChg>
+        <pc:grpChg chg="add mod">
+          <ac:chgData name="David A. Gee" userId="e9ce1845d50193f0" providerId="LiveId" clId="{BEC3EAAE-8953-4B86-818A-C7A5BEB6D013}" dt="2025-03-09T14:15:59.887" v="3181" actId="1076"/>
+          <ac:grpSpMkLst>
+            <pc:docMk/>
+            <pc:sldMk cId="106172727" sldId="258"/>
+            <ac:grpSpMk id="12" creationId="{39581062-A362-D568-0E1B-8B309F0BE507}"/>
+          </ac:grpSpMkLst>
+        </pc:grpChg>
+        <pc:grpChg chg="add mod">
+          <ac:chgData name="David A. Gee" userId="e9ce1845d50193f0" providerId="LiveId" clId="{BEC3EAAE-8953-4B86-818A-C7A5BEB6D013}" dt="2025-03-09T14:16:09.215" v="3183" actId="1076"/>
+          <ac:grpSpMkLst>
+            <pc:docMk/>
+            <pc:sldMk cId="106172727" sldId="258"/>
+            <ac:grpSpMk id="18" creationId="{8F1BA47D-D637-AFC5-1E59-B98FD0CBE24B}"/>
+          </ac:grpSpMkLst>
+        </pc:grpChg>
+        <pc:grpChg chg="add mod">
+          <ac:chgData name="David A. Gee" userId="e9ce1845d50193f0" providerId="LiveId" clId="{BEC3EAAE-8953-4B86-818A-C7A5BEB6D013}" dt="2025-03-09T14:16:17.387" v="3185" actId="1076"/>
+          <ac:grpSpMkLst>
+            <pc:docMk/>
+            <pc:sldMk cId="106172727" sldId="258"/>
+            <ac:grpSpMk id="24" creationId="{0CB2D052-9384-8630-4F09-0A549052B140}"/>
+          </ac:grpSpMkLst>
+        </pc:grpChg>
+        <pc:grpChg chg="add mod">
+          <ac:chgData name="David A. Gee" userId="e9ce1845d50193f0" providerId="LiveId" clId="{BEC3EAAE-8953-4B86-818A-C7A5BEB6D013}" dt="2025-03-09T14:16:24.383" v="3187" actId="1076"/>
+          <ac:grpSpMkLst>
+            <pc:docMk/>
+            <pc:sldMk cId="106172727" sldId="258"/>
+            <ac:grpSpMk id="30" creationId="{8421F4BD-74CC-80C3-DDF5-136BB6BC7DF1}"/>
+          </ac:grpSpMkLst>
+        </pc:grpChg>
         <pc:picChg chg="add mod">
-          <ac:chgData name="David A. Gee" userId="e9ce1845d50193f0" providerId="LiveId" clId="{BEC3EAAE-8953-4B86-818A-C7A5BEB6D013}" dt="2025-03-09T01:29:09.912" v="1920" actId="26606"/>
+          <ac:chgData name="David A. Gee" userId="e9ce1845d50193f0" providerId="LiveId" clId="{BEC3EAAE-8953-4B86-818A-C7A5BEB6D013}" dt="2025-03-09T14:15:45.100" v="3179" actId="1076"/>
           <ac:picMkLst>
             <pc:docMk/>
             <pc:sldMk cId="106172727" sldId="258"/>
@@ -391,8 +640,8 @@
             <ac:cxnSpMk id="14" creationId="{C947DF4A-614C-4B4C-8B80-E5B9D8E8CFED}"/>
           </ac:cxnSpMkLst>
         </pc:cxnChg>
-        <pc:cxnChg chg="add">
-          <ac:chgData name="David A. Gee" userId="e9ce1845d50193f0" providerId="LiveId" clId="{BEC3EAAE-8953-4B86-818A-C7A5BEB6D013}" dt="2025-03-09T01:29:09.912" v="1920" actId="26606"/>
+        <pc:cxnChg chg="add del">
+          <ac:chgData name="David A. Gee" userId="e9ce1845d50193f0" providerId="LiveId" clId="{BEC3EAAE-8953-4B86-818A-C7A5BEB6D013}" dt="2025-03-09T13:30:54.386" v="1989"/>
           <ac:cxnSpMkLst>
             <pc:docMk/>
             <pc:sldMk cId="106172727" sldId="258"/>
@@ -400,14 +649,14 @@
           </ac:cxnSpMkLst>
         </pc:cxnChg>
       </pc:sldChg>
-      <pc:sldChg chg="addSp delSp modSp new mod setBg">
-        <pc:chgData name="David A. Gee" userId="e9ce1845d50193f0" providerId="LiveId" clId="{BEC3EAAE-8953-4B86-818A-C7A5BEB6D013}" dt="2025-03-09T01:29:25.375" v="1924" actId="26606"/>
+      <pc:sldChg chg="addSp delSp modSp new del mod setBg delDesignElem">
+        <pc:chgData name="David A. Gee" userId="e9ce1845d50193f0" providerId="LiveId" clId="{BEC3EAAE-8953-4B86-818A-C7A5BEB6D013}" dt="2025-03-09T13:56:19.236" v="2904" actId="47"/>
         <pc:sldMkLst>
           <pc:docMk/>
           <pc:sldMk cId="2284348569" sldId="259"/>
         </pc:sldMkLst>
         <pc:spChg chg="mod">
-          <ac:chgData name="David A. Gee" userId="e9ce1845d50193f0" providerId="LiveId" clId="{BEC3EAAE-8953-4B86-818A-C7A5BEB6D013}" dt="2025-03-09T01:29:25.375" v="1924" actId="26606"/>
+          <ac:chgData name="David A. Gee" userId="e9ce1845d50193f0" providerId="LiveId" clId="{BEC3EAAE-8953-4B86-818A-C7A5BEB6D013}" dt="2025-03-09T13:52:17.002" v="2849" actId="1076"/>
           <ac:spMkLst>
             <pc:docMk/>
             <pc:sldMk cId="2284348569" sldId="259"/>
@@ -422,8 +671,24 @@
             <ac:spMk id="3" creationId="{7F041212-632D-6639-F707-939DF289169B}"/>
           </ac:spMkLst>
         </pc:spChg>
-        <pc:spChg chg="add mod ord">
-          <ac:chgData name="David A. Gee" userId="e9ce1845d50193f0" providerId="LiveId" clId="{BEC3EAAE-8953-4B86-818A-C7A5BEB6D013}" dt="2025-03-09T01:29:25.375" v="1924" actId="26606"/>
+        <pc:spChg chg="add del">
+          <ac:chgData name="David A. Gee" userId="e9ce1845d50193f0" providerId="LiveId" clId="{BEC3EAAE-8953-4B86-818A-C7A5BEB6D013}" dt="2025-03-09T13:50:42.697" v="2826"/>
+          <ac:spMkLst>
+            <pc:docMk/>
+            <pc:sldMk cId="2284348569" sldId="259"/>
+            <ac:spMk id="7" creationId="{5143A2EA-AE9E-F81B-0801-554E5B91E784}"/>
+          </ac:spMkLst>
+        </pc:spChg>
+        <pc:spChg chg="add">
+          <ac:chgData name="David A. Gee" userId="e9ce1845d50193f0" providerId="LiveId" clId="{BEC3EAAE-8953-4B86-818A-C7A5BEB6D013}" dt="2025-03-09T13:51:08.892" v="2831" actId="26606"/>
+          <ac:spMkLst>
+            <pc:docMk/>
+            <pc:sldMk cId="2284348569" sldId="259"/>
+            <ac:spMk id="8" creationId="{26D75EE5-57FF-4D1E-B105-A6036B0FE6BD}"/>
+          </ac:spMkLst>
+        </pc:spChg>
+        <pc:spChg chg="add del mod ord">
+          <ac:chgData name="David A. Gee" userId="e9ce1845d50193f0" providerId="LiveId" clId="{BEC3EAAE-8953-4B86-818A-C7A5BEB6D013}" dt="2025-03-09T13:47:40.219" v="2806"/>
           <ac:spMkLst>
             <pc:docMk/>
             <pc:sldMk cId="2284348569" sldId="259"/>
@@ -431,6 +696,22 @@
           </ac:spMkLst>
         </pc:spChg>
         <pc:spChg chg="add del">
+          <ac:chgData name="David A. Gee" userId="e9ce1845d50193f0" providerId="LiveId" clId="{BEC3EAAE-8953-4B86-818A-C7A5BEB6D013}" dt="2025-03-09T13:51:46.267" v="2846" actId="26606"/>
+          <ac:spMkLst>
+            <pc:docMk/>
+            <pc:sldMk cId="2284348569" sldId="259"/>
+            <ac:spMk id="10" creationId="{C913828F-06C6-4172-B0DE-BAB0120201D3}"/>
+          </ac:spMkLst>
+        </pc:spChg>
+        <pc:spChg chg="add del">
+          <ac:chgData name="David A. Gee" userId="e9ce1845d50193f0" providerId="LiveId" clId="{BEC3EAAE-8953-4B86-818A-C7A5BEB6D013}" dt="2025-03-09T13:47:59.223" v="2811"/>
+          <ac:spMkLst>
+            <pc:docMk/>
+            <pc:sldMk cId="2284348569" sldId="259"/>
+            <ac:spMk id="11" creationId="{038B8727-D318-4B70-B353-C390602FF311}"/>
+          </ac:spMkLst>
+        </pc:spChg>
+        <pc:spChg chg="add del">
           <ac:chgData name="David A. Gee" userId="e9ce1845d50193f0" providerId="LiveId" clId="{BEC3EAAE-8953-4B86-818A-C7A5BEB6D013}" dt="2025-03-09T01:29:25.375" v="1924" actId="26606"/>
           <ac:spMkLst>
             <pc:docMk/>
@@ -439,6 +720,30 @@
           </ac:spMkLst>
         </pc:spChg>
         <pc:spChg chg="add del">
+          <ac:chgData name="David A. Gee" userId="e9ce1845d50193f0" providerId="LiveId" clId="{BEC3EAAE-8953-4B86-818A-C7A5BEB6D013}" dt="2025-03-09T13:47:59.223" v="2811"/>
+          <ac:spMkLst>
+            <pc:docMk/>
+            <pc:sldMk cId="2284348569" sldId="259"/>
+            <ac:spMk id="13" creationId="{1B0C8367-28B6-4EF1-B182-01BEC98727DB}"/>
+          </ac:spMkLst>
+        </pc:spChg>
+        <pc:spChg chg="add mod">
+          <ac:chgData name="David A. Gee" userId="e9ce1845d50193f0" providerId="LiveId" clId="{BEC3EAAE-8953-4B86-818A-C7A5BEB6D013}" dt="2025-03-09T13:54:20.825" v="2884" actId="21"/>
+          <ac:spMkLst>
+            <pc:docMk/>
+            <pc:sldMk cId="2284348569" sldId="259"/>
+            <ac:spMk id="14" creationId="{2B01621D-FB09-E496-F912-A10AA1210443}"/>
+          </ac:spMkLst>
+        </pc:spChg>
+        <pc:spChg chg="add del">
+          <ac:chgData name="David A. Gee" userId="e9ce1845d50193f0" providerId="LiveId" clId="{BEC3EAAE-8953-4B86-818A-C7A5BEB6D013}" dt="2025-03-09T13:47:59.223" v="2811"/>
+          <ac:spMkLst>
+            <pc:docMk/>
+            <pc:sldMk cId="2284348569" sldId="259"/>
+            <ac:spMk id="15" creationId="{649E3F4C-17F5-49E4-B05F-80C6B348AF28}"/>
+          </ac:spMkLst>
+        </pc:spChg>
+        <pc:spChg chg="add del">
           <ac:chgData name="David A. Gee" userId="e9ce1845d50193f0" providerId="LiveId" clId="{BEC3EAAE-8953-4B86-818A-C7A5BEB6D013}" dt="2025-03-09T01:29:25.375" v="1924" actId="26606"/>
           <ac:spMkLst>
             <pc:docMk/>
@@ -447,6 +752,14 @@
           </ac:spMkLst>
         </pc:spChg>
         <pc:spChg chg="add del">
+          <ac:chgData name="David A. Gee" userId="e9ce1845d50193f0" providerId="LiveId" clId="{BEC3EAAE-8953-4B86-818A-C7A5BEB6D013}" dt="2025-03-09T13:51:46.267" v="2846" actId="26606"/>
+          <ac:spMkLst>
+            <pc:docMk/>
+            <pc:sldMk cId="2284348569" sldId="259"/>
+            <ac:spMk id="17" creationId="{735B99E8-46F0-42FC-87FB-39D61AC14930}"/>
+          </ac:spMkLst>
+        </pc:spChg>
+        <pc:spChg chg="add del">
           <ac:chgData name="David A. Gee" userId="e9ce1845d50193f0" providerId="LiveId" clId="{BEC3EAAE-8953-4B86-818A-C7A5BEB6D013}" dt="2025-03-09T01:29:25.375" v="1924" actId="26606"/>
           <ac:spMkLst>
             <pc:docMk/>
@@ -454,8 +767,24 @@
             <ac:spMk id="18" creationId="{17FC539C-B783-4B03-9F9E-D13430F3F64F}"/>
           </ac:spMkLst>
         </pc:spChg>
-        <pc:spChg chg="add">
-          <ac:chgData name="David A. Gee" userId="e9ce1845d50193f0" providerId="LiveId" clId="{BEC3EAAE-8953-4B86-818A-C7A5BEB6D013}" dt="2025-03-09T01:29:25.375" v="1924" actId="26606"/>
+        <pc:spChg chg="add del">
+          <ac:chgData name="David A. Gee" userId="e9ce1845d50193f0" providerId="LiveId" clId="{BEC3EAAE-8953-4B86-818A-C7A5BEB6D013}" dt="2025-03-09T13:51:46.267" v="2846" actId="26606"/>
+          <ac:spMkLst>
+            <pc:docMk/>
+            <pc:sldMk cId="2284348569" sldId="259"/>
+            <ac:spMk id="21" creationId="{5A2A6149-408D-4E04-BFCF-3A17E51D6DB7}"/>
+          </ac:spMkLst>
+        </pc:spChg>
+        <pc:spChg chg="add del">
+          <ac:chgData name="David A. Gee" userId="e9ce1845d50193f0" providerId="LiveId" clId="{BEC3EAAE-8953-4B86-818A-C7A5BEB6D013}" dt="2025-03-09T13:51:46.267" v="2846" actId="26606"/>
+          <ac:spMkLst>
+            <pc:docMk/>
+            <pc:sldMk cId="2284348569" sldId="259"/>
+            <ac:spMk id="22" creationId="{4E231B5F-92E2-464C-916D-67AB1CAE4B1E}"/>
+          </ac:spMkLst>
+        </pc:spChg>
+        <pc:spChg chg="add del">
+          <ac:chgData name="David A. Gee" userId="e9ce1845d50193f0" providerId="LiveId" clId="{BEC3EAAE-8953-4B86-818A-C7A5BEB6D013}" dt="2025-03-09T13:30:54.386" v="1989"/>
           <ac:spMkLst>
             <pc:docMk/>
             <pc:sldMk cId="2284348569" sldId="259"/>
@@ -463,27 +792,83 @@
           </ac:spMkLst>
         </pc:spChg>
         <pc:spChg chg="add">
-          <ac:chgData name="David A. Gee" userId="e9ce1845d50193f0" providerId="LiveId" clId="{BEC3EAAE-8953-4B86-818A-C7A5BEB6D013}" dt="2025-03-09T01:29:25.375" v="1924" actId="26606"/>
+          <ac:chgData name="David A. Gee" userId="e9ce1845d50193f0" providerId="LiveId" clId="{BEC3EAAE-8953-4B86-818A-C7A5BEB6D013}" dt="2025-03-09T13:51:46.267" v="2846" actId="26606"/>
+          <ac:spMkLst>
+            <pc:docMk/>
+            <pc:sldMk cId="2284348569" sldId="259"/>
+            <ac:spMk id="24" creationId="{26D75EE5-57FF-4D1E-B105-A6036B0FE6BD}"/>
+          </ac:spMkLst>
+        </pc:spChg>
+        <pc:spChg chg="add del">
+          <ac:chgData name="David A. Gee" userId="e9ce1845d50193f0" providerId="LiveId" clId="{BEC3EAAE-8953-4B86-818A-C7A5BEB6D013}" dt="2025-03-09T13:30:54.386" v="1989"/>
           <ac:spMkLst>
             <pc:docMk/>
             <pc:sldMk cId="2284348569" sldId="259"/>
             <ac:spMk id="27" creationId="{1E299956-A9E7-4FC1-A0B1-D590CA9730E8}"/>
           </ac:spMkLst>
         </pc:spChg>
-        <pc:spChg chg="add">
-          <ac:chgData name="David A. Gee" userId="e9ce1845d50193f0" providerId="LiveId" clId="{BEC3EAAE-8953-4B86-818A-C7A5BEB6D013}" dt="2025-03-09T01:29:25.375" v="1924" actId="26606"/>
+        <pc:spChg chg="add del">
+          <ac:chgData name="David A. Gee" userId="e9ce1845d50193f0" providerId="LiveId" clId="{BEC3EAAE-8953-4B86-818A-C7A5BEB6D013}" dt="2025-03-09T13:30:54.386" v="1989"/>
           <ac:spMkLst>
             <pc:docMk/>
             <pc:sldMk cId="2284348569" sldId="259"/>
             <ac:spMk id="29" creationId="{17FC539C-B783-4B03-9F9E-D13430F3F64F}"/>
           </ac:spMkLst>
         </pc:spChg>
-        <pc:picChg chg="add mod">
-          <ac:chgData name="David A. Gee" userId="e9ce1845d50193f0" providerId="LiveId" clId="{BEC3EAAE-8953-4B86-818A-C7A5BEB6D013}" dt="2025-03-09T01:29:25.375" v="1924" actId="26606"/>
+        <pc:spChg chg="add">
+          <ac:chgData name="David A. Gee" userId="e9ce1845d50193f0" providerId="LiveId" clId="{BEC3EAAE-8953-4B86-818A-C7A5BEB6D013}" dt="2025-03-09T13:51:46.267" v="2846" actId="26606"/>
+          <ac:spMkLst>
+            <pc:docMk/>
+            <pc:sldMk cId="2284348569" sldId="259"/>
+            <ac:spMk id="33" creationId="{21348D5E-A2F9-4457-85D6-EF33B01C1B86}"/>
+          </ac:spMkLst>
+        </pc:spChg>
+        <pc:spChg chg="add">
+          <ac:chgData name="David A. Gee" userId="e9ce1845d50193f0" providerId="LiveId" clId="{BEC3EAAE-8953-4B86-818A-C7A5BEB6D013}" dt="2025-03-09T13:51:46.267" v="2846" actId="26606"/>
+          <ac:spMkLst>
+            <pc:docMk/>
+            <pc:sldMk cId="2284348569" sldId="259"/>
+            <ac:spMk id="35" creationId="{62E5679E-AF9A-4675-8EB9-82F877C47B17}"/>
+          </ac:spMkLst>
+        </pc:spChg>
+        <pc:spChg chg="add">
+          <ac:chgData name="David A. Gee" userId="e9ce1845d50193f0" providerId="LiveId" clId="{BEC3EAAE-8953-4B86-818A-C7A5BEB6D013}" dt="2025-03-09T13:51:46.267" v="2846" actId="26606"/>
+          <ac:spMkLst>
+            <pc:docMk/>
+            <pc:sldMk cId="2284348569" sldId="259"/>
+            <ac:spMk id="39" creationId="{7EF5A4DD-17B0-415A-8F3A-0DEE3FF8F8C5}"/>
+          </ac:spMkLst>
+        </pc:spChg>
+        <pc:spChg chg="add">
+          <ac:chgData name="David A. Gee" userId="e9ce1845d50193f0" providerId="LiveId" clId="{BEC3EAAE-8953-4B86-818A-C7A5BEB6D013}" dt="2025-03-09T13:51:46.267" v="2846" actId="26606"/>
+          <ac:spMkLst>
+            <pc:docMk/>
+            <pc:sldMk cId="2284348569" sldId="259"/>
+            <ac:spMk id="41" creationId="{4AA73B4A-2570-4D18-9566-12E68828C417}"/>
+          </ac:spMkLst>
+        </pc:spChg>
+        <pc:graphicFrameChg chg="add mod">
+          <ac:chgData name="David A. Gee" userId="e9ce1845d50193f0" providerId="LiveId" clId="{BEC3EAAE-8953-4B86-818A-C7A5BEB6D013}" dt="2025-03-09T13:47:36.103" v="2805"/>
+          <ac:graphicFrameMkLst>
+            <pc:docMk/>
+            <pc:sldMk cId="2284348569" sldId="259"/>
+            <ac:graphicFrameMk id="3" creationId="{4AEF3515-0AAE-335A-7DF1-0D298F9786BF}"/>
+          </ac:graphicFrameMkLst>
+        </pc:graphicFrameChg>
+        <pc:picChg chg="add del mod">
+          <ac:chgData name="David A. Gee" userId="e9ce1845d50193f0" providerId="LiveId" clId="{BEC3EAAE-8953-4B86-818A-C7A5BEB6D013}" dt="2025-03-09T13:50:40.709" v="2825" actId="21"/>
           <ac:picMkLst>
             <pc:docMk/>
             <pc:sldMk cId="2284348569" sldId="259"/>
             <ac:picMk id="4" creationId="{A34EE503-9450-F633-8FFA-43F8E52C350F}"/>
+          </ac:picMkLst>
+        </pc:picChg>
+        <pc:picChg chg="add del mod ord">
+          <ac:chgData name="David A. Gee" userId="e9ce1845d50193f0" providerId="LiveId" clId="{BEC3EAAE-8953-4B86-818A-C7A5BEB6D013}" dt="2025-03-09T13:55:13.906" v="2897" actId="21"/>
+          <ac:picMkLst>
+            <pc:docMk/>
+            <pc:sldMk cId="2284348569" sldId="259"/>
+            <ac:picMk id="5" creationId="{7BCD81D3-B2D7-F511-D448-C64DB8AD74E2}"/>
           </ac:picMkLst>
         </pc:picChg>
         <pc:picChg chg="add del mod">
@@ -494,6 +879,14 @@
             <ac:picMk id="5" creationId="{E16EF5AE-56D4-EFCF-C7B4-3681859EFB57}"/>
           </ac:picMkLst>
         </pc:picChg>
+        <pc:picChg chg="add del mod">
+          <ac:chgData name="David A. Gee" userId="e9ce1845d50193f0" providerId="LiveId" clId="{BEC3EAAE-8953-4B86-818A-C7A5BEB6D013}" dt="2025-03-09T13:54:20.825" v="2884" actId="21"/>
+          <ac:picMkLst>
+            <pc:docMk/>
+            <pc:sldMk cId="2284348569" sldId="259"/>
+            <ac:picMk id="6" creationId="{A34EE503-9450-F633-8FFA-43F8E52C350F}"/>
+          </ac:picMkLst>
+        </pc:picChg>
         <pc:cxnChg chg="add">
           <ac:chgData name="David A. Gee" userId="e9ce1845d50193f0" providerId="LiveId" clId="{BEC3EAAE-8953-4B86-818A-C7A5BEB6D013}" dt="2025-03-08T21:11:55.889" v="476" actId="26606"/>
           <ac:cxnSpMkLst>
@@ -503,7 +896,23 @@
           </ac:cxnSpMkLst>
         </pc:cxnChg>
         <pc:cxnChg chg="add">
-          <ac:chgData name="David A. Gee" userId="e9ce1845d50193f0" providerId="LiveId" clId="{BEC3EAAE-8953-4B86-818A-C7A5BEB6D013}" dt="2025-03-09T01:29:25.375" v="1924" actId="26606"/>
+          <ac:chgData name="David A. Gee" userId="e9ce1845d50193f0" providerId="LiveId" clId="{BEC3EAAE-8953-4B86-818A-C7A5BEB6D013}" dt="2025-03-09T13:51:08.892" v="2831" actId="26606"/>
+          <ac:cxnSpMkLst>
+            <pc:docMk/>
+            <pc:sldMk cId="2284348569" sldId="259"/>
+            <ac:cxnSpMk id="19" creationId="{85F2093B-7124-4CB0-8F45-1B3204F6F6D1}"/>
+          </ac:cxnSpMkLst>
+        </pc:cxnChg>
+        <pc:cxnChg chg="add">
+          <ac:chgData name="David A. Gee" userId="e9ce1845d50193f0" providerId="LiveId" clId="{BEC3EAAE-8953-4B86-818A-C7A5BEB6D013}" dt="2025-03-09T13:51:08.892" v="2831" actId="26606"/>
+          <ac:cxnSpMkLst>
+            <pc:docMk/>
+            <pc:sldMk cId="2284348569" sldId="259"/>
+            <ac:cxnSpMk id="20" creationId="{0CB2A3A6-962C-4D7A-8272-EDEDD881F07E}"/>
+          </ac:cxnSpMkLst>
+        </pc:cxnChg>
+        <pc:cxnChg chg="add del">
+          <ac:chgData name="David A. Gee" userId="e9ce1845d50193f0" providerId="LiveId" clId="{BEC3EAAE-8953-4B86-818A-C7A5BEB6D013}" dt="2025-03-09T13:30:54.386" v="1989"/>
           <ac:cxnSpMkLst>
             <pc:docMk/>
             <pc:sldMk cId="2284348569" sldId="259"/>
@@ -511,14 +920,14 @@
           </ac:cxnSpMkLst>
         </pc:cxnChg>
       </pc:sldChg>
-      <pc:sldChg chg="addSp delSp modSp new mod setBg modNotesTx">
-        <pc:chgData name="David A. Gee" userId="e9ce1845d50193f0" providerId="LiveId" clId="{BEC3EAAE-8953-4B86-818A-C7A5BEB6D013}" dt="2025-03-09T01:30:46.874" v="1930" actId="20577"/>
+      <pc:sldChg chg="addSp delSp modSp new mod setBg delDesignElem modNotesTx">
+        <pc:chgData name="David A. Gee" userId="e9ce1845d50193f0" providerId="LiveId" clId="{BEC3EAAE-8953-4B86-818A-C7A5BEB6D013}" dt="2025-03-09T14:10:22.219" v="3139" actId="26606"/>
         <pc:sldMkLst>
           <pc:docMk/>
           <pc:sldMk cId="233070655" sldId="260"/>
         </pc:sldMkLst>
         <pc:spChg chg="mod">
-          <ac:chgData name="David A. Gee" userId="e9ce1845d50193f0" providerId="LiveId" clId="{BEC3EAAE-8953-4B86-818A-C7A5BEB6D013}" dt="2025-03-09T01:29:37.426" v="1928" actId="26606"/>
+          <ac:chgData name="David A. Gee" userId="e9ce1845d50193f0" providerId="LiveId" clId="{BEC3EAAE-8953-4B86-818A-C7A5BEB6D013}" dt="2025-03-09T14:10:22.219" v="3139" actId="26606"/>
           <ac:spMkLst>
             <pc:docMk/>
             <pc:sldMk cId="233070655" sldId="260"/>
@@ -533,70 +942,190 @@
             <ac:spMk id="3" creationId="{61BF70ED-778D-355E-F84F-ABA46269311B}"/>
           </ac:spMkLst>
         </pc:spChg>
-        <pc:spChg chg="add">
-          <ac:chgData name="David A. Gee" userId="e9ce1845d50193f0" providerId="LiveId" clId="{BEC3EAAE-8953-4B86-818A-C7A5BEB6D013}" dt="2025-03-09T01:29:37.426" v="1928" actId="26606"/>
+        <pc:spChg chg="add del">
+          <ac:chgData name="David A. Gee" userId="e9ce1845d50193f0" providerId="LiveId" clId="{BEC3EAAE-8953-4B86-818A-C7A5BEB6D013}" dt="2025-03-09T14:09:42.518" v="3081" actId="26606"/>
           <ac:spMkLst>
             <pc:docMk/>
             <pc:sldMk cId="233070655" sldId="260"/>
             <ac:spMk id="9" creationId="{AD4BB943-CFDF-03FD-1E85-C4DFE6D082A6}"/>
           </ac:spMkLst>
         </pc:spChg>
-        <pc:spChg chg="add">
-          <ac:chgData name="David A. Gee" userId="e9ce1845d50193f0" providerId="LiveId" clId="{BEC3EAAE-8953-4B86-818A-C7A5BEB6D013}" dt="2025-03-09T01:29:37.426" v="1928" actId="26606"/>
+        <pc:spChg chg="add del">
+          <ac:chgData name="David A. Gee" userId="e9ce1845d50193f0" providerId="LiveId" clId="{BEC3EAAE-8953-4B86-818A-C7A5BEB6D013}" dt="2025-03-09T14:10:22.219" v="3139" actId="26606"/>
+          <ac:spMkLst>
+            <pc:docMk/>
+            <pc:sldMk cId="233070655" sldId="260"/>
+            <ac:spMk id="11" creationId="{4A8FFEA1-1B69-4F42-B552-0CCF7259687D}"/>
+          </ac:spMkLst>
+        </pc:spChg>
+        <pc:spChg chg="add del">
+          <ac:chgData name="David A. Gee" userId="e9ce1845d50193f0" providerId="LiveId" clId="{BEC3EAAE-8953-4B86-818A-C7A5BEB6D013}" dt="2025-03-09T13:30:54.386" v="1989"/>
           <ac:spMkLst>
             <pc:docMk/>
             <pc:sldMk cId="233070655" sldId="260"/>
             <ac:spMk id="12" creationId="{284B70D5-875B-433D-BDBD-1522A85D6C1D}"/>
           </ac:spMkLst>
         </pc:spChg>
-        <pc:spChg chg="add">
-          <ac:chgData name="David A. Gee" userId="e9ce1845d50193f0" providerId="LiveId" clId="{BEC3EAAE-8953-4B86-818A-C7A5BEB6D013}" dt="2025-03-09T01:29:37.426" v="1928" actId="26606"/>
+        <pc:spChg chg="add del">
+          <ac:chgData name="David A. Gee" userId="e9ce1845d50193f0" providerId="LiveId" clId="{BEC3EAAE-8953-4B86-818A-C7A5BEB6D013}" dt="2025-03-09T14:10:22.219" v="3139" actId="26606"/>
+          <ac:spMkLst>
+            <pc:docMk/>
+            <pc:sldMk cId="233070655" sldId="260"/>
+            <ac:spMk id="13" creationId="{AA3C9226-5EC8-460B-82D7-72AA994DF95E}"/>
+          </ac:spMkLst>
+        </pc:spChg>
+        <pc:spChg chg="add del">
+          <ac:chgData name="David A. Gee" userId="e9ce1845d50193f0" providerId="LiveId" clId="{BEC3EAAE-8953-4B86-818A-C7A5BEB6D013}" dt="2025-03-09T13:30:54.386" v="1989"/>
           <ac:spMkLst>
             <pc:docMk/>
             <pc:sldMk cId="233070655" sldId="260"/>
             <ac:spMk id="16" creationId="{1E299956-A9E7-4FC1-A0B1-D590CA9730E8}"/>
           </ac:spMkLst>
         </pc:spChg>
-        <pc:spChg chg="add">
-          <ac:chgData name="David A. Gee" userId="e9ce1845d50193f0" providerId="LiveId" clId="{BEC3EAAE-8953-4B86-818A-C7A5BEB6D013}" dt="2025-03-09T01:29:37.426" v="1928" actId="26606"/>
+        <pc:spChg chg="add del">
+          <ac:chgData name="David A. Gee" userId="e9ce1845d50193f0" providerId="LiveId" clId="{BEC3EAAE-8953-4B86-818A-C7A5BEB6D013}" dt="2025-03-09T13:30:54.386" v="1989"/>
           <ac:spMkLst>
             <pc:docMk/>
             <pc:sldMk cId="233070655" sldId="260"/>
             <ac:spMk id="18" creationId="{17FC539C-B783-4B03-9F9E-D13430F3F64F}"/>
           </ac:spMkLst>
         </pc:spChg>
+        <pc:spChg chg="add del">
+          <ac:chgData name="David A. Gee" userId="e9ce1845d50193f0" providerId="LiveId" clId="{BEC3EAAE-8953-4B86-818A-C7A5BEB6D013}" dt="2025-03-09T14:10:22.219" v="3139" actId="26606"/>
+          <ac:spMkLst>
+            <pc:docMk/>
+            <pc:sldMk cId="233070655" sldId="260"/>
+            <ac:spMk id="20" creationId="{6BB9730C-14BA-4087-9AF5-401956772119}"/>
+          </ac:spMkLst>
+        </pc:spChg>
+        <pc:spChg chg="add">
+          <ac:chgData name="David A. Gee" userId="e9ce1845d50193f0" providerId="LiveId" clId="{BEC3EAAE-8953-4B86-818A-C7A5BEB6D013}" dt="2025-03-09T14:09:42.518" v="3081" actId="26606"/>
+          <ac:spMkLst>
+            <pc:docMk/>
+            <pc:sldMk cId="233070655" sldId="260"/>
+            <ac:spMk id="22" creationId="{04C8AB72-CC2C-4452-A54B-A3EB92AD2D2D}"/>
+          </ac:spMkLst>
+        </pc:spChg>
+        <pc:spChg chg="add del">
+          <ac:chgData name="David A. Gee" userId="e9ce1845d50193f0" providerId="LiveId" clId="{BEC3EAAE-8953-4B86-818A-C7A5BEB6D013}" dt="2025-03-09T14:10:22.219" v="3139" actId="26606"/>
+          <ac:spMkLst>
+            <pc:docMk/>
+            <pc:sldMk cId="233070655" sldId="260"/>
+            <ac:spMk id="24" creationId="{48F3622B-3E4C-4435-A51C-9D6FD1C2A222}"/>
+          </ac:spMkLst>
+        </pc:spChg>
+        <pc:spChg chg="add">
+          <ac:chgData name="David A. Gee" userId="e9ce1845d50193f0" providerId="LiveId" clId="{BEC3EAAE-8953-4B86-818A-C7A5BEB6D013}" dt="2025-03-09T14:10:22.219" v="3139" actId="26606"/>
+          <ac:spMkLst>
+            <pc:docMk/>
+            <pc:sldMk cId="233070655" sldId="260"/>
+            <ac:spMk id="29" creationId="{4A8FFEA1-1B69-4F42-B552-0CCF7259687D}"/>
+          </ac:spMkLst>
+        </pc:spChg>
+        <pc:spChg chg="add">
+          <ac:chgData name="David A. Gee" userId="e9ce1845d50193f0" providerId="LiveId" clId="{BEC3EAAE-8953-4B86-818A-C7A5BEB6D013}" dt="2025-03-09T14:10:22.219" v="3139" actId="26606"/>
+          <ac:spMkLst>
+            <pc:docMk/>
+            <pc:sldMk cId="233070655" sldId="260"/>
+            <ac:spMk id="31" creationId="{AA3C9226-5EC8-460B-82D7-72AA994DF95E}"/>
+          </ac:spMkLst>
+        </pc:spChg>
+        <pc:spChg chg="add">
+          <ac:chgData name="David A. Gee" userId="e9ce1845d50193f0" providerId="LiveId" clId="{BEC3EAAE-8953-4B86-818A-C7A5BEB6D013}" dt="2025-03-09T14:10:22.219" v="3139" actId="26606"/>
+          <ac:spMkLst>
+            <pc:docMk/>
+            <pc:sldMk cId="233070655" sldId="260"/>
+            <ac:spMk id="35" creationId="{3C6B623D-A3E9-460F-9A5B-2F0FE253BF13}"/>
+          </ac:spMkLst>
+        </pc:spChg>
+        <pc:spChg chg="add">
+          <ac:chgData name="David A. Gee" userId="e9ce1845d50193f0" providerId="LiveId" clId="{BEC3EAAE-8953-4B86-818A-C7A5BEB6D013}" dt="2025-03-09T14:10:22.219" v="3139" actId="26606"/>
+          <ac:spMkLst>
+            <pc:docMk/>
+            <pc:sldMk cId="233070655" sldId="260"/>
+            <ac:spMk id="39" creationId="{AEABC29F-F82F-4902-B701-8FEEE414FE14}"/>
+          </ac:spMkLst>
+        </pc:spChg>
+        <pc:spChg chg="add">
+          <ac:chgData name="David A. Gee" userId="e9ce1845d50193f0" providerId="LiveId" clId="{BEC3EAAE-8953-4B86-818A-C7A5BEB6D013}" dt="2025-03-09T14:10:22.219" v="3139" actId="26606"/>
+          <ac:spMkLst>
+            <pc:docMk/>
+            <pc:sldMk cId="233070655" sldId="260"/>
+            <ac:spMk id="41" creationId="{D75BDCBB-0B1A-4AA1-B47F-DBDB642467AA}"/>
+          </ac:spMkLst>
+        </pc:spChg>
+        <pc:graphicFrameChg chg="add mod">
+          <ac:chgData name="David A. Gee" userId="e9ce1845d50193f0" providerId="LiveId" clId="{BEC3EAAE-8953-4B86-818A-C7A5BEB6D013}" dt="2025-03-09T14:09:35.657" v="3079"/>
+          <ac:graphicFrameMkLst>
+            <pc:docMk/>
+            <pc:sldMk cId="233070655" sldId="260"/>
+            <ac:graphicFrameMk id="3" creationId="{4B3ED35F-3C00-56D0-9553-72A594C1DFC2}"/>
+          </ac:graphicFrameMkLst>
+        </pc:graphicFrameChg>
         <pc:picChg chg="add mod">
-          <ac:chgData name="David A. Gee" userId="e9ce1845d50193f0" providerId="LiveId" clId="{BEC3EAAE-8953-4B86-818A-C7A5BEB6D013}" dt="2025-03-09T01:29:37.426" v="1928" actId="26606"/>
+          <ac:chgData name="David A. Gee" userId="e9ce1845d50193f0" providerId="LiveId" clId="{BEC3EAAE-8953-4B86-818A-C7A5BEB6D013}" dt="2025-03-09T14:09:42.518" v="3081" actId="26606"/>
+          <ac:picMkLst>
+            <pc:docMk/>
+            <pc:sldMk cId="233070655" sldId="260"/>
+            <ac:picMk id="4" creationId="{5C402379-CBAA-2DB6-6A4E-03B4A59D180F}"/>
+          </ac:picMkLst>
+        </pc:picChg>
+        <pc:picChg chg="add del mod">
+          <ac:chgData name="David A. Gee" userId="e9ce1845d50193f0" providerId="LiveId" clId="{BEC3EAAE-8953-4B86-818A-C7A5BEB6D013}" dt="2025-03-09T13:56:39.894" v="2908" actId="21"/>
           <ac:picMkLst>
             <pc:docMk/>
             <pc:sldMk cId="233070655" sldId="260"/>
             <ac:picMk id="5" creationId="{0371389D-F31C-3CF7-D777-2640DD275FF2}"/>
           </ac:picMkLst>
         </pc:picChg>
-        <pc:cxnChg chg="add">
-          <ac:chgData name="David A. Gee" userId="e9ce1845d50193f0" providerId="LiveId" clId="{BEC3EAAE-8953-4B86-818A-C7A5BEB6D013}" dt="2025-03-09T01:29:37.426" v="1928" actId="26606"/>
+        <pc:cxnChg chg="add del">
+          <ac:chgData name="David A. Gee" userId="e9ce1845d50193f0" providerId="LiveId" clId="{BEC3EAAE-8953-4B86-818A-C7A5BEB6D013}" dt="2025-03-09T13:30:54.386" v="1989"/>
           <ac:cxnSpMkLst>
             <pc:docMk/>
             <pc:sldMk cId="233070655" sldId="260"/>
             <ac:cxnSpMk id="14" creationId="{C947DF4A-614C-4B4C-8B80-E5B9D8E8CFED}"/>
           </ac:cxnSpMkLst>
         </pc:cxnChg>
+        <pc:cxnChg chg="add">
+          <ac:chgData name="David A. Gee" userId="e9ce1845d50193f0" providerId="LiveId" clId="{BEC3EAAE-8953-4B86-818A-C7A5BEB6D013}" dt="2025-03-09T14:09:42.518" v="3081" actId="26606"/>
+          <ac:cxnSpMkLst>
+            <pc:docMk/>
+            <pc:sldMk cId="233070655" sldId="260"/>
+            <ac:cxnSpMk id="15" creationId="{62A90A9D-33DF-408E-BF4C-F82588935C96}"/>
+          </ac:cxnSpMkLst>
+        </pc:cxnChg>
       </pc:sldChg>
-      <pc:sldChg chg="new">
-        <pc:chgData name="David A. Gee" userId="e9ce1845d50193f0" providerId="LiveId" clId="{BEC3EAAE-8953-4B86-818A-C7A5BEB6D013}" dt="2025-03-08T21:22:29.932" v="1397" actId="680"/>
+      <pc:sldChg chg="modSp new del">
+        <pc:chgData name="David A. Gee" userId="e9ce1845d50193f0" providerId="LiveId" clId="{BEC3EAAE-8953-4B86-818A-C7A5BEB6D013}" dt="2025-03-09T14:19:00.587" v="3226" actId="47"/>
         <pc:sldMkLst>
           <pc:docMk/>
           <pc:sldMk cId="1497446513" sldId="261"/>
         </pc:sldMkLst>
+        <pc:spChg chg="mod">
+          <ac:chgData name="David A. Gee" userId="e9ce1845d50193f0" providerId="LiveId" clId="{BEC3EAAE-8953-4B86-818A-C7A5BEB6D013}" dt="2025-03-09T13:48:02.013" v="2812"/>
+          <ac:spMkLst>
+            <pc:docMk/>
+            <pc:sldMk cId="1497446513" sldId="261"/>
+            <ac:spMk id="2" creationId="{3FB35DD6-681F-8C0B-DA11-99A06D0AEFB6}"/>
+          </ac:spMkLst>
+        </pc:spChg>
+        <pc:spChg chg="mod">
+          <ac:chgData name="David A. Gee" userId="e9ce1845d50193f0" providerId="LiveId" clId="{BEC3EAAE-8953-4B86-818A-C7A5BEB6D013}" dt="2025-03-09T13:48:02.013" v="2812"/>
+          <ac:spMkLst>
+            <pc:docMk/>
+            <pc:sldMk cId="1497446513" sldId="261"/>
+            <ac:spMk id="3" creationId="{5BE9CB02-672B-37D7-2803-F421453D60A4}"/>
+          </ac:spMkLst>
+        </pc:spChg>
       </pc:sldChg>
       <pc:sldChg chg="modSp new mod modNotesTx">
-        <pc:chgData name="David A. Gee" userId="e9ce1845d50193f0" providerId="LiveId" clId="{BEC3EAAE-8953-4B86-818A-C7A5BEB6D013}" dt="2025-03-08T21:25:29.017" v="1914" actId="20577"/>
+        <pc:chgData name="David A. Gee" userId="e9ce1845d50193f0" providerId="LiveId" clId="{BEC3EAAE-8953-4B86-818A-C7A5BEB6D013}" dt="2025-03-09T14:29:58.616" v="4496" actId="20577"/>
         <pc:sldMkLst>
           <pc:docMk/>
           <pc:sldMk cId="1587607779" sldId="262"/>
         </pc:sldMkLst>
         <pc:spChg chg="mod">
-          <ac:chgData name="David A. Gee" userId="e9ce1845d50193f0" providerId="LiveId" clId="{BEC3EAAE-8953-4B86-818A-C7A5BEB6D013}" dt="2025-03-08T21:22:44.722" v="1409" actId="20577"/>
+          <ac:chgData name="David A. Gee" userId="e9ce1845d50193f0" providerId="LiveId" clId="{BEC3EAAE-8953-4B86-818A-C7A5BEB6D013}" dt="2025-03-09T13:48:02.013" v="2812"/>
           <ac:spMkLst>
             <pc:docMk/>
             <pc:sldMk cId="1587607779" sldId="262"/>
@@ -604,7 +1133,7 @@
           </ac:spMkLst>
         </pc:spChg>
         <pc:spChg chg="mod">
-          <ac:chgData name="David A. Gee" userId="e9ce1845d50193f0" providerId="LiveId" clId="{BEC3EAAE-8953-4B86-818A-C7A5BEB6D013}" dt="2025-03-08T21:25:10.812" v="1849" actId="20577"/>
+          <ac:chgData name="David A. Gee" userId="e9ce1845d50193f0" providerId="LiveId" clId="{BEC3EAAE-8953-4B86-818A-C7A5BEB6D013}" dt="2025-03-09T14:29:21.353" v="4480" actId="20577"/>
           <ac:spMkLst>
             <pc:docMk/>
             <pc:sldMk cId="1587607779" sldId="262"/>
@@ -612,8 +1141,8 @@
           </ac:spMkLst>
         </pc:spChg>
       </pc:sldChg>
-      <pc:sldChg chg="addSp delSp modSp add mod">
-        <pc:chgData name="David A. Gee" userId="e9ce1845d50193f0" providerId="LiveId" clId="{BEC3EAAE-8953-4B86-818A-C7A5BEB6D013}" dt="2025-03-09T03:08:26.027" v="1945" actId="1076"/>
+      <pc:sldChg chg="addSp delSp modSp add del mod delDesignElem">
+        <pc:chgData name="David A. Gee" userId="e9ce1845d50193f0" providerId="LiveId" clId="{BEC3EAAE-8953-4B86-818A-C7A5BEB6D013}" dt="2025-03-09T14:05:31.206" v="3009" actId="2696"/>
         <pc:sldMkLst>
           <pc:docMk/>
           <pc:sldMk cId="272809894" sldId="263"/>
@@ -658,40 +1187,40 @@
             <ac:spMk id="18" creationId="{02FB3C52-2C45-6EB5-7E10-568DE8178DA0}"/>
           </ac:spMkLst>
         </pc:spChg>
-        <pc:spChg chg="add">
-          <ac:chgData name="David A. Gee" userId="e9ce1845d50193f0" providerId="LiveId" clId="{BEC3EAAE-8953-4B86-818A-C7A5BEB6D013}" dt="2025-03-09T03:07:32.370" v="1935" actId="26606"/>
+        <pc:spChg chg="add del">
+          <ac:chgData name="David A. Gee" userId="e9ce1845d50193f0" providerId="LiveId" clId="{BEC3EAAE-8953-4B86-818A-C7A5BEB6D013}" dt="2025-03-09T13:30:54.386" v="1989"/>
           <ac:spMkLst>
             <pc:docMk/>
             <pc:sldMk cId="272809894" sldId="263"/>
             <ac:spMk id="23" creationId="{25C8D2C1-DA83-420D-9635-D52CE066B5DA}"/>
           </ac:spMkLst>
         </pc:spChg>
-        <pc:spChg chg="add">
-          <ac:chgData name="David A. Gee" userId="e9ce1845d50193f0" providerId="LiveId" clId="{BEC3EAAE-8953-4B86-818A-C7A5BEB6D013}" dt="2025-03-09T03:07:32.370" v="1935" actId="26606"/>
+        <pc:spChg chg="add del">
+          <ac:chgData name="David A. Gee" userId="e9ce1845d50193f0" providerId="LiveId" clId="{BEC3EAAE-8953-4B86-818A-C7A5BEB6D013}" dt="2025-03-09T13:30:54.386" v="1989"/>
           <ac:spMkLst>
             <pc:docMk/>
             <pc:sldMk cId="272809894" sldId="263"/>
             <ac:spMk id="25" creationId="{434F74C9-6A0B-409E-AD1C-45B58BE91BB8}"/>
           </ac:spMkLst>
         </pc:spChg>
-        <pc:spChg chg="add">
-          <ac:chgData name="David A. Gee" userId="e9ce1845d50193f0" providerId="LiveId" clId="{BEC3EAAE-8953-4B86-818A-C7A5BEB6D013}" dt="2025-03-09T03:07:32.370" v="1935" actId="26606"/>
+        <pc:spChg chg="add del">
+          <ac:chgData name="David A. Gee" userId="e9ce1845d50193f0" providerId="LiveId" clId="{BEC3EAAE-8953-4B86-818A-C7A5BEB6D013}" dt="2025-03-09T13:30:54.386" v="1989"/>
           <ac:spMkLst>
             <pc:docMk/>
             <pc:sldMk cId="272809894" sldId="263"/>
             <ac:spMk id="29" creationId="{BE268116-E2A7-4F98-8812-192B4975E49B}"/>
           </ac:spMkLst>
         </pc:spChg>
-        <pc:spChg chg="add">
-          <ac:chgData name="David A. Gee" userId="e9ce1845d50193f0" providerId="LiveId" clId="{BEC3EAAE-8953-4B86-818A-C7A5BEB6D013}" dt="2025-03-09T03:07:32.370" v="1935" actId="26606"/>
+        <pc:spChg chg="add del">
+          <ac:chgData name="David A. Gee" userId="e9ce1845d50193f0" providerId="LiveId" clId="{BEC3EAAE-8953-4B86-818A-C7A5BEB6D013}" dt="2025-03-09T13:30:54.386" v="1989"/>
           <ac:spMkLst>
             <pc:docMk/>
             <pc:sldMk cId="272809894" sldId="263"/>
             <ac:spMk id="33" creationId="{FBEFFA83-BC6D-4CD2-A2BA-98AD67423BF2}"/>
           </ac:spMkLst>
         </pc:spChg>
-        <pc:spChg chg="add">
-          <ac:chgData name="David A. Gee" userId="e9ce1845d50193f0" providerId="LiveId" clId="{BEC3EAAE-8953-4B86-818A-C7A5BEB6D013}" dt="2025-03-09T03:07:32.370" v="1935" actId="26606"/>
+        <pc:spChg chg="add del">
+          <ac:chgData name="David A. Gee" userId="e9ce1845d50193f0" providerId="LiveId" clId="{BEC3EAAE-8953-4B86-818A-C7A5BEB6D013}" dt="2025-03-09T13:30:54.386" v="1989"/>
           <ac:spMkLst>
             <pc:docMk/>
             <pc:sldMk cId="272809894" sldId="263"/>
@@ -714,6 +1243,1041 @@
             <ac:picMk id="5" creationId="{DC9B58ED-2CEB-FCCB-87B5-0FC74BEB64DC}"/>
           </ac:picMkLst>
         </pc:picChg>
+        <pc:cxnChg chg="del">
+          <ac:chgData name="David A. Gee" userId="e9ce1845d50193f0" providerId="LiveId" clId="{BEC3EAAE-8953-4B86-818A-C7A5BEB6D013}" dt="2025-03-09T13:30:54.386" v="1989"/>
+          <ac:cxnSpMkLst>
+            <pc:docMk/>
+            <pc:sldMk cId="272809894" sldId="263"/>
+            <ac:cxnSpMk id="27" creationId="{F5486A9D-1265-4B57-91E6-68E666B978BC}"/>
+          </ac:cxnSpMkLst>
+        </pc:cxnChg>
+        <pc:cxnChg chg="del">
+          <ac:chgData name="David A. Gee" userId="e9ce1845d50193f0" providerId="LiveId" clId="{BEC3EAAE-8953-4B86-818A-C7A5BEB6D013}" dt="2025-03-09T13:30:54.386" v="1989"/>
+          <ac:cxnSpMkLst>
+            <pc:docMk/>
+            <pc:sldMk cId="272809894" sldId="263"/>
+            <ac:cxnSpMk id="31" creationId="{73D8893D-DEBE-4F67-901F-166F75E9C6E7}"/>
+          </ac:cxnSpMkLst>
+        </pc:cxnChg>
+      </pc:sldChg>
+      <pc:sldChg chg="addSp delSp modSp new mod setBg delDesignElem">
+        <pc:chgData name="David A. Gee" userId="e9ce1845d50193f0" providerId="LiveId" clId="{BEC3EAAE-8953-4B86-818A-C7A5BEB6D013}" dt="2025-03-09T13:49:23.613" v="2822" actId="26606"/>
+        <pc:sldMkLst>
+          <pc:docMk/>
+          <pc:sldMk cId="2983931585" sldId="264"/>
+        </pc:sldMkLst>
+        <pc:spChg chg="mod">
+          <ac:chgData name="David A. Gee" userId="e9ce1845d50193f0" providerId="LiveId" clId="{BEC3EAAE-8953-4B86-818A-C7A5BEB6D013}" dt="2025-03-09T13:43:19.994" v="2144" actId="26606"/>
+          <ac:spMkLst>
+            <pc:docMk/>
+            <pc:sldMk cId="2983931585" sldId="264"/>
+            <ac:spMk id="2" creationId="{A0DF55B0-E6DE-3BE1-4FB7-F5F9294D95D6}"/>
+          </ac:spMkLst>
+        </pc:spChg>
+        <pc:spChg chg="del">
+          <ac:chgData name="David A. Gee" userId="e9ce1845d50193f0" providerId="LiveId" clId="{BEC3EAAE-8953-4B86-818A-C7A5BEB6D013}" dt="2025-03-09T13:12:49.081" v="1947"/>
+          <ac:spMkLst>
+            <pc:docMk/>
+            <pc:sldMk cId="2983931585" sldId="264"/>
+            <ac:spMk id="3" creationId="{39FB3B57-51BE-0B4C-5DBE-78D596E39DF2}"/>
+          </ac:spMkLst>
+        </pc:spChg>
+        <pc:spChg chg="add del mod">
+          <ac:chgData name="David A. Gee" userId="e9ce1845d50193f0" providerId="LiveId" clId="{BEC3EAAE-8953-4B86-818A-C7A5BEB6D013}" dt="2025-03-09T13:29:59.089" v="1977"/>
+          <ac:spMkLst>
+            <pc:docMk/>
+            <pc:sldMk cId="2983931585" sldId="264"/>
+            <ac:spMk id="9" creationId="{FFB5B3D6-B29E-1B03-599A-CC0FB4CC3DDA}"/>
+          </ac:spMkLst>
+        </pc:spChg>
+        <pc:spChg chg="add del">
+          <ac:chgData name="David A. Gee" userId="e9ce1845d50193f0" providerId="LiveId" clId="{BEC3EAAE-8953-4B86-818A-C7A5BEB6D013}" dt="2025-03-09T13:14:38.096" v="1966" actId="26606"/>
+          <ac:spMkLst>
+            <pc:docMk/>
+            <pc:sldMk cId="2983931585" sldId="264"/>
+            <ac:spMk id="11" creationId="{6B22D181-C447-E4A9-F22D-2A83D8D88879}"/>
+          </ac:spMkLst>
+        </pc:spChg>
+        <pc:spChg chg="add del">
+          <ac:chgData name="David A. Gee" userId="e9ce1845d50193f0" providerId="LiveId" clId="{BEC3EAAE-8953-4B86-818A-C7A5BEB6D013}" dt="2025-03-09T13:30:54.386" v="1989"/>
+          <ac:spMkLst>
+            <pc:docMk/>
+            <pc:sldMk cId="2983931585" sldId="264"/>
+            <ac:spMk id="12" creationId="{BB2B8762-61F0-4F1B-9364-D633EE9D6AF5}"/>
+          </ac:spMkLst>
+        </pc:spChg>
+        <pc:spChg chg="add del">
+          <ac:chgData name="David A. Gee" userId="e9ce1845d50193f0" providerId="LiveId" clId="{BEC3EAAE-8953-4B86-818A-C7A5BEB6D013}" dt="2025-03-09T13:14:38.096" v="1966" actId="26606"/>
+          <ac:spMkLst>
+            <pc:docMk/>
+            <pc:sldMk cId="2983931585" sldId="264"/>
+            <ac:spMk id="14" creationId="{73B90B8B-F76B-4130-8370-38033EEACB93}"/>
+          </ac:spMkLst>
+        </pc:spChg>
+        <pc:spChg chg="add del mod">
+          <ac:chgData name="David A. Gee" userId="e9ce1845d50193f0" providerId="LiveId" clId="{BEC3EAAE-8953-4B86-818A-C7A5BEB6D013}" dt="2025-03-09T13:30:22.946" v="1981" actId="478"/>
+          <ac:spMkLst>
+            <pc:docMk/>
+            <pc:sldMk cId="2983931585" sldId="264"/>
+            <ac:spMk id="15" creationId="{2F876B1D-37FA-F932-170F-1EF052701638}"/>
+          </ac:spMkLst>
+        </pc:spChg>
+        <pc:spChg chg="add del">
+          <ac:chgData name="David A. Gee" userId="e9ce1845d50193f0" providerId="LiveId" clId="{BEC3EAAE-8953-4B86-818A-C7A5BEB6D013}" dt="2025-03-09T13:14:38.096" v="1966" actId="26606"/>
+          <ac:spMkLst>
+            <pc:docMk/>
+            <pc:sldMk cId="2983931585" sldId="264"/>
+            <ac:spMk id="18" creationId="{91C67939-3FD0-4B45-8AA4-9FE55C7EE127}"/>
+          </ac:spMkLst>
+        </pc:spChg>
+        <pc:spChg chg="add del">
+          <ac:chgData name="David A. Gee" userId="e9ce1845d50193f0" providerId="LiveId" clId="{BEC3EAAE-8953-4B86-818A-C7A5BEB6D013}" dt="2025-03-09T13:14:38.096" v="1966" actId="26606"/>
+          <ac:spMkLst>
+            <pc:docMk/>
+            <pc:sldMk cId="2983931585" sldId="264"/>
+            <ac:spMk id="20" creationId="{0981A96A-A87C-4F87-845A-3B0A6529F543}"/>
+          </ac:spMkLst>
+        </pc:spChg>
+        <pc:spChg chg="add del">
+          <ac:chgData name="David A. Gee" userId="e9ce1845d50193f0" providerId="LiveId" clId="{BEC3EAAE-8953-4B86-818A-C7A5BEB6D013}" dt="2025-03-09T13:33:19.252" v="1996" actId="26606"/>
+          <ac:spMkLst>
+            <pc:docMk/>
+            <pc:sldMk cId="2983931585" sldId="264"/>
+            <ac:spMk id="21" creationId="{26D75EE5-57FF-4D1E-B105-A6036B0FE6BD}"/>
+          </ac:spMkLst>
+        </pc:spChg>
+        <pc:spChg chg="add del">
+          <ac:chgData name="David A. Gee" userId="e9ce1845d50193f0" providerId="LiveId" clId="{BEC3EAAE-8953-4B86-818A-C7A5BEB6D013}" dt="2025-03-09T13:30:54.386" v="1989"/>
+          <ac:spMkLst>
+            <pc:docMk/>
+            <pc:sldMk cId="2983931585" sldId="264"/>
+            <ac:spMk id="22" creationId="{F530C0F6-C8DF-4539-B30C-8105DB618C20}"/>
+          </ac:spMkLst>
+        </pc:spChg>
+        <pc:spChg chg="add del">
+          <ac:chgData name="David A. Gee" userId="e9ce1845d50193f0" providerId="LiveId" clId="{BEC3EAAE-8953-4B86-818A-C7A5BEB6D013}" dt="2025-03-09T13:30:54.386" v="1989"/>
+          <ac:spMkLst>
+            <pc:docMk/>
+            <pc:sldMk cId="2983931585" sldId="264"/>
+            <ac:spMk id="23" creationId="{E97675C8-1328-460C-9EBF-6B446B67EAD3}"/>
+          </ac:spMkLst>
+        </pc:spChg>
+        <pc:spChg chg="add del">
+          <ac:chgData name="David A. Gee" userId="e9ce1845d50193f0" providerId="LiveId" clId="{BEC3EAAE-8953-4B86-818A-C7A5BEB6D013}" dt="2025-03-09T13:30:54.386" v="1989"/>
+          <ac:spMkLst>
+            <pc:docMk/>
+            <pc:sldMk cId="2983931585" sldId="264"/>
+            <ac:spMk id="24" creationId="{BAE51241-AA8B-4B82-9C59-6738DB85674C}"/>
+          </ac:spMkLst>
+        </pc:spChg>
+        <pc:spChg chg="add del">
+          <ac:chgData name="David A. Gee" userId="e9ce1845d50193f0" providerId="LiveId" clId="{BEC3EAAE-8953-4B86-818A-C7A5BEB6D013}" dt="2025-03-09T13:30:54.386" v="1989"/>
+          <ac:spMkLst>
+            <pc:docMk/>
+            <pc:sldMk cId="2983931585" sldId="264"/>
+            <ac:spMk id="26" creationId="{2AD83CFE-1CA3-4832-A4B9-C48CD1347C03}"/>
+          </ac:spMkLst>
+        </pc:spChg>
+        <pc:spChg chg="add del">
+          <ac:chgData name="David A. Gee" userId="e9ce1845d50193f0" providerId="LiveId" clId="{BEC3EAAE-8953-4B86-818A-C7A5BEB6D013}" dt="2025-03-09T13:30:54.386" v="1989"/>
+          <ac:spMkLst>
+            <pc:docMk/>
+            <pc:sldMk cId="2983931585" sldId="264"/>
+            <ac:spMk id="27" creationId="{BC98641C-7F74-435D-996F-A4387A3C3C26}"/>
+          </ac:spMkLst>
+        </pc:spChg>
+        <pc:spChg chg="add del">
+          <ac:chgData name="David A. Gee" userId="e9ce1845d50193f0" providerId="LiveId" clId="{BEC3EAAE-8953-4B86-818A-C7A5BEB6D013}" dt="2025-03-09T13:33:19.252" v="1996" actId="26606"/>
+          <ac:spMkLst>
+            <pc:docMk/>
+            <pc:sldMk cId="2983931585" sldId="264"/>
+            <ac:spMk id="29" creationId="{C913828F-06C6-4172-B0DE-BAB0120201D3}"/>
+          </ac:spMkLst>
+        </pc:spChg>
+        <pc:spChg chg="add del">
+          <ac:chgData name="David A. Gee" userId="e9ce1845d50193f0" providerId="LiveId" clId="{BEC3EAAE-8953-4B86-818A-C7A5BEB6D013}" dt="2025-03-09T13:33:19.252" v="1996" actId="26606"/>
+          <ac:spMkLst>
+            <pc:docMk/>
+            <pc:sldMk cId="2983931585" sldId="264"/>
+            <ac:spMk id="30" creationId="{306E9B68-0BC6-4269-93EA-F99873D6DCDD}"/>
+          </ac:spMkLst>
+        </pc:spChg>
+        <pc:spChg chg="add del">
+          <ac:chgData name="David A. Gee" userId="e9ce1845d50193f0" providerId="LiveId" clId="{BEC3EAAE-8953-4B86-818A-C7A5BEB6D013}" dt="2025-03-09T13:33:19.252" v="1996" actId="26606"/>
+          <ac:spMkLst>
+            <pc:docMk/>
+            <pc:sldMk cId="2983931585" sldId="264"/>
+            <ac:spMk id="32" creationId="{A317E250-9F32-4E3C-9DCD-DAD1D760B144}"/>
+          </ac:spMkLst>
+        </pc:spChg>
+        <pc:spChg chg="add del">
+          <ac:chgData name="David A. Gee" userId="e9ce1845d50193f0" providerId="LiveId" clId="{BEC3EAAE-8953-4B86-818A-C7A5BEB6D013}" dt="2025-03-09T13:33:19.252" v="1996" actId="26606"/>
+          <ac:spMkLst>
+            <pc:docMk/>
+            <pc:sldMk cId="2983931585" sldId="264"/>
+            <ac:spMk id="34" creationId="{8A8BBF8A-9A44-4296-AFC9-E0DFC5DD2152}"/>
+          </ac:spMkLst>
+        </pc:spChg>
+        <pc:spChg chg="add del">
+          <ac:chgData name="David A. Gee" userId="e9ce1845d50193f0" providerId="LiveId" clId="{BEC3EAAE-8953-4B86-818A-C7A5BEB6D013}" dt="2025-03-09T13:49:23.613" v="2822" actId="26606"/>
+          <ac:spMkLst>
+            <pc:docMk/>
+            <pc:sldMk cId="2983931585" sldId="264"/>
+            <ac:spMk id="35" creationId="{26D75EE5-57FF-4D1E-B105-A6036B0FE6BD}"/>
+          </ac:spMkLst>
+        </pc:spChg>
+        <pc:spChg chg="add del">
+          <ac:chgData name="David A. Gee" userId="e9ce1845d50193f0" providerId="LiveId" clId="{BEC3EAAE-8953-4B86-818A-C7A5BEB6D013}" dt="2025-03-09T13:33:19.252" v="1996" actId="26606"/>
+          <ac:spMkLst>
+            <pc:docMk/>
+            <pc:sldMk cId="2983931585" sldId="264"/>
+            <ac:spMk id="36" creationId="{75037A91-DF26-483E-9194-17B06E450107}"/>
+          </ac:spMkLst>
+        </pc:spChg>
+        <pc:spChg chg="add del">
+          <ac:chgData name="David A. Gee" userId="e9ce1845d50193f0" providerId="LiveId" clId="{BEC3EAAE-8953-4B86-818A-C7A5BEB6D013}" dt="2025-03-09T13:49:23.613" v="2822" actId="26606"/>
+          <ac:spMkLst>
+            <pc:docMk/>
+            <pc:sldMk cId="2983931585" sldId="264"/>
+            <ac:spMk id="37" creationId="{C913828F-06C6-4172-B0DE-BAB0120201D3}"/>
+          </ac:spMkLst>
+        </pc:spChg>
+        <pc:spChg chg="add del">
+          <ac:chgData name="David A. Gee" userId="e9ce1845d50193f0" providerId="LiveId" clId="{BEC3EAAE-8953-4B86-818A-C7A5BEB6D013}" dt="2025-03-09T13:33:19.252" v="1996" actId="26606"/>
+          <ac:spMkLst>
+            <pc:docMk/>
+            <pc:sldMk cId="2983931585" sldId="264"/>
+            <ac:spMk id="38" creationId="{6922D357-9748-4CB7-835C-5126C61FF68D}"/>
+          </ac:spMkLst>
+        </pc:spChg>
+        <pc:spChg chg="add del">
+          <ac:chgData name="David A. Gee" userId="e9ce1845d50193f0" providerId="LiveId" clId="{BEC3EAAE-8953-4B86-818A-C7A5BEB6D013}" dt="2025-03-09T13:33:19.252" v="1996" actId="26606"/>
+          <ac:spMkLst>
+            <pc:docMk/>
+            <pc:sldMk cId="2983931585" sldId="264"/>
+            <ac:spMk id="40" creationId="{9BFA1AD7-F253-4EEF-82D4-B68C2805D8A5}"/>
+          </ac:spMkLst>
+        </pc:spChg>
+        <pc:spChg chg="add del">
+          <ac:chgData name="David A. Gee" userId="e9ce1845d50193f0" providerId="LiveId" clId="{BEC3EAAE-8953-4B86-818A-C7A5BEB6D013}" dt="2025-03-09T13:49:23.613" v="2822" actId="26606"/>
+          <ac:spMkLst>
+            <pc:docMk/>
+            <pc:sldMk cId="2983931585" sldId="264"/>
+            <ac:spMk id="41" creationId="{21348D5E-A2F9-4457-85D6-EF33B01C1B86}"/>
+          </ac:spMkLst>
+        </pc:spChg>
+        <pc:spChg chg="add del">
+          <ac:chgData name="David A. Gee" userId="e9ce1845d50193f0" providerId="LiveId" clId="{BEC3EAAE-8953-4B86-818A-C7A5BEB6D013}" dt="2025-03-09T13:33:19.252" v="1996" actId="26606"/>
+          <ac:spMkLst>
+            <pc:docMk/>
+            <pc:sldMk cId="2983931585" sldId="264"/>
+            <ac:spMk id="42" creationId="{A5D72C32-AE4E-4518-ACD5-077BF855111D}"/>
+          </ac:spMkLst>
+        </pc:spChg>
+        <pc:spChg chg="add del">
+          <ac:chgData name="David A. Gee" userId="e9ce1845d50193f0" providerId="LiveId" clId="{BEC3EAAE-8953-4B86-818A-C7A5BEB6D013}" dt="2025-03-09T13:49:23.613" v="2822" actId="26606"/>
+          <ac:spMkLst>
+            <pc:docMk/>
+            <pc:sldMk cId="2983931585" sldId="264"/>
+            <ac:spMk id="43" creationId="{62E5679E-AF9A-4675-8EB9-82F877C47B17}"/>
+          </ac:spMkLst>
+        </pc:spChg>
+        <pc:spChg chg="add del">
+          <ac:chgData name="David A. Gee" userId="e9ce1845d50193f0" providerId="LiveId" clId="{BEC3EAAE-8953-4B86-818A-C7A5BEB6D013}" dt="2025-03-09T13:41:22.784" v="2004" actId="26606"/>
+          <ac:spMkLst>
+            <pc:docMk/>
+            <pc:sldMk cId="2983931585" sldId="264"/>
+            <ac:spMk id="44" creationId="{26D75EE5-57FF-4D1E-B105-A6036B0FE6BD}"/>
+          </ac:spMkLst>
+        </pc:spChg>
+        <pc:spChg chg="add del">
+          <ac:chgData name="David A. Gee" userId="e9ce1845d50193f0" providerId="LiveId" clId="{BEC3EAAE-8953-4B86-818A-C7A5BEB6D013}" dt="2025-03-09T13:41:22.784" v="2004" actId="26606"/>
+          <ac:spMkLst>
+            <pc:docMk/>
+            <pc:sldMk cId="2983931585" sldId="264"/>
+            <ac:spMk id="45" creationId="{C913828F-06C6-4172-B0DE-BAB0120201D3}"/>
+          </ac:spMkLst>
+        </pc:spChg>
+        <pc:spChg chg="add del">
+          <ac:chgData name="David A. Gee" userId="e9ce1845d50193f0" providerId="LiveId" clId="{BEC3EAAE-8953-4B86-818A-C7A5BEB6D013}" dt="2025-03-09T13:41:22.784" v="2004" actId="26606"/>
+          <ac:spMkLst>
+            <pc:docMk/>
+            <pc:sldMk cId="2983931585" sldId="264"/>
+            <ac:spMk id="47" creationId="{0B4048A3-D4C4-462E-9D01-B1E1A2834A46}"/>
+          </ac:spMkLst>
+        </pc:spChg>
+        <pc:spChg chg="add del">
+          <ac:chgData name="David A. Gee" userId="e9ce1845d50193f0" providerId="LiveId" clId="{BEC3EAAE-8953-4B86-818A-C7A5BEB6D013}" dt="2025-03-09T13:41:22.784" v="2004" actId="26606"/>
+          <ac:spMkLst>
+            <pc:docMk/>
+            <pc:sldMk cId="2983931585" sldId="264"/>
+            <ac:spMk id="48" creationId="{E0024992-3820-435E-AF30-7DF0C7EF4041}"/>
+          </ac:spMkLst>
+        </pc:spChg>
+        <pc:spChg chg="add del">
+          <ac:chgData name="David A. Gee" userId="e9ce1845d50193f0" providerId="LiveId" clId="{BEC3EAAE-8953-4B86-818A-C7A5BEB6D013}" dt="2025-03-09T13:41:22.784" v="2004" actId="26606"/>
+          <ac:spMkLst>
+            <pc:docMk/>
+            <pc:sldMk cId="2983931585" sldId="264"/>
+            <ac:spMk id="49" creationId="{5F803412-0E5F-4A63-B61F-CB1ACE3F9370}"/>
+          </ac:spMkLst>
+        </pc:spChg>
+        <pc:spChg chg="add del">
+          <ac:chgData name="David A. Gee" userId="e9ce1845d50193f0" providerId="LiveId" clId="{BEC3EAAE-8953-4B86-818A-C7A5BEB6D013}" dt="2025-03-09T13:41:22.784" v="2004" actId="26606"/>
+          <ac:spMkLst>
+            <pc:docMk/>
+            <pc:sldMk cId="2983931585" sldId="264"/>
+            <ac:spMk id="50" creationId="{116CEEC1-68B3-4EA2-9B0C-3DFD5D43106B}"/>
+          </ac:spMkLst>
+        </pc:spChg>
+        <pc:spChg chg="add del">
+          <ac:chgData name="David A. Gee" userId="e9ce1845d50193f0" providerId="LiveId" clId="{BEC3EAAE-8953-4B86-818A-C7A5BEB6D013}" dt="2025-03-09T13:49:23.613" v="2822" actId="26606"/>
+          <ac:spMkLst>
+            <pc:docMk/>
+            <pc:sldMk cId="2983931585" sldId="264"/>
+            <ac:spMk id="52" creationId="{4AA73B4A-2570-4D18-9566-12E68828C417}"/>
+          </ac:spMkLst>
+        </pc:spChg>
+        <pc:spChg chg="add del">
+          <ac:chgData name="David A. Gee" userId="e9ce1845d50193f0" providerId="LiveId" clId="{BEC3EAAE-8953-4B86-818A-C7A5BEB6D013}" dt="2025-03-09T13:49:23.613" v="2822" actId="26606"/>
+          <ac:spMkLst>
+            <pc:docMk/>
+            <pc:sldMk cId="2983931585" sldId="264"/>
+            <ac:spMk id="53" creationId="{7EF5A4DD-17B0-415A-8F3A-0DEE3FF8F8C5}"/>
+          </ac:spMkLst>
+        </pc:spChg>
+        <pc:spChg chg="add del">
+          <ac:chgData name="David A. Gee" userId="e9ce1845d50193f0" providerId="LiveId" clId="{BEC3EAAE-8953-4B86-818A-C7A5BEB6D013}" dt="2025-03-09T13:43:19.994" v="2144" actId="26606"/>
+          <ac:spMkLst>
+            <pc:docMk/>
+            <pc:sldMk cId="2983931585" sldId="264"/>
+            <ac:spMk id="55" creationId="{26D75EE5-57FF-4D1E-B105-A6036B0FE6BD}"/>
+          </ac:spMkLst>
+        </pc:spChg>
+        <pc:spChg chg="add">
+          <ac:chgData name="David A. Gee" userId="e9ce1845d50193f0" providerId="LiveId" clId="{BEC3EAAE-8953-4B86-818A-C7A5BEB6D013}" dt="2025-03-09T13:49:23.613" v="2822" actId="26606"/>
+          <ac:spMkLst>
+            <pc:docMk/>
+            <pc:sldMk cId="2983931585" sldId="264"/>
+            <ac:spMk id="56" creationId="{4AA73B4A-2570-4D18-9566-12E68828C417}"/>
+          </ac:spMkLst>
+        </pc:spChg>
+        <pc:spChg chg="add del">
+          <ac:chgData name="David A. Gee" userId="e9ce1845d50193f0" providerId="LiveId" clId="{BEC3EAAE-8953-4B86-818A-C7A5BEB6D013}" dt="2025-03-09T13:43:19.994" v="2144" actId="26606"/>
+          <ac:spMkLst>
+            <pc:docMk/>
+            <pc:sldMk cId="2983931585" sldId="264"/>
+            <ac:spMk id="57" creationId="{C913828F-06C6-4172-B0DE-BAB0120201D3}"/>
+          </ac:spMkLst>
+        </pc:spChg>
+        <pc:spChg chg="add">
+          <ac:chgData name="David A. Gee" userId="e9ce1845d50193f0" providerId="LiveId" clId="{BEC3EAAE-8953-4B86-818A-C7A5BEB6D013}" dt="2025-03-09T13:49:23.613" v="2822" actId="26606"/>
+          <ac:spMkLst>
+            <pc:docMk/>
+            <pc:sldMk cId="2983931585" sldId="264"/>
+            <ac:spMk id="58" creationId="{26D75EE5-57FF-4D1E-B105-A6036B0FE6BD}"/>
+          </ac:spMkLst>
+        </pc:spChg>
+        <pc:spChg chg="add">
+          <ac:chgData name="David A. Gee" userId="e9ce1845d50193f0" providerId="LiveId" clId="{BEC3EAAE-8953-4B86-818A-C7A5BEB6D013}" dt="2025-03-09T13:49:23.613" v="2822" actId="26606"/>
+          <ac:spMkLst>
+            <pc:docMk/>
+            <pc:sldMk cId="2983931585" sldId="264"/>
+            <ac:spMk id="60" creationId="{C913828F-06C6-4172-B0DE-BAB0120201D3}"/>
+          </ac:spMkLst>
+        </pc:spChg>
+        <pc:spChg chg="add del">
+          <ac:chgData name="David A. Gee" userId="e9ce1845d50193f0" providerId="LiveId" clId="{BEC3EAAE-8953-4B86-818A-C7A5BEB6D013}" dt="2025-03-09T13:43:19.994" v="2144" actId="26606"/>
+          <ac:spMkLst>
+            <pc:docMk/>
+            <pc:sldMk cId="2983931585" sldId="264"/>
+            <ac:spMk id="63" creationId="{E0024992-3820-435E-AF30-7DF0C7EF4041}"/>
+          </ac:spMkLst>
+        </pc:spChg>
+        <pc:spChg chg="add">
+          <ac:chgData name="David A. Gee" userId="e9ce1845d50193f0" providerId="LiveId" clId="{BEC3EAAE-8953-4B86-818A-C7A5BEB6D013}" dt="2025-03-09T13:49:23.613" v="2822" actId="26606"/>
+          <ac:spMkLst>
+            <pc:docMk/>
+            <pc:sldMk cId="2983931585" sldId="264"/>
+            <ac:spMk id="64" creationId="{21348D5E-A2F9-4457-85D6-EF33B01C1B86}"/>
+          </ac:spMkLst>
+        </pc:spChg>
+        <pc:spChg chg="add del">
+          <ac:chgData name="David A. Gee" userId="e9ce1845d50193f0" providerId="LiveId" clId="{BEC3EAAE-8953-4B86-818A-C7A5BEB6D013}" dt="2025-03-09T13:43:19.994" v="2144" actId="26606"/>
+          <ac:spMkLst>
+            <pc:docMk/>
+            <pc:sldMk cId="2983931585" sldId="264"/>
+            <ac:spMk id="67" creationId="{116CEEC1-68B3-4EA2-9B0C-3DFD5D43106B}"/>
+          </ac:spMkLst>
+        </pc:spChg>
+        <pc:spChg chg="add del">
+          <ac:chgData name="David A. Gee" userId="e9ce1845d50193f0" providerId="LiveId" clId="{BEC3EAAE-8953-4B86-818A-C7A5BEB6D013}" dt="2025-03-09T13:47:59.223" v="2811"/>
+          <ac:spMkLst>
+            <pc:docMk/>
+            <pc:sldMk cId="2983931585" sldId="264"/>
+            <ac:spMk id="72" creationId="{26D75EE5-57FF-4D1E-B105-A6036B0FE6BD}"/>
+          </ac:spMkLst>
+        </pc:spChg>
+        <pc:spChg chg="add del">
+          <ac:chgData name="David A. Gee" userId="e9ce1845d50193f0" providerId="LiveId" clId="{BEC3EAAE-8953-4B86-818A-C7A5BEB6D013}" dt="2025-03-09T13:47:59.223" v="2811"/>
+          <ac:spMkLst>
+            <pc:docMk/>
+            <pc:sldMk cId="2983931585" sldId="264"/>
+            <ac:spMk id="74" creationId="{C913828F-06C6-4172-B0DE-BAB0120201D3}"/>
+          </ac:spMkLst>
+        </pc:spChg>
+        <pc:spChg chg="add del">
+          <ac:chgData name="David A. Gee" userId="e9ce1845d50193f0" providerId="LiveId" clId="{BEC3EAAE-8953-4B86-818A-C7A5BEB6D013}" dt="2025-03-09T13:47:59.223" v="2811"/>
+          <ac:spMkLst>
+            <pc:docMk/>
+            <pc:sldMk cId="2983931585" sldId="264"/>
+            <ac:spMk id="78" creationId="{21348D5E-A2F9-4457-85D6-EF33B01C1B86}"/>
+          </ac:spMkLst>
+        </pc:spChg>
+        <pc:spChg chg="add del">
+          <ac:chgData name="David A. Gee" userId="e9ce1845d50193f0" providerId="LiveId" clId="{BEC3EAAE-8953-4B86-818A-C7A5BEB6D013}" dt="2025-03-09T13:47:59.223" v="2811"/>
+          <ac:spMkLst>
+            <pc:docMk/>
+            <pc:sldMk cId="2983931585" sldId="264"/>
+            <ac:spMk id="80" creationId="{62E5679E-AF9A-4675-8EB9-82F877C47B17}"/>
+          </ac:spMkLst>
+        </pc:spChg>
+        <pc:spChg chg="add del">
+          <ac:chgData name="David A. Gee" userId="e9ce1845d50193f0" providerId="LiveId" clId="{BEC3EAAE-8953-4B86-818A-C7A5BEB6D013}" dt="2025-03-09T13:47:59.223" v="2811"/>
+          <ac:spMkLst>
+            <pc:docMk/>
+            <pc:sldMk cId="2983931585" sldId="264"/>
+            <ac:spMk id="84" creationId="{7EF5A4DD-17B0-415A-8F3A-0DEE3FF8F8C5}"/>
+          </ac:spMkLst>
+        </pc:spChg>
+        <pc:spChg chg="del">
+          <ac:chgData name="David A. Gee" userId="e9ce1845d50193f0" providerId="LiveId" clId="{BEC3EAAE-8953-4B86-818A-C7A5BEB6D013}" dt="2025-03-09T13:47:59.223" v="2811"/>
+          <ac:spMkLst>
+            <pc:docMk/>
+            <pc:sldMk cId="2983931585" sldId="264"/>
+            <ac:spMk id="86" creationId="{4AA73B4A-2570-4D18-9566-12E68828C417}"/>
+          </ac:spMkLst>
+        </pc:spChg>
+        <pc:picChg chg="add del mod modCrop">
+          <ac:chgData name="David A. Gee" userId="e9ce1845d50193f0" providerId="LiveId" clId="{BEC3EAAE-8953-4B86-818A-C7A5BEB6D013}" dt="2025-03-09T13:29:49.866" v="1975" actId="478"/>
+          <ac:picMkLst>
+            <pc:docMk/>
+            <pc:sldMk cId="2983931585" sldId="264"/>
+            <ac:picMk id="5" creationId="{D220EEF4-49C6-B166-835C-05BD638D65F1}"/>
+          </ac:picMkLst>
+        </pc:picChg>
+        <pc:picChg chg="add del mod modCrop">
+          <ac:chgData name="David A. Gee" userId="e9ce1845d50193f0" providerId="LiveId" clId="{BEC3EAAE-8953-4B86-818A-C7A5BEB6D013}" dt="2025-03-09T13:29:52.282" v="1976" actId="478"/>
+          <ac:picMkLst>
+            <pc:docMk/>
+            <pc:sldMk cId="2983931585" sldId="264"/>
+            <ac:picMk id="7" creationId="{8773E49A-AE23-2DBB-FB97-94451D0DB300}"/>
+          </ac:picMkLst>
+        </pc:picChg>
+        <pc:picChg chg="add del mod">
+          <ac:chgData name="David A. Gee" userId="e9ce1845d50193f0" providerId="LiveId" clId="{BEC3EAAE-8953-4B86-818A-C7A5BEB6D013}" dt="2025-03-09T13:30:07.870" v="1979" actId="478"/>
+          <ac:picMkLst>
+            <pc:docMk/>
+            <pc:sldMk cId="2983931585" sldId="264"/>
+            <ac:picMk id="10" creationId="{DAA91637-0E46-EDDA-7EF4-F49F052C7F17}"/>
+          </ac:picMkLst>
+        </pc:picChg>
+        <pc:picChg chg="add del mod ord">
+          <ac:chgData name="David A. Gee" userId="e9ce1845d50193f0" providerId="LiveId" clId="{BEC3EAAE-8953-4B86-818A-C7A5BEB6D013}" dt="2025-03-09T13:40:32.716" v="2001" actId="478"/>
+          <ac:picMkLst>
+            <pc:docMk/>
+            <pc:sldMk cId="2983931585" sldId="264"/>
+            <ac:picMk id="17" creationId="{32228AA9-979B-A968-D08C-0BCB85CA0166}"/>
+          </ac:picMkLst>
+        </pc:picChg>
+        <pc:picChg chg="add del mod">
+          <ac:chgData name="David A. Gee" userId="e9ce1845d50193f0" providerId="LiveId" clId="{BEC3EAAE-8953-4B86-818A-C7A5BEB6D013}" dt="2025-03-09T13:40:23.317" v="1998" actId="478"/>
+          <ac:picMkLst>
+            <pc:docMk/>
+            <pc:sldMk cId="2983931585" sldId="264"/>
+            <ac:picMk id="19" creationId="{02443CF0-CD5E-8855-2A2E-F95EE4C35BB0}"/>
+          </ac:picMkLst>
+        </pc:picChg>
+        <pc:picChg chg="add mod ord">
+          <ac:chgData name="David A. Gee" userId="e9ce1845d50193f0" providerId="LiveId" clId="{BEC3EAAE-8953-4B86-818A-C7A5BEB6D013}" dt="2025-03-09T13:49:05.078" v="2819" actId="1076"/>
+          <ac:picMkLst>
+            <pc:docMk/>
+            <pc:sldMk cId="2983931585" sldId="264"/>
+            <ac:picMk id="31" creationId="{CC1F1B3A-6054-A51B-7E3C-8411034E3B26}"/>
+          </ac:picMkLst>
+        </pc:picChg>
+        <pc:picChg chg="add mod">
+          <ac:chgData name="David A. Gee" userId="e9ce1845d50193f0" providerId="LiveId" clId="{BEC3EAAE-8953-4B86-818A-C7A5BEB6D013}" dt="2025-03-09T13:49:14.076" v="2821" actId="1076"/>
+          <ac:picMkLst>
+            <pc:docMk/>
+            <pc:sldMk cId="2983931585" sldId="264"/>
+            <ac:picMk id="33" creationId="{5830C2CE-1633-32C7-D4A3-EBB43708A506}"/>
+          </ac:picMkLst>
+        </pc:picChg>
+        <pc:cxnChg chg="add del">
+          <ac:chgData name="David A. Gee" userId="e9ce1845d50193f0" providerId="LiveId" clId="{BEC3EAAE-8953-4B86-818A-C7A5BEB6D013}" dt="2025-03-09T13:14:38.096" v="1966" actId="26606"/>
+          <ac:cxnSpMkLst>
+            <pc:docMk/>
+            <pc:sldMk cId="2983931585" sldId="264"/>
+            <ac:cxnSpMk id="16" creationId="{C2D93264-3FF9-4175-A7FA-F927F0F77AA0}"/>
+          </ac:cxnSpMkLst>
+        </pc:cxnChg>
+        <pc:cxnChg chg="add del">
+          <ac:chgData name="David A. Gee" userId="e9ce1845d50193f0" providerId="LiveId" clId="{BEC3EAAE-8953-4B86-818A-C7A5BEB6D013}" dt="2025-03-09T13:30:54.386" v="1989"/>
+          <ac:cxnSpMkLst>
+            <pc:docMk/>
+            <pc:sldMk cId="2983931585" sldId="264"/>
+            <ac:cxnSpMk id="25" creationId="{514EE78B-AF71-4195-A01B-F1165D9233BF}"/>
+          </ac:cxnSpMkLst>
+        </pc:cxnChg>
+        <pc:cxnChg chg="add">
+          <ac:chgData name="David A. Gee" userId="e9ce1845d50193f0" providerId="LiveId" clId="{BEC3EAAE-8953-4B86-818A-C7A5BEB6D013}" dt="2025-03-09T13:48:27.113" v="2814" actId="26606"/>
+          <ac:cxnSpMkLst>
+            <pc:docMk/>
+            <pc:sldMk cId="2983931585" sldId="264"/>
+            <ac:cxnSpMk id="39" creationId="{0CB2A3A6-962C-4D7A-8272-EDEDD881F07E}"/>
+          </ac:cxnSpMkLst>
+        </pc:cxnChg>
+        <pc:cxnChg chg="add">
+          <ac:chgData name="David A. Gee" userId="e9ce1845d50193f0" providerId="LiveId" clId="{BEC3EAAE-8953-4B86-818A-C7A5BEB6D013}" dt="2025-03-09T13:33:19.268" v="1997" actId="26606"/>
+          <ac:cxnSpMkLst>
+            <pc:docMk/>
+            <pc:sldMk cId="2983931585" sldId="264"/>
+            <ac:cxnSpMk id="46" creationId="{0CB2A3A6-962C-4D7A-8272-EDEDD881F07E}"/>
+          </ac:cxnSpMkLst>
+        </pc:cxnChg>
+        <pc:cxnChg chg="add">
+          <ac:chgData name="David A. Gee" userId="e9ce1845d50193f0" providerId="LiveId" clId="{BEC3EAAE-8953-4B86-818A-C7A5BEB6D013}" dt="2025-03-09T13:48:27.113" v="2814" actId="26606"/>
+          <ac:cxnSpMkLst>
+            <pc:docMk/>
+            <pc:sldMk cId="2983931585" sldId="264"/>
+            <ac:cxnSpMk id="51" creationId="{A4193D27-0DF9-4485-90D7-D8E69A3F4459}"/>
+          </ac:cxnSpMkLst>
+        </pc:cxnChg>
+        <pc:cxnChg chg="del">
+          <ac:chgData name="David A. Gee" userId="e9ce1845d50193f0" providerId="LiveId" clId="{BEC3EAAE-8953-4B86-818A-C7A5BEB6D013}" dt="2025-03-09T13:47:59.223" v="2811"/>
+          <ac:cxnSpMkLst>
+            <pc:docMk/>
+            <pc:sldMk cId="2983931585" sldId="264"/>
+            <ac:cxnSpMk id="76" creationId="{0CB2A3A6-962C-4D7A-8272-EDEDD881F07E}"/>
+          </ac:cxnSpMkLst>
+        </pc:cxnChg>
+        <pc:cxnChg chg="del">
+          <ac:chgData name="David A. Gee" userId="e9ce1845d50193f0" providerId="LiveId" clId="{BEC3EAAE-8953-4B86-818A-C7A5BEB6D013}" dt="2025-03-09T13:47:59.223" v="2811"/>
+          <ac:cxnSpMkLst>
+            <pc:docMk/>
+            <pc:sldMk cId="2983931585" sldId="264"/>
+            <ac:cxnSpMk id="82" creationId="{A4193D27-0DF9-4485-90D7-D8E69A3F4459}"/>
+          </ac:cxnSpMkLst>
+        </pc:cxnChg>
+      </pc:sldChg>
+      <pc:sldChg chg="addSp delSp modSp add del mod setBg">
+        <pc:chgData name="David A. Gee" userId="e9ce1845d50193f0" providerId="LiveId" clId="{BEC3EAAE-8953-4B86-818A-C7A5BEB6D013}" dt="2025-03-09T14:04:10.086" v="3004" actId="47"/>
+        <pc:sldMkLst>
+          <pc:docMk/>
+          <pc:sldMk cId="1510815007" sldId="265"/>
+        </pc:sldMkLst>
+        <pc:spChg chg="mod">
+          <ac:chgData name="David A. Gee" userId="e9ce1845d50193f0" providerId="LiveId" clId="{BEC3EAAE-8953-4B86-818A-C7A5BEB6D013}" dt="2025-03-09T13:57:50.772" v="2914" actId="26606"/>
+          <ac:spMkLst>
+            <pc:docMk/>
+            <pc:sldMk cId="1510815007" sldId="265"/>
+            <ac:spMk id="2" creationId="{B3EEA4DE-7094-5703-0911-50022F77233E}"/>
+          </ac:spMkLst>
+        </pc:spChg>
+        <pc:spChg chg="add del mod">
+          <ac:chgData name="David A. Gee" userId="e9ce1845d50193f0" providerId="LiveId" clId="{BEC3EAAE-8953-4B86-818A-C7A5BEB6D013}" dt="2025-03-09T13:54:39.192" v="2889"/>
+          <ac:spMkLst>
+            <pc:docMk/>
+            <pc:sldMk cId="1510815007" sldId="265"/>
+            <ac:spMk id="4" creationId="{B6B47DFD-E6D1-E70D-036F-A2EF20CC95AE}"/>
+          </ac:spMkLst>
+        </pc:spChg>
+        <pc:spChg chg="del">
+          <ac:chgData name="David A. Gee" userId="e9ce1845d50193f0" providerId="LiveId" clId="{BEC3EAAE-8953-4B86-818A-C7A5BEB6D013}" dt="2025-03-09T13:54:30.776" v="2887" actId="478"/>
+          <ac:spMkLst>
+            <pc:docMk/>
+            <pc:sldMk cId="1510815007" sldId="265"/>
+            <ac:spMk id="9" creationId="{E5951157-FA25-2FA1-C2D4-AF9D442FCE41}"/>
+          </ac:spMkLst>
+        </pc:spChg>
+        <pc:spChg chg="add mod">
+          <ac:chgData name="David A. Gee" userId="e9ce1845d50193f0" providerId="LiveId" clId="{BEC3EAAE-8953-4B86-818A-C7A5BEB6D013}" dt="2025-03-09T14:02:07.248" v="2979" actId="21"/>
+          <ac:spMkLst>
+            <pc:docMk/>
+            <pc:sldMk cId="1510815007" sldId="265"/>
+            <ac:spMk id="11" creationId="{2EB71651-BA2C-6C35-A3F7-95EAC7DA6C71}"/>
+          </ac:spMkLst>
+        </pc:spChg>
+        <pc:spChg chg="add del">
+          <ac:chgData name="David A. Gee" userId="e9ce1845d50193f0" providerId="LiveId" clId="{BEC3EAAE-8953-4B86-818A-C7A5BEB6D013}" dt="2025-03-09T13:57:50.772" v="2914" actId="26606"/>
+          <ac:spMkLst>
+            <pc:docMk/>
+            <pc:sldMk cId="1510815007" sldId="265"/>
+            <ac:spMk id="12" creationId="{4A8FFEA1-1B69-4F42-B552-0CCF7259687D}"/>
+          </ac:spMkLst>
+        </pc:spChg>
+        <pc:spChg chg="add del">
+          <ac:chgData name="David A. Gee" userId="e9ce1845d50193f0" providerId="LiveId" clId="{BEC3EAAE-8953-4B86-818A-C7A5BEB6D013}" dt="2025-03-09T13:57:50.772" v="2914" actId="26606"/>
+          <ac:spMkLst>
+            <pc:docMk/>
+            <pc:sldMk cId="1510815007" sldId="265"/>
+            <ac:spMk id="14" creationId="{AA3C9226-5EC8-460B-82D7-72AA994DF95E}"/>
+          </ac:spMkLst>
+        </pc:spChg>
+        <pc:spChg chg="add">
+          <ac:chgData name="David A. Gee" userId="e9ce1845d50193f0" providerId="LiveId" clId="{BEC3EAAE-8953-4B86-818A-C7A5BEB6D013}" dt="2025-03-09T13:54:52.325" v="2893" actId="26606"/>
+          <ac:spMkLst>
+            <pc:docMk/>
+            <pc:sldMk cId="1510815007" sldId="265"/>
+            <ac:spMk id="18" creationId="{E6AA15AE-DAFE-4E1E-B05F-F57962FD3A2F}"/>
+          </ac:spMkLst>
+        </pc:spChg>
+        <pc:spChg chg="add del">
+          <ac:chgData name="David A. Gee" userId="e9ce1845d50193f0" providerId="LiveId" clId="{BEC3EAAE-8953-4B86-818A-C7A5BEB6D013}" dt="2025-03-09T13:57:50.772" v="2914" actId="26606"/>
+          <ac:spMkLst>
+            <pc:docMk/>
+            <pc:sldMk cId="1510815007" sldId="265"/>
+            <ac:spMk id="22" creationId="{D9DB1F97-BFF9-46CC-8EB4-BB63B98F13CA}"/>
+          </ac:spMkLst>
+        </pc:spChg>
+        <pc:spChg chg="add del">
+          <ac:chgData name="David A. Gee" userId="e9ce1845d50193f0" providerId="LiveId" clId="{BEC3EAAE-8953-4B86-818A-C7A5BEB6D013}" dt="2025-03-09T13:57:50.772" v="2914" actId="26606"/>
+          <ac:spMkLst>
+            <pc:docMk/>
+            <pc:sldMk cId="1510815007" sldId="265"/>
+            <ac:spMk id="24" creationId="{88CAE6E3-39B4-4A16-97BC-9C376B9B7EAF}"/>
+          </ac:spMkLst>
+        </pc:spChg>
+        <pc:spChg chg="add">
+          <ac:chgData name="David A. Gee" userId="e9ce1845d50193f0" providerId="LiveId" clId="{BEC3EAAE-8953-4B86-818A-C7A5BEB6D013}" dt="2025-03-09T13:57:50.772" v="2914" actId="26606"/>
+          <ac:spMkLst>
+            <pc:docMk/>
+            <pc:sldMk cId="1510815007" sldId="265"/>
+            <ac:spMk id="29" creationId="{26D75EE5-57FF-4D1E-B105-A6036B0FE6BD}"/>
+          </ac:spMkLst>
+        </pc:spChg>
+        <pc:spChg chg="add">
+          <ac:chgData name="David A. Gee" userId="e9ce1845d50193f0" providerId="LiveId" clId="{BEC3EAAE-8953-4B86-818A-C7A5BEB6D013}" dt="2025-03-09T13:57:50.772" v="2914" actId="26606"/>
+          <ac:spMkLst>
+            <pc:docMk/>
+            <pc:sldMk cId="1510815007" sldId="265"/>
+            <ac:spMk id="35" creationId="{21348D5E-A2F9-4457-85D6-EF33B01C1B86}"/>
+          </ac:spMkLst>
+        </pc:spChg>
+        <pc:spChg chg="add">
+          <ac:chgData name="David A. Gee" userId="e9ce1845d50193f0" providerId="LiveId" clId="{BEC3EAAE-8953-4B86-818A-C7A5BEB6D013}" dt="2025-03-09T13:57:50.772" v="2914" actId="26606"/>
+          <ac:spMkLst>
+            <pc:docMk/>
+            <pc:sldMk cId="1510815007" sldId="265"/>
+            <ac:spMk id="37" creationId="{62E5679E-AF9A-4675-8EB9-82F877C47B17}"/>
+          </ac:spMkLst>
+        </pc:spChg>
+        <pc:spChg chg="add">
+          <ac:chgData name="David A. Gee" userId="e9ce1845d50193f0" providerId="LiveId" clId="{BEC3EAAE-8953-4B86-818A-C7A5BEB6D013}" dt="2025-03-09T13:57:50.772" v="2914" actId="26606"/>
+          <ac:spMkLst>
+            <pc:docMk/>
+            <pc:sldMk cId="1510815007" sldId="265"/>
+            <ac:spMk id="41" creationId="{7EF5A4DD-17B0-415A-8F3A-0DEE3FF8F8C5}"/>
+          </ac:spMkLst>
+        </pc:spChg>
+        <pc:spChg chg="add">
+          <ac:chgData name="David A. Gee" userId="e9ce1845d50193f0" providerId="LiveId" clId="{BEC3EAAE-8953-4B86-818A-C7A5BEB6D013}" dt="2025-03-09T13:57:50.772" v="2914" actId="26606"/>
+          <ac:spMkLst>
+            <pc:docMk/>
+            <pc:sldMk cId="1510815007" sldId="265"/>
+            <ac:spMk id="43" creationId="{4AA73B4A-2570-4D18-9566-12E68828C417}"/>
+          </ac:spMkLst>
+        </pc:spChg>
+        <pc:picChg chg="del">
+          <ac:chgData name="David A. Gee" userId="e9ce1845d50193f0" providerId="LiveId" clId="{BEC3EAAE-8953-4B86-818A-C7A5BEB6D013}" dt="2025-03-09T13:53:43.508" v="2855" actId="478"/>
+          <ac:picMkLst>
+            <pc:docMk/>
+            <pc:sldMk cId="1510815007" sldId="265"/>
+            <ac:picMk id="5" creationId="{0ED76EF9-1A47-9FE1-DB9D-9E2C344B816F}"/>
+          </ac:picMkLst>
+        </pc:picChg>
+        <pc:picChg chg="add del mod">
+          <ac:chgData name="David A. Gee" userId="e9ce1845d50193f0" providerId="LiveId" clId="{BEC3EAAE-8953-4B86-818A-C7A5BEB6D013}" dt="2025-03-09T13:54:37.066" v="2888" actId="21"/>
+          <ac:picMkLst>
+            <pc:docMk/>
+            <pc:sldMk cId="1510815007" sldId="265"/>
+            <ac:picMk id="6" creationId="{A34EE503-9450-F633-8FFA-43F8E52C350F}"/>
+          </ac:picMkLst>
+        </pc:picChg>
+        <pc:picChg chg="add del mod">
+          <ac:chgData name="David A. Gee" userId="e9ce1845d50193f0" providerId="LiveId" clId="{BEC3EAAE-8953-4B86-818A-C7A5BEB6D013}" dt="2025-03-09T14:02:07.248" v="2979" actId="21"/>
+          <ac:picMkLst>
+            <pc:docMk/>
+            <pc:sldMk cId="1510815007" sldId="265"/>
+            <ac:picMk id="7" creationId="{A34EE503-9450-F633-8FFA-43F8E52C350F}"/>
+          </ac:picMkLst>
+        </pc:picChg>
+        <pc:picChg chg="add del mod">
+          <ac:chgData name="David A. Gee" userId="e9ce1845d50193f0" providerId="LiveId" clId="{BEC3EAAE-8953-4B86-818A-C7A5BEB6D013}" dt="2025-03-09T14:02:51.847" v="2986" actId="21"/>
+          <ac:picMkLst>
+            <pc:docMk/>
+            <pc:sldMk cId="1510815007" sldId="265"/>
+            <ac:picMk id="8" creationId="{7BCD81D3-B2D7-F511-D448-C64DB8AD74E2}"/>
+          </ac:picMkLst>
+        </pc:picChg>
+        <pc:cxnChg chg="add">
+          <ac:chgData name="David A. Gee" userId="e9ce1845d50193f0" providerId="LiveId" clId="{BEC3EAAE-8953-4B86-818A-C7A5BEB6D013}" dt="2025-03-09T13:54:52.325" v="2893" actId="26606"/>
+          <ac:cxnSpMkLst>
+            <pc:docMk/>
+            <pc:sldMk cId="1510815007" sldId="265"/>
+            <ac:cxnSpMk id="16" creationId="{62A90A9D-33DF-408E-BF4C-F82588935C96}"/>
+          </ac:cxnSpMkLst>
+        </pc:cxnChg>
+        <pc:cxnChg chg="add">
+          <ac:chgData name="David A. Gee" userId="e9ce1845d50193f0" providerId="LiveId" clId="{BEC3EAAE-8953-4B86-818A-C7A5BEB6D013}" dt="2025-03-09T13:54:52.325" v="2893" actId="26606"/>
+          <ac:cxnSpMkLst>
+            <pc:docMk/>
+            <pc:sldMk cId="1510815007" sldId="265"/>
+            <ac:cxnSpMk id="20" creationId="{D07141D5-A57C-43F5-A655-5BA2D0D2AFF3}"/>
+          </ac:cxnSpMkLst>
+        </pc:cxnChg>
+      </pc:sldChg>
+      <pc:sldChg chg="addSp delSp modSp add mod setBg delDesignElem">
+        <pc:chgData name="David A. Gee" userId="e9ce1845d50193f0" providerId="LiveId" clId="{BEC3EAAE-8953-4B86-818A-C7A5BEB6D013}" dt="2025-03-09T14:07:36.310" v="3077" actId="1037"/>
+        <pc:sldMkLst>
+          <pc:docMk/>
+          <pc:sldMk cId="2777559408" sldId="266"/>
+        </pc:sldMkLst>
+        <pc:spChg chg="mod">
+          <ac:chgData name="David A. Gee" userId="e9ce1845d50193f0" providerId="LiveId" clId="{BEC3EAAE-8953-4B86-818A-C7A5BEB6D013}" dt="2025-03-09T14:07:36.310" v="3077" actId="1037"/>
+          <ac:spMkLst>
+            <pc:docMk/>
+            <pc:sldMk cId="2777559408" sldId="266"/>
+            <ac:spMk id="2" creationId="{548A17D3-829E-2E65-A4D5-828835560E38}"/>
+          </ac:spMkLst>
+        </pc:spChg>
+        <pc:spChg chg="add del mod">
+          <ac:chgData name="David A. Gee" userId="e9ce1845d50193f0" providerId="LiveId" clId="{BEC3EAAE-8953-4B86-818A-C7A5BEB6D013}" dt="2025-03-09T13:56:42.740" v="2909"/>
+          <ac:spMkLst>
+            <pc:docMk/>
+            <pc:sldMk cId="2777559408" sldId="266"/>
+            <ac:spMk id="4" creationId="{46B39518-B9CA-ACCC-4FDB-7F88FA18DAC4}"/>
+          </ac:spMkLst>
+        </pc:spChg>
+        <pc:spChg chg="add del mod ord">
+          <ac:chgData name="David A. Gee" userId="e9ce1845d50193f0" providerId="LiveId" clId="{BEC3EAAE-8953-4B86-818A-C7A5BEB6D013}" dt="2025-03-09T14:01:40.368" v="2971" actId="11529"/>
+          <ac:spMkLst>
+            <pc:docMk/>
+            <pc:sldMk cId="2777559408" sldId="266"/>
+            <ac:spMk id="11" creationId="{2929A5C4-0EC9-3A2B-5972-5ECC374F340C}"/>
+          </ac:spMkLst>
+        </pc:spChg>
+        <pc:spChg chg="del">
+          <ac:chgData name="David A. Gee" userId="e9ce1845d50193f0" providerId="LiveId" clId="{BEC3EAAE-8953-4B86-818A-C7A5BEB6D013}" dt="2025-03-09T13:56:26.625" v="2906"/>
+          <ac:spMkLst>
+            <pc:docMk/>
+            <pc:sldMk cId="2777559408" sldId="266"/>
+            <ac:spMk id="12" creationId="{A7EC2918-0E79-FC13-115C-9DAF185A2292}"/>
+          </ac:spMkLst>
+        </pc:spChg>
+        <pc:spChg chg="add del">
+          <ac:chgData name="David A. Gee" userId="e9ce1845d50193f0" providerId="LiveId" clId="{BEC3EAAE-8953-4B86-818A-C7A5BEB6D013}" dt="2025-03-09T13:59:07.218" v="2930" actId="26606"/>
+          <ac:spMkLst>
+            <pc:docMk/>
+            <pc:sldMk cId="2777559408" sldId="266"/>
+            <ac:spMk id="13" creationId="{26D75EE5-57FF-4D1E-B105-A6036B0FE6BD}"/>
+          </ac:spMkLst>
+        </pc:spChg>
+        <pc:spChg chg="del">
+          <ac:chgData name="David A. Gee" userId="e9ce1845d50193f0" providerId="LiveId" clId="{BEC3EAAE-8953-4B86-818A-C7A5BEB6D013}" dt="2025-03-09T13:56:26.625" v="2906"/>
+          <ac:spMkLst>
+            <pc:docMk/>
+            <pc:sldMk cId="2777559408" sldId="266"/>
+            <ac:spMk id="14" creationId="{9FE8028B-58E3-C7A1-D8AB-5CE85114A5A6}"/>
+          </ac:spMkLst>
+        </pc:spChg>
+        <pc:spChg chg="add del">
+          <ac:chgData name="David A. Gee" userId="e9ce1845d50193f0" providerId="LiveId" clId="{BEC3EAAE-8953-4B86-818A-C7A5BEB6D013}" dt="2025-03-09T13:59:07.218" v="2930" actId="26606"/>
+          <ac:spMkLst>
+            <pc:docMk/>
+            <pc:sldMk cId="2777559408" sldId="266"/>
+            <ac:spMk id="15" creationId="{C913828F-06C6-4172-B0DE-BAB0120201D3}"/>
+          </ac:spMkLst>
+        </pc:spChg>
+        <pc:spChg chg="del">
+          <ac:chgData name="David A. Gee" userId="e9ce1845d50193f0" providerId="LiveId" clId="{BEC3EAAE-8953-4B86-818A-C7A5BEB6D013}" dt="2025-03-09T13:56:26.625" v="2906"/>
+          <ac:spMkLst>
+            <pc:docMk/>
+            <pc:sldMk cId="2777559408" sldId="266"/>
+            <ac:spMk id="18" creationId="{236F6E0E-3464-7799-9337-9D3CA2A2803F}"/>
+          </ac:spMkLst>
+        </pc:spChg>
+        <pc:spChg chg="add del">
+          <ac:chgData name="David A. Gee" userId="e9ce1845d50193f0" providerId="LiveId" clId="{BEC3EAAE-8953-4B86-818A-C7A5BEB6D013}" dt="2025-03-09T13:59:07.208" v="2929" actId="26606"/>
+          <ac:spMkLst>
+            <pc:docMk/>
+            <pc:sldMk cId="2777559408" sldId="266"/>
+            <ac:spMk id="19" creationId="{21348D5E-A2F9-4457-85D6-EF33B01C1B86}"/>
+          </ac:spMkLst>
+        </pc:spChg>
+        <pc:spChg chg="add del">
+          <ac:chgData name="David A. Gee" userId="e9ce1845d50193f0" providerId="LiveId" clId="{BEC3EAAE-8953-4B86-818A-C7A5BEB6D013}" dt="2025-03-09T13:59:07.218" v="2930" actId="26606"/>
+          <ac:spMkLst>
+            <pc:docMk/>
+            <pc:sldMk cId="2777559408" sldId="266"/>
+            <ac:spMk id="21" creationId="{62E5679E-AF9A-4675-8EB9-82F877C47B17}"/>
+          </ac:spMkLst>
+        </pc:spChg>
+        <pc:spChg chg="del">
+          <ac:chgData name="David A. Gee" userId="e9ce1845d50193f0" providerId="LiveId" clId="{BEC3EAAE-8953-4B86-818A-C7A5BEB6D013}" dt="2025-03-09T13:56:26.625" v="2906"/>
+          <ac:spMkLst>
+            <pc:docMk/>
+            <pc:sldMk cId="2777559408" sldId="266"/>
+            <ac:spMk id="22" creationId="{2AE6DA14-01E4-1E39-BA17-0D87690C9440}"/>
+          </ac:spMkLst>
+        </pc:spChg>
+        <pc:spChg chg="del">
+          <ac:chgData name="David A. Gee" userId="e9ce1845d50193f0" providerId="LiveId" clId="{BEC3EAAE-8953-4B86-818A-C7A5BEB6D013}" dt="2025-03-09T13:56:26.625" v="2906"/>
+          <ac:spMkLst>
+            <pc:docMk/>
+            <pc:sldMk cId="2777559408" sldId="266"/>
+            <ac:spMk id="24" creationId="{06359AA1-C87E-A3E0-9A52-90C80011D66B}"/>
+          </ac:spMkLst>
+        </pc:spChg>
+        <pc:spChg chg="add del">
+          <ac:chgData name="David A. Gee" userId="e9ce1845d50193f0" providerId="LiveId" clId="{BEC3EAAE-8953-4B86-818A-C7A5BEB6D013}" dt="2025-03-09T13:59:07.218" v="2930" actId="26606"/>
+          <ac:spMkLst>
+            <pc:docMk/>
+            <pc:sldMk cId="2777559408" sldId="266"/>
+            <ac:spMk id="25" creationId="{7EF5A4DD-17B0-415A-8F3A-0DEE3FF8F8C5}"/>
+          </ac:spMkLst>
+        </pc:spChg>
+        <pc:spChg chg="add del">
+          <ac:chgData name="David A. Gee" userId="e9ce1845d50193f0" providerId="LiveId" clId="{BEC3EAAE-8953-4B86-818A-C7A5BEB6D013}" dt="2025-03-09T13:59:07.218" v="2930" actId="26606"/>
+          <ac:spMkLst>
+            <pc:docMk/>
+            <pc:sldMk cId="2777559408" sldId="266"/>
+            <ac:spMk id="27" creationId="{4AA73B4A-2570-4D18-9566-12E68828C417}"/>
+          </ac:spMkLst>
+        </pc:spChg>
+        <pc:spChg chg="add del">
+          <ac:chgData name="David A. Gee" userId="e9ce1845d50193f0" providerId="LiveId" clId="{BEC3EAAE-8953-4B86-818A-C7A5BEB6D013}" dt="2025-03-09T13:59:13.198" v="2931" actId="478"/>
+          <ac:spMkLst>
+            <pc:docMk/>
+            <pc:sldMk cId="2777559408" sldId="266"/>
+            <ac:spMk id="31" creationId="{4B7336B7-B4B7-5AE5-2B97-5B1373067649}"/>
+          </ac:spMkLst>
+        </pc:spChg>
+        <pc:spChg chg="add del">
+          <ac:chgData name="David A. Gee" userId="e9ce1845d50193f0" providerId="LiveId" clId="{BEC3EAAE-8953-4B86-818A-C7A5BEB6D013}" dt="2025-03-09T13:59:07.208" v="2929" actId="26606"/>
+          <ac:spMkLst>
+            <pc:docMk/>
+            <pc:sldMk cId="2777559408" sldId="266"/>
+            <ac:spMk id="32" creationId="{26D75EE5-57FF-4D1E-B105-A6036B0FE6BD}"/>
+          </ac:spMkLst>
+        </pc:spChg>
+        <pc:spChg chg="add del">
+          <ac:chgData name="David A. Gee" userId="e9ce1845d50193f0" providerId="LiveId" clId="{BEC3EAAE-8953-4B86-818A-C7A5BEB6D013}" dt="2025-03-09T13:59:07.208" v="2929" actId="26606"/>
+          <ac:spMkLst>
+            <pc:docMk/>
+            <pc:sldMk cId="2777559408" sldId="266"/>
+            <ac:spMk id="34" creationId="{C913828F-06C6-4172-B0DE-BAB0120201D3}"/>
+          </ac:spMkLst>
+        </pc:spChg>
+        <pc:spChg chg="add del">
+          <ac:chgData name="David A. Gee" userId="e9ce1845d50193f0" providerId="LiveId" clId="{BEC3EAAE-8953-4B86-818A-C7A5BEB6D013}" dt="2025-03-09T13:59:07.208" v="2929" actId="26606"/>
+          <ac:spMkLst>
+            <pc:docMk/>
+            <pc:sldMk cId="2777559408" sldId="266"/>
+            <ac:spMk id="40" creationId="{62E5679E-AF9A-4675-8EB9-82F877C47B17}"/>
+          </ac:spMkLst>
+        </pc:spChg>
+        <pc:spChg chg="add del">
+          <ac:chgData name="David A. Gee" userId="e9ce1845d50193f0" providerId="LiveId" clId="{BEC3EAAE-8953-4B86-818A-C7A5BEB6D013}" dt="2025-03-09T13:59:07.208" v="2929" actId="26606"/>
+          <ac:spMkLst>
+            <pc:docMk/>
+            <pc:sldMk cId="2777559408" sldId="266"/>
+            <ac:spMk id="44" creationId="{7EF5A4DD-17B0-415A-8F3A-0DEE3FF8F8C5}"/>
+          </ac:spMkLst>
+        </pc:spChg>
+        <pc:spChg chg="add">
+          <ac:chgData name="David A. Gee" userId="e9ce1845d50193f0" providerId="LiveId" clId="{BEC3EAAE-8953-4B86-818A-C7A5BEB6D013}" dt="2025-03-09T13:59:07.218" v="2930" actId="26606"/>
+          <ac:spMkLst>
+            <pc:docMk/>
+            <pc:sldMk cId="2777559408" sldId="266"/>
+            <ac:spMk id="48" creationId="{1AD4E35D-A118-48D3-A2D3-3CEE5A0C74D4}"/>
+          </ac:spMkLst>
+        </pc:spChg>
+        <pc:spChg chg="add">
+          <ac:chgData name="David A. Gee" userId="e9ce1845d50193f0" providerId="LiveId" clId="{BEC3EAAE-8953-4B86-818A-C7A5BEB6D013}" dt="2025-03-09T13:59:07.218" v="2930" actId="26606"/>
+          <ac:spMkLst>
+            <pc:docMk/>
+            <pc:sldMk cId="2777559408" sldId="266"/>
+            <ac:spMk id="50" creationId="{30F84B10-5D81-46AE-920D-E07497CDB185}"/>
+          </ac:spMkLst>
+        </pc:spChg>
+        <pc:spChg chg="add">
+          <ac:chgData name="David A. Gee" userId="e9ce1845d50193f0" providerId="LiveId" clId="{BEC3EAAE-8953-4B86-818A-C7A5BEB6D013}" dt="2025-03-09T13:59:07.218" v="2930" actId="26606"/>
+          <ac:spMkLst>
+            <pc:docMk/>
+            <pc:sldMk cId="2777559408" sldId="266"/>
+            <ac:spMk id="51" creationId="{F68DC746-DF72-4A62-B759-31153101614D}"/>
+          </ac:spMkLst>
+        </pc:spChg>
+        <pc:picChg chg="add mod ord">
+          <ac:chgData name="David A. Gee" userId="e9ce1845d50193f0" providerId="LiveId" clId="{BEC3EAAE-8953-4B86-818A-C7A5BEB6D013}" dt="2025-03-09T14:01:55.878" v="2976" actId="1076"/>
+          <ac:picMkLst>
+            <pc:docMk/>
+            <pc:sldMk cId="2777559408" sldId="266"/>
+            <ac:picMk id="5" creationId="{0371389D-F31C-3CF7-D777-2640DD275FF2}"/>
+          </ac:picMkLst>
+        </pc:picChg>
+        <pc:picChg chg="add mod">
+          <ac:chgData name="David A. Gee" userId="e9ce1845d50193f0" providerId="LiveId" clId="{BEC3EAAE-8953-4B86-818A-C7A5BEB6D013}" dt="2025-03-09T14:07:36.310" v="3077" actId="1037"/>
+          <ac:picMkLst>
+            <pc:docMk/>
+            <pc:sldMk cId="2777559408" sldId="266"/>
+            <ac:picMk id="6" creationId="{770BC0D7-671D-66DA-CCAA-DB7B0556484C}"/>
+          </ac:picMkLst>
+        </pc:picChg>
+        <pc:picChg chg="del">
+          <ac:chgData name="David A. Gee" userId="e9ce1845d50193f0" providerId="LiveId" clId="{BEC3EAAE-8953-4B86-818A-C7A5BEB6D013}" dt="2025-03-09T13:56:34.765" v="2907" actId="478"/>
+          <ac:picMkLst>
+            <pc:docMk/>
+            <pc:sldMk cId="2777559408" sldId="266"/>
+            <ac:picMk id="7" creationId="{03529BC7-111D-DD49-F984-F5012C960213}"/>
+          </ac:picMkLst>
+        </pc:picChg>
+        <pc:picChg chg="del mod ord">
+          <ac:chgData name="David A. Gee" userId="e9ce1845d50193f0" providerId="LiveId" clId="{BEC3EAAE-8953-4B86-818A-C7A5BEB6D013}" dt="2025-03-09T13:57:55.850" v="2916" actId="478"/>
+          <ac:picMkLst>
+            <pc:docMk/>
+            <pc:sldMk cId="2777559408" sldId="266"/>
+            <ac:picMk id="8" creationId="{481DDA1B-58E9-37C9-84E8-C463297C8723}"/>
+          </ac:picMkLst>
+        </pc:picChg>
+        <pc:cxnChg chg="add del">
+          <ac:chgData name="David A. Gee" userId="e9ce1845d50193f0" providerId="LiveId" clId="{BEC3EAAE-8953-4B86-818A-C7A5BEB6D013}" dt="2025-03-09T14:01:03.051" v="2949" actId="11529"/>
+          <ac:cxnSpMkLst>
+            <pc:docMk/>
+            <pc:sldMk cId="2777559408" sldId="266"/>
+            <ac:cxnSpMk id="10" creationId="{B23DBB62-5399-8E57-94CC-802285E21B72}"/>
+          </ac:cxnSpMkLst>
+        </pc:cxnChg>
+        <pc:cxnChg chg="del">
+          <ac:chgData name="David A. Gee" userId="e9ce1845d50193f0" providerId="LiveId" clId="{BEC3EAAE-8953-4B86-818A-C7A5BEB6D013}" dt="2025-03-09T13:56:26.625" v="2906"/>
+          <ac:cxnSpMkLst>
+            <pc:docMk/>
+            <pc:sldMk cId="2777559408" sldId="266"/>
+            <ac:cxnSpMk id="16" creationId="{B9E9EB07-0AB1-3823-7C59-1B2697BCCD4F}"/>
+          </ac:cxnSpMkLst>
+        </pc:cxnChg>
+        <pc:cxnChg chg="del">
+          <ac:chgData name="David A. Gee" userId="e9ce1845d50193f0" providerId="LiveId" clId="{BEC3EAAE-8953-4B86-818A-C7A5BEB6D013}" dt="2025-03-09T13:56:26.625" v="2906"/>
+          <ac:cxnSpMkLst>
+            <pc:docMk/>
+            <pc:sldMk cId="2777559408" sldId="266"/>
+            <ac:cxnSpMk id="20" creationId="{1D00C36E-109B-46EF-C3AE-CAA5B5BC3E00}"/>
+          </ac:cxnSpMkLst>
+        </pc:cxnChg>
+        <pc:cxnChg chg="add">
+          <ac:chgData name="David A. Gee" userId="e9ce1845d50193f0" providerId="LiveId" clId="{BEC3EAAE-8953-4B86-818A-C7A5BEB6D013}" dt="2025-03-09T13:57:53.723" v="2915" actId="26606"/>
+          <ac:cxnSpMkLst>
+            <pc:docMk/>
+            <pc:sldMk cId="2777559408" sldId="266"/>
+            <ac:cxnSpMk id="23" creationId="{A4193D27-0DF9-4485-90D7-D8E69A3F4459}"/>
+          </ac:cxnSpMkLst>
+        </pc:cxnChg>
+      </pc:sldChg>
+      <pc:sldChg chg="addSp delSp modSp add mod setBg delDesignElem">
+        <pc:chgData name="David A. Gee" userId="e9ce1845d50193f0" providerId="LiveId" clId="{BEC3EAAE-8953-4B86-818A-C7A5BEB6D013}" dt="2025-03-09T14:07:24.417" v="3057" actId="14100"/>
+        <pc:sldMkLst>
+          <pc:docMk/>
+          <pc:sldMk cId="236513123" sldId="267"/>
+        </pc:sldMkLst>
+        <pc:spChg chg="mod ord">
+          <ac:chgData name="David A. Gee" userId="e9ce1845d50193f0" providerId="LiveId" clId="{BEC3EAAE-8953-4B86-818A-C7A5BEB6D013}" dt="2025-03-09T14:07:24.417" v="3057" actId="14100"/>
+          <ac:spMkLst>
+            <pc:docMk/>
+            <pc:sldMk cId="236513123" sldId="267"/>
+            <ac:spMk id="2" creationId="{5B2E60AE-05F6-4CFC-5D08-31264567EAFF}"/>
+          </ac:spMkLst>
+        </pc:spChg>
+        <pc:spChg chg="del">
+          <ac:chgData name="David A. Gee" userId="e9ce1845d50193f0" providerId="LiveId" clId="{BEC3EAAE-8953-4B86-818A-C7A5BEB6D013}" dt="2025-03-09T14:02:03.625" v="2978"/>
+          <ac:spMkLst>
+            <pc:docMk/>
+            <pc:sldMk cId="236513123" sldId="267"/>
+            <ac:spMk id="48" creationId="{1FE62759-6A90-B689-A127-766D1DD0B64C}"/>
+          </ac:spMkLst>
+        </pc:spChg>
+        <pc:spChg chg="del">
+          <ac:chgData name="David A. Gee" userId="e9ce1845d50193f0" providerId="LiveId" clId="{BEC3EAAE-8953-4B86-818A-C7A5BEB6D013}" dt="2025-03-09T14:02:03.625" v="2978"/>
+          <ac:spMkLst>
+            <pc:docMk/>
+            <pc:sldMk cId="236513123" sldId="267"/>
+            <ac:spMk id="50" creationId="{5AE1FAEE-33E5-4015-FA4C-080FC424DB37}"/>
+          </ac:spMkLst>
+        </pc:spChg>
+        <pc:spChg chg="del">
+          <ac:chgData name="David A. Gee" userId="e9ce1845d50193f0" providerId="LiveId" clId="{BEC3EAAE-8953-4B86-818A-C7A5BEB6D013}" dt="2025-03-09T14:02:03.625" v="2978"/>
+          <ac:spMkLst>
+            <pc:docMk/>
+            <pc:sldMk cId="236513123" sldId="267"/>
+            <ac:spMk id="51" creationId="{6C32DF38-2B74-E587-0209-DB7CF37D3D2F}"/>
+          </ac:spMkLst>
+        </pc:spChg>
+        <pc:picChg chg="del">
+          <ac:chgData name="David A. Gee" userId="e9ce1845d50193f0" providerId="LiveId" clId="{BEC3EAAE-8953-4B86-818A-C7A5BEB6D013}" dt="2025-03-09T14:02:19.043" v="2982" actId="478"/>
+          <ac:picMkLst>
+            <pc:docMk/>
+            <pc:sldMk cId="236513123" sldId="267"/>
+            <ac:picMk id="5" creationId="{F5B9FED1-92F5-DCB2-EE88-05BABFE3EB2B}"/>
+          </ac:picMkLst>
+        </pc:picChg>
+        <pc:picChg chg="del">
+          <ac:chgData name="David A. Gee" userId="e9ce1845d50193f0" providerId="LiveId" clId="{BEC3EAAE-8953-4B86-818A-C7A5BEB6D013}" dt="2025-03-09T14:02:48.299" v="2985" actId="478"/>
+          <ac:picMkLst>
+            <pc:docMk/>
+            <pc:sldMk cId="236513123" sldId="267"/>
+            <ac:picMk id="6" creationId="{B05BEFFB-38A5-40E9-6B2A-7EF39D2006C0}"/>
+          </ac:picMkLst>
+        </pc:picChg>
+        <pc:picChg chg="add mod">
+          <ac:chgData name="David A. Gee" userId="e9ce1845d50193f0" providerId="LiveId" clId="{BEC3EAAE-8953-4B86-818A-C7A5BEB6D013}" dt="2025-03-09T14:04:53.259" v="3008" actId="14100"/>
+          <ac:picMkLst>
+            <pc:docMk/>
+            <pc:sldMk cId="236513123" sldId="267"/>
+            <ac:picMk id="7" creationId="{A34EE503-9450-F633-8FFA-43F8E52C350F}"/>
+          </ac:picMkLst>
+        </pc:picChg>
+        <pc:picChg chg="add mod">
+          <ac:chgData name="David A. Gee" userId="e9ce1845d50193f0" providerId="LiveId" clId="{BEC3EAAE-8953-4B86-818A-C7A5BEB6D013}" dt="2025-03-09T14:07:19.884" v="3056" actId="1037"/>
+          <ac:picMkLst>
+            <pc:docMk/>
+            <pc:sldMk cId="236513123" sldId="267"/>
+            <ac:picMk id="8" creationId="{7BCD81D3-B2D7-F511-D448-C64DB8AD74E2}"/>
+          </ac:picMkLst>
+        </pc:picChg>
+        <pc:cxnChg chg="del">
+          <ac:chgData name="David A. Gee" userId="e9ce1845d50193f0" providerId="LiveId" clId="{BEC3EAAE-8953-4B86-818A-C7A5BEB6D013}" dt="2025-03-09T14:02:03.625" v="2978"/>
+          <ac:cxnSpMkLst>
+            <pc:docMk/>
+            <pc:sldMk cId="236513123" sldId="267"/>
+            <ac:cxnSpMk id="49" creationId="{C9ACAED3-40EE-F0E1-F1E1-588A2A55726C}"/>
+          </ac:cxnSpMkLst>
+        </pc:cxnChg>
+      </pc:sldChg>
+      <pc:sldChg chg="modSp new mod">
+        <pc:chgData name="David A. Gee" userId="e9ce1845d50193f0" providerId="LiveId" clId="{BEC3EAAE-8953-4B86-818A-C7A5BEB6D013}" dt="2025-03-09T14:29:47.367" v="4495" actId="20577"/>
+        <pc:sldMkLst>
+          <pc:docMk/>
+          <pc:sldMk cId="974185529" sldId="268"/>
+        </pc:sldMkLst>
+        <pc:spChg chg="mod">
+          <ac:chgData name="David A. Gee" userId="e9ce1845d50193f0" providerId="LiveId" clId="{BEC3EAAE-8953-4B86-818A-C7A5BEB6D013}" dt="2025-03-09T14:29:47.367" v="4495" actId="20577"/>
+          <ac:spMkLst>
+            <pc:docMk/>
+            <pc:sldMk cId="974185529" sldId="268"/>
+            <ac:spMk id="2" creationId="{20F9E5F4-6949-D2C6-1282-514D9D9A2DB3}"/>
+          </ac:spMkLst>
+        </pc:spChg>
       </pc:sldChg>
     </pc:docChg>
   </pc:docChgLst>
@@ -802,7 +2366,7 @@
           <a:p>
             <a:fld id="{63E9557E-308A-4888-81E5-6BF85D38A887}" type="datetimeFigureOut">
               <a:rPr lang="en-US" smtClean="0"/>
-              <a:t>3/8/2025</a:t>
+              <a:t>3/9/2025</a:t>
             </a:fld>
             <a:endParaRPr lang="en-US"/>
           </a:p>
@@ -1218,7 +2782,7 @@
           <a:p>
             <a:fld id="{7A105F5F-2C84-484B-970F-30415024D2D8}" type="slidenum">
               <a:rPr lang="en-US" smtClean="0"/>
-              <a:t>5</a:t>
+              <a:t>7</a:t>
             </a:fld>
             <a:endParaRPr lang="en-US"/>
           </a:p>
@@ -1242,117 +2806,6 @@
   <p:cSld>
     <p:spTree>
       <p:nvGrpSpPr>
-        <p:cNvPr id="1" name="">
-          <a:extLst>
-            <a:ext uri="{FF2B5EF4-FFF2-40B4-BE49-F238E27FC236}">
-              <a16:creationId xmlns:a16="http://schemas.microsoft.com/office/drawing/2014/main" id="{31B1FD38-9F7F-226C-4163-0F70997974CB}"/>
-            </a:ext>
-          </a:extLst>
-        </p:cNvPr>
-        <p:cNvGrpSpPr/>
-        <p:nvPr/>
-      </p:nvGrpSpPr>
-      <p:grpSpPr>
-        <a:xfrm>
-          <a:off x="0" y="0"/>
-          <a:ext cx="0" cy="0"/>
-          <a:chOff x="0" y="0"/>
-          <a:chExt cx="0" cy="0"/>
-        </a:xfrm>
-      </p:grpSpPr>
-      <p:sp>
-        <p:nvSpPr>
-          <p:cNvPr id="2" name="Slide Image Placeholder 1">
-            <a:extLst>
-              <a:ext uri="{FF2B5EF4-FFF2-40B4-BE49-F238E27FC236}">
-                <a16:creationId xmlns:a16="http://schemas.microsoft.com/office/drawing/2014/main" id="{8140CBDA-B49A-B158-61C5-2505974D5F26}"/>
-              </a:ext>
-            </a:extLst>
-          </p:cNvPr>
-          <p:cNvSpPr>
-            <a:spLocks noGrp="1" noRot="1" noChangeAspect="1"/>
-          </p:cNvSpPr>
-          <p:nvPr>
-            <p:ph type="sldImg"/>
-          </p:nvPr>
-        </p:nvSpPr>
-        <p:spPr/>
-      </p:sp>
-      <p:sp>
-        <p:nvSpPr>
-          <p:cNvPr id="3" name="Notes Placeholder 2">
-            <a:extLst>
-              <a:ext uri="{FF2B5EF4-FFF2-40B4-BE49-F238E27FC236}">
-                <a16:creationId xmlns:a16="http://schemas.microsoft.com/office/drawing/2014/main" id="{D0E00651-6DD6-7E9F-B79A-65459052B830}"/>
-              </a:ext>
-            </a:extLst>
-          </p:cNvPr>
-          <p:cNvSpPr>
-            <a:spLocks noGrp="1"/>
-          </p:cNvSpPr>
-          <p:nvPr>
-            <p:ph type="body" idx="1"/>
-          </p:nvPr>
-        </p:nvSpPr>
-        <p:spPr/>
-        <p:txBody>
-          <a:bodyPr/>
-          <a:lstStyle/>
-          <a:p>
-            <a:r>
-              <a:rPr lang="en-US" dirty="0"/>
-              <a:t>Need excel table with max product distribution and sales then can get back into highest grossing months</a:t>
-            </a:r>
-          </a:p>
-        </p:txBody>
-      </p:sp>
-      <p:sp>
-        <p:nvSpPr>
-          <p:cNvPr id="4" name="Slide Number Placeholder 3">
-            <a:extLst>
-              <a:ext uri="{FF2B5EF4-FFF2-40B4-BE49-F238E27FC236}">
-                <a16:creationId xmlns:a16="http://schemas.microsoft.com/office/drawing/2014/main" id="{5B5DBA60-5E83-6B50-0052-1A798F38ECD4}"/>
-              </a:ext>
-            </a:extLst>
-          </p:cNvPr>
-          <p:cNvSpPr>
-            <a:spLocks noGrp="1"/>
-          </p:cNvSpPr>
-          <p:nvPr>
-            <p:ph type="sldNum" sz="quarter" idx="5"/>
-          </p:nvPr>
-        </p:nvSpPr>
-        <p:spPr/>
-        <p:txBody>
-          <a:bodyPr/>
-          <a:lstStyle/>
-          <a:p>
-            <a:fld id="{7A105F5F-2C84-484B-970F-30415024D2D8}" type="slidenum">
-              <a:rPr lang="en-US" smtClean="0"/>
-              <a:t>6</a:t>
-            </a:fld>
-            <a:endParaRPr lang="en-US"/>
-          </a:p>
-        </p:txBody>
-      </p:sp>
-    </p:spTree>
-    <p:extLst>
-      <p:ext uri="{BB962C8B-B14F-4D97-AF65-F5344CB8AC3E}">
-        <p14:creationId xmlns:p14="http://schemas.microsoft.com/office/powerpoint/2010/main" val="3178366312"/>
-      </p:ext>
-    </p:extLst>
-  </p:cSld>
-  <p:clrMapOvr>
-    <a:masterClrMapping/>
-  </p:clrMapOvr>
-</p:notes>
-</file>
-
-<file path=ppt/notesSlides/notesSlide4.xml><?xml version="1.0" encoding="utf-8"?>
-<p:notes xmlns:a="http://schemas.openxmlformats.org/drawingml/2006/main" xmlns:r="http://schemas.openxmlformats.org/officeDocument/2006/relationships" xmlns:p="http://schemas.openxmlformats.org/presentationml/2006/main">
-  <p:cSld>
-    <p:spTree>
-      <p:nvGrpSpPr>
         <p:cNvPr id="1" name=""/>
         <p:cNvGrpSpPr/>
         <p:nvPr/>
@@ -1392,10 +2845,7 @@
           <a:bodyPr/>
           <a:lstStyle/>
           <a:p>
-            <a:r>
-              <a:rPr lang="en-US" dirty="0"/>
-              <a:t>Create table of suggestions with product destination and month</a:t>
-            </a:r>
+            <a:endParaRPr lang="en-US" dirty="0"/>
           </a:p>
         </p:txBody>
       </p:sp>
@@ -1584,7 +3034,7 @@
         </p:nvSpPr>
         <p:spPr>
           <a:xfrm>
-            <a:off x="1100051" y="4455620"/>
+            <a:off x="1100051" y="4455621"/>
             <a:ext cx="10058400" cy="1143000"/>
           </a:xfrm>
         </p:spPr>
@@ -1661,7 +3111,7 @@
           <a:p>
             <a:fld id="{507BCB4D-8937-466D-A0A1-A346E15A34B1}" type="datetimeFigureOut">
               <a:rPr lang="en-US" smtClean="0"/>
-              <a:t>3/8/2025</a:t>
+              <a:t>3/9/2025</a:t>
             </a:fld>
             <a:endParaRPr lang="en-US"/>
           </a:p>
@@ -1750,7 +3200,7 @@
     </p:spTree>
     <p:extLst>
       <p:ext uri="{BB962C8B-B14F-4D97-AF65-F5344CB8AC3E}">
-        <p14:creationId xmlns:p14="http://schemas.microsoft.com/office/powerpoint/2010/main" val="1138295443"/>
+        <p14:creationId xmlns:p14="http://schemas.microsoft.com/office/powerpoint/2010/main" val="948544863"/>
       </p:ext>
     </p:extLst>
   </p:cSld>
@@ -1869,7 +3319,7 @@
           <a:p>
             <a:fld id="{507BCB4D-8937-466D-A0A1-A346E15A34B1}" type="datetimeFigureOut">
               <a:rPr lang="en-US" smtClean="0"/>
-              <a:t>3/8/2025</a:t>
+              <a:t>3/9/2025</a:t>
             </a:fld>
             <a:endParaRPr lang="en-US"/>
           </a:p>
@@ -1920,7 +3370,7 @@
     </p:spTree>
     <p:extLst>
       <p:ext uri="{BB962C8B-B14F-4D97-AF65-F5344CB8AC3E}">
-        <p14:creationId xmlns:p14="http://schemas.microsoft.com/office/powerpoint/2010/main" val="4174389407"/>
+        <p14:creationId xmlns:p14="http://schemas.microsoft.com/office/powerpoint/2010/main" val="2516474975"/>
       </p:ext>
     </p:extLst>
   </p:cSld>
@@ -2035,8 +3485,8 @@
         </p:nvSpPr>
         <p:spPr>
           <a:xfrm>
-            <a:off x="8724900" y="414778"/>
-            <a:ext cx="2628900" cy="5757421"/>
+            <a:off x="8724900" y="412302"/>
+            <a:ext cx="2628900" cy="5759898"/>
           </a:xfrm>
         </p:spPr>
         <p:txBody>
@@ -2063,8 +3513,8 @@
         </p:nvSpPr>
         <p:spPr>
           <a:xfrm>
-            <a:off x="838200" y="414778"/>
-            <a:ext cx="7734300" cy="5757422"/>
+            <a:off x="838200" y="412302"/>
+            <a:ext cx="7734300" cy="5759898"/>
           </a:xfrm>
         </p:spPr>
         <p:txBody>
@@ -2125,7 +3575,7 @@
           <a:p>
             <a:fld id="{507BCB4D-8937-466D-A0A1-A346E15A34B1}" type="datetimeFigureOut">
               <a:rPr lang="en-US" smtClean="0"/>
-              <a:t>3/8/2025</a:t>
+              <a:t>3/9/2025</a:t>
             </a:fld>
             <a:endParaRPr lang="en-US"/>
           </a:p>
@@ -2176,7 +3626,7 @@
     </p:spTree>
     <p:extLst>
       <p:ext uri="{BB962C8B-B14F-4D97-AF65-F5344CB8AC3E}">
-        <p14:creationId xmlns:p14="http://schemas.microsoft.com/office/powerpoint/2010/main" val="3761244167"/>
+        <p14:creationId xmlns:p14="http://schemas.microsoft.com/office/powerpoint/2010/main" val="1653320123"/>
       </p:ext>
     </p:extLst>
   </p:cSld>
@@ -2216,11 +3666,7 @@
         <p:spPr/>
         <p:txBody>
           <a:bodyPr/>
-          <a:lstStyle>
-            <a:lvl1pPr marL="0">
-              <a:defRPr/>
-            </a:lvl1pPr>
-          </a:lstStyle>
+          <a:lstStyle/>
           <a:p>
             <a:r>
               <a:rPr lang="en-US"/>
@@ -2299,7 +3745,7 @@
           <a:p>
             <a:fld id="{507BCB4D-8937-466D-A0A1-A346E15A34B1}" type="datetimeFigureOut">
               <a:rPr lang="en-US" smtClean="0"/>
-              <a:t>3/8/2025</a:t>
+              <a:t>3/9/2025</a:t>
             </a:fld>
             <a:endParaRPr lang="en-US"/>
           </a:p>
@@ -2350,7 +3796,7 @@
     </p:spTree>
     <p:extLst>
       <p:ext uri="{BB962C8B-B14F-4D97-AF65-F5344CB8AC3E}">
-        <p14:creationId xmlns:p14="http://schemas.microsoft.com/office/powerpoint/2010/main" val="1095129354"/>
+        <p14:creationId xmlns:p14="http://schemas.microsoft.com/office/powerpoint/2010/main" val="549247321"/>
       </p:ext>
     </p:extLst>
   </p:cSld>
@@ -2642,7 +4088,7 @@
           <a:p>
             <a:fld id="{507BCB4D-8937-466D-A0A1-A346E15A34B1}" type="datetimeFigureOut">
               <a:rPr lang="en-US" smtClean="0"/>
-              <a:t>3/8/2025</a:t>
+              <a:t>3/9/2025</a:t>
             </a:fld>
             <a:endParaRPr lang="en-US"/>
           </a:p>
@@ -2731,7 +4177,7 @@
     </p:spTree>
     <p:extLst>
       <p:ext uri="{BB962C8B-B14F-4D97-AF65-F5344CB8AC3E}">
-        <p14:creationId xmlns:p14="http://schemas.microsoft.com/office/powerpoint/2010/main" val="1838423673"/>
+        <p14:creationId xmlns:p14="http://schemas.microsoft.com/office/powerpoint/2010/main" val="2326565095"/>
       </p:ext>
     </p:extLst>
   </p:cSld>
@@ -2798,7 +4244,7 @@
         </p:nvSpPr>
         <p:spPr>
           <a:xfrm>
-            <a:off x="1097279" y="1845734"/>
+            <a:off x="1097278" y="1845734"/>
             <a:ext cx="4937760" cy="4023360"/>
           </a:xfrm>
         </p:spPr>
@@ -2917,7 +4363,7 @@
           <a:p>
             <a:fld id="{507BCB4D-8937-466D-A0A1-A346E15A34B1}" type="datetimeFigureOut">
               <a:rPr lang="en-US" smtClean="0"/>
-              <a:t>3/8/2025</a:t>
+              <a:t>3/9/2025</a:t>
             </a:fld>
             <a:endParaRPr lang="en-US"/>
           </a:p>
@@ -2968,7 +4414,7 @@
     </p:spTree>
     <p:extLst>
       <p:ext uri="{BB962C8B-B14F-4D97-AF65-F5344CB8AC3E}">
-        <p14:creationId xmlns:p14="http://schemas.microsoft.com/office/powerpoint/2010/main" val="2948853744"/>
+        <p14:creationId xmlns:p14="http://schemas.microsoft.com/office/powerpoint/2010/main" val="3096486752"/>
       </p:ext>
     </p:extLst>
   </p:cSld>
@@ -3296,7 +4742,7 @@
           <a:p>
             <a:fld id="{507BCB4D-8937-466D-A0A1-A346E15A34B1}" type="datetimeFigureOut">
               <a:rPr lang="en-US" smtClean="0"/>
-              <a:t>3/8/2025</a:t>
+              <a:t>3/9/2025</a:t>
             </a:fld>
             <a:endParaRPr lang="en-US"/>
           </a:p>
@@ -3347,7 +4793,7 @@
     </p:spTree>
     <p:extLst>
       <p:ext uri="{BB962C8B-B14F-4D97-AF65-F5344CB8AC3E}">
-        <p14:creationId xmlns:p14="http://schemas.microsoft.com/office/powerpoint/2010/main" val="2697550809"/>
+        <p14:creationId xmlns:p14="http://schemas.microsoft.com/office/powerpoint/2010/main" val="4100517652"/>
       </p:ext>
     </p:extLst>
   </p:cSld>
@@ -3414,7 +4860,7 @@
           <a:p>
             <a:fld id="{507BCB4D-8937-466D-A0A1-A346E15A34B1}" type="datetimeFigureOut">
               <a:rPr lang="en-US" smtClean="0"/>
-              <a:t>3/8/2025</a:t>
+              <a:t>3/9/2025</a:t>
             </a:fld>
             <a:endParaRPr lang="en-US"/>
           </a:p>
@@ -3465,7 +4911,7 @@
     </p:spTree>
     <p:extLst>
       <p:ext uri="{BB962C8B-B14F-4D97-AF65-F5344CB8AC3E}">
-        <p14:creationId xmlns:p14="http://schemas.microsoft.com/office/powerpoint/2010/main" val="956856258"/>
+        <p14:creationId xmlns:p14="http://schemas.microsoft.com/office/powerpoint/2010/main" val="4253896566"/>
       </p:ext>
     </p:extLst>
   </p:cSld>
@@ -3585,7 +5031,7 @@
           <a:p>
             <a:fld id="{507BCB4D-8937-466D-A0A1-A346E15A34B1}" type="datetimeFigureOut">
               <a:rPr lang="en-US" smtClean="0"/>
-              <a:t>3/8/2025</a:t>
+              <a:t>3/9/2025</a:t>
             </a:fld>
             <a:endParaRPr lang="en-US"/>
           </a:p>
@@ -3644,7 +5090,7 @@
     </p:spTree>
     <p:extLst>
       <p:ext uri="{BB962C8B-B14F-4D97-AF65-F5344CB8AC3E}">
-        <p14:creationId xmlns:p14="http://schemas.microsoft.com/office/powerpoint/2010/main" val="2179486769"/>
+        <p14:creationId xmlns:p14="http://schemas.microsoft.com/office/powerpoint/2010/main" val="3452954948"/>
       </p:ext>
     </p:extLst>
   </p:cSld>
@@ -3939,7 +5385,7 @@
           <a:p>
             <a:fld id="{507BCB4D-8937-466D-A0A1-A346E15A34B1}" type="datetimeFigureOut">
               <a:rPr lang="en-US" smtClean="0"/>
-              <a:t>3/8/2025</a:t>
+              <a:t>3/9/2025</a:t>
             </a:fld>
             <a:endParaRPr lang="en-US"/>
           </a:p>
@@ -4011,7 +5457,7 @@
     </p:spTree>
     <p:extLst>
       <p:ext uri="{BB962C8B-B14F-4D97-AF65-F5344CB8AC3E}">
-        <p14:creationId xmlns:p14="http://schemas.microsoft.com/office/powerpoint/2010/main" val="1321478350"/>
+        <p14:creationId xmlns:p14="http://schemas.microsoft.com/office/powerpoint/2010/main" val="2811230877"/>
       </p:ext>
     </p:extLst>
   </p:cSld>
@@ -4127,7 +5573,7 @@
         <p:spPr>
           <a:xfrm>
             <a:off x="1097280" y="5074920"/>
-            <a:ext cx="10113264" cy="822960"/>
+            <a:ext cx="10113645" cy="822960"/>
           </a:xfrm>
         </p:spPr>
         <p:txBody>
@@ -4167,23 +5613,18 @@
             <a:off x="15" y="0"/>
             <a:ext cx="12191985" cy="4915076"/>
           </a:xfrm>
-          <a:blipFill>
-            <a:blip r:embed="rId2"/>
-            <a:stretch>
-              <a:fillRect/>
-            </a:stretch>
-          </a:blipFill>
+          <a:solidFill>
+            <a:schemeClr val="bg2">
+              <a:lumMod val="90000"/>
+            </a:schemeClr>
+          </a:solidFill>
         </p:spPr>
         <p:txBody>
           <a:bodyPr lIns="457200" tIns="457200" anchor="t"/>
           <a:lstStyle>
             <a:lvl1pPr marL="0" indent="0">
               <a:buNone/>
-              <a:defRPr sz="3200">
-                <a:solidFill>
-                  <a:schemeClr val="bg1"/>
-                </a:solidFill>
-              </a:defRPr>
+              <a:defRPr sz="3200"/>
             </a:lvl1pPr>
             <a:lvl2pPr marL="457200" indent="0">
               <a:buNone/>
@@ -4239,7 +5680,7 @@
         </p:nvSpPr>
         <p:spPr>
           <a:xfrm>
-            <a:off x="1097280" y="5907023"/>
+            <a:off x="1097280" y="5907024"/>
             <a:ext cx="10113264" cy="594360"/>
           </a:xfrm>
         </p:spPr>
@@ -4321,7 +5762,7 @@
           <a:p>
             <a:fld id="{507BCB4D-8937-466D-A0A1-A346E15A34B1}" type="datetimeFigureOut">
               <a:rPr lang="en-US" smtClean="0"/>
-              <a:t>3/8/2025</a:t>
+              <a:t>3/9/2025</a:t>
             </a:fld>
             <a:endParaRPr lang="en-US"/>
           </a:p>
@@ -4372,7 +5813,7 @@
     </p:spTree>
     <p:extLst>
       <p:ext uri="{BB962C8B-B14F-4D97-AF65-F5344CB8AC3E}">
-        <p14:creationId xmlns:p14="http://schemas.microsoft.com/office/powerpoint/2010/main" val="118677628"/>
+        <p14:creationId xmlns:p14="http://schemas.microsoft.com/office/powerpoint/2010/main" val="1305019958"/>
       </p:ext>
     </p:extLst>
   </p:cSld>
@@ -4450,8 +5891,8 @@
         </p:nvSpPr>
         <p:spPr>
           <a:xfrm>
-            <a:off x="0" y="6334316"/>
-            <a:ext cx="12192001" cy="65998"/>
+            <a:off x="15" y="6334316"/>
+            <a:ext cx="12191985" cy="66484"/>
           </a:xfrm>
           <a:prstGeom prst="rect">
             <a:avLst/>
@@ -4608,7 +6049,7 @@
           <a:p>
             <a:fld id="{507BCB4D-8937-466D-A0A1-A346E15A34B1}" type="datetimeFigureOut">
               <a:rPr lang="en-US" smtClean="0"/>
-              <a:t>3/8/2025</a:t>
+              <a:t>3/9/2025</a:t>
             </a:fld>
             <a:endParaRPr lang="en-US"/>
           </a:p>
@@ -4729,23 +6170,23 @@
     </p:spTree>
     <p:extLst>
       <p:ext uri="{BB962C8B-B14F-4D97-AF65-F5344CB8AC3E}">
-        <p14:creationId xmlns:p14="http://schemas.microsoft.com/office/powerpoint/2010/main" val="2536040469"/>
+        <p14:creationId xmlns:p14="http://schemas.microsoft.com/office/powerpoint/2010/main" val="1680874310"/>
       </p:ext>
     </p:extLst>
   </p:cSld>
   <p:clrMap bg1="lt1" tx1="dk1" bg2="lt2" tx2="dk2" accent1="accent1" accent2="accent2" accent3="accent3" accent4="accent4" accent5="accent5" accent6="accent6" hlink="hlink" folHlink="folHlink"/>
   <p:sldLayoutIdLst>
-    <p:sldLayoutId id="2147483673" r:id="rId1"/>
-    <p:sldLayoutId id="2147483674" r:id="rId2"/>
-    <p:sldLayoutId id="2147483675" r:id="rId3"/>
-    <p:sldLayoutId id="2147483676" r:id="rId4"/>
-    <p:sldLayoutId id="2147483677" r:id="rId5"/>
-    <p:sldLayoutId id="2147483678" r:id="rId6"/>
-    <p:sldLayoutId id="2147483679" r:id="rId7"/>
-    <p:sldLayoutId id="2147483680" r:id="rId8"/>
-    <p:sldLayoutId id="2147483681" r:id="rId9"/>
-    <p:sldLayoutId id="2147483682" r:id="rId10"/>
-    <p:sldLayoutId id="2147483683" r:id="rId11"/>
+    <p:sldLayoutId id="2147483709" r:id="rId1"/>
+    <p:sldLayoutId id="2147483710" r:id="rId2"/>
+    <p:sldLayoutId id="2147483711" r:id="rId3"/>
+    <p:sldLayoutId id="2147483712" r:id="rId4"/>
+    <p:sldLayoutId id="2147483713" r:id="rId5"/>
+    <p:sldLayoutId id="2147483714" r:id="rId6"/>
+    <p:sldLayoutId id="2147483715" r:id="rId7"/>
+    <p:sldLayoutId id="2147483716" r:id="rId8"/>
+    <p:sldLayoutId id="2147483717" r:id="rId9"/>
+    <p:sldLayoutId id="2147483718" r:id="rId10"/>
+    <p:sldLayoutId id="2147483719" r:id="rId11"/>
   </p:sldLayoutIdLst>
   <p:txStyles>
     <p:titleStyle>
@@ -5223,66 +6664,6 @@
           <a:chExt cx="0" cy="0"/>
         </a:xfrm>
       </p:grpSpPr>
-      <p:sp useBgFill="1">
-        <p:nvSpPr>
-          <p:cNvPr id="24" name="Rectangle 23">
-            <a:extLst>
-              <a:ext uri="{FF2B5EF4-FFF2-40B4-BE49-F238E27FC236}">
-                <a16:creationId xmlns:a16="http://schemas.microsoft.com/office/drawing/2014/main" id="{284B70D5-875B-433D-BDBD-1522A85D6C1D}"/>
-              </a:ext>
-              <a:ext uri="{C183D7F6-B498-43B3-948B-1728B52AA6E4}">
-                <adec:decorative xmlns:adec="http://schemas.microsoft.com/office/drawing/2017/decorative" val="1"/>
-              </a:ext>
-            </a:extLst>
-          </p:cNvPr>
-          <p:cNvSpPr>
-            <a:spLocks noGrp="1" noRot="1" noChangeAspect="1" noMove="1" noResize="1" noEditPoints="1" noAdjustHandles="1" noChangeArrowheads="1" noChangeShapeType="1" noTextEdit="1"/>
-          </p:cNvSpPr>
-          <p:nvPr>
-            <p:extLst>
-              <p:ext uri="{386F3935-93C4-4BCD-93E2-E3B085C9AB24}">
-                <p16:designElem xmlns:p16="http://schemas.microsoft.com/office/powerpoint/2015/main" val="1"/>
-              </p:ext>
-            </p:extLst>
-          </p:nvPr>
-        </p:nvSpPr>
-        <p:spPr>
-          <a:xfrm>
-            <a:off x="0" y="0"/>
-            <a:ext cx="12192001" cy="6334316"/>
-          </a:xfrm>
-          <a:prstGeom prst="rect">
-            <a:avLst/>
-          </a:prstGeom>
-          <a:ln>
-            <a:noFill/>
-          </a:ln>
-        </p:spPr>
-        <p:style>
-          <a:lnRef idx="2">
-            <a:schemeClr val="accent1">
-              <a:shade val="50000"/>
-            </a:schemeClr>
-          </a:lnRef>
-          <a:fillRef idx="1">
-            <a:schemeClr val="accent1"/>
-          </a:fillRef>
-          <a:effectRef idx="0">
-            <a:schemeClr val="accent1"/>
-          </a:effectRef>
-          <a:fontRef idx="minor">
-            <a:schemeClr val="lt1"/>
-          </a:fontRef>
-        </p:style>
-        <p:txBody>
-          <a:bodyPr rtlCol="0" anchor="ctr"/>
-          <a:lstStyle/>
-          <a:p>
-            <a:pPr algn="ctr"/>
-            <a:endParaRPr lang="en-US"/>
-          </a:p>
-        </p:txBody>
-      </p:sp>
       <p:sp>
         <p:nvSpPr>
           <p:cNvPr id="2" name="Title 1">
@@ -5301,21 +6682,73 @@
         </p:nvSpPr>
         <p:spPr>
           <a:xfrm>
-            <a:off x="7859485" y="634946"/>
-            <a:ext cx="3690257" cy="1450757"/>
+            <a:off x="8141110" y="639097"/>
+            <a:ext cx="3401961" cy="3686015"/>
           </a:xfrm>
         </p:spPr>
         <p:txBody>
-          <a:bodyPr>
+          <a:bodyPr vert="horz" lIns="91440" tIns="45720" rIns="91440" bIns="45720" rtlCol="0" anchor="b">
             <a:normAutofit/>
           </a:bodyPr>
           <a:lstStyle/>
           <a:p>
             <a:r>
-              <a:rPr lang="en-US"/>
+              <a:rPr lang="en-US" sz="6600">
+                <a:solidFill>
+                  <a:schemeClr val="tx1">
+                    <a:lumMod val="85000"/>
+                    <a:lumOff val="15000"/>
+                  </a:schemeClr>
+                </a:solidFill>
+              </a:rPr>
               <a:t>Monthly Sales</a:t>
             </a:r>
-            <a:endParaRPr lang="en-US" dirty="0"/>
+          </a:p>
+        </p:txBody>
+      </p:sp>
+      <p:sp>
+        <p:nvSpPr>
+          <p:cNvPr id="9" name="Content Placeholder 8">
+            <a:extLst>
+              <a:ext uri="{FF2B5EF4-FFF2-40B4-BE49-F238E27FC236}">
+                <a16:creationId xmlns:a16="http://schemas.microsoft.com/office/drawing/2014/main" id="{1B5E05F6-A19F-0C0C-F243-9B660115922C}"/>
+              </a:ext>
+            </a:extLst>
+          </p:cNvPr>
+          <p:cNvSpPr>
+            <a:spLocks noGrp="1"/>
+          </p:cNvSpPr>
+          <p:nvPr>
+            <p:ph idx="1"/>
+          </p:nvPr>
+        </p:nvSpPr>
+        <p:spPr>
+          <a:xfrm>
+            <a:off x="8141110" y="4455621"/>
+            <a:ext cx="3417990" cy="1238616"/>
+          </a:xfrm>
+        </p:spPr>
+        <p:txBody>
+          <a:bodyPr vert="horz" lIns="91440" tIns="45720" rIns="91440" bIns="45720" rtlCol="0">
+            <a:normAutofit/>
+          </a:bodyPr>
+          <a:lstStyle/>
+          <a:p>
+            <a:pPr marL="0" indent="0">
+              <a:buNone/>
+            </a:pPr>
+            <a:r>
+              <a:rPr lang="en-US" cap="all" spc="200">
+                <a:solidFill>
+                  <a:schemeClr val="tx1">
+                    <a:lumMod val="85000"/>
+                    <a:lumOff val="15000"/>
+                  </a:schemeClr>
+                </a:solidFill>
+                <a:latin typeface="+mj-lt"/>
+              </a:rPr>
+              <a:t>Sales peaked at the beginning of the year with nearly $850,000 in sales</a:t>
+            </a:r>
           </a:p>
         </p:txBody>
       </p:sp>
@@ -5347,229 +6780,14 @@
         </p:blipFill>
         <p:spPr>
           <a:xfrm>
-            <a:off x="633999" y="706109"/>
-            <a:ext cx="6909801" cy="5182350"/>
+            <a:off x="720670" y="640081"/>
+            <a:ext cx="6738874" cy="5054156"/>
           </a:xfrm>
           <a:prstGeom prst="rect">
             <a:avLst/>
           </a:prstGeom>
         </p:spPr>
       </p:pic>
-      <p:cxnSp>
-        <p:nvCxnSpPr>
-          <p:cNvPr id="25" name="Straight Connector 24">
-            <a:extLst>
-              <a:ext uri="{FF2B5EF4-FFF2-40B4-BE49-F238E27FC236}">
-                <a16:creationId xmlns:a16="http://schemas.microsoft.com/office/drawing/2014/main" id="{C947DF4A-614C-4B4C-8B80-E5B9D8E8CFED}"/>
-              </a:ext>
-              <a:ext uri="{C183D7F6-B498-43B3-948B-1728B52AA6E4}">
-                <adec:decorative xmlns:adec="http://schemas.microsoft.com/office/drawing/2017/decorative" val="1"/>
-              </a:ext>
-            </a:extLst>
-          </p:cNvPr>
-          <p:cNvCxnSpPr>
-            <a:cxnSpLocks noGrp="1" noRot="1" noChangeAspect="1" noMove="1" noResize="1" noEditPoints="1" noAdjustHandles="1" noChangeArrowheads="1" noChangeShapeType="1"/>
-          </p:cNvCxnSpPr>
-          <p:nvPr>
-            <p:extLst>
-              <p:ext uri="{386F3935-93C4-4BCD-93E2-E3B085C9AB24}">
-                <p16:designElem xmlns:p16="http://schemas.microsoft.com/office/powerpoint/2015/main" val="1"/>
-              </p:ext>
-            </p:extLst>
-          </p:nvPr>
-        </p:nvCxnSpPr>
-        <p:spPr>
-          <a:xfrm>
-            <a:off x="7892143" y="2085703"/>
-            <a:ext cx="3566160" cy="0"/>
-          </a:xfrm>
-          <a:prstGeom prst="line">
-            <a:avLst/>
-          </a:prstGeom>
-          <a:ln w="6350">
-            <a:solidFill>
-              <a:schemeClr val="tx1">
-                <a:lumMod val="50000"/>
-                <a:lumOff val="50000"/>
-                <a:alpha val="90000"/>
-              </a:schemeClr>
-            </a:solidFill>
-          </a:ln>
-        </p:spPr>
-        <p:style>
-          <a:lnRef idx="1">
-            <a:schemeClr val="accent1"/>
-          </a:lnRef>
-          <a:fillRef idx="0">
-            <a:schemeClr val="accent1"/>
-          </a:fillRef>
-          <a:effectRef idx="0">
-            <a:schemeClr val="accent1"/>
-          </a:effectRef>
-          <a:fontRef idx="minor">
-            <a:schemeClr val="tx1"/>
-          </a:fontRef>
-        </p:style>
-      </p:cxnSp>
-      <p:sp>
-        <p:nvSpPr>
-          <p:cNvPr id="9" name="Content Placeholder 8">
-            <a:extLst>
-              <a:ext uri="{FF2B5EF4-FFF2-40B4-BE49-F238E27FC236}">
-                <a16:creationId xmlns:a16="http://schemas.microsoft.com/office/drawing/2014/main" id="{1B5E05F6-A19F-0C0C-F243-9B660115922C}"/>
-              </a:ext>
-            </a:extLst>
-          </p:cNvPr>
-          <p:cNvSpPr>
-            <a:spLocks noGrp="1"/>
-          </p:cNvSpPr>
-          <p:nvPr>
-            <p:ph idx="1"/>
-          </p:nvPr>
-        </p:nvSpPr>
-        <p:spPr>
-          <a:xfrm>
-            <a:off x="7859485" y="2198914"/>
-            <a:ext cx="3690257" cy="3670180"/>
-          </a:xfrm>
-        </p:spPr>
-        <p:txBody>
-          <a:bodyPr>
-            <a:normAutofit/>
-          </a:bodyPr>
-          <a:lstStyle/>
-          <a:p>
-            <a:r>
-              <a:rPr lang="en-US" dirty="0"/>
-              <a:t>Sales peaked at the beginning of the year with nearly $850,000 in sales</a:t>
-            </a:r>
-          </a:p>
-        </p:txBody>
-      </p:sp>
-      <p:sp>
-        <p:nvSpPr>
-          <p:cNvPr id="26" name="Rectangle 25">
-            <a:extLst>
-              <a:ext uri="{FF2B5EF4-FFF2-40B4-BE49-F238E27FC236}">
-                <a16:creationId xmlns:a16="http://schemas.microsoft.com/office/drawing/2014/main" id="{1E299956-A9E7-4FC1-A0B1-D590CA9730E8}"/>
-              </a:ext>
-              <a:ext uri="{C183D7F6-B498-43B3-948B-1728B52AA6E4}">
-                <adec:decorative xmlns:adec="http://schemas.microsoft.com/office/drawing/2017/decorative" val="1"/>
-              </a:ext>
-            </a:extLst>
-          </p:cNvPr>
-          <p:cNvSpPr>
-            <a:spLocks noGrp="1" noRot="1" noChangeAspect="1" noMove="1" noResize="1" noEditPoints="1" noAdjustHandles="1" noChangeArrowheads="1" noChangeShapeType="1" noTextEdit="1"/>
-          </p:cNvSpPr>
-          <p:nvPr>
-            <p:extLst>
-              <p:ext uri="{386F3935-93C4-4BCD-93E2-E3B085C9AB24}">
-                <p16:designElem xmlns:p16="http://schemas.microsoft.com/office/powerpoint/2015/main" val="1"/>
-              </p:ext>
-            </p:extLst>
-          </p:nvPr>
-        </p:nvSpPr>
-        <p:spPr>
-          <a:xfrm>
-            <a:off x="15" y="6334316"/>
-            <a:ext cx="12191985" cy="66484"/>
-          </a:xfrm>
-          <a:prstGeom prst="rect">
-            <a:avLst/>
-          </a:prstGeom>
-          <a:solidFill>
-            <a:schemeClr val="accent1"/>
-          </a:solidFill>
-          <a:ln>
-            <a:noFill/>
-          </a:ln>
-        </p:spPr>
-        <p:style>
-          <a:lnRef idx="2">
-            <a:schemeClr val="accent1">
-              <a:shade val="50000"/>
-            </a:schemeClr>
-          </a:lnRef>
-          <a:fillRef idx="1">
-            <a:schemeClr val="accent1"/>
-          </a:fillRef>
-          <a:effectRef idx="0">
-            <a:schemeClr val="accent1"/>
-          </a:effectRef>
-          <a:fontRef idx="minor">
-            <a:schemeClr val="lt1"/>
-          </a:fontRef>
-        </p:style>
-        <p:txBody>
-          <a:bodyPr/>
-          <a:lstStyle/>
-          <a:p>
-            <a:endParaRPr lang="en-US"/>
-          </a:p>
-        </p:txBody>
-      </p:sp>
-      <p:sp>
-        <p:nvSpPr>
-          <p:cNvPr id="27" name="Rectangle 26">
-            <a:extLst>
-              <a:ext uri="{FF2B5EF4-FFF2-40B4-BE49-F238E27FC236}">
-                <a16:creationId xmlns:a16="http://schemas.microsoft.com/office/drawing/2014/main" id="{17FC539C-B783-4B03-9F9E-D13430F3F64F}"/>
-              </a:ext>
-              <a:ext uri="{C183D7F6-B498-43B3-948B-1728B52AA6E4}">
-                <adec:decorative xmlns:adec="http://schemas.microsoft.com/office/drawing/2017/decorative" val="1"/>
-              </a:ext>
-            </a:extLst>
-          </p:cNvPr>
-          <p:cNvSpPr>
-            <a:spLocks noGrp="1" noRot="1" noChangeAspect="1" noMove="1" noResize="1" noEditPoints="1" noAdjustHandles="1" noChangeArrowheads="1" noChangeShapeType="1" noTextEdit="1"/>
-          </p:cNvSpPr>
-          <p:nvPr>
-            <p:extLst>
-              <p:ext uri="{386F3935-93C4-4BCD-93E2-E3B085C9AB24}">
-                <p16:designElem xmlns:p16="http://schemas.microsoft.com/office/powerpoint/2015/main" val="1"/>
-              </p:ext>
-            </p:extLst>
-          </p:nvPr>
-        </p:nvSpPr>
-        <p:spPr>
-          <a:xfrm>
-            <a:off x="1" y="6400800"/>
-            <a:ext cx="12192000" cy="457200"/>
-          </a:xfrm>
-          <a:prstGeom prst="rect">
-            <a:avLst/>
-          </a:prstGeom>
-          <a:solidFill>
-            <a:schemeClr val="accent2"/>
-          </a:solidFill>
-          <a:ln>
-            <a:noFill/>
-          </a:ln>
-        </p:spPr>
-        <p:style>
-          <a:lnRef idx="2">
-            <a:schemeClr val="accent1">
-              <a:shade val="50000"/>
-            </a:schemeClr>
-          </a:lnRef>
-          <a:fillRef idx="1">
-            <a:schemeClr val="accent1"/>
-          </a:fillRef>
-          <a:effectRef idx="0">
-            <a:schemeClr val="accent1"/>
-          </a:effectRef>
-          <a:fontRef idx="minor">
-            <a:schemeClr val="lt1"/>
-          </a:fontRef>
-        </p:style>
-        <p:txBody>
-          <a:bodyPr/>
-          <a:lstStyle/>
-          <a:p>
-            <a:endParaRPr lang="en-US"/>
-          </a:p>
-        </p:txBody>
-      </p:sp>
     </p:spTree>
     <p:extLst>
       <p:ext uri="{BB962C8B-B14F-4D97-AF65-F5344CB8AC3E}">
@@ -5610,10 +6828,10 @@
       </p:grpSpPr>
       <p:sp useBgFill="1">
         <p:nvSpPr>
-          <p:cNvPr id="23" name="Rectangle 22">
+          <p:cNvPr id="17" name="Rectangle 16">
             <a:extLst>
               <a:ext uri="{FF2B5EF4-FFF2-40B4-BE49-F238E27FC236}">
-                <a16:creationId xmlns:a16="http://schemas.microsoft.com/office/drawing/2014/main" id="{284B70D5-875B-433D-BDBD-1522A85D6C1D}"/>
+                <a16:creationId xmlns:a16="http://schemas.microsoft.com/office/drawing/2014/main" id="{038B8727-D318-4B70-B353-C390602FF311}"/>
               </a:ext>
               <a:ext uri="{C183D7F6-B498-43B3-948B-1728B52AA6E4}">
                 <adec:decorative xmlns:adec="http://schemas.microsoft.com/office/drawing/2017/decorative" val="1"/>
@@ -5634,11 +6852,74 @@
         <p:spPr>
           <a:xfrm>
             <a:off x="0" y="0"/>
-            <a:ext cx="12192001" cy="6334316"/>
+            <a:ext cx="12186315" cy="6858000"/>
           </a:xfrm>
           <a:prstGeom prst="rect">
             <a:avLst/>
           </a:prstGeom>
+          <a:ln>
+            <a:noFill/>
+          </a:ln>
+        </p:spPr>
+        <p:style>
+          <a:lnRef idx="2">
+            <a:schemeClr val="accent6">
+              <a:shade val="50000"/>
+            </a:schemeClr>
+          </a:lnRef>
+          <a:fillRef idx="1001">
+            <a:schemeClr val="lt1"/>
+          </a:fillRef>
+          <a:effectRef idx="0">
+            <a:schemeClr val="accent6"/>
+          </a:effectRef>
+          <a:fontRef idx="minor">
+            <a:schemeClr val="lt1"/>
+          </a:fontRef>
+        </p:style>
+        <p:txBody>
+          <a:bodyPr rtlCol="0" anchor="ctr"/>
+          <a:lstStyle/>
+          <a:p>
+            <a:pPr algn="ctr"/>
+            <a:endParaRPr lang="en-US"/>
+          </a:p>
+        </p:txBody>
+      </p:sp>
+      <p:sp>
+        <p:nvSpPr>
+          <p:cNvPr id="19" name="Rectangle 18">
+            <a:extLst>
+              <a:ext uri="{FF2B5EF4-FFF2-40B4-BE49-F238E27FC236}">
+                <a16:creationId xmlns:a16="http://schemas.microsoft.com/office/drawing/2014/main" id="{1B0C8367-28B6-4EF1-B182-01BEC98727DB}"/>
+              </a:ext>
+              <a:ext uri="{C183D7F6-B498-43B3-948B-1728B52AA6E4}">
+                <adec:decorative xmlns:adec="http://schemas.microsoft.com/office/drawing/2017/decorative" val="1"/>
+              </a:ext>
+            </a:extLst>
+          </p:cNvPr>
+          <p:cNvSpPr>
+            <a:spLocks noGrp="1" noRot="1" noChangeAspect="1" noMove="1" noResize="1" noEditPoints="1" noAdjustHandles="1" noChangeArrowheads="1" noChangeShapeType="1" noTextEdit="1"/>
+          </p:cNvSpPr>
+          <p:nvPr>
+            <p:extLst>
+              <p:ext uri="{386F3935-93C4-4BCD-93E2-E3B085C9AB24}">
+                <p16:designElem xmlns:p16="http://schemas.microsoft.com/office/powerpoint/2015/main" val="1"/>
+              </p:ext>
+            </p:extLst>
+          </p:nvPr>
+        </p:nvSpPr>
+        <p:spPr>
+          <a:xfrm>
+            <a:off x="16" y="0"/>
+            <a:ext cx="4050791" cy="6858000"/>
+          </a:xfrm>
+          <a:prstGeom prst="rect">
+            <a:avLst/>
+          </a:prstGeom>
+          <a:solidFill>
+            <a:schemeClr val="accent2"/>
+          </a:solidFill>
           <a:ln>
             <a:noFill/>
           </a:ln>
@@ -5660,10 +6941,9 @@
           </a:fontRef>
         </p:style>
         <p:txBody>
-          <a:bodyPr rtlCol="0" anchor="ctr"/>
+          <a:bodyPr/>
           <a:lstStyle/>
           <a:p>
-            <a:pPr algn="ctr"/>
             <a:endParaRPr lang="en-US"/>
           </a:p>
         </p:txBody>
@@ -5686,8 +6966,8 @@
         </p:nvSpPr>
         <p:spPr>
           <a:xfrm>
-            <a:off x="7859485" y="634946"/>
-            <a:ext cx="3690257" cy="1450757"/>
+            <a:off x="492370" y="516835"/>
+            <a:ext cx="3084844" cy="2103875"/>
           </a:xfrm>
         </p:spPr>
         <p:txBody>
@@ -5697,9 +6977,160 @@
           <a:lstStyle/>
           <a:p>
             <a:r>
-              <a:rPr lang="en-US" dirty="0"/>
+              <a:rPr lang="en-US" sz="3600">
+                <a:solidFill>
+                  <a:srgbClr val="FFFFFF"/>
+                </a:solidFill>
+              </a:rPr>
               <a:t>Country Sales</a:t>
             </a:r>
+          </a:p>
+        </p:txBody>
+      </p:sp>
+      <p:sp>
+        <p:nvSpPr>
+          <p:cNvPr id="9" name="Content Placeholder 8">
+            <a:extLst>
+              <a:ext uri="{FF2B5EF4-FFF2-40B4-BE49-F238E27FC236}">
+                <a16:creationId xmlns:a16="http://schemas.microsoft.com/office/drawing/2014/main" id="{80F940E8-6D87-DDAD-0B3E-2A65D01B7E85}"/>
+              </a:ext>
+            </a:extLst>
+          </p:cNvPr>
+          <p:cNvSpPr>
+            <a:spLocks noGrp="1"/>
+          </p:cNvSpPr>
+          <p:nvPr>
+            <p:ph idx="1"/>
+          </p:nvPr>
+        </p:nvSpPr>
+        <p:spPr>
+          <a:xfrm>
+            <a:off x="492371" y="2653800"/>
+            <a:ext cx="3084844" cy="3335519"/>
+          </a:xfrm>
+        </p:spPr>
+        <p:txBody>
+          <a:bodyPr>
+            <a:normAutofit/>
+          </a:bodyPr>
+          <a:lstStyle/>
+          <a:p>
+            <a:r>
+              <a:rPr lang="en-US" sz="1500" dirty="0">
+                <a:solidFill>
+                  <a:srgbClr val="FFFFFF"/>
+                </a:solidFill>
+              </a:rPr>
+              <a:t>Total sales within each country tend to vary </a:t>
+            </a:r>
+            <a:r>
+              <a:rPr lang="en-US" sz="1500" dirty="0" err="1">
+                <a:solidFill>
+                  <a:srgbClr val="FFFFFF"/>
+                </a:solidFill>
+              </a:rPr>
+              <a:t>thoughout</a:t>
+            </a:r>
+            <a:r>
+              <a:rPr lang="en-US" sz="1500" dirty="0">
+                <a:solidFill>
+                  <a:srgbClr val="FFFFFF"/>
+                </a:solidFill>
+              </a:rPr>
+              <a:t> the year but two ranges seem to be generally higher: </a:t>
+            </a:r>
+          </a:p>
+          <a:p>
+            <a:r>
+              <a:rPr lang="en-US" sz="1500" dirty="0">
+                <a:solidFill>
+                  <a:srgbClr val="FFFFFF"/>
+                </a:solidFill>
+              </a:rPr>
+              <a:t>1) The beginning of the year</a:t>
+            </a:r>
+          </a:p>
+          <a:p>
+            <a:r>
+              <a:rPr lang="en-US" sz="1500" dirty="0">
+                <a:solidFill>
+                  <a:srgbClr val="FFFFFF"/>
+                </a:solidFill>
+              </a:rPr>
+              <a:t>2) May-July</a:t>
+            </a:r>
+          </a:p>
+          <a:p>
+            <a:r>
+              <a:rPr lang="en-US" sz="1500" dirty="0">
+                <a:solidFill>
+                  <a:srgbClr val="FFFFFF"/>
+                </a:solidFill>
+              </a:rPr>
+              <a:t>At one point during the year for each country, total sales exceed $150,000.</a:t>
+            </a:r>
+          </a:p>
+        </p:txBody>
+      </p:sp>
+      <p:sp>
+        <p:nvSpPr>
+          <p:cNvPr id="20" name="Rectangle 19">
+            <a:extLst>
+              <a:ext uri="{FF2B5EF4-FFF2-40B4-BE49-F238E27FC236}">
+                <a16:creationId xmlns:a16="http://schemas.microsoft.com/office/drawing/2014/main" id="{649E3F4C-17F5-49E4-B05F-80C6B348AF28}"/>
+              </a:ext>
+              <a:ext uri="{C183D7F6-B498-43B3-948B-1728B52AA6E4}">
+                <adec:decorative xmlns:adec="http://schemas.microsoft.com/office/drawing/2017/decorative" val="1"/>
+              </a:ext>
+            </a:extLst>
+          </p:cNvPr>
+          <p:cNvSpPr>
+            <a:spLocks noGrp="1" noRot="1" noChangeAspect="1" noMove="1" noResize="1" noEditPoints="1" noAdjustHandles="1" noChangeArrowheads="1" noChangeShapeType="1" noTextEdit="1"/>
+          </p:cNvSpPr>
+          <p:nvPr>
+            <p:extLst>
+              <p:ext uri="{386F3935-93C4-4BCD-93E2-E3B085C9AB24}">
+                <p16:designElem xmlns:p16="http://schemas.microsoft.com/office/powerpoint/2015/main" val="1"/>
+              </p:ext>
+            </p:extLst>
+          </p:nvPr>
+        </p:nvSpPr>
+        <p:spPr>
+          <a:xfrm>
+            <a:off x="4040071" y="0"/>
+            <a:ext cx="64008" cy="6858000"/>
+          </a:xfrm>
+          <a:prstGeom prst="rect">
+            <a:avLst/>
+          </a:prstGeom>
+          <a:solidFill>
+            <a:schemeClr val="accent1"/>
+          </a:solidFill>
+          <a:ln>
+            <a:noFill/>
+          </a:ln>
+        </p:spPr>
+        <p:style>
+          <a:lnRef idx="2">
+            <a:schemeClr val="accent1">
+              <a:shade val="50000"/>
+            </a:schemeClr>
+          </a:lnRef>
+          <a:fillRef idx="1">
+            <a:schemeClr val="accent1"/>
+          </a:fillRef>
+          <a:effectRef idx="0">
+            <a:schemeClr val="accent1"/>
+          </a:effectRef>
+          <a:fontRef idx="minor">
+            <a:schemeClr val="lt1"/>
+          </a:fontRef>
+        </p:style>
+        <p:txBody>
+          <a:bodyPr/>
+          <a:lstStyle/>
+          <a:p>
+            <a:endParaRPr lang="en-US"/>
           </a:p>
         </p:txBody>
       </p:sp>
@@ -5731,255 +7162,788 @@
         </p:blipFill>
         <p:spPr>
           <a:xfrm>
-            <a:off x="633999" y="991138"/>
-            <a:ext cx="6909801" cy="4612292"/>
+            <a:off x="4742017" y="1160140"/>
+            <a:ext cx="6798082" cy="4537719"/>
           </a:xfrm>
           <a:prstGeom prst="rect">
             <a:avLst/>
           </a:prstGeom>
         </p:spPr>
       </p:pic>
-      <p:cxnSp>
-        <p:nvCxnSpPr>
-          <p:cNvPr id="25" name="Straight Connector 24">
+      <p:grpSp>
+        <p:nvGrpSpPr>
+          <p:cNvPr id="6" name="Group 5">
             <a:extLst>
               <a:ext uri="{FF2B5EF4-FFF2-40B4-BE49-F238E27FC236}">
-                <a16:creationId xmlns:a16="http://schemas.microsoft.com/office/drawing/2014/main" id="{C947DF4A-614C-4B4C-8B80-E5B9D8E8CFED}"/>
-              </a:ext>
-              <a:ext uri="{C183D7F6-B498-43B3-948B-1728B52AA6E4}">
-                <adec:decorative xmlns:adec="http://schemas.microsoft.com/office/drawing/2017/decorative" val="1"/>
+                <a16:creationId xmlns:a16="http://schemas.microsoft.com/office/drawing/2014/main" id="{3905D468-50DF-C0B2-3DDF-F4ADC3EE5B01}"/>
               </a:ext>
             </a:extLst>
           </p:cNvPr>
-          <p:cNvCxnSpPr>
-            <a:cxnSpLocks noGrp="1" noRot="1" noChangeAspect="1" noMove="1" noResize="1" noEditPoints="1" noAdjustHandles="1" noChangeArrowheads="1" noChangeShapeType="1"/>
-          </p:cNvCxnSpPr>
-          <p:nvPr>
-            <p:extLst>
-              <p:ext uri="{386F3935-93C4-4BCD-93E2-E3B085C9AB24}">
-                <p16:designElem xmlns:p16="http://schemas.microsoft.com/office/powerpoint/2015/main" val="1"/>
-              </p:ext>
-            </p:extLst>
-          </p:nvPr>
-        </p:nvCxnSpPr>
-        <p:spPr>
+          <p:cNvGrpSpPr/>
+          <p:nvPr/>
+        </p:nvGrpSpPr>
+        <p:grpSpPr>
           <a:xfrm>
-            <a:off x="7892143" y="2085703"/>
-            <a:ext cx="3566160" cy="0"/>
+            <a:off x="5286375" y="1355547"/>
+            <a:ext cx="2354457" cy="1343025"/>
+            <a:chOff x="5286375" y="1355547"/>
+            <a:chExt cx="2354457" cy="1343025"/>
           </a:xfrm>
-          <a:prstGeom prst="line">
-            <a:avLst/>
-          </a:prstGeom>
-          <a:ln w="6350">
+        </p:grpSpPr>
+        <p:sp>
+          <p:nvSpPr>
+            <p:cNvPr id="3" name="Rectangle 2">
+              <a:extLst>
+                <a:ext uri="{FF2B5EF4-FFF2-40B4-BE49-F238E27FC236}">
+                  <a16:creationId xmlns:a16="http://schemas.microsoft.com/office/drawing/2014/main" id="{3AB7979F-10F5-E90E-8DAE-FC98D5F75520}"/>
+                </a:ext>
+              </a:extLst>
+            </p:cNvPr>
+            <p:cNvSpPr/>
+            <p:nvPr/>
+          </p:nvSpPr>
+          <p:spPr>
+            <a:xfrm>
+              <a:off x="6667500" y="1355547"/>
+              <a:ext cx="973332" cy="1343025"/>
+            </a:xfrm>
+            <a:prstGeom prst="rect">
+              <a:avLst/>
+            </a:prstGeom>
             <a:solidFill>
-              <a:schemeClr val="tx1">
-                <a:lumMod val="50000"/>
-                <a:lumOff val="50000"/>
-                <a:alpha val="90000"/>
+              <a:srgbClr val="FFFF00">
+                <a:alpha val="40000"/>
+              </a:srgbClr>
+            </a:solidFill>
+            <a:ln>
+              <a:noFill/>
+            </a:ln>
+          </p:spPr>
+          <p:style>
+            <a:lnRef idx="2">
+              <a:schemeClr val="accent1">
+                <a:shade val="15000"/>
               </a:schemeClr>
+            </a:lnRef>
+            <a:fillRef idx="1">
+              <a:schemeClr val="accent1"/>
+            </a:fillRef>
+            <a:effectRef idx="0">
+              <a:schemeClr val="accent1"/>
+            </a:effectRef>
+            <a:fontRef idx="minor">
+              <a:schemeClr val="lt1"/>
+            </a:fontRef>
+          </p:style>
+          <p:txBody>
+            <a:bodyPr rtlCol="0" anchor="ctr"/>
+            <a:lstStyle/>
+            <a:p>
+              <a:pPr algn="ctr"/>
+              <a:endParaRPr lang="en-US"/>
+            </a:p>
+          </p:txBody>
+        </p:sp>
+        <p:sp>
+          <p:nvSpPr>
+            <p:cNvPr id="5" name="Rectangle 4">
+              <a:extLst>
+                <a:ext uri="{FF2B5EF4-FFF2-40B4-BE49-F238E27FC236}">
+                  <a16:creationId xmlns:a16="http://schemas.microsoft.com/office/drawing/2014/main" id="{D9DCDB9B-AEAE-E24F-ABB9-9E65FE2D6BDE}"/>
+                </a:ext>
+              </a:extLst>
+            </p:cNvPr>
+            <p:cNvSpPr/>
+            <p:nvPr/>
+          </p:nvSpPr>
+          <p:spPr>
+            <a:xfrm>
+              <a:off x="5286375" y="1355547"/>
+              <a:ext cx="361950" cy="1343025"/>
+            </a:xfrm>
+            <a:prstGeom prst="rect">
+              <a:avLst/>
+            </a:prstGeom>
+            <a:solidFill>
+              <a:srgbClr val="FFFF00">
+                <a:alpha val="40000"/>
+              </a:srgbClr>
             </a:solidFill>
-          </a:ln>
-        </p:spPr>
-        <p:style>
-          <a:lnRef idx="1">
-            <a:schemeClr val="accent1"/>
-          </a:lnRef>
-          <a:fillRef idx="0">
-            <a:schemeClr val="accent1"/>
-          </a:fillRef>
-          <a:effectRef idx="0">
-            <a:schemeClr val="accent1"/>
-          </a:effectRef>
-          <a:fontRef idx="minor">
-            <a:schemeClr val="tx1"/>
-          </a:fontRef>
-        </p:style>
-      </p:cxnSp>
-      <p:sp>
-        <p:nvSpPr>
-          <p:cNvPr id="9" name="Content Placeholder 8">
+            <a:ln>
+              <a:noFill/>
+            </a:ln>
+          </p:spPr>
+          <p:style>
+            <a:lnRef idx="2">
+              <a:schemeClr val="accent1">
+                <a:shade val="15000"/>
+              </a:schemeClr>
+            </a:lnRef>
+            <a:fillRef idx="1">
+              <a:schemeClr val="accent1"/>
+            </a:fillRef>
+            <a:effectRef idx="0">
+              <a:schemeClr val="accent1"/>
+            </a:effectRef>
+            <a:fontRef idx="minor">
+              <a:schemeClr val="lt1"/>
+            </a:fontRef>
+          </p:style>
+          <p:txBody>
+            <a:bodyPr rtlCol="0" anchor="ctr"/>
+            <a:lstStyle/>
+            <a:p>
+              <a:pPr algn="ctr"/>
+              <a:endParaRPr lang="en-US"/>
+            </a:p>
+          </p:txBody>
+        </p:sp>
+      </p:grpSp>
+      <p:grpSp>
+        <p:nvGrpSpPr>
+          <p:cNvPr id="7" name="Group 6">
             <a:extLst>
               <a:ext uri="{FF2B5EF4-FFF2-40B4-BE49-F238E27FC236}">
-                <a16:creationId xmlns:a16="http://schemas.microsoft.com/office/drawing/2014/main" id="{80F940E8-6D87-DDAD-0B3E-2A65D01B7E85}"/>
+                <a16:creationId xmlns:a16="http://schemas.microsoft.com/office/drawing/2014/main" id="{5CE57D6F-AF70-186A-CA16-8BA9355D28C5}"/>
               </a:ext>
             </a:extLst>
           </p:cNvPr>
-          <p:cNvSpPr>
-            <a:spLocks noGrp="1"/>
-          </p:cNvSpPr>
-          <p:nvPr>
-            <p:ph idx="1"/>
-          </p:nvPr>
-        </p:nvSpPr>
-        <p:spPr>
+          <p:cNvGrpSpPr/>
+          <p:nvPr/>
+        </p:nvGrpSpPr>
+        <p:grpSpPr>
           <a:xfrm>
-            <a:off x="7859485" y="2198914"/>
-            <a:ext cx="3690257" cy="3670180"/>
+            <a:off x="5286375" y="2855190"/>
+            <a:ext cx="2354457" cy="1343025"/>
+            <a:chOff x="5286375" y="1355547"/>
+            <a:chExt cx="2354457" cy="1343025"/>
           </a:xfrm>
-        </p:spPr>
-        <p:txBody>
-          <a:bodyPr>
-            <a:normAutofit/>
-          </a:bodyPr>
-          <a:lstStyle/>
-          <a:p>
-            <a:r>
-              <a:rPr lang="en-US" dirty="0"/>
-              <a:t>Total sales within each country tend to vary </a:t>
-            </a:r>
-            <a:r>
-              <a:rPr lang="en-US" dirty="0" err="1"/>
-              <a:t>thoughout</a:t>
-            </a:r>
-            <a:r>
-              <a:rPr lang="en-US" dirty="0"/>
-              <a:t> the year but two ranges are evident: </a:t>
-            </a:r>
-          </a:p>
-          <a:p>
-            <a:r>
-              <a:rPr lang="en-US" dirty="0"/>
-              <a:t>1) The beginning of the year</a:t>
-            </a:r>
-          </a:p>
-          <a:p>
-            <a:r>
-              <a:rPr lang="en-US" dirty="0"/>
-              <a:t>2) April-May</a:t>
-            </a:r>
-          </a:p>
-          <a:p>
-            <a:r>
-              <a:rPr lang="en-US" dirty="0"/>
-              <a:t>At one point during the year for each country, total sales exceed $150,000.</a:t>
-            </a:r>
-          </a:p>
-        </p:txBody>
-      </p:sp>
-      <p:sp>
-        <p:nvSpPr>
-          <p:cNvPr id="27" name="Rectangle 26">
+        </p:grpSpPr>
+        <p:sp>
+          <p:nvSpPr>
+            <p:cNvPr id="8" name="Rectangle 7">
+              <a:extLst>
+                <a:ext uri="{FF2B5EF4-FFF2-40B4-BE49-F238E27FC236}">
+                  <a16:creationId xmlns:a16="http://schemas.microsoft.com/office/drawing/2014/main" id="{E4A20D65-DC23-04AB-3BF9-0AE359D54E85}"/>
+                </a:ext>
+              </a:extLst>
+            </p:cNvPr>
+            <p:cNvSpPr/>
+            <p:nvPr/>
+          </p:nvSpPr>
+          <p:spPr>
+            <a:xfrm>
+              <a:off x="6667500" y="1355547"/>
+              <a:ext cx="973332" cy="1343025"/>
+            </a:xfrm>
+            <a:prstGeom prst="rect">
+              <a:avLst/>
+            </a:prstGeom>
+            <a:solidFill>
+              <a:srgbClr val="FFFF00">
+                <a:alpha val="40000"/>
+              </a:srgbClr>
+            </a:solidFill>
+            <a:ln>
+              <a:noFill/>
+            </a:ln>
+          </p:spPr>
+          <p:style>
+            <a:lnRef idx="2">
+              <a:schemeClr val="accent1">
+                <a:shade val="15000"/>
+              </a:schemeClr>
+            </a:lnRef>
+            <a:fillRef idx="1">
+              <a:schemeClr val="accent1"/>
+            </a:fillRef>
+            <a:effectRef idx="0">
+              <a:schemeClr val="accent1"/>
+            </a:effectRef>
+            <a:fontRef idx="minor">
+              <a:schemeClr val="lt1"/>
+            </a:fontRef>
+          </p:style>
+          <p:txBody>
+            <a:bodyPr rtlCol="0" anchor="ctr"/>
+            <a:lstStyle/>
+            <a:p>
+              <a:pPr algn="ctr"/>
+              <a:endParaRPr lang="en-US"/>
+            </a:p>
+          </p:txBody>
+        </p:sp>
+        <p:sp>
+          <p:nvSpPr>
+            <p:cNvPr id="10" name="Rectangle 9">
+              <a:extLst>
+                <a:ext uri="{FF2B5EF4-FFF2-40B4-BE49-F238E27FC236}">
+                  <a16:creationId xmlns:a16="http://schemas.microsoft.com/office/drawing/2014/main" id="{549A0EA3-C21A-A5CC-C3E9-7C5FE967719F}"/>
+                </a:ext>
+              </a:extLst>
+            </p:cNvPr>
+            <p:cNvSpPr/>
+            <p:nvPr/>
+          </p:nvSpPr>
+          <p:spPr>
+            <a:xfrm>
+              <a:off x="5286375" y="1355547"/>
+              <a:ext cx="361950" cy="1343025"/>
+            </a:xfrm>
+            <a:prstGeom prst="rect">
+              <a:avLst/>
+            </a:prstGeom>
+            <a:solidFill>
+              <a:srgbClr val="FFFF00">
+                <a:alpha val="40000"/>
+              </a:srgbClr>
+            </a:solidFill>
+            <a:ln>
+              <a:noFill/>
+            </a:ln>
+          </p:spPr>
+          <p:style>
+            <a:lnRef idx="2">
+              <a:schemeClr val="accent1">
+                <a:shade val="15000"/>
+              </a:schemeClr>
+            </a:lnRef>
+            <a:fillRef idx="1">
+              <a:schemeClr val="accent1"/>
+            </a:fillRef>
+            <a:effectRef idx="0">
+              <a:schemeClr val="accent1"/>
+            </a:effectRef>
+            <a:fontRef idx="minor">
+              <a:schemeClr val="lt1"/>
+            </a:fontRef>
+          </p:style>
+          <p:txBody>
+            <a:bodyPr rtlCol="0" anchor="ctr"/>
+            <a:lstStyle/>
+            <a:p>
+              <a:pPr algn="ctr"/>
+              <a:endParaRPr lang="en-US"/>
+            </a:p>
+          </p:txBody>
+        </p:sp>
+      </p:grpSp>
+      <p:grpSp>
+        <p:nvGrpSpPr>
+          <p:cNvPr id="12" name="Group 11">
             <a:extLst>
               <a:ext uri="{FF2B5EF4-FFF2-40B4-BE49-F238E27FC236}">
-                <a16:creationId xmlns:a16="http://schemas.microsoft.com/office/drawing/2014/main" id="{1E299956-A9E7-4FC1-A0B1-D590CA9730E8}"/>
-              </a:ext>
-              <a:ext uri="{C183D7F6-B498-43B3-948B-1728B52AA6E4}">
-                <adec:decorative xmlns:adec="http://schemas.microsoft.com/office/drawing/2017/decorative" val="1"/>
+                <a16:creationId xmlns:a16="http://schemas.microsoft.com/office/drawing/2014/main" id="{39581062-A362-D568-0E1B-8B309F0BE507}"/>
               </a:ext>
             </a:extLst>
           </p:cNvPr>
-          <p:cNvSpPr>
-            <a:spLocks noGrp="1" noRot="1" noChangeAspect="1" noMove="1" noResize="1" noEditPoints="1" noAdjustHandles="1" noChangeArrowheads="1" noChangeShapeType="1" noTextEdit="1"/>
-          </p:cNvSpPr>
-          <p:nvPr>
-            <p:extLst>
-              <p:ext uri="{386F3935-93C4-4BCD-93E2-E3B085C9AB24}">
-                <p16:designElem xmlns:p16="http://schemas.microsoft.com/office/powerpoint/2015/main" val="1"/>
-              </p:ext>
-            </p:extLst>
-          </p:nvPr>
-        </p:nvSpPr>
-        <p:spPr>
+          <p:cNvGrpSpPr/>
+          <p:nvPr/>
+        </p:nvGrpSpPr>
+        <p:grpSpPr>
           <a:xfrm>
-            <a:off x="15" y="6334316"/>
-            <a:ext cx="12191985" cy="66484"/>
+            <a:off x="5286375" y="4321559"/>
+            <a:ext cx="2354457" cy="1343025"/>
+            <a:chOff x="5286375" y="1355547"/>
+            <a:chExt cx="2354457" cy="1343025"/>
           </a:xfrm>
-          <a:prstGeom prst="rect">
-            <a:avLst/>
-          </a:prstGeom>
-          <a:solidFill>
-            <a:schemeClr val="accent1"/>
-          </a:solidFill>
-          <a:ln>
-            <a:noFill/>
-          </a:ln>
-        </p:spPr>
-        <p:style>
-          <a:lnRef idx="2">
-            <a:schemeClr val="accent1">
-              <a:shade val="50000"/>
-            </a:schemeClr>
-          </a:lnRef>
-          <a:fillRef idx="1">
-            <a:schemeClr val="accent1"/>
-          </a:fillRef>
-          <a:effectRef idx="0">
-            <a:schemeClr val="accent1"/>
-          </a:effectRef>
-          <a:fontRef idx="minor">
-            <a:schemeClr val="lt1"/>
-          </a:fontRef>
-        </p:style>
-        <p:txBody>
-          <a:bodyPr/>
-          <a:lstStyle/>
-          <a:p>
-            <a:endParaRPr lang="en-US"/>
-          </a:p>
-        </p:txBody>
-      </p:sp>
-      <p:sp>
-        <p:nvSpPr>
-          <p:cNvPr id="29" name="Rectangle 28">
+        </p:grpSpPr>
+        <p:sp>
+          <p:nvSpPr>
+            <p:cNvPr id="14" name="Rectangle 13">
+              <a:extLst>
+                <a:ext uri="{FF2B5EF4-FFF2-40B4-BE49-F238E27FC236}">
+                  <a16:creationId xmlns:a16="http://schemas.microsoft.com/office/drawing/2014/main" id="{FD257939-B9FC-9B74-4F5F-5B92AA9C6594}"/>
+                </a:ext>
+              </a:extLst>
+            </p:cNvPr>
+            <p:cNvSpPr/>
+            <p:nvPr/>
+          </p:nvSpPr>
+          <p:spPr>
+            <a:xfrm>
+              <a:off x="6667500" y="1355547"/>
+              <a:ext cx="973332" cy="1343025"/>
+            </a:xfrm>
+            <a:prstGeom prst="rect">
+              <a:avLst/>
+            </a:prstGeom>
+            <a:solidFill>
+              <a:srgbClr val="FFFF00">
+                <a:alpha val="40000"/>
+              </a:srgbClr>
+            </a:solidFill>
+            <a:ln>
+              <a:noFill/>
+            </a:ln>
+          </p:spPr>
+          <p:style>
+            <a:lnRef idx="2">
+              <a:schemeClr val="accent1">
+                <a:shade val="15000"/>
+              </a:schemeClr>
+            </a:lnRef>
+            <a:fillRef idx="1">
+              <a:schemeClr val="accent1"/>
+            </a:fillRef>
+            <a:effectRef idx="0">
+              <a:schemeClr val="accent1"/>
+            </a:effectRef>
+            <a:fontRef idx="minor">
+              <a:schemeClr val="lt1"/>
+            </a:fontRef>
+          </p:style>
+          <p:txBody>
+            <a:bodyPr rtlCol="0" anchor="ctr"/>
+            <a:lstStyle/>
+            <a:p>
+              <a:pPr algn="ctr"/>
+              <a:endParaRPr lang="en-US"/>
+            </a:p>
+          </p:txBody>
+        </p:sp>
+        <p:sp>
+          <p:nvSpPr>
+            <p:cNvPr id="16" name="Rectangle 15">
+              <a:extLst>
+                <a:ext uri="{FF2B5EF4-FFF2-40B4-BE49-F238E27FC236}">
+                  <a16:creationId xmlns:a16="http://schemas.microsoft.com/office/drawing/2014/main" id="{9244FC3E-BF71-1C88-E1B4-963728D35334}"/>
+                </a:ext>
+              </a:extLst>
+            </p:cNvPr>
+            <p:cNvSpPr/>
+            <p:nvPr/>
+          </p:nvSpPr>
+          <p:spPr>
+            <a:xfrm>
+              <a:off x="5286375" y="1355547"/>
+              <a:ext cx="361950" cy="1343025"/>
+            </a:xfrm>
+            <a:prstGeom prst="rect">
+              <a:avLst/>
+            </a:prstGeom>
+            <a:solidFill>
+              <a:srgbClr val="FFFF00">
+                <a:alpha val="40000"/>
+              </a:srgbClr>
+            </a:solidFill>
+            <a:ln>
+              <a:noFill/>
+            </a:ln>
+          </p:spPr>
+          <p:style>
+            <a:lnRef idx="2">
+              <a:schemeClr val="accent1">
+                <a:shade val="15000"/>
+              </a:schemeClr>
+            </a:lnRef>
+            <a:fillRef idx="1">
+              <a:schemeClr val="accent1"/>
+            </a:fillRef>
+            <a:effectRef idx="0">
+              <a:schemeClr val="accent1"/>
+            </a:effectRef>
+            <a:fontRef idx="minor">
+              <a:schemeClr val="lt1"/>
+            </a:fontRef>
+          </p:style>
+          <p:txBody>
+            <a:bodyPr rtlCol="0" anchor="ctr"/>
+            <a:lstStyle/>
+            <a:p>
+              <a:pPr algn="ctr"/>
+              <a:endParaRPr lang="en-US"/>
+            </a:p>
+          </p:txBody>
+        </p:sp>
+      </p:grpSp>
+      <p:grpSp>
+        <p:nvGrpSpPr>
+          <p:cNvPr id="18" name="Group 17">
             <a:extLst>
               <a:ext uri="{FF2B5EF4-FFF2-40B4-BE49-F238E27FC236}">
-                <a16:creationId xmlns:a16="http://schemas.microsoft.com/office/drawing/2014/main" id="{17FC539C-B783-4B03-9F9E-D13430F3F64F}"/>
-              </a:ext>
-              <a:ext uri="{C183D7F6-B498-43B3-948B-1728B52AA6E4}">
-                <adec:decorative xmlns:adec="http://schemas.microsoft.com/office/drawing/2017/decorative" val="1"/>
+                <a16:creationId xmlns:a16="http://schemas.microsoft.com/office/drawing/2014/main" id="{8F1BA47D-D637-AFC5-1E59-B98FD0CBE24B}"/>
               </a:ext>
             </a:extLst>
           </p:cNvPr>
-          <p:cNvSpPr>
-            <a:spLocks noGrp="1" noRot="1" noChangeAspect="1" noMove="1" noResize="1" noEditPoints="1" noAdjustHandles="1" noChangeArrowheads="1" noChangeShapeType="1" noTextEdit="1"/>
-          </p:cNvSpPr>
-          <p:nvPr>
-            <p:extLst>
-              <p:ext uri="{386F3935-93C4-4BCD-93E2-E3B085C9AB24}">
-                <p16:designElem xmlns:p16="http://schemas.microsoft.com/office/powerpoint/2015/main" val="1"/>
-              </p:ext>
-            </p:extLst>
-          </p:nvPr>
-        </p:nvSpPr>
-        <p:spPr>
+          <p:cNvGrpSpPr/>
+          <p:nvPr/>
+        </p:nvGrpSpPr>
+        <p:grpSpPr>
           <a:xfrm>
-            <a:off x="1" y="6400800"/>
-            <a:ext cx="12192000" cy="457200"/>
+            <a:off x="8660007" y="1355546"/>
+            <a:ext cx="2354457" cy="1343025"/>
+            <a:chOff x="5286375" y="1355547"/>
+            <a:chExt cx="2354457" cy="1343025"/>
           </a:xfrm>
-          <a:prstGeom prst="rect">
-            <a:avLst/>
-          </a:prstGeom>
-          <a:solidFill>
-            <a:schemeClr val="accent2"/>
-          </a:solidFill>
-          <a:ln>
-            <a:noFill/>
-          </a:ln>
-        </p:spPr>
-        <p:style>
-          <a:lnRef idx="2">
-            <a:schemeClr val="accent1">
-              <a:shade val="50000"/>
-            </a:schemeClr>
-          </a:lnRef>
-          <a:fillRef idx="1">
-            <a:schemeClr val="accent1"/>
-          </a:fillRef>
-          <a:effectRef idx="0">
-            <a:schemeClr val="accent1"/>
-          </a:effectRef>
-          <a:fontRef idx="minor">
-            <a:schemeClr val="lt1"/>
-          </a:fontRef>
-        </p:style>
-        <p:txBody>
-          <a:bodyPr/>
-          <a:lstStyle/>
-          <a:p>
-            <a:endParaRPr lang="en-US"/>
-          </a:p>
-        </p:txBody>
-      </p:sp>
+        </p:grpSpPr>
+        <p:sp>
+          <p:nvSpPr>
+            <p:cNvPr id="21" name="Rectangle 20">
+              <a:extLst>
+                <a:ext uri="{FF2B5EF4-FFF2-40B4-BE49-F238E27FC236}">
+                  <a16:creationId xmlns:a16="http://schemas.microsoft.com/office/drawing/2014/main" id="{57B9EEBF-DD97-225B-782D-7FA4F1883E32}"/>
+                </a:ext>
+              </a:extLst>
+            </p:cNvPr>
+            <p:cNvSpPr/>
+            <p:nvPr/>
+          </p:nvSpPr>
+          <p:spPr>
+            <a:xfrm>
+              <a:off x="6667500" y="1355547"/>
+              <a:ext cx="973332" cy="1343025"/>
+            </a:xfrm>
+            <a:prstGeom prst="rect">
+              <a:avLst/>
+            </a:prstGeom>
+            <a:solidFill>
+              <a:srgbClr val="FFFF00">
+                <a:alpha val="40000"/>
+              </a:srgbClr>
+            </a:solidFill>
+            <a:ln>
+              <a:noFill/>
+            </a:ln>
+          </p:spPr>
+          <p:style>
+            <a:lnRef idx="2">
+              <a:schemeClr val="accent1">
+                <a:shade val="15000"/>
+              </a:schemeClr>
+            </a:lnRef>
+            <a:fillRef idx="1">
+              <a:schemeClr val="accent1"/>
+            </a:fillRef>
+            <a:effectRef idx="0">
+              <a:schemeClr val="accent1"/>
+            </a:effectRef>
+            <a:fontRef idx="minor">
+              <a:schemeClr val="lt1"/>
+            </a:fontRef>
+          </p:style>
+          <p:txBody>
+            <a:bodyPr rtlCol="0" anchor="ctr"/>
+            <a:lstStyle/>
+            <a:p>
+              <a:pPr algn="ctr"/>
+              <a:endParaRPr lang="en-US"/>
+            </a:p>
+          </p:txBody>
+        </p:sp>
+        <p:sp>
+          <p:nvSpPr>
+            <p:cNvPr id="22" name="Rectangle 21">
+              <a:extLst>
+                <a:ext uri="{FF2B5EF4-FFF2-40B4-BE49-F238E27FC236}">
+                  <a16:creationId xmlns:a16="http://schemas.microsoft.com/office/drawing/2014/main" id="{ED6564FE-8044-B0C3-6CE7-35CEAACF11F5}"/>
+                </a:ext>
+              </a:extLst>
+            </p:cNvPr>
+            <p:cNvSpPr/>
+            <p:nvPr/>
+          </p:nvSpPr>
+          <p:spPr>
+            <a:xfrm>
+              <a:off x="5286375" y="1355547"/>
+              <a:ext cx="361950" cy="1343025"/>
+            </a:xfrm>
+            <a:prstGeom prst="rect">
+              <a:avLst/>
+            </a:prstGeom>
+            <a:solidFill>
+              <a:srgbClr val="FFFF00">
+                <a:alpha val="40000"/>
+              </a:srgbClr>
+            </a:solidFill>
+            <a:ln>
+              <a:noFill/>
+            </a:ln>
+          </p:spPr>
+          <p:style>
+            <a:lnRef idx="2">
+              <a:schemeClr val="accent1">
+                <a:shade val="15000"/>
+              </a:schemeClr>
+            </a:lnRef>
+            <a:fillRef idx="1">
+              <a:schemeClr val="accent1"/>
+            </a:fillRef>
+            <a:effectRef idx="0">
+              <a:schemeClr val="accent1"/>
+            </a:effectRef>
+            <a:fontRef idx="minor">
+              <a:schemeClr val="lt1"/>
+            </a:fontRef>
+          </p:style>
+          <p:txBody>
+            <a:bodyPr rtlCol="0" anchor="ctr"/>
+            <a:lstStyle/>
+            <a:p>
+              <a:pPr algn="ctr"/>
+              <a:endParaRPr lang="en-US"/>
+            </a:p>
+          </p:txBody>
+        </p:sp>
+      </p:grpSp>
+      <p:grpSp>
+        <p:nvGrpSpPr>
+          <p:cNvPr id="24" name="Group 23">
+            <a:extLst>
+              <a:ext uri="{FF2B5EF4-FFF2-40B4-BE49-F238E27FC236}">
+                <a16:creationId xmlns:a16="http://schemas.microsoft.com/office/drawing/2014/main" id="{0CB2D052-9384-8630-4F09-0A549052B140}"/>
+              </a:ext>
+            </a:extLst>
+          </p:cNvPr>
+          <p:cNvGrpSpPr/>
+          <p:nvPr/>
+        </p:nvGrpSpPr>
+        <p:grpSpPr>
+          <a:xfrm>
+            <a:off x="8660007" y="2855190"/>
+            <a:ext cx="2354457" cy="1343025"/>
+            <a:chOff x="5286375" y="1355547"/>
+            <a:chExt cx="2354457" cy="1343025"/>
+          </a:xfrm>
+        </p:grpSpPr>
+        <p:sp>
+          <p:nvSpPr>
+            <p:cNvPr id="26" name="Rectangle 25">
+              <a:extLst>
+                <a:ext uri="{FF2B5EF4-FFF2-40B4-BE49-F238E27FC236}">
+                  <a16:creationId xmlns:a16="http://schemas.microsoft.com/office/drawing/2014/main" id="{9802F76D-EF3F-7889-F1E5-06ABCE0A4BE6}"/>
+                </a:ext>
+              </a:extLst>
+            </p:cNvPr>
+            <p:cNvSpPr/>
+            <p:nvPr/>
+          </p:nvSpPr>
+          <p:spPr>
+            <a:xfrm>
+              <a:off x="6667500" y="1355547"/>
+              <a:ext cx="973332" cy="1343025"/>
+            </a:xfrm>
+            <a:prstGeom prst="rect">
+              <a:avLst/>
+            </a:prstGeom>
+            <a:solidFill>
+              <a:srgbClr val="FFFF00">
+                <a:alpha val="40000"/>
+              </a:srgbClr>
+            </a:solidFill>
+            <a:ln>
+              <a:noFill/>
+            </a:ln>
+          </p:spPr>
+          <p:style>
+            <a:lnRef idx="2">
+              <a:schemeClr val="accent1">
+                <a:shade val="15000"/>
+              </a:schemeClr>
+            </a:lnRef>
+            <a:fillRef idx="1">
+              <a:schemeClr val="accent1"/>
+            </a:fillRef>
+            <a:effectRef idx="0">
+              <a:schemeClr val="accent1"/>
+            </a:effectRef>
+            <a:fontRef idx="minor">
+              <a:schemeClr val="lt1"/>
+            </a:fontRef>
+          </p:style>
+          <p:txBody>
+            <a:bodyPr rtlCol="0" anchor="ctr"/>
+            <a:lstStyle/>
+            <a:p>
+              <a:pPr algn="ctr"/>
+              <a:endParaRPr lang="en-US"/>
+            </a:p>
+          </p:txBody>
+        </p:sp>
+        <p:sp>
+          <p:nvSpPr>
+            <p:cNvPr id="28" name="Rectangle 27">
+              <a:extLst>
+                <a:ext uri="{FF2B5EF4-FFF2-40B4-BE49-F238E27FC236}">
+                  <a16:creationId xmlns:a16="http://schemas.microsoft.com/office/drawing/2014/main" id="{CDF78217-5D70-136A-CB92-9DD2F776D742}"/>
+                </a:ext>
+              </a:extLst>
+            </p:cNvPr>
+            <p:cNvSpPr/>
+            <p:nvPr/>
+          </p:nvSpPr>
+          <p:spPr>
+            <a:xfrm>
+              <a:off x="5286375" y="1355547"/>
+              <a:ext cx="361950" cy="1343025"/>
+            </a:xfrm>
+            <a:prstGeom prst="rect">
+              <a:avLst/>
+            </a:prstGeom>
+            <a:solidFill>
+              <a:srgbClr val="FFFF00">
+                <a:alpha val="40000"/>
+              </a:srgbClr>
+            </a:solidFill>
+            <a:ln>
+              <a:noFill/>
+            </a:ln>
+          </p:spPr>
+          <p:style>
+            <a:lnRef idx="2">
+              <a:schemeClr val="accent1">
+                <a:shade val="15000"/>
+              </a:schemeClr>
+            </a:lnRef>
+            <a:fillRef idx="1">
+              <a:schemeClr val="accent1"/>
+            </a:fillRef>
+            <a:effectRef idx="0">
+              <a:schemeClr val="accent1"/>
+            </a:effectRef>
+            <a:fontRef idx="minor">
+              <a:schemeClr val="lt1"/>
+            </a:fontRef>
+          </p:style>
+          <p:txBody>
+            <a:bodyPr rtlCol="0" anchor="ctr"/>
+            <a:lstStyle/>
+            <a:p>
+              <a:pPr algn="ctr"/>
+              <a:endParaRPr lang="en-US"/>
+            </a:p>
+          </p:txBody>
+        </p:sp>
+      </p:grpSp>
+      <p:grpSp>
+        <p:nvGrpSpPr>
+          <p:cNvPr id="30" name="Group 29">
+            <a:extLst>
+              <a:ext uri="{FF2B5EF4-FFF2-40B4-BE49-F238E27FC236}">
+                <a16:creationId xmlns:a16="http://schemas.microsoft.com/office/drawing/2014/main" id="{8421F4BD-74CC-80C3-DDF5-136BB6BC7DF1}"/>
+              </a:ext>
+            </a:extLst>
+          </p:cNvPr>
+          <p:cNvGrpSpPr/>
+          <p:nvPr/>
+        </p:nvGrpSpPr>
+        <p:grpSpPr>
+          <a:xfrm>
+            <a:off x="8660007" y="4321558"/>
+            <a:ext cx="2354457" cy="1343025"/>
+            <a:chOff x="5286375" y="1355547"/>
+            <a:chExt cx="2354457" cy="1343025"/>
+          </a:xfrm>
+        </p:grpSpPr>
+        <p:sp>
+          <p:nvSpPr>
+            <p:cNvPr id="31" name="Rectangle 30">
+              <a:extLst>
+                <a:ext uri="{FF2B5EF4-FFF2-40B4-BE49-F238E27FC236}">
+                  <a16:creationId xmlns:a16="http://schemas.microsoft.com/office/drawing/2014/main" id="{6AC9E399-C124-9C96-60AC-85DC03A28287}"/>
+                </a:ext>
+              </a:extLst>
+            </p:cNvPr>
+            <p:cNvSpPr/>
+            <p:nvPr/>
+          </p:nvSpPr>
+          <p:spPr>
+            <a:xfrm>
+              <a:off x="6667500" y="1355547"/>
+              <a:ext cx="973332" cy="1343025"/>
+            </a:xfrm>
+            <a:prstGeom prst="rect">
+              <a:avLst/>
+            </a:prstGeom>
+            <a:solidFill>
+              <a:srgbClr val="FFFF00">
+                <a:alpha val="40000"/>
+              </a:srgbClr>
+            </a:solidFill>
+            <a:ln>
+              <a:noFill/>
+            </a:ln>
+          </p:spPr>
+          <p:style>
+            <a:lnRef idx="2">
+              <a:schemeClr val="accent1">
+                <a:shade val="15000"/>
+              </a:schemeClr>
+            </a:lnRef>
+            <a:fillRef idx="1">
+              <a:schemeClr val="accent1"/>
+            </a:fillRef>
+            <a:effectRef idx="0">
+              <a:schemeClr val="accent1"/>
+            </a:effectRef>
+            <a:fontRef idx="minor">
+              <a:schemeClr val="lt1"/>
+            </a:fontRef>
+          </p:style>
+          <p:txBody>
+            <a:bodyPr rtlCol="0" anchor="ctr"/>
+            <a:lstStyle/>
+            <a:p>
+              <a:pPr algn="ctr"/>
+              <a:endParaRPr lang="en-US"/>
+            </a:p>
+          </p:txBody>
+        </p:sp>
+        <p:sp>
+          <p:nvSpPr>
+            <p:cNvPr id="32" name="Rectangle 31">
+              <a:extLst>
+                <a:ext uri="{FF2B5EF4-FFF2-40B4-BE49-F238E27FC236}">
+                  <a16:creationId xmlns:a16="http://schemas.microsoft.com/office/drawing/2014/main" id="{E876AF18-9E84-B1B7-8057-DAC91CB6204C}"/>
+                </a:ext>
+              </a:extLst>
+            </p:cNvPr>
+            <p:cNvSpPr/>
+            <p:nvPr/>
+          </p:nvSpPr>
+          <p:spPr>
+            <a:xfrm>
+              <a:off x="5286375" y="1355547"/>
+              <a:ext cx="361950" cy="1343025"/>
+            </a:xfrm>
+            <a:prstGeom prst="rect">
+              <a:avLst/>
+            </a:prstGeom>
+            <a:solidFill>
+              <a:srgbClr val="FFFF00">
+                <a:alpha val="40000"/>
+              </a:srgbClr>
+            </a:solidFill>
+            <a:ln>
+              <a:noFill/>
+            </a:ln>
+          </p:spPr>
+          <p:style>
+            <a:lnRef idx="2">
+              <a:schemeClr val="accent1">
+                <a:shade val="15000"/>
+              </a:schemeClr>
+            </a:lnRef>
+            <a:fillRef idx="1">
+              <a:schemeClr val="accent1"/>
+            </a:fillRef>
+            <a:effectRef idx="0">
+              <a:schemeClr val="accent1"/>
+            </a:effectRef>
+            <a:fontRef idx="minor">
+              <a:schemeClr val="lt1"/>
+            </a:fontRef>
+          </p:style>
+          <p:txBody>
+            <a:bodyPr rtlCol="0" anchor="ctr"/>
+            <a:lstStyle/>
+            <a:p>
+              <a:pPr algn="ctr"/>
+              <a:endParaRPr lang="en-US"/>
+            </a:p>
+          </p:txBody>
+        </p:sp>
+      </p:grpSp>
     </p:spTree>
     <p:extLst>
       <p:ext uri="{BB962C8B-B14F-4D97-AF65-F5344CB8AC3E}">
@@ -6018,792 +7982,12 @@
           <a:chExt cx="0" cy="0"/>
         </a:xfrm>
       </p:grpSpPr>
-      <p:sp useBgFill="1">
-        <p:nvSpPr>
-          <p:cNvPr id="23" name="Rectangle 22">
+      <p:sp>
+        <p:nvSpPr>
+          <p:cNvPr id="58" name="Rectangle 57">
             <a:extLst>
               <a:ext uri="{FF2B5EF4-FFF2-40B4-BE49-F238E27FC236}">
-                <a16:creationId xmlns:a16="http://schemas.microsoft.com/office/drawing/2014/main" id="{284B70D5-875B-433D-BDBD-1522A85D6C1D}"/>
-              </a:ext>
-              <a:ext uri="{C183D7F6-B498-43B3-948B-1728B52AA6E4}">
-                <adec:decorative xmlns:adec="http://schemas.microsoft.com/office/drawing/2017/decorative" val="1"/>
-              </a:ext>
-            </a:extLst>
-          </p:cNvPr>
-          <p:cNvSpPr>
-            <a:spLocks noGrp="1" noRot="1" noChangeAspect="1" noMove="1" noResize="1" noEditPoints="1" noAdjustHandles="1" noChangeArrowheads="1" noChangeShapeType="1" noTextEdit="1"/>
-          </p:cNvSpPr>
-          <p:nvPr>
-            <p:extLst>
-              <p:ext uri="{386F3935-93C4-4BCD-93E2-E3B085C9AB24}">
-                <p16:designElem xmlns:p16="http://schemas.microsoft.com/office/powerpoint/2015/main" val="1"/>
-              </p:ext>
-            </p:extLst>
-          </p:nvPr>
-        </p:nvSpPr>
-        <p:spPr>
-          <a:xfrm>
-            <a:off x="0" y="0"/>
-            <a:ext cx="12192001" cy="6334316"/>
-          </a:xfrm>
-          <a:prstGeom prst="rect">
-            <a:avLst/>
-          </a:prstGeom>
-          <a:ln>
-            <a:noFill/>
-          </a:ln>
-        </p:spPr>
-        <p:style>
-          <a:lnRef idx="2">
-            <a:schemeClr val="accent1">
-              <a:shade val="50000"/>
-            </a:schemeClr>
-          </a:lnRef>
-          <a:fillRef idx="1">
-            <a:schemeClr val="accent1"/>
-          </a:fillRef>
-          <a:effectRef idx="0">
-            <a:schemeClr val="accent1"/>
-          </a:effectRef>
-          <a:fontRef idx="minor">
-            <a:schemeClr val="lt1"/>
-          </a:fontRef>
-        </p:style>
-        <p:txBody>
-          <a:bodyPr rtlCol="0" anchor="ctr"/>
-          <a:lstStyle/>
-          <a:p>
-            <a:pPr algn="ctr"/>
-            <a:endParaRPr lang="en-US"/>
-          </a:p>
-        </p:txBody>
-      </p:sp>
-      <p:sp>
-        <p:nvSpPr>
-          <p:cNvPr id="2" name="Title 1">
-            <a:extLst>
-              <a:ext uri="{FF2B5EF4-FFF2-40B4-BE49-F238E27FC236}">
-                <a16:creationId xmlns:a16="http://schemas.microsoft.com/office/drawing/2014/main" id="{25D7F342-1012-CC8B-E738-F54CE4697292}"/>
-              </a:ext>
-            </a:extLst>
-          </p:cNvPr>
-          <p:cNvSpPr>
-            <a:spLocks noGrp="1"/>
-          </p:cNvSpPr>
-          <p:nvPr>
-            <p:ph type="title"/>
-          </p:nvPr>
-        </p:nvSpPr>
-        <p:spPr>
-          <a:xfrm>
-            <a:off x="7859485" y="634946"/>
-            <a:ext cx="3690257" cy="1450757"/>
-          </a:xfrm>
-        </p:spPr>
-        <p:txBody>
-          <a:bodyPr>
-            <a:normAutofit/>
-          </a:bodyPr>
-          <a:lstStyle/>
-          <a:p>
-            <a:r>
-              <a:rPr lang="en-US" sz="3400"/>
-              <a:t>Product Distribution – Most Distributed</a:t>
-            </a:r>
-          </a:p>
-        </p:txBody>
-      </p:sp>
-      <p:pic>
-        <p:nvPicPr>
-          <p:cNvPr id="4" name="Picture 3" descr="A group of green bars with red lines&#10;&#10;AI-generated content may be incorrect.">
-            <a:extLst>
-              <a:ext uri="{FF2B5EF4-FFF2-40B4-BE49-F238E27FC236}">
-                <a16:creationId xmlns:a16="http://schemas.microsoft.com/office/drawing/2014/main" id="{A34EE503-9450-F633-8FFA-43F8E52C350F}"/>
-              </a:ext>
-            </a:extLst>
-          </p:cNvPr>
-          <p:cNvPicPr>
-            <a:picLocks noChangeAspect="1"/>
-          </p:cNvPicPr>
-          <p:nvPr/>
-        </p:nvPicPr>
-        <p:blipFill>
-          <a:blip r:embed="rId2">
-            <a:extLst>
-              <a:ext uri="{28A0092B-C50C-407E-A947-70E740481C1C}">
-                <a14:useLocalDpi xmlns:a14="http://schemas.microsoft.com/office/drawing/2010/main" val="0"/>
-              </a:ext>
-            </a:extLst>
-          </a:blip>
-          <a:stretch>
-            <a:fillRect/>
-          </a:stretch>
-        </p:blipFill>
-        <p:spPr>
-          <a:xfrm>
-            <a:off x="633999" y="991138"/>
-            <a:ext cx="6909801" cy="4612292"/>
-          </a:xfrm>
-          <a:prstGeom prst="rect">
-            <a:avLst/>
-          </a:prstGeom>
-        </p:spPr>
-      </p:pic>
-      <p:cxnSp>
-        <p:nvCxnSpPr>
-          <p:cNvPr id="25" name="Straight Connector 24">
-            <a:extLst>
-              <a:ext uri="{FF2B5EF4-FFF2-40B4-BE49-F238E27FC236}">
-                <a16:creationId xmlns:a16="http://schemas.microsoft.com/office/drawing/2014/main" id="{C947DF4A-614C-4B4C-8B80-E5B9D8E8CFED}"/>
-              </a:ext>
-              <a:ext uri="{C183D7F6-B498-43B3-948B-1728B52AA6E4}">
-                <adec:decorative xmlns:adec="http://schemas.microsoft.com/office/drawing/2017/decorative" val="1"/>
-              </a:ext>
-            </a:extLst>
-          </p:cNvPr>
-          <p:cNvCxnSpPr>
-            <a:cxnSpLocks noGrp="1" noRot="1" noChangeAspect="1" noMove="1" noResize="1" noEditPoints="1" noAdjustHandles="1" noChangeArrowheads="1" noChangeShapeType="1"/>
-          </p:cNvCxnSpPr>
-          <p:nvPr>
-            <p:extLst>
-              <p:ext uri="{386F3935-93C4-4BCD-93E2-E3B085C9AB24}">
-                <p16:designElem xmlns:p16="http://schemas.microsoft.com/office/powerpoint/2015/main" val="1"/>
-              </p:ext>
-            </p:extLst>
-          </p:nvPr>
-        </p:nvCxnSpPr>
-        <p:spPr>
-          <a:xfrm>
-            <a:off x="7892143" y="2085703"/>
-            <a:ext cx="3566160" cy="0"/>
-          </a:xfrm>
-          <a:prstGeom prst="line">
-            <a:avLst/>
-          </a:prstGeom>
-          <a:ln w="6350">
-            <a:solidFill>
-              <a:schemeClr val="tx1">
-                <a:lumMod val="50000"/>
-                <a:lumOff val="50000"/>
-                <a:alpha val="90000"/>
-              </a:schemeClr>
-            </a:solidFill>
-          </a:ln>
-        </p:spPr>
-        <p:style>
-          <a:lnRef idx="1">
-            <a:schemeClr val="accent1"/>
-          </a:lnRef>
-          <a:fillRef idx="0">
-            <a:schemeClr val="accent1"/>
-          </a:fillRef>
-          <a:effectRef idx="0">
-            <a:schemeClr val="accent1"/>
-          </a:effectRef>
-          <a:fontRef idx="minor">
-            <a:schemeClr val="tx1"/>
-          </a:fontRef>
-        </p:style>
-      </p:cxnSp>
-      <p:sp>
-        <p:nvSpPr>
-          <p:cNvPr id="9" name="Content Placeholder 8">
-            <a:extLst>
-              <a:ext uri="{FF2B5EF4-FFF2-40B4-BE49-F238E27FC236}">
-                <a16:creationId xmlns:a16="http://schemas.microsoft.com/office/drawing/2014/main" id="{897F4E56-D766-2837-18CC-57E50BE46EFE}"/>
-              </a:ext>
-            </a:extLst>
-          </p:cNvPr>
-          <p:cNvSpPr>
-            <a:spLocks noGrp="1"/>
-          </p:cNvSpPr>
-          <p:nvPr>
-            <p:ph idx="1"/>
-          </p:nvPr>
-        </p:nvSpPr>
-        <p:spPr>
-          <a:xfrm>
-            <a:off x="7859485" y="2198914"/>
-            <a:ext cx="3690257" cy="3670180"/>
-          </a:xfrm>
-        </p:spPr>
-        <p:txBody>
-          <a:bodyPr>
-            <a:normAutofit/>
-          </a:bodyPr>
-          <a:lstStyle/>
-          <a:p>
-            <a:r>
-              <a:rPr lang="en-US" dirty="0"/>
-              <a:t>With the sales in mind, now to look at what make up these sales</a:t>
-            </a:r>
-          </a:p>
-          <a:p>
-            <a:r>
-              <a:rPr lang="en-US" dirty="0"/>
-              <a:t>Each country has a high seller, some have a larger margin than others</a:t>
-            </a:r>
-          </a:p>
-          <a:p>
-            <a:endParaRPr lang="en-US" dirty="0"/>
-          </a:p>
-          <a:p>
-            <a:endParaRPr lang="en-US" dirty="0"/>
-          </a:p>
-        </p:txBody>
-      </p:sp>
-      <p:sp>
-        <p:nvSpPr>
-          <p:cNvPr id="27" name="Rectangle 26">
-            <a:extLst>
-              <a:ext uri="{FF2B5EF4-FFF2-40B4-BE49-F238E27FC236}">
-                <a16:creationId xmlns:a16="http://schemas.microsoft.com/office/drawing/2014/main" id="{1E299956-A9E7-4FC1-A0B1-D590CA9730E8}"/>
-              </a:ext>
-              <a:ext uri="{C183D7F6-B498-43B3-948B-1728B52AA6E4}">
-                <adec:decorative xmlns:adec="http://schemas.microsoft.com/office/drawing/2017/decorative" val="1"/>
-              </a:ext>
-            </a:extLst>
-          </p:cNvPr>
-          <p:cNvSpPr>
-            <a:spLocks noGrp="1" noRot="1" noChangeAspect="1" noMove="1" noResize="1" noEditPoints="1" noAdjustHandles="1" noChangeArrowheads="1" noChangeShapeType="1" noTextEdit="1"/>
-          </p:cNvSpPr>
-          <p:nvPr>
-            <p:extLst>
-              <p:ext uri="{386F3935-93C4-4BCD-93E2-E3B085C9AB24}">
-                <p16:designElem xmlns:p16="http://schemas.microsoft.com/office/powerpoint/2015/main" val="1"/>
-              </p:ext>
-            </p:extLst>
-          </p:nvPr>
-        </p:nvSpPr>
-        <p:spPr>
-          <a:xfrm>
-            <a:off x="15" y="6334316"/>
-            <a:ext cx="12191985" cy="66484"/>
-          </a:xfrm>
-          <a:prstGeom prst="rect">
-            <a:avLst/>
-          </a:prstGeom>
-          <a:solidFill>
-            <a:schemeClr val="accent1"/>
-          </a:solidFill>
-          <a:ln>
-            <a:noFill/>
-          </a:ln>
-        </p:spPr>
-        <p:style>
-          <a:lnRef idx="2">
-            <a:schemeClr val="accent1">
-              <a:shade val="50000"/>
-            </a:schemeClr>
-          </a:lnRef>
-          <a:fillRef idx="1">
-            <a:schemeClr val="accent1"/>
-          </a:fillRef>
-          <a:effectRef idx="0">
-            <a:schemeClr val="accent1"/>
-          </a:effectRef>
-          <a:fontRef idx="minor">
-            <a:schemeClr val="lt1"/>
-          </a:fontRef>
-        </p:style>
-        <p:txBody>
-          <a:bodyPr/>
-          <a:lstStyle/>
-          <a:p>
-            <a:endParaRPr lang="en-US"/>
-          </a:p>
-        </p:txBody>
-      </p:sp>
-      <p:sp>
-        <p:nvSpPr>
-          <p:cNvPr id="29" name="Rectangle 28">
-            <a:extLst>
-              <a:ext uri="{FF2B5EF4-FFF2-40B4-BE49-F238E27FC236}">
-                <a16:creationId xmlns:a16="http://schemas.microsoft.com/office/drawing/2014/main" id="{17FC539C-B783-4B03-9F9E-D13430F3F64F}"/>
-              </a:ext>
-              <a:ext uri="{C183D7F6-B498-43B3-948B-1728B52AA6E4}">
-                <adec:decorative xmlns:adec="http://schemas.microsoft.com/office/drawing/2017/decorative" val="1"/>
-              </a:ext>
-            </a:extLst>
-          </p:cNvPr>
-          <p:cNvSpPr>
-            <a:spLocks noGrp="1" noRot="1" noChangeAspect="1" noMove="1" noResize="1" noEditPoints="1" noAdjustHandles="1" noChangeArrowheads="1" noChangeShapeType="1" noTextEdit="1"/>
-          </p:cNvSpPr>
-          <p:nvPr>
-            <p:extLst>
-              <p:ext uri="{386F3935-93C4-4BCD-93E2-E3B085C9AB24}">
-                <p16:designElem xmlns:p16="http://schemas.microsoft.com/office/powerpoint/2015/main" val="1"/>
-              </p:ext>
-            </p:extLst>
-          </p:nvPr>
-        </p:nvSpPr>
-        <p:spPr>
-          <a:xfrm>
-            <a:off x="1" y="6400800"/>
-            <a:ext cx="12192000" cy="457200"/>
-          </a:xfrm>
-          <a:prstGeom prst="rect">
-            <a:avLst/>
-          </a:prstGeom>
-          <a:solidFill>
-            <a:schemeClr val="accent2"/>
-          </a:solidFill>
-          <a:ln>
-            <a:noFill/>
-          </a:ln>
-        </p:spPr>
-        <p:style>
-          <a:lnRef idx="2">
-            <a:schemeClr val="accent1">
-              <a:shade val="50000"/>
-            </a:schemeClr>
-          </a:lnRef>
-          <a:fillRef idx="1">
-            <a:schemeClr val="accent1"/>
-          </a:fillRef>
-          <a:effectRef idx="0">
-            <a:schemeClr val="accent1"/>
-          </a:effectRef>
-          <a:fontRef idx="minor">
-            <a:schemeClr val="lt1"/>
-          </a:fontRef>
-        </p:style>
-        <p:txBody>
-          <a:bodyPr/>
-          <a:lstStyle/>
-          <a:p>
-            <a:endParaRPr lang="en-US"/>
-          </a:p>
-        </p:txBody>
-      </p:sp>
-    </p:spTree>
-    <p:extLst>
-      <p:ext uri="{BB962C8B-B14F-4D97-AF65-F5344CB8AC3E}">
-        <p14:creationId xmlns:p14="http://schemas.microsoft.com/office/powerpoint/2010/main" val="2284348569"/>
-      </p:ext>
-    </p:extLst>
-  </p:cSld>
-  <p:clrMapOvr>
-    <a:masterClrMapping/>
-  </p:clrMapOvr>
-</p:sld>
-</file>
-
-<file path=ppt/slides/slide5.xml><?xml version="1.0" encoding="utf-8"?>
-<p:sld xmlns:a="http://schemas.openxmlformats.org/drawingml/2006/main" xmlns:r="http://schemas.openxmlformats.org/officeDocument/2006/relationships" xmlns:p="http://schemas.openxmlformats.org/presentationml/2006/main">
-  <p:cSld>
-    <p:bg>
-      <p:bgPr>
-        <a:solidFill>
-          <a:schemeClr val="bg1"/>
-        </a:solidFill>
-        <a:effectLst/>
-      </p:bgPr>
-    </p:bg>
-    <p:spTree>
-      <p:nvGrpSpPr>
-        <p:cNvPr id="1" name=""/>
-        <p:cNvGrpSpPr/>
-        <p:nvPr/>
-      </p:nvGrpSpPr>
-      <p:grpSpPr>
-        <a:xfrm>
-          <a:off x="0" y="0"/>
-          <a:ext cx="0" cy="0"/>
-          <a:chOff x="0" y="0"/>
-          <a:chExt cx="0" cy="0"/>
-        </a:xfrm>
-      </p:grpSpPr>
-      <p:sp useBgFill="1">
-        <p:nvSpPr>
-          <p:cNvPr id="12" name="Rectangle 11">
-            <a:extLst>
-              <a:ext uri="{FF2B5EF4-FFF2-40B4-BE49-F238E27FC236}">
-                <a16:creationId xmlns:a16="http://schemas.microsoft.com/office/drawing/2014/main" id="{284B70D5-875B-433D-BDBD-1522A85D6C1D}"/>
-              </a:ext>
-              <a:ext uri="{C183D7F6-B498-43B3-948B-1728B52AA6E4}">
-                <adec:decorative xmlns:adec="http://schemas.microsoft.com/office/drawing/2017/decorative" val="1"/>
-              </a:ext>
-            </a:extLst>
-          </p:cNvPr>
-          <p:cNvSpPr>
-            <a:spLocks noGrp="1" noRot="1" noChangeAspect="1" noMove="1" noResize="1" noEditPoints="1" noAdjustHandles="1" noChangeArrowheads="1" noChangeShapeType="1" noTextEdit="1"/>
-          </p:cNvSpPr>
-          <p:nvPr>
-            <p:extLst>
-              <p:ext uri="{386F3935-93C4-4BCD-93E2-E3B085C9AB24}">
-                <p16:designElem xmlns:p16="http://schemas.microsoft.com/office/powerpoint/2015/main" val="1"/>
-              </p:ext>
-            </p:extLst>
-          </p:nvPr>
-        </p:nvSpPr>
-        <p:spPr>
-          <a:xfrm>
-            <a:off x="0" y="0"/>
-            <a:ext cx="12192001" cy="6334316"/>
-          </a:xfrm>
-          <a:prstGeom prst="rect">
-            <a:avLst/>
-          </a:prstGeom>
-          <a:ln>
-            <a:noFill/>
-          </a:ln>
-        </p:spPr>
-        <p:style>
-          <a:lnRef idx="2">
-            <a:schemeClr val="accent1">
-              <a:shade val="50000"/>
-            </a:schemeClr>
-          </a:lnRef>
-          <a:fillRef idx="1">
-            <a:schemeClr val="accent1"/>
-          </a:fillRef>
-          <a:effectRef idx="0">
-            <a:schemeClr val="accent1"/>
-          </a:effectRef>
-          <a:fontRef idx="minor">
-            <a:schemeClr val="lt1"/>
-          </a:fontRef>
-        </p:style>
-        <p:txBody>
-          <a:bodyPr rtlCol="0" anchor="ctr"/>
-          <a:lstStyle/>
-          <a:p>
-            <a:pPr algn="ctr"/>
-            <a:endParaRPr lang="en-US"/>
-          </a:p>
-        </p:txBody>
-      </p:sp>
-      <p:sp>
-        <p:nvSpPr>
-          <p:cNvPr id="2" name="Title 1">
-            <a:extLst>
-              <a:ext uri="{FF2B5EF4-FFF2-40B4-BE49-F238E27FC236}">
-                <a16:creationId xmlns:a16="http://schemas.microsoft.com/office/drawing/2014/main" id="{08206845-0B7A-D044-D8E7-0C68AE5BECDE}"/>
-              </a:ext>
-            </a:extLst>
-          </p:cNvPr>
-          <p:cNvSpPr>
-            <a:spLocks noGrp="1"/>
-          </p:cNvSpPr>
-          <p:nvPr>
-            <p:ph type="title"/>
-          </p:nvPr>
-        </p:nvSpPr>
-        <p:spPr>
-          <a:xfrm>
-            <a:off x="7859485" y="634946"/>
-            <a:ext cx="3690257" cy="1450757"/>
-          </a:xfrm>
-        </p:spPr>
-        <p:txBody>
-          <a:bodyPr>
-            <a:normAutofit/>
-          </a:bodyPr>
-          <a:lstStyle/>
-          <a:p>
-            <a:endParaRPr lang="en-US"/>
-          </a:p>
-        </p:txBody>
-      </p:sp>
-      <p:pic>
-        <p:nvPicPr>
-          <p:cNvPr id="5" name="Content Placeholder 4" descr="A graph of the country's rising prices&#10;&#10;AI-generated content may be incorrect.">
-            <a:extLst>
-              <a:ext uri="{FF2B5EF4-FFF2-40B4-BE49-F238E27FC236}">
-                <a16:creationId xmlns:a16="http://schemas.microsoft.com/office/drawing/2014/main" id="{0371389D-F31C-3CF7-D777-2640DD275FF2}"/>
-              </a:ext>
-            </a:extLst>
-          </p:cNvPr>
-          <p:cNvPicPr>
-            <a:picLocks noChangeAspect="1"/>
-          </p:cNvPicPr>
-          <p:nvPr/>
-        </p:nvPicPr>
-        <p:blipFill>
-          <a:blip r:embed="rId3">
-            <a:extLst>
-              <a:ext uri="{28A0092B-C50C-407E-A947-70E740481C1C}">
-                <a14:useLocalDpi xmlns:a14="http://schemas.microsoft.com/office/drawing/2010/main" val="0"/>
-              </a:ext>
-            </a:extLst>
-          </a:blip>
-          <a:stretch>
-            <a:fillRect/>
-          </a:stretch>
-        </p:blipFill>
-        <p:spPr>
-          <a:xfrm>
-            <a:off x="633999" y="991138"/>
-            <a:ext cx="6909801" cy="4612292"/>
-          </a:xfrm>
-          <a:prstGeom prst="rect">
-            <a:avLst/>
-          </a:prstGeom>
-        </p:spPr>
-      </p:pic>
-      <p:cxnSp>
-        <p:nvCxnSpPr>
-          <p:cNvPr id="14" name="Straight Connector 13">
-            <a:extLst>
-              <a:ext uri="{FF2B5EF4-FFF2-40B4-BE49-F238E27FC236}">
-                <a16:creationId xmlns:a16="http://schemas.microsoft.com/office/drawing/2014/main" id="{C947DF4A-614C-4B4C-8B80-E5B9D8E8CFED}"/>
-              </a:ext>
-              <a:ext uri="{C183D7F6-B498-43B3-948B-1728B52AA6E4}">
-                <adec:decorative xmlns:adec="http://schemas.microsoft.com/office/drawing/2017/decorative" val="1"/>
-              </a:ext>
-            </a:extLst>
-          </p:cNvPr>
-          <p:cNvCxnSpPr>
-            <a:cxnSpLocks noGrp="1" noRot="1" noChangeAspect="1" noMove="1" noResize="1" noEditPoints="1" noAdjustHandles="1" noChangeArrowheads="1" noChangeShapeType="1"/>
-          </p:cNvCxnSpPr>
-          <p:nvPr>
-            <p:extLst>
-              <p:ext uri="{386F3935-93C4-4BCD-93E2-E3B085C9AB24}">
-                <p16:designElem xmlns:p16="http://schemas.microsoft.com/office/powerpoint/2015/main" val="1"/>
-              </p:ext>
-            </p:extLst>
-          </p:nvPr>
-        </p:nvCxnSpPr>
-        <p:spPr>
-          <a:xfrm>
-            <a:off x="7892143" y="2085703"/>
-            <a:ext cx="3566160" cy="0"/>
-          </a:xfrm>
-          <a:prstGeom prst="line">
-            <a:avLst/>
-          </a:prstGeom>
-          <a:ln w="6350">
-            <a:solidFill>
-              <a:schemeClr val="tx1">
-                <a:lumMod val="50000"/>
-                <a:lumOff val="50000"/>
-                <a:alpha val="90000"/>
-              </a:schemeClr>
-            </a:solidFill>
-          </a:ln>
-        </p:spPr>
-        <p:style>
-          <a:lnRef idx="1">
-            <a:schemeClr val="accent1"/>
-          </a:lnRef>
-          <a:fillRef idx="0">
-            <a:schemeClr val="accent1"/>
-          </a:fillRef>
-          <a:effectRef idx="0">
-            <a:schemeClr val="accent1"/>
-          </a:effectRef>
-          <a:fontRef idx="minor">
-            <a:schemeClr val="tx1"/>
-          </a:fontRef>
-        </p:style>
-      </p:cxnSp>
-      <p:sp>
-        <p:nvSpPr>
-          <p:cNvPr id="9" name="Content Placeholder 8">
-            <a:extLst>
-              <a:ext uri="{FF2B5EF4-FFF2-40B4-BE49-F238E27FC236}">
-                <a16:creationId xmlns:a16="http://schemas.microsoft.com/office/drawing/2014/main" id="{AD4BB943-CFDF-03FD-1E85-C4DFE6D082A6}"/>
-              </a:ext>
-            </a:extLst>
-          </p:cNvPr>
-          <p:cNvSpPr>
-            <a:spLocks noGrp="1"/>
-          </p:cNvSpPr>
-          <p:nvPr>
-            <p:ph idx="1"/>
-          </p:nvPr>
-        </p:nvSpPr>
-        <p:spPr>
-          <a:xfrm>
-            <a:off x="7859485" y="2198914"/>
-            <a:ext cx="3690257" cy="3670180"/>
-          </a:xfrm>
-        </p:spPr>
-        <p:txBody>
-          <a:bodyPr>
-            <a:normAutofit/>
-          </a:bodyPr>
-          <a:lstStyle/>
-          <a:p>
-            <a:endParaRPr lang="en-US"/>
-          </a:p>
-        </p:txBody>
-      </p:sp>
-      <p:sp>
-        <p:nvSpPr>
-          <p:cNvPr id="16" name="Rectangle 15">
-            <a:extLst>
-              <a:ext uri="{FF2B5EF4-FFF2-40B4-BE49-F238E27FC236}">
-                <a16:creationId xmlns:a16="http://schemas.microsoft.com/office/drawing/2014/main" id="{1E299956-A9E7-4FC1-A0B1-D590CA9730E8}"/>
-              </a:ext>
-              <a:ext uri="{C183D7F6-B498-43B3-948B-1728B52AA6E4}">
-                <adec:decorative xmlns:adec="http://schemas.microsoft.com/office/drawing/2017/decorative" val="1"/>
-              </a:ext>
-            </a:extLst>
-          </p:cNvPr>
-          <p:cNvSpPr>
-            <a:spLocks noGrp="1" noRot="1" noChangeAspect="1" noMove="1" noResize="1" noEditPoints="1" noAdjustHandles="1" noChangeArrowheads="1" noChangeShapeType="1" noTextEdit="1"/>
-          </p:cNvSpPr>
-          <p:nvPr>
-            <p:extLst>
-              <p:ext uri="{386F3935-93C4-4BCD-93E2-E3B085C9AB24}">
-                <p16:designElem xmlns:p16="http://schemas.microsoft.com/office/powerpoint/2015/main" val="1"/>
-              </p:ext>
-            </p:extLst>
-          </p:nvPr>
-        </p:nvSpPr>
-        <p:spPr>
-          <a:xfrm>
-            <a:off x="15" y="6334316"/>
-            <a:ext cx="12191985" cy="66484"/>
-          </a:xfrm>
-          <a:prstGeom prst="rect">
-            <a:avLst/>
-          </a:prstGeom>
-          <a:solidFill>
-            <a:schemeClr val="accent1"/>
-          </a:solidFill>
-          <a:ln>
-            <a:noFill/>
-          </a:ln>
-        </p:spPr>
-        <p:style>
-          <a:lnRef idx="2">
-            <a:schemeClr val="accent1">
-              <a:shade val="50000"/>
-            </a:schemeClr>
-          </a:lnRef>
-          <a:fillRef idx="1">
-            <a:schemeClr val="accent1"/>
-          </a:fillRef>
-          <a:effectRef idx="0">
-            <a:schemeClr val="accent1"/>
-          </a:effectRef>
-          <a:fontRef idx="minor">
-            <a:schemeClr val="lt1"/>
-          </a:fontRef>
-        </p:style>
-        <p:txBody>
-          <a:bodyPr/>
-          <a:lstStyle/>
-          <a:p>
-            <a:endParaRPr lang="en-US"/>
-          </a:p>
-        </p:txBody>
-      </p:sp>
-      <p:sp>
-        <p:nvSpPr>
-          <p:cNvPr id="18" name="Rectangle 17">
-            <a:extLst>
-              <a:ext uri="{FF2B5EF4-FFF2-40B4-BE49-F238E27FC236}">
-                <a16:creationId xmlns:a16="http://schemas.microsoft.com/office/drawing/2014/main" id="{17FC539C-B783-4B03-9F9E-D13430F3F64F}"/>
-              </a:ext>
-              <a:ext uri="{C183D7F6-B498-43B3-948B-1728B52AA6E4}">
-                <adec:decorative xmlns:adec="http://schemas.microsoft.com/office/drawing/2017/decorative" val="1"/>
-              </a:ext>
-            </a:extLst>
-          </p:cNvPr>
-          <p:cNvSpPr>
-            <a:spLocks noGrp="1" noRot="1" noChangeAspect="1" noMove="1" noResize="1" noEditPoints="1" noAdjustHandles="1" noChangeArrowheads="1" noChangeShapeType="1" noTextEdit="1"/>
-          </p:cNvSpPr>
-          <p:nvPr>
-            <p:extLst>
-              <p:ext uri="{386F3935-93C4-4BCD-93E2-E3B085C9AB24}">
-                <p16:designElem xmlns:p16="http://schemas.microsoft.com/office/powerpoint/2015/main" val="1"/>
-              </p:ext>
-            </p:extLst>
-          </p:nvPr>
-        </p:nvSpPr>
-        <p:spPr>
-          <a:xfrm>
-            <a:off x="1" y="6400800"/>
-            <a:ext cx="12192000" cy="457200"/>
-          </a:xfrm>
-          <a:prstGeom prst="rect">
-            <a:avLst/>
-          </a:prstGeom>
-          <a:solidFill>
-            <a:schemeClr val="accent2"/>
-          </a:solidFill>
-          <a:ln>
-            <a:noFill/>
-          </a:ln>
-        </p:spPr>
-        <p:style>
-          <a:lnRef idx="2">
-            <a:schemeClr val="accent1">
-              <a:shade val="50000"/>
-            </a:schemeClr>
-          </a:lnRef>
-          <a:fillRef idx="1">
-            <a:schemeClr val="accent1"/>
-          </a:fillRef>
-          <a:effectRef idx="0">
-            <a:schemeClr val="accent1"/>
-          </a:effectRef>
-          <a:fontRef idx="minor">
-            <a:schemeClr val="lt1"/>
-          </a:fontRef>
-        </p:style>
-        <p:txBody>
-          <a:bodyPr/>
-          <a:lstStyle/>
-          <a:p>
-            <a:endParaRPr lang="en-US"/>
-          </a:p>
-        </p:txBody>
-      </p:sp>
-    </p:spTree>
-    <p:extLst>
-      <p:ext uri="{BB962C8B-B14F-4D97-AF65-F5344CB8AC3E}">
-        <p14:creationId xmlns:p14="http://schemas.microsoft.com/office/powerpoint/2010/main" val="233070655"/>
-      </p:ext>
-    </p:extLst>
-  </p:cSld>
-  <p:clrMapOvr>
-    <a:masterClrMapping/>
-  </p:clrMapOvr>
-</p:sld>
-</file>
-
-<file path=ppt/slides/slide6.xml><?xml version="1.0" encoding="utf-8"?>
-<p:sld xmlns:a="http://schemas.openxmlformats.org/drawingml/2006/main" xmlns:r="http://schemas.openxmlformats.org/officeDocument/2006/relationships" xmlns:p="http://schemas.openxmlformats.org/presentationml/2006/main">
-  <p:cSld>
-    <p:bg>
-      <p:bgPr>
-        <a:solidFill>
-          <a:schemeClr val="bg1"/>
-        </a:solidFill>
-        <a:effectLst/>
-      </p:bgPr>
-    </p:bg>
-    <p:spTree>
-      <p:nvGrpSpPr>
-        <p:cNvPr id="1" name="">
-          <a:extLst>
-            <a:ext uri="{FF2B5EF4-FFF2-40B4-BE49-F238E27FC236}">
-              <a16:creationId xmlns:a16="http://schemas.microsoft.com/office/drawing/2014/main" id="{EB1D4BB8-EEBB-A993-3B02-FCCF34389390}"/>
-            </a:ext>
-          </a:extLst>
-        </p:cNvPr>
-        <p:cNvGrpSpPr/>
-        <p:nvPr/>
-      </p:nvGrpSpPr>
-      <p:grpSpPr>
-        <a:xfrm>
-          <a:off x="0" y="0"/>
-          <a:ext cx="0" cy="0"/>
-          <a:chOff x="0" y="0"/>
-          <a:chExt cx="0" cy="0"/>
-        </a:xfrm>
-      </p:grpSpPr>
-      <p:sp>
-        <p:nvSpPr>
-          <p:cNvPr id="23" name="Rectangle 22">
-            <a:extLst>
-              <a:ext uri="{FF2B5EF4-FFF2-40B4-BE49-F238E27FC236}">
-                <a16:creationId xmlns:a16="http://schemas.microsoft.com/office/drawing/2014/main" id="{25C8D2C1-DA83-420D-9635-D52CE066B5DA}"/>
+                <a16:creationId xmlns:a16="http://schemas.microsoft.com/office/drawing/2014/main" id="{26D75EE5-57FF-4D1E-B105-A6036B0FE6BD}"/>
               </a:ext>
               <a:ext uri="{C183D7F6-B498-43B3-948B-1728B52AA6E4}">
                 <adec:decorative xmlns:adec="http://schemas.microsoft.com/office/drawing/2017/decorative" val="1"/>
@@ -6862,10 +8046,10 @@
       </p:sp>
       <p:sp>
         <p:nvSpPr>
-          <p:cNvPr id="25" name="Rectangle 24">
+          <p:cNvPr id="60" name="Rectangle 59">
             <a:extLst>
               <a:ext uri="{FF2B5EF4-FFF2-40B4-BE49-F238E27FC236}">
-                <a16:creationId xmlns:a16="http://schemas.microsoft.com/office/drawing/2014/main" id="{434F74C9-6A0B-409E-AD1C-45B58BE91BB8}"/>
+                <a16:creationId xmlns:a16="http://schemas.microsoft.com/office/drawing/2014/main" id="{C913828F-06C6-4172-B0DE-BAB0120201D3}"/>
               </a:ext>
               <a:ext uri="{C183D7F6-B498-43B3-948B-1728B52AA6E4}">
                 <adec:decorative xmlns:adec="http://schemas.microsoft.com/office/drawing/2017/decorative" val="1"/>
@@ -6924,10 +8108,10 @@
       </p:sp>
       <p:cxnSp>
         <p:nvCxnSpPr>
-          <p:cNvPr id="27" name="Straight Connector 26">
+          <p:cNvPr id="62" name="Straight Connector 61">
             <a:extLst>
               <a:ext uri="{FF2B5EF4-FFF2-40B4-BE49-F238E27FC236}">
-                <a16:creationId xmlns:a16="http://schemas.microsoft.com/office/drawing/2014/main" id="{F5486A9D-1265-4B57-91E6-68E666B978BC}"/>
+                <a16:creationId xmlns:a16="http://schemas.microsoft.com/office/drawing/2014/main" id="{0CB2A3A6-962C-4D7A-8272-EDEDD881F07E}"/>
               </a:ext>
               <a:ext uri="{C183D7F6-B498-43B3-948B-1728B52AA6E4}">
                 <adec:decorative xmlns:adec="http://schemas.microsoft.com/office/drawing/2017/decorative" val="1"/>
@@ -6979,10 +8163,10 @@
       </p:cxnSp>
       <p:sp useBgFill="1">
         <p:nvSpPr>
-          <p:cNvPr id="29" name="Rectangle 28">
+          <p:cNvPr id="64" name="Rectangle 63">
             <a:extLst>
               <a:ext uri="{FF2B5EF4-FFF2-40B4-BE49-F238E27FC236}">
-                <a16:creationId xmlns:a16="http://schemas.microsoft.com/office/drawing/2014/main" id="{BE268116-E2A7-4F98-8812-192B4975E49B}"/>
+                <a16:creationId xmlns:a16="http://schemas.microsoft.com/office/drawing/2014/main" id="{21348D5E-A2F9-4457-85D6-EF33B01C1B86}"/>
               </a:ext>
               <a:ext uri="{C183D7F6-B498-43B3-948B-1728B52AA6E4}">
                 <adec:decorative xmlns:adec="http://schemas.microsoft.com/office/drawing/2017/decorative" val="1"/>
@@ -7042,7 +8226,7 @@
           <p:cNvPr id="2" name="Title 1">
             <a:extLst>
               <a:ext uri="{FF2B5EF4-FFF2-40B4-BE49-F238E27FC236}">
-                <a16:creationId xmlns:a16="http://schemas.microsoft.com/office/drawing/2014/main" id="{EB74B43D-14EB-B348-476D-2BAF120DFFFB}"/>
+                <a16:creationId xmlns:a16="http://schemas.microsoft.com/office/drawing/2014/main" id="{A0DF55B0-E6DE-3BE1-4FB7-F5F9294D95D6}"/>
               </a:ext>
             </a:extLst>
           </p:cNvPr>
@@ -7065,48 +8249,134 @@
           </a:bodyPr>
           <a:lstStyle/>
           <a:p>
-            <a:endParaRPr lang="en-US" sz="6000">
-              <a:solidFill>
-                <a:schemeClr val="tx1">
-                  <a:lumMod val="85000"/>
-                  <a:lumOff val="15000"/>
-                </a:schemeClr>
-              </a:solidFill>
-            </a:endParaRPr>
+            <a:r>
+              <a:rPr lang="en-US" sz="3300">
+                <a:solidFill>
+                  <a:schemeClr val="tx1">
+                    <a:lumMod val="85000"/>
+                    <a:lumOff val="15000"/>
+                  </a:schemeClr>
+                </a:solidFill>
+              </a:rPr>
+              <a:t>In June we have the highest sales in the UK, while in the next month, we have the lowest in New Zealand</a:t>
+            </a:r>
           </a:p>
         </p:txBody>
       </p:sp>
       <p:pic>
         <p:nvPicPr>
-          <p:cNvPr id="4" name="Content Placeholder 3" descr="A table with a green and white background&#10;&#10;AI-generated content may be incorrect.">
+          <p:cNvPr id="31" name="Picture 30">
             <a:extLst>
               <a:ext uri="{FF2B5EF4-FFF2-40B4-BE49-F238E27FC236}">
-                <a16:creationId xmlns:a16="http://schemas.microsoft.com/office/drawing/2014/main" id="{145635DB-1D16-0001-D24F-CE0E67C5854F}"/>
+                <a16:creationId xmlns:a16="http://schemas.microsoft.com/office/drawing/2014/main" id="{CC1F1B3A-6054-A51B-7E3C-8411034E3B26}"/>
               </a:ext>
             </a:extLst>
           </p:cNvPr>
           <p:cNvPicPr>
-            <a:picLocks noGrp="1" noChangeAspect="1"/>
+            <a:picLocks noChangeAspect="1"/>
           </p:cNvPicPr>
-          <p:nvPr>
-            <p:ph idx="1"/>
-          </p:nvPr>
+          <p:nvPr/>
         </p:nvPicPr>
         <p:blipFill>
-          <a:blip r:embed="rId3">
-            <a:extLst>
-              <a:ext uri="{28A0092B-C50C-407E-A947-70E740481C1C}">
-                <a14:useLocalDpi xmlns:a14="http://schemas.microsoft.com/office/drawing/2010/main" val="0"/>
-              </a:ext>
-            </a:extLst>
-          </a:blip>
-          <a:srcRect l="11968" t="36173" r="8952" b="34471"/>
-          <a:stretch/>
+          <a:blip r:embed="rId2"/>
+          <a:stretch>
+            <a:fillRect/>
+          </a:stretch>
         </p:blipFill>
         <p:spPr>
           <a:xfrm>
-            <a:off x="123331" y="1268408"/>
-            <a:ext cx="11711110" cy="1282522"/>
+            <a:off x="1392359" y="640080"/>
+            <a:ext cx="4374750" cy="3602736"/>
+          </a:xfrm>
+          <a:prstGeom prst="rect">
+            <a:avLst/>
+          </a:prstGeom>
+        </p:spPr>
+      </p:pic>
+      <p:sp>
+        <p:nvSpPr>
+          <p:cNvPr id="66" name="Rectangle 65">
+            <a:extLst>
+              <a:ext uri="{FF2B5EF4-FFF2-40B4-BE49-F238E27FC236}">
+                <a16:creationId xmlns:a16="http://schemas.microsoft.com/office/drawing/2014/main" id="{62E5679E-AF9A-4675-8EB9-82F877C47B17}"/>
+              </a:ext>
+              <a:ext uri="{C183D7F6-B498-43B3-948B-1728B52AA6E4}">
+                <adec:decorative xmlns:adec="http://schemas.microsoft.com/office/drawing/2017/decorative" val="1"/>
+              </a:ext>
+            </a:extLst>
+          </p:cNvPr>
+          <p:cNvSpPr>
+            <a:spLocks noGrp="1" noRot="1" noChangeAspect="1" noMove="1" noResize="1" noEditPoints="1" noAdjustHandles="1" noChangeArrowheads="1" noChangeShapeType="1" noTextEdit="1"/>
+          </p:cNvSpPr>
+          <p:nvPr>
+            <p:extLst>
+              <p:ext uri="{386F3935-93C4-4BCD-93E2-E3B085C9AB24}">
+                <p16:designElem xmlns:p16="http://schemas.microsoft.com/office/powerpoint/2015/main" val="1"/>
+              </p:ext>
+            </p:extLst>
+          </p:nvPr>
+        </p:nvSpPr>
+        <p:spPr>
+          <a:xfrm>
+            <a:off x="6063996" y="886968"/>
+            <a:ext cx="64008" cy="3108960"/>
+          </a:xfrm>
+          <a:prstGeom prst="rect">
+            <a:avLst/>
+          </a:prstGeom>
+          <a:ln>
+            <a:noFill/>
+          </a:ln>
+        </p:spPr>
+        <p:style>
+          <a:lnRef idx="2">
+            <a:schemeClr val="accent1">
+              <a:shade val="50000"/>
+            </a:schemeClr>
+          </a:lnRef>
+          <a:fillRef idx="1">
+            <a:schemeClr val="accent1"/>
+          </a:fillRef>
+          <a:effectRef idx="0">
+            <a:schemeClr val="accent1"/>
+          </a:effectRef>
+          <a:fontRef idx="minor">
+            <a:schemeClr val="lt1"/>
+          </a:fontRef>
+        </p:style>
+        <p:txBody>
+          <a:bodyPr rtlCol="0" anchor="ctr"/>
+          <a:lstStyle/>
+          <a:p>
+            <a:pPr algn="ctr"/>
+            <a:endParaRPr lang="en-US"/>
+          </a:p>
+        </p:txBody>
+      </p:sp>
+      <p:pic>
+        <p:nvPicPr>
+          <p:cNvPr id="33" name="Picture 32">
+            <a:extLst>
+              <a:ext uri="{FF2B5EF4-FFF2-40B4-BE49-F238E27FC236}">
+                <a16:creationId xmlns:a16="http://schemas.microsoft.com/office/drawing/2014/main" id="{5830C2CE-1633-32C7-D4A3-EBB43708A506}"/>
+              </a:ext>
+            </a:extLst>
+          </p:cNvPr>
+          <p:cNvPicPr>
+            <a:picLocks noChangeAspect="1"/>
+          </p:cNvPicPr>
+          <p:nvPr/>
+        </p:nvPicPr>
+        <p:blipFill>
+          <a:blip r:embed="rId3"/>
+          <a:stretch>
+            <a:fillRect/>
+          </a:stretch>
+        </p:blipFill>
+        <p:spPr>
+          <a:xfrm>
+            <a:off x="6424891" y="640080"/>
+            <a:ext cx="4374750" cy="3602736"/>
           </a:xfrm>
           <a:prstGeom prst="rect">
             <a:avLst/>
@@ -7115,10 +8385,10 @@
       </p:pic>
       <p:cxnSp>
         <p:nvCxnSpPr>
-          <p:cNvPr id="31" name="Straight Connector 30">
+          <p:cNvPr id="68" name="Straight Connector 67">
             <a:extLst>
               <a:ext uri="{FF2B5EF4-FFF2-40B4-BE49-F238E27FC236}">
-                <a16:creationId xmlns:a16="http://schemas.microsoft.com/office/drawing/2014/main" id="{73D8893D-DEBE-4F67-901F-166F75E9C6E7}"/>
+                <a16:creationId xmlns:a16="http://schemas.microsoft.com/office/drawing/2014/main" id="{A4193D27-0DF9-4485-90D7-D8E69A3F4459}"/>
               </a:ext>
               <a:ext uri="{C183D7F6-B498-43B3-948B-1728B52AA6E4}">
                 <adec:decorative xmlns:adec="http://schemas.microsoft.com/office/drawing/2017/decorative" val="1"/>
@@ -7169,10 +8439,10 @@
       </p:cxnSp>
       <p:sp>
         <p:nvSpPr>
-          <p:cNvPr id="33" name="Rectangle 32">
+          <p:cNvPr id="70" name="Rectangle 69">
             <a:extLst>
               <a:ext uri="{FF2B5EF4-FFF2-40B4-BE49-F238E27FC236}">
-                <a16:creationId xmlns:a16="http://schemas.microsoft.com/office/drawing/2014/main" id="{FBEFFA83-BC6D-4CD2-A2BA-98AD67423BF2}"/>
+                <a16:creationId xmlns:a16="http://schemas.microsoft.com/office/drawing/2014/main" id="{7EF5A4DD-17B0-415A-8F3A-0DEE3FF8F8C5}"/>
               </a:ext>
               <a:ext uri="{C183D7F6-B498-43B3-948B-1728B52AA6E4}">
                 <adec:decorative xmlns:adec="http://schemas.microsoft.com/office/drawing/2017/decorative" val="1"/>
@@ -7231,10 +8501,10 @@
       </p:sp>
       <p:sp>
         <p:nvSpPr>
-          <p:cNvPr id="35" name="Rectangle 34">
+          <p:cNvPr id="56" name="Rectangle 55">
             <a:extLst>
               <a:ext uri="{FF2B5EF4-FFF2-40B4-BE49-F238E27FC236}">
-                <a16:creationId xmlns:a16="http://schemas.microsoft.com/office/drawing/2014/main" id="{AB5696BF-D495-4CAC-AA8A-4EBFF2C32A55}"/>
+                <a16:creationId xmlns:a16="http://schemas.microsoft.com/office/drawing/2014/main" id="{4AA73B4A-2570-4D18-9566-12E68828C417}"/>
               </a:ext>
               <a:ext uri="{C183D7F6-B498-43B3-948B-1728B52AA6E4}">
                 <adec:decorative xmlns:adec="http://schemas.microsoft.com/office/drawing/2017/decorative" val="1"/>
@@ -7294,7 +8564,542 @@
     </p:spTree>
     <p:extLst>
       <p:ext uri="{BB962C8B-B14F-4D97-AF65-F5344CB8AC3E}">
-        <p14:creationId xmlns:p14="http://schemas.microsoft.com/office/powerpoint/2010/main" val="272809894"/>
+        <p14:creationId xmlns:p14="http://schemas.microsoft.com/office/powerpoint/2010/main" val="2983931585"/>
+      </p:ext>
+    </p:extLst>
+  </p:cSld>
+  <p:clrMapOvr>
+    <a:masterClrMapping/>
+  </p:clrMapOvr>
+</p:sld>
+</file>
+
+<file path=ppt/slides/slide5.xml><?xml version="1.0" encoding="utf-8"?>
+<p:sld xmlns:a="http://schemas.openxmlformats.org/drawingml/2006/main" xmlns:r="http://schemas.openxmlformats.org/officeDocument/2006/relationships" xmlns:p="http://schemas.openxmlformats.org/presentationml/2006/main">
+  <p:cSld>
+    <p:spTree>
+      <p:nvGrpSpPr>
+        <p:cNvPr id="1" name="">
+          <a:extLst>
+            <a:ext uri="{FF2B5EF4-FFF2-40B4-BE49-F238E27FC236}">
+              <a16:creationId xmlns:a16="http://schemas.microsoft.com/office/drawing/2014/main" id="{259091AF-4544-5DC7-7A91-4D173DE9F3B6}"/>
+            </a:ext>
+          </a:extLst>
+        </p:cNvPr>
+        <p:cNvGrpSpPr/>
+        <p:nvPr/>
+      </p:nvGrpSpPr>
+      <p:grpSpPr>
+        <a:xfrm>
+          <a:off x="0" y="0"/>
+          <a:ext cx="0" cy="0"/>
+          <a:chOff x="0" y="0"/>
+          <a:chExt cx="0" cy="0"/>
+        </a:xfrm>
+      </p:grpSpPr>
+      <p:pic>
+        <p:nvPicPr>
+          <p:cNvPr id="7" name="Content Placeholder 5" descr="A group of green bars with red lines&#10;&#10;AI-generated content may be incorrect.">
+            <a:extLst>
+              <a:ext uri="{FF2B5EF4-FFF2-40B4-BE49-F238E27FC236}">
+                <a16:creationId xmlns:a16="http://schemas.microsoft.com/office/drawing/2014/main" id="{A34EE503-9450-F633-8FFA-43F8E52C350F}"/>
+              </a:ext>
+            </a:extLst>
+          </p:cNvPr>
+          <p:cNvPicPr>
+            <a:picLocks noGrp="1" noChangeAspect="1"/>
+          </p:cNvPicPr>
+          <p:nvPr>
+            <p:ph idx="1"/>
+          </p:nvPr>
+        </p:nvPicPr>
+        <p:blipFill>
+          <a:blip r:embed="rId2">
+            <a:extLst>
+              <a:ext uri="{28A0092B-C50C-407E-A947-70E740481C1C}">
+                <a14:useLocalDpi xmlns:a14="http://schemas.microsoft.com/office/drawing/2010/main" val="0"/>
+              </a:ext>
+            </a:extLst>
+          </a:blip>
+          <a:stretch>
+            <a:fillRect/>
+          </a:stretch>
+        </p:blipFill>
+        <p:spPr>
+          <a:xfrm>
+            <a:off x="4264482" y="743886"/>
+            <a:ext cx="7698769" cy="5275913"/>
+          </a:xfrm>
+          <a:prstGeom prst="rect">
+            <a:avLst/>
+          </a:prstGeom>
+        </p:spPr>
+      </p:pic>
+      <p:pic>
+        <p:nvPicPr>
+          <p:cNvPr id="8" name="Content Placeholder 4">
+            <a:extLst>
+              <a:ext uri="{FF2B5EF4-FFF2-40B4-BE49-F238E27FC236}">
+                <a16:creationId xmlns:a16="http://schemas.microsoft.com/office/drawing/2014/main" id="{7BCD81D3-B2D7-F511-D448-C64DB8AD74E2}"/>
+              </a:ext>
+            </a:extLst>
+          </p:cNvPr>
+          <p:cNvPicPr>
+            <a:picLocks noChangeAspect="1"/>
+          </p:cNvPicPr>
+          <p:nvPr/>
+        </p:nvPicPr>
+        <p:blipFill>
+          <a:blip r:embed="rId3"/>
+          <a:stretch>
+            <a:fillRect/>
+          </a:stretch>
+        </p:blipFill>
+        <p:spPr>
+          <a:xfrm>
+            <a:off x="971216" y="3218101"/>
+            <a:ext cx="3009029" cy="2478024"/>
+          </a:xfrm>
+          <a:prstGeom prst="rect">
+            <a:avLst/>
+          </a:prstGeom>
+        </p:spPr>
+      </p:pic>
+      <p:sp>
+        <p:nvSpPr>
+          <p:cNvPr id="2" name="Title 1">
+            <a:extLst>
+              <a:ext uri="{FF2B5EF4-FFF2-40B4-BE49-F238E27FC236}">
+                <a16:creationId xmlns:a16="http://schemas.microsoft.com/office/drawing/2014/main" id="{5B2E60AE-05F6-4CFC-5D08-31264567EAFF}"/>
+              </a:ext>
+            </a:extLst>
+          </p:cNvPr>
+          <p:cNvSpPr>
+            <a:spLocks noGrp="1"/>
+          </p:cNvSpPr>
+          <p:nvPr>
+            <p:ph type="title"/>
+          </p:nvPr>
+        </p:nvSpPr>
+        <p:spPr>
+          <a:xfrm>
+            <a:off x="877480" y="252441"/>
+            <a:ext cx="3387002" cy="2476134"/>
+          </a:xfrm>
+          <a:solidFill>
+            <a:schemeClr val="bg1"/>
+          </a:solidFill>
+        </p:spPr>
+        <p:txBody>
+          <a:bodyPr vert="horz" lIns="91440" tIns="45720" rIns="91440" bIns="45720" rtlCol="0">
+            <a:normAutofit/>
+          </a:bodyPr>
+          <a:lstStyle/>
+          <a:p>
+            <a:r>
+              <a:rPr lang="en-US" dirty="0"/>
+              <a:t>Most-Distributed Product</a:t>
+            </a:r>
+          </a:p>
+        </p:txBody>
+      </p:sp>
+    </p:spTree>
+    <p:extLst>
+      <p:ext uri="{BB962C8B-B14F-4D97-AF65-F5344CB8AC3E}">
+        <p14:creationId xmlns:p14="http://schemas.microsoft.com/office/powerpoint/2010/main" val="236513123"/>
+      </p:ext>
+    </p:extLst>
+  </p:cSld>
+  <p:clrMapOvr>
+    <a:masterClrMapping/>
+  </p:clrMapOvr>
+</p:sld>
+</file>
+
+<file path=ppt/slides/slide6.xml><?xml version="1.0" encoding="utf-8"?>
+<p:sld xmlns:a="http://schemas.openxmlformats.org/drawingml/2006/main" xmlns:r="http://schemas.openxmlformats.org/officeDocument/2006/relationships" xmlns:p="http://schemas.openxmlformats.org/presentationml/2006/main">
+  <p:cSld>
+    <p:bg>
+      <p:bgPr>
+        <a:solidFill>
+          <a:schemeClr val="bg1"/>
+        </a:solidFill>
+        <a:effectLst/>
+      </p:bgPr>
+    </p:bg>
+    <p:spTree>
+      <p:nvGrpSpPr>
+        <p:cNvPr id="1" name="">
+          <a:extLst>
+            <a:ext uri="{FF2B5EF4-FFF2-40B4-BE49-F238E27FC236}">
+              <a16:creationId xmlns:a16="http://schemas.microsoft.com/office/drawing/2014/main" id="{CC55AFC1-EB08-483F-D3FE-53F8D6FFAA7B}"/>
+            </a:ext>
+          </a:extLst>
+        </p:cNvPr>
+        <p:cNvGrpSpPr/>
+        <p:nvPr/>
+      </p:nvGrpSpPr>
+      <p:grpSpPr>
+        <a:xfrm>
+          <a:off x="0" y="0"/>
+          <a:ext cx="0" cy="0"/>
+          <a:chOff x="0" y="0"/>
+          <a:chExt cx="0" cy="0"/>
+        </a:xfrm>
+      </p:grpSpPr>
+      <p:sp useBgFill="1">
+        <p:nvSpPr>
+          <p:cNvPr id="48" name="Rectangle 47">
+            <a:extLst>
+              <a:ext uri="{FF2B5EF4-FFF2-40B4-BE49-F238E27FC236}">
+                <a16:creationId xmlns:a16="http://schemas.microsoft.com/office/drawing/2014/main" id="{1AD4E35D-A118-48D3-A2D3-3CEE5A0C74D4}"/>
+              </a:ext>
+              <a:ext uri="{C183D7F6-B498-43B3-948B-1728B52AA6E4}">
+                <adec:decorative xmlns:adec="http://schemas.microsoft.com/office/drawing/2017/decorative" val="1"/>
+              </a:ext>
+            </a:extLst>
+          </p:cNvPr>
+          <p:cNvSpPr>
+            <a:spLocks noGrp="1" noRot="1" noChangeAspect="1" noMove="1" noResize="1" noEditPoints="1" noAdjustHandles="1" noChangeArrowheads="1" noChangeShapeType="1" noTextEdit="1"/>
+          </p:cNvSpPr>
+          <p:nvPr>
+            <p:extLst>
+              <p:ext uri="{386F3935-93C4-4BCD-93E2-E3B085C9AB24}">
+                <p16:designElem xmlns:p16="http://schemas.microsoft.com/office/powerpoint/2015/main" val="1"/>
+              </p:ext>
+            </p:extLst>
+          </p:nvPr>
+        </p:nvSpPr>
+        <p:spPr>
+          <a:xfrm>
+            <a:off x="0" y="0"/>
+            <a:ext cx="12192001" cy="6334316"/>
+          </a:xfrm>
+          <a:prstGeom prst="rect">
+            <a:avLst/>
+          </a:prstGeom>
+          <a:ln>
+            <a:noFill/>
+          </a:ln>
+        </p:spPr>
+        <p:style>
+          <a:lnRef idx="2">
+            <a:schemeClr val="accent1">
+              <a:shade val="50000"/>
+            </a:schemeClr>
+          </a:lnRef>
+          <a:fillRef idx="1">
+            <a:schemeClr val="accent1"/>
+          </a:fillRef>
+          <a:effectRef idx="0">
+            <a:schemeClr val="accent1"/>
+          </a:effectRef>
+          <a:fontRef idx="minor">
+            <a:schemeClr val="lt1"/>
+          </a:fontRef>
+        </p:style>
+        <p:txBody>
+          <a:bodyPr rtlCol="0" anchor="ctr"/>
+          <a:lstStyle/>
+          <a:p>
+            <a:pPr algn="ctr"/>
+            <a:endParaRPr lang="en-US"/>
+          </a:p>
+        </p:txBody>
+      </p:sp>
+      <p:sp>
+        <p:nvSpPr>
+          <p:cNvPr id="2" name="Title 1">
+            <a:extLst>
+              <a:ext uri="{FF2B5EF4-FFF2-40B4-BE49-F238E27FC236}">
+                <a16:creationId xmlns:a16="http://schemas.microsoft.com/office/drawing/2014/main" id="{548A17D3-829E-2E65-A4D5-828835560E38}"/>
+              </a:ext>
+            </a:extLst>
+          </p:cNvPr>
+          <p:cNvSpPr>
+            <a:spLocks noGrp="1"/>
+          </p:cNvSpPr>
+          <p:nvPr>
+            <p:ph type="title"/>
+          </p:nvPr>
+        </p:nvSpPr>
+        <p:spPr>
+          <a:xfrm>
+            <a:off x="877480" y="252441"/>
+            <a:ext cx="3079536" cy="2476134"/>
+          </a:xfrm>
+        </p:spPr>
+        <p:txBody>
+          <a:bodyPr vert="horz" lIns="91440" tIns="45720" rIns="91440" bIns="45720" rtlCol="0">
+            <a:normAutofit/>
+          </a:bodyPr>
+          <a:lstStyle/>
+          <a:p>
+            <a:r>
+              <a:rPr lang="en-US" dirty="0"/>
+              <a:t>Least-Distributed Product</a:t>
+            </a:r>
+          </a:p>
+        </p:txBody>
+      </p:sp>
+      <p:cxnSp>
+        <p:nvCxnSpPr>
+          <p:cNvPr id="49" name="Straight Connector 48">
+            <a:extLst>
+              <a:ext uri="{FF2B5EF4-FFF2-40B4-BE49-F238E27FC236}">
+                <a16:creationId xmlns:a16="http://schemas.microsoft.com/office/drawing/2014/main" id="{8A1FC8F0-6475-4788-9B10-7CF183FC516F}"/>
+              </a:ext>
+              <a:ext uri="{C183D7F6-B498-43B3-948B-1728B52AA6E4}">
+                <adec:decorative xmlns:adec="http://schemas.microsoft.com/office/drawing/2017/decorative" val="1"/>
+              </a:ext>
+            </a:extLst>
+          </p:cNvPr>
+          <p:cNvCxnSpPr>
+            <a:cxnSpLocks noGrp="1" noRot="1" noChangeAspect="1" noMove="1" noResize="1" noEditPoints="1" noAdjustHandles="1" noChangeArrowheads="1" noChangeShapeType="1"/>
+          </p:cNvCxnSpPr>
+          <p:nvPr>
+            <p:extLst>
+              <p:ext uri="{386F3935-93C4-4BCD-93E2-E3B085C9AB24}">
+                <p16:designElem xmlns:p16="http://schemas.microsoft.com/office/powerpoint/2015/main" val="1"/>
+              </p:ext>
+            </p:extLst>
+          </p:nvPr>
+        </p:nvCxnSpPr>
+        <p:spPr>
+          <a:xfrm>
+            <a:off x="5181247" y="2086188"/>
+            <a:ext cx="5852160" cy="0"/>
+          </a:xfrm>
+          <a:prstGeom prst="line">
+            <a:avLst/>
+          </a:prstGeom>
+          <a:ln w="6350">
+            <a:solidFill>
+              <a:schemeClr val="tx1">
+                <a:lumMod val="50000"/>
+                <a:lumOff val="50000"/>
+                <a:alpha val="90000"/>
+              </a:schemeClr>
+            </a:solidFill>
+          </a:ln>
+        </p:spPr>
+        <p:style>
+          <a:lnRef idx="1">
+            <a:schemeClr val="accent1"/>
+          </a:lnRef>
+          <a:fillRef idx="0">
+            <a:schemeClr val="accent1"/>
+          </a:fillRef>
+          <a:effectRef idx="0">
+            <a:schemeClr val="accent1"/>
+          </a:effectRef>
+          <a:fontRef idx="minor">
+            <a:schemeClr val="tx1"/>
+          </a:fontRef>
+        </p:style>
+      </p:cxnSp>
+      <p:pic>
+        <p:nvPicPr>
+          <p:cNvPr id="6" name="Picture 5">
+            <a:extLst>
+              <a:ext uri="{FF2B5EF4-FFF2-40B4-BE49-F238E27FC236}">
+                <a16:creationId xmlns:a16="http://schemas.microsoft.com/office/drawing/2014/main" id="{770BC0D7-671D-66DA-CCAA-DB7B0556484C}"/>
+              </a:ext>
+            </a:extLst>
+          </p:cNvPr>
+          <p:cNvPicPr>
+            <a:picLocks noChangeAspect="1"/>
+          </p:cNvPicPr>
+          <p:nvPr/>
+        </p:nvPicPr>
+        <p:blipFill>
+          <a:blip r:embed="rId2"/>
+          <a:stretch>
+            <a:fillRect/>
+          </a:stretch>
+        </p:blipFill>
+        <p:spPr>
+          <a:xfrm>
+            <a:off x="950279" y="3218101"/>
+            <a:ext cx="3006736" cy="2476136"/>
+          </a:xfrm>
+          <a:prstGeom prst="rect">
+            <a:avLst/>
+          </a:prstGeom>
+        </p:spPr>
+      </p:pic>
+      <p:sp>
+        <p:nvSpPr>
+          <p:cNvPr id="50" name="Rectangle 49">
+            <a:extLst>
+              <a:ext uri="{FF2B5EF4-FFF2-40B4-BE49-F238E27FC236}">
+                <a16:creationId xmlns:a16="http://schemas.microsoft.com/office/drawing/2014/main" id="{30F84B10-5D81-46AE-920D-E07497CDB185}"/>
+              </a:ext>
+              <a:ext uri="{C183D7F6-B498-43B3-948B-1728B52AA6E4}">
+                <adec:decorative xmlns:adec="http://schemas.microsoft.com/office/drawing/2017/decorative" val="1"/>
+              </a:ext>
+            </a:extLst>
+          </p:cNvPr>
+          <p:cNvSpPr>
+            <a:spLocks noGrp="1" noRot="1" noChangeAspect="1" noMove="1" noResize="1" noEditPoints="1" noAdjustHandles="1" noChangeArrowheads="1" noChangeShapeType="1" noTextEdit="1"/>
+          </p:cNvSpPr>
+          <p:nvPr>
+            <p:extLst>
+              <p:ext uri="{386F3935-93C4-4BCD-93E2-E3B085C9AB24}">
+                <p16:designElem xmlns:p16="http://schemas.microsoft.com/office/powerpoint/2015/main" val="1"/>
+              </p:ext>
+            </p:extLst>
+          </p:nvPr>
+        </p:nvSpPr>
+        <p:spPr>
+          <a:xfrm>
+            <a:off x="15" y="6334316"/>
+            <a:ext cx="12191985" cy="66484"/>
+          </a:xfrm>
+          <a:prstGeom prst="rect">
+            <a:avLst/>
+          </a:prstGeom>
+          <a:solidFill>
+            <a:schemeClr val="accent1"/>
+          </a:solidFill>
+          <a:ln>
+            <a:noFill/>
+          </a:ln>
+        </p:spPr>
+        <p:style>
+          <a:lnRef idx="2">
+            <a:schemeClr val="accent1">
+              <a:shade val="50000"/>
+            </a:schemeClr>
+          </a:lnRef>
+          <a:fillRef idx="1">
+            <a:schemeClr val="accent1"/>
+          </a:fillRef>
+          <a:effectRef idx="0">
+            <a:schemeClr val="accent1"/>
+          </a:effectRef>
+          <a:fontRef idx="minor">
+            <a:schemeClr val="lt1"/>
+          </a:fontRef>
+        </p:style>
+        <p:txBody>
+          <a:bodyPr/>
+          <a:lstStyle/>
+          <a:p>
+            <a:endParaRPr lang="en-US"/>
+          </a:p>
+        </p:txBody>
+      </p:sp>
+      <p:sp>
+        <p:nvSpPr>
+          <p:cNvPr id="51" name="Rectangle 50">
+            <a:extLst>
+              <a:ext uri="{FF2B5EF4-FFF2-40B4-BE49-F238E27FC236}">
+                <a16:creationId xmlns:a16="http://schemas.microsoft.com/office/drawing/2014/main" id="{F68DC746-DF72-4A62-B759-31153101614D}"/>
+              </a:ext>
+              <a:ext uri="{C183D7F6-B498-43B3-948B-1728B52AA6E4}">
+                <adec:decorative xmlns:adec="http://schemas.microsoft.com/office/drawing/2017/decorative" val="1"/>
+              </a:ext>
+            </a:extLst>
+          </p:cNvPr>
+          <p:cNvSpPr>
+            <a:spLocks noGrp="1" noRot="1" noChangeAspect="1" noMove="1" noResize="1" noEditPoints="1" noAdjustHandles="1" noChangeArrowheads="1" noChangeShapeType="1" noTextEdit="1"/>
+          </p:cNvSpPr>
+          <p:nvPr>
+            <p:extLst>
+              <p:ext uri="{386F3935-93C4-4BCD-93E2-E3B085C9AB24}">
+                <p16:designElem xmlns:p16="http://schemas.microsoft.com/office/powerpoint/2015/main" val="1"/>
+              </p:ext>
+            </p:extLst>
+          </p:nvPr>
+        </p:nvSpPr>
+        <p:spPr>
+          <a:xfrm>
+            <a:off x="1" y="6400800"/>
+            <a:ext cx="12192000" cy="457200"/>
+          </a:xfrm>
+          <a:prstGeom prst="rect">
+            <a:avLst/>
+          </a:prstGeom>
+          <a:solidFill>
+            <a:schemeClr val="accent2"/>
+          </a:solidFill>
+          <a:ln>
+            <a:noFill/>
+          </a:ln>
+        </p:spPr>
+        <p:style>
+          <a:lnRef idx="2">
+            <a:schemeClr val="accent1">
+              <a:shade val="50000"/>
+            </a:schemeClr>
+          </a:lnRef>
+          <a:fillRef idx="1">
+            <a:schemeClr val="accent1"/>
+          </a:fillRef>
+          <a:effectRef idx="0">
+            <a:schemeClr val="accent1"/>
+          </a:effectRef>
+          <a:fontRef idx="minor">
+            <a:schemeClr val="lt1"/>
+          </a:fontRef>
+        </p:style>
+        <p:txBody>
+          <a:bodyPr/>
+          <a:lstStyle/>
+          <a:p>
+            <a:endParaRPr lang="en-US"/>
+          </a:p>
+        </p:txBody>
+      </p:sp>
+      <p:pic>
+        <p:nvPicPr>
+          <p:cNvPr id="5" name="Content Placeholder 4" descr="A graph of the country's rising prices&#10;&#10;AI-generated content may be incorrect.">
+            <a:extLst>
+              <a:ext uri="{FF2B5EF4-FFF2-40B4-BE49-F238E27FC236}">
+                <a16:creationId xmlns:a16="http://schemas.microsoft.com/office/drawing/2014/main" id="{0371389D-F31C-3CF7-D777-2640DD275FF2}"/>
+              </a:ext>
+            </a:extLst>
+          </p:cNvPr>
+          <p:cNvPicPr>
+            <a:picLocks noChangeAspect="1"/>
+          </p:cNvPicPr>
+          <p:nvPr/>
+        </p:nvPicPr>
+        <p:blipFill>
+          <a:blip r:embed="rId3">
+            <a:extLst>
+              <a:ext uri="{28A0092B-C50C-407E-A947-70E740481C1C}">
+                <a14:useLocalDpi xmlns:a14="http://schemas.microsoft.com/office/drawing/2010/main" val="0"/>
+              </a:ext>
+            </a:extLst>
+          </a:blip>
+          <a:stretch>
+            <a:fillRect/>
+          </a:stretch>
+        </p:blipFill>
+        <p:spPr>
+          <a:xfrm>
+            <a:off x="4358568" y="860768"/>
+            <a:ext cx="7695078" cy="5136464"/>
+          </a:xfrm>
+          <a:prstGeom prst="rect">
+            <a:avLst/>
+          </a:prstGeom>
+          <a:solidFill>
+            <a:schemeClr val="bg1"/>
+          </a:solidFill>
+          <a:ln>
+            <a:solidFill>
+              <a:schemeClr val="bg1"/>
+            </a:solidFill>
+          </a:ln>
+        </p:spPr>
+      </p:pic>
+    </p:spTree>
+    <p:extLst>
+      <p:ext uri="{BB962C8B-B14F-4D97-AF65-F5344CB8AC3E}">
+        <p14:creationId xmlns:p14="http://schemas.microsoft.com/office/powerpoint/2010/main" val="2777559408"/>
       </p:ext>
     </p:extLst>
   </p:cSld>
@@ -7307,6 +9112,14 @@
 <file path=ppt/slides/slide7.xml><?xml version="1.0" encoding="utf-8"?>
 <p:sld xmlns:a="http://schemas.openxmlformats.org/drawingml/2006/main" xmlns:r="http://schemas.openxmlformats.org/officeDocument/2006/relationships" xmlns:p="http://schemas.openxmlformats.org/presentationml/2006/main">
   <p:cSld>
+    <p:bg>
+      <p:bgPr>
+        <a:solidFill>
+          <a:schemeClr val="bg1"/>
+        </a:solidFill>
+        <a:effectLst/>
+      </p:bgPr>
+    </p:bg>
     <p:spTree>
       <p:nvGrpSpPr>
         <p:cNvPr id="1" name=""/>
@@ -7323,10 +9136,249 @@
       </p:grpSpPr>
       <p:sp>
         <p:nvSpPr>
+          <p:cNvPr id="29" name="Rectangle 28">
+            <a:extLst>
+              <a:ext uri="{FF2B5EF4-FFF2-40B4-BE49-F238E27FC236}">
+                <a16:creationId xmlns:a16="http://schemas.microsoft.com/office/drawing/2014/main" id="{4A8FFEA1-1B69-4F42-B552-0CCF7259687D}"/>
+              </a:ext>
+              <a:ext uri="{C183D7F6-B498-43B3-948B-1728B52AA6E4}">
+                <adec:decorative xmlns:adec="http://schemas.microsoft.com/office/drawing/2017/decorative" val="1"/>
+              </a:ext>
+            </a:extLst>
+          </p:cNvPr>
+          <p:cNvSpPr>
+            <a:spLocks noGrp="1" noRot="1" noChangeAspect="1" noMove="1" noResize="1" noEditPoints="1" noAdjustHandles="1" noChangeArrowheads="1" noChangeShapeType="1" noTextEdit="1"/>
+          </p:cNvSpPr>
+          <p:nvPr>
+            <p:extLst>
+              <p:ext uri="{386F3935-93C4-4BCD-93E2-E3B085C9AB24}">
+                <p16:designElem xmlns:p16="http://schemas.microsoft.com/office/powerpoint/2015/main" val="1"/>
+              </p:ext>
+            </p:extLst>
+          </p:nvPr>
+        </p:nvSpPr>
+        <p:spPr>
+          <a:xfrm>
+            <a:off x="3175" y="6400800"/>
+            <a:ext cx="12188825" cy="457200"/>
+          </a:xfrm>
+          <a:prstGeom prst="rect">
+            <a:avLst/>
+          </a:prstGeom>
+          <a:solidFill>
+            <a:schemeClr val="accent2"/>
+          </a:solidFill>
+          <a:ln>
+            <a:noFill/>
+          </a:ln>
+        </p:spPr>
+        <p:style>
+          <a:lnRef idx="2">
+            <a:schemeClr val="accent1">
+              <a:shade val="50000"/>
+            </a:schemeClr>
+          </a:lnRef>
+          <a:fillRef idx="1">
+            <a:schemeClr val="accent1"/>
+          </a:fillRef>
+          <a:effectRef idx="0">
+            <a:schemeClr val="accent1"/>
+          </a:effectRef>
+          <a:fontRef idx="minor">
+            <a:schemeClr val="lt1"/>
+          </a:fontRef>
+        </p:style>
+        <p:txBody>
+          <a:bodyPr/>
+          <a:lstStyle/>
+          <a:p>
+            <a:endParaRPr lang="en-US"/>
+          </a:p>
+        </p:txBody>
+      </p:sp>
+      <p:sp>
+        <p:nvSpPr>
+          <p:cNvPr id="31" name="Rectangle 30">
+            <a:extLst>
+              <a:ext uri="{FF2B5EF4-FFF2-40B4-BE49-F238E27FC236}">
+                <a16:creationId xmlns:a16="http://schemas.microsoft.com/office/drawing/2014/main" id="{AA3C9226-5EC8-460B-82D7-72AA994DF95E}"/>
+              </a:ext>
+              <a:ext uri="{C183D7F6-B498-43B3-948B-1728B52AA6E4}">
+                <adec:decorative xmlns:adec="http://schemas.microsoft.com/office/drawing/2017/decorative" val="1"/>
+              </a:ext>
+            </a:extLst>
+          </p:cNvPr>
+          <p:cNvSpPr>
+            <a:spLocks noGrp="1" noRot="1" noChangeAspect="1" noMove="1" noResize="1" noEditPoints="1" noAdjustHandles="1" noChangeArrowheads="1" noChangeShapeType="1" noTextEdit="1"/>
+          </p:cNvSpPr>
+          <p:nvPr>
+            <p:extLst>
+              <p:ext uri="{386F3935-93C4-4BCD-93E2-E3B085C9AB24}">
+                <p16:designElem xmlns:p16="http://schemas.microsoft.com/office/powerpoint/2015/main" val="1"/>
+              </p:ext>
+            </p:extLst>
+          </p:nvPr>
+        </p:nvSpPr>
+        <p:spPr>
+          <a:xfrm>
+            <a:off x="15" y="6334316"/>
+            <a:ext cx="12188825" cy="64008"/>
+          </a:xfrm>
+          <a:prstGeom prst="rect">
+            <a:avLst/>
+          </a:prstGeom>
+          <a:solidFill>
+            <a:schemeClr val="accent1"/>
+          </a:solidFill>
+          <a:ln>
+            <a:noFill/>
+          </a:ln>
+        </p:spPr>
+        <p:style>
+          <a:lnRef idx="2">
+            <a:schemeClr val="accent1">
+              <a:shade val="50000"/>
+            </a:schemeClr>
+          </a:lnRef>
+          <a:fillRef idx="1">
+            <a:schemeClr val="accent1"/>
+          </a:fillRef>
+          <a:effectRef idx="0">
+            <a:schemeClr val="accent1"/>
+          </a:effectRef>
+          <a:fontRef idx="minor">
+            <a:schemeClr val="lt1"/>
+          </a:fontRef>
+        </p:style>
+        <p:txBody>
+          <a:bodyPr/>
+          <a:lstStyle/>
+          <a:p>
+            <a:endParaRPr lang="en-US"/>
+          </a:p>
+        </p:txBody>
+      </p:sp>
+      <p:cxnSp>
+        <p:nvCxnSpPr>
+          <p:cNvPr id="33" name="Straight Connector 32">
+            <a:extLst>
+              <a:ext uri="{FF2B5EF4-FFF2-40B4-BE49-F238E27FC236}">
+                <a16:creationId xmlns:a16="http://schemas.microsoft.com/office/drawing/2014/main" id="{62A90A9D-33DF-408E-BF4C-F82588935C96}"/>
+              </a:ext>
+              <a:ext uri="{C183D7F6-B498-43B3-948B-1728B52AA6E4}">
+                <adec:decorative xmlns:adec="http://schemas.microsoft.com/office/drawing/2017/decorative" val="1"/>
+              </a:ext>
+            </a:extLst>
+          </p:cNvPr>
+          <p:cNvCxnSpPr>
+            <a:cxnSpLocks noGrp="1" noRot="1" noChangeAspect="1" noMove="1" noResize="1" noEditPoints="1" noAdjustHandles="1" noChangeArrowheads="1" noChangeShapeType="1"/>
+          </p:cNvCxnSpPr>
+          <p:nvPr>
+            <p:extLst>
+              <p:ext uri="{386F3935-93C4-4BCD-93E2-E3B085C9AB24}">
+                <p16:designElem xmlns:p16="http://schemas.microsoft.com/office/powerpoint/2015/main" val="1"/>
+              </p:ext>
+            </p:extLst>
+          </p:nvPr>
+        </p:nvCxnSpPr>
+        <p:spPr>
+          <a:xfrm>
+            <a:off x="1207658" y="4343400"/>
+            <a:ext cx="9875520" cy="0"/>
+          </a:xfrm>
+          <a:prstGeom prst="line">
+            <a:avLst/>
+          </a:prstGeom>
+          <a:ln w="6350">
+            <a:solidFill>
+              <a:schemeClr val="tx1">
+                <a:lumMod val="50000"/>
+                <a:lumOff val="50000"/>
+              </a:schemeClr>
+            </a:solidFill>
+          </a:ln>
+        </p:spPr>
+        <p:style>
+          <a:lnRef idx="1">
+            <a:schemeClr val="accent1"/>
+          </a:lnRef>
+          <a:fillRef idx="0">
+            <a:schemeClr val="accent1"/>
+          </a:fillRef>
+          <a:effectRef idx="0">
+            <a:schemeClr val="accent1"/>
+          </a:effectRef>
+          <a:fontRef idx="minor">
+            <a:schemeClr val="tx1"/>
+          </a:fontRef>
+        </p:style>
+      </p:cxnSp>
+      <p:sp useBgFill="1">
+        <p:nvSpPr>
+          <p:cNvPr id="35" name="Rectangle 34">
+            <a:extLst>
+              <a:ext uri="{FF2B5EF4-FFF2-40B4-BE49-F238E27FC236}">
+                <a16:creationId xmlns:a16="http://schemas.microsoft.com/office/drawing/2014/main" id="{3C6B623D-A3E9-460F-9A5B-2F0FE253BF13}"/>
+              </a:ext>
+              <a:ext uri="{C183D7F6-B498-43B3-948B-1728B52AA6E4}">
+                <adec:decorative xmlns:adec="http://schemas.microsoft.com/office/drawing/2017/decorative" val="1"/>
+              </a:ext>
+            </a:extLst>
+          </p:cNvPr>
+          <p:cNvSpPr>
+            <a:spLocks noGrp="1" noRot="1" noChangeAspect="1" noMove="1" noResize="1" noEditPoints="1" noAdjustHandles="1" noChangeArrowheads="1" noChangeShapeType="1" noTextEdit="1"/>
+          </p:cNvSpPr>
+          <p:nvPr>
+            <p:extLst>
+              <p:ext uri="{386F3935-93C4-4BCD-93E2-E3B085C9AB24}">
+                <p16:designElem xmlns:p16="http://schemas.microsoft.com/office/powerpoint/2015/main" val="1"/>
+              </p:ext>
+            </p:extLst>
+          </p:nvPr>
+        </p:nvSpPr>
+        <p:spPr>
+          <a:xfrm>
+            <a:off x="0" y="0"/>
+            <a:ext cx="12192001" cy="6334316"/>
+          </a:xfrm>
+          <a:prstGeom prst="rect">
+            <a:avLst/>
+          </a:prstGeom>
+          <a:ln>
+            <a:noFill/>
+          </a:ln>
+        </p:spPr>
+        <p:style>
+          <a:lnRef idx="2">
+            <a:schemeClr val="accent1">
+              <a:shade val="50000"/>
+            </a:schemeClr>
+          </a:lnRef>
+          <a:fillRef idx="1">
+            <a:schemeClr val="accent1"/>
+          </a:fillRef>
+          <a:effectRef idx="0">
+            <a:schemeClr val="accent1"/>
+          </a:effectRef>
+          <a:fontRef idx="minor">
+            <a:schemeClr val="lt1"/>
+          </a:fontRef>
+        </p:style>
+        <p:txBody>
+          <a:bodyPr rtlCol="0" anchor="ctr"/>
+          <a:lstStyle/>
+          <a:p>
+            <a:pPr algn="ctr"/>
+            <a:endParaRPr lang="en-US"/>
+          </a:p>
+        </p:txBody>
+      </p:sp>
+      <p:sp>
+        <p:nvSpPr>
           <p:cNvPr id="2" name="Title 1">
             <a:extLst>
               <a:ext uri="{FF2B5EF4-FFF2-40B4-BE49-F238E27FC236}">
-                <a16:creationId xmlns:a16="http://schemas.microsoft.com/office/drawing/2014/main" id="{3FB35DD6-681F-8C0B-DA11-99A06D0AEFB6}"/>
+                <a16:creationId xmlns:a16="http://schemas.microsoft.com/office/drawing/2014/main" id="{08206845-0B7A-D044-D8E7-0C68AE5BECDE}"/>
               </a:ext>
             </a:extLst>
           </p:cNvPr>
@@ -7337,32 +9389,234 @@
             <p:ph type="title"/>
           </p:nvPr>
         </p:nvSpPr>
-        <p:spPr/>
-        <p:txBody>
-          <a:bodyPr/>
+        <p:spPr>
+          <a:xfrm>
+            <a:off x="633999" y="4550229"/>
+            <a:ext cx="10909073" cy="1057655"/>
+          </a:xfrm>
+        </p:spPr>
+        <p:txBody>
+          <a:bodyPr vert="horz" lIns="91440" tIns="45720" rIns="91440" bIns="45720" rtlCol="0" anchor="b">
+            <a:normAutofit/>
+          </a:bodyPr>
           <a:lstStyle/>
           <a:p>
-            <a:endParaRPr lang="en-US"/>
-          </a:p>
-        </p:txBody>
-      </p:sp>
-      <p:sp>
-        <p:nvSpPr>
-          <p:cNvPr id="3" name="Content Placeholder 2">
+            <a:r>
+              <a:rPr lang="en-US" sz="6000">
+                <a:solidFill>
+                  <a:schemeClr val="tx1">
+                    <a:lumMod val="85000"/>
+                    <a:lumOff val="15000"/>
+                  </a:schemeClr>
+                </a:solidFill>
+              </a:rPr>
+              <a:t>Summary – Sales and Distribution</a:t>
+            </a:r>
+          </a:p>
+        </p:txBody>
+      </p:sp>
+      <p:pic>
+        <p:nvPicPr>
+          <p:cNvPr id="4" name="Content Placeholder 3">
             <a:extLst>
               <a:ext uri="{FF2B5EF4-FFF2-40B4-BE49-F238E27FC236}">
-                <a16:creationId xmlns:a16="http://schemas.microsoft.com/office/drawing/2014/main" id="{5BE9CB02-672B-37D7-2803-F421453D60A4}"/>
+                <a16:creationId xmlns:a16="http://schemas.microsoft.com/office/drawing/2014/main" id="{5C402379-CBAA-2DB6-6A4E-03B4A59D180F}"/>
               </a:ext>
             </a:extLst>
           </p:cNvPr>
-          <p:cNvSpPr>
-            <a:spLocks noGrp="1"/>
-          </p:cNvSpPr>
+          <p:cNvPicPr>
+            <a:picLocks noGrp="1" noChangeAspect="1"/>
+          </p:cNvPicPr>
           <p:nvPr>
             <p:ph idx="1"/>
           </p:nvPr>
-        </p:nvSpPr>
-        <p:spPr/>
+        </p:nvPicPr>
+        <p:blipFill>
+          <a:blip r:embed="rId3"/>
+          <a:stretch>
+            <a:fillRect/>
+          </a:stretch>
+        </p:blipFill>
+        <p:spPr>
+          <a:xfrm>
+            <a:off x="635457" y="1235418"/>
+            <a:ext cx="10916463" cy="3007397"/>
+          </a:xfrm>
+          <a:prstGeom prst="rect">
+            <a:avLst/>
+          </a:prstGeom>
+        </p:spPr>
+      </p:pic>
+      <p:cxnSp>
+        <p:nvCxnSpPr>
+          <p:cNvPr id="37" name="Straight Connector 36">
+            <a:extLst>
+              <a:ext uri="{FF2B5EF4-FFF2-40B4-BE49-F238E27FC236}">
+                <a16:creationId xmlns:a16="http://schemas.microsoft.com/office/drawing/2014/main" id="{B355BF7B-E19B-478B-8187-8EF57F4F91DC}"/>
+              </a:ext>
+              <a:ext uri="{C183D7F6-B498-43B3-948B-1728B52AA6E4}">
+                <adec:decorative xmlns:adec="http://schemas.microsoft.com/office/drawing/2017/decorative" val="1"/>
+              </a:ext>
+            </a:extLst>
+          </p:cNvPr>
+          <p:cNvCxnSpPr>
+            <a:cxnSpLocks noGrp="1" noRot="1" noChangeAspect="1" noMove="1" noResize="1" noEditPoints="1" noAdjustHandles="1" noChangeArrowheads="1" noChangeShapeType="1"/>
+          </p:cNvCxnSpPr>
+          <p:nvPr>
+            <p:extLst>
+              <p:ext uri="{386F3935-93C4-4BCD-93E2-E3B085C9AB24}">
+                <p16:designElem xmlns:p16="http://schemas.microsoft.com/office/powerpoint/2015/main" val="1"/>
+              </p:ext>
+            </p:extLst>
+          </p:nvPr>
+        </p:nvCxnSpPr>
+        <p:spPr>
+          <a:xfrm>
+            <a:off x="721086" y="5618770"/>
+            <a:ext cx="10515600" cy="0"/>
+          </a:xfrm>
+          <a:prstGeom prst="line">
+            <a:avLst/>
+          </a:prstGeom>
+          <a:ln w="6350">
+            <a:solidFill>
+              <a:schemeClr val="tx2">
+                <a:alpha val="90000"/>
+              </a:schemeClr>
+            </a:solidFill>
+          </a:ln>
+        </p:spPr>
+        <p:style>
+          <a:lnRef idx="1">
+            <a:schemeClr val="accent1"/>
+          </a:lnRef>
+          <a:fillRef idx="0">
+            <a:schemeClr val="accent1"/>
+          </a:fillRef>
+          <a:effectRef idx="0">
+            <a:schemeClr val="accent1"/>
+          </a:effectRef>
+          <a:fontRef idx="minor">
+            <a:schemeClr val="tx1"/>
+          </a:fontRef>
+        </p:style>
+      </p:cxnSp>
+      <p:sp>
+        <p:nvSpPr>
+          <p:cNvPr id="39" name="Rectangle 38">
+            <a:extLst>
+              <a:ext uri="{FF2B5EF4-FFF2-40B4-BE49-F238E27FC236}">
+                <a16:creationId xmlns:a16="http://schemas.microsoft.com/office/drawing/2014/main" id="{AEABC29F-F82F-4902-B701-8FEEE414FE14}"/>
+              </a:ext>
+              <a:ext uri="{C183D7F6-B498-43B3-948B-1728B52AA6E4}">
+                <adec:decorative xmlns:adec="http://schemas.microsoft.com/office/drawing/2017/decorative" val="1"/>
+              </a:ext>
+            </a:extLst>
+          </p:cNvPr>
+          <p:cNvSpPr>
+            <a:spLocks noGrp="1" noRot="1" noChangeAspect="1" noMove="1" noResize="1" noEditPoints="1" noAdjustHandles="1" noChangeArrowheads="1" noChangeShapeType="1" noTextEdit="1"/>
+          </p:cNvSpPr>
+          <p:nvPr>
+            <p:extLst>
+              <p:ext uri="{386F3935-93C4-4BCD-93E2-E3B085C9AB24}">
+                <p16:designElem xmlns:p16="http://schemas.microsoft.com/office/powerpoint/2015/main" val="1"/>
+              </p:ext>
+            </p:extLst>
+          </p:nvPr>
+        </p:nvSpPr>
+        <p:spPr>
+          <a:xfrm>
+            <a:off x="15" y="6334316"/>
+            <a:ext cx="12191985" cy="66484"/>
+          </a:xfrm>
+          <a:prstGeom prst="rect">
+            <a:avLst/>
+          </a:prstGeom>
+          <a:solidFill>
+            <a:schemeClr val="accent1"/>
+          </a:solidFill>
+          <a:ln>
+            <a:noFill/>
+          </a:ln>
+        </p:spPr>
+        <p:style>
+          <a:lnRef idx="2">
+            <a:schemeClr val="accent1">
+              <a:shade val="50000"/>
+            </a:schemeClr>
+          </a:lnRef>
+          <a:fillRef idx="1">
+            <a:schemeClr val="accent1"/>
+          </a:fillRef>
+          <a:effectRef idx="0">
+            <a:schemeClr val="accent1"/>
+          </a:effectRef>
+          <a:fontRef idx="minor">
+            <a:schemeClr val="lt1"/>
+          </a:fontRef>
+        </p:style>
+        <p:txBody>
+          <a:bodyPr/>
+          <a:lstStyle/>
+          <a:p>
+            <a:endParaRPr lang="en-US"/>
+          </a:p>
+        </p:txBody>
+      </p:sp>
+      <p:sp>
+        <p:nvSpPr>
+          <p:cNvPr id="41" name="Rectangle 40">
+            <a:extLst>
+              <a:ext uri="{FF2B5EF4-FFF2-40B4-BE49-F238E27FC236}">
+                <a16:creationId xmlns:a16="http://schemas.microsoft.com/office/drawing/2014/main" id="{D75BDCBB-0B1A-4AA1-B47F-DBDB642467AA}"/>
+              </a:ext>
+              <a:ext uri="{C183D7F6-B498-43B3-948B-1728B52AA6E4}">
+                <adec:decorative xmlns:adec="http://schemas.microsoft.com/office/drawing/2017/decorative" val="1"/>
+              </a:ext>
+            </a:extLst>
+          </p:cNvPr>
+          <p:cNvSpPr>
+            <a:spLocks noGrp="1" noRot="1" noChangeAspect="1" noMove="1" noResize="1" noEditPoints="1" noAdjustHandles="1" noChangeArrowheads="1" noChangeShapeType="1" noTextEdit="1"/>
+          </p:cNvSpPr>
+          <p:nvPr>
+            <p:extLst>
+              <p:ext uri="{386F3935-93C4-4BCD-93E2-E3B085C9AB24}">
+                <p16:designElem xmlns:p16="http://schemas.microsoft.com/office/powerpoint/2015/main" val="1"/>
+              </p:ext>
+            </p:extLst>
+          </p:nvPr>
+        </p:nvSpPr>
+        <p:spPr>
+          <a:xfrm>
+            <a:off x="1" y="6400800"/>
+            <a:ext cx="12192000" cy="457200"/>
+          </a:xfrm>
+          <a:prstGeom prst="rect">
+            <a:avLst/>
+          </a:prstGeom>
+          <a:solidFill>
+            <a:schemeClr val="accent2"/>
+          </a:solidFill>
+          <a:ln>
+            <a:noFill/>
+          </a:ln>
+        </p:spPr>
+        <p:style>
+          <a:lnRef idx="2">
+            <a:schemeClr val="accent1">
+              <a:shade val="50000"/>
+            </a:schemeClr>
+          </a:lnRef>
+          <a:fillRef idx="1">
+            <a:schemeClr val="accent1"/>
+          </a:fillRef>
+          <a:effectRef idx="0">
+            <a:schemeClr val="accent1"/>
+          </a:effectRef>
+          <a:fontRef idx="minor">
+            <a:schemeClr val="lt1"/>
+          </a:fontRef>
+        </p:style>
         <p:txBody>
           <a:bodyPr/>
           <a:lstStyle/>
@@ -7374,7 +9628,7 @@
     </p:spTree>
     <p:extLst>
       <p:ext uri="{BB962C8B-B14F-4D97-AF65-F5344CB8AC3E}">
-        <p14:creationId xmlns:p14="http://schemas.microsoft.com/office/powerpoint/2010/main" val="1497446513"/>
+        <p14:creationId xmlns:p14="http://schemas.microsoft.com/office/powerpoint/2010/main" val="233070655"/>
       </p:ext>
     </p:extLst>
   </p:cSld>
@@ -7450,9 +9704,61 @@
           <a:bodyPr/>
           <a:lstStyle/>
           <a:p>
+            <a:pPr marL="457200" indent="-457200">
+              <a:buFont typeface="+mj-lt"/>
+              <a:buAutoNum type="arabicPeriod"/>
+            </a:pPr>
             <a:r>
               <a:rPr lang="en-US" dirty="0"/>
-              <a:t>The question is not about production, but timely distribution of products. Since there are a variety of best-selling items, overall lower-selling items should see decreased/halted production; however, the production and destination of various products should be tailored to both the timeline of sales and the countries who favor each given product the most</a:t>
+              <a:t>Sales generally peak around January (though there is not any data on sales through September – December, so sales may either be comparably high or contrastingly low) and May through July.</a:t>
+            </a:r>
+          </a:p>
+          <a:p>
+            <a:pPr marL="457200" indent="-457200">
+              <a:buFont typeface="+mj-lt"/>
+              <a:buAutoNum type="arabicPeriod"/>
+            </a:pPr>
+            <a:r>
+              <a:rPr lang="en-US" dirty="0"/>
+              <a:t>There are a products such as “Orange Choco” which does not show in any of the countries’ top 5 most-ordered and </a:t>
+            </a:r>
+            <a:r>
+              <a:rPr lang="en-US" i="1" dirty="0"/>
+              <a:t>does</a:t>
+            </a:r>
+            <a:r>
+              <a:rPr lang="en-US" dirty="0"/>
+              <a:t> show in some bottom 5 ordered.</a:t>
+            </a:r>
+          </a:p>
+          <a:p>
+            <a:pPr marL="749808" lvl="1" indent="-457200">
+              <a:buFont typeface="Courier New" panose="02070309020205020404" pitchFamily="49" charset="0"/>
+              <a:buChar char="o"/>
+            </a:pPr>
+            <a:r>
+              <a:rPr lang="en-US" dirty="0"/>
+              <a:t>Altering production of these items may be an effective way of cutting costs</a:t>
+            </a:r>
+          </a:p>
+          <a:p>
+            <a:pPr marL="457200" indent="-457200">
+              <a:buFont typeface="+mj-lt"/>
+              <a:buAutoNum type="arabicPeriod"/>
+            </a:pPr>
+            <a:r>
+              <a:rPr lang="en-US" dirty="0"/>
+              <a:t>Sales peak at different times for each country, and each country orders a different volume of each product</a:t>
+            </a:r>
+          </a:p>
+          <a:p>
+            <a:pPr marL="749808" lvl="1" indent="-457200">
+              <a:buFont typeface="Courier New" panose="02070309020205020404" pitchFamily="49" charset="0"/>
+              <a:buChar char="o"/>
+            </a:pPr>
+            <a:r>
+              <a:rPr lang="en-US" dirty="0"/>
+              <a:t>It may be cost-effective to examine product allocation and storage since what could be surplus for one country could be profit from another</a:t>
             </a:r>
           </a:p>
         </p:txBody>
@@ -7470,45 +9776,128 @@
 </p:sld>
 </file>
 
+<file path=ppt/slides/slide9.xml><?xml version="1.0" encoding="utf-8"?>
+<p:sld xmlns:a="http://schemas.openxmlformats.org/drawingml/2006/main" xmlns:r="http://schemas.openxmlformats.org/officeDocument/2006/relationships" xmlns:p="http://schemas.openxmlformats.org/presentationml/2006/main">
+  <p:cSld>
+    <p:spTree>
+      <p:nvGrpSpPr>
+        <p:cNvPr id="1" name=""/>
+        <p:cNvGrpSpPr/>
+        <p:nvPr/>
+      </p:nvGrpSpPr>
+      <p:grpSpPr>
+        <a:xfrm>
+          <a:off x="0" y="0"/>
+          <a:ext cx="0" cy="0"/>
+          <a:chOff x="0" y="0"/>
+          <a:chExt cx="0" cy="0"/>
+        </a:xfrm>
+      </p:grpSpPr>
+      <p:sp>
+        <p:nvSpPr>
+          <p:cNvPr id="2" name="Title 1">
+            <a:extLst>
+              <a:ext uri="{FF2B5EF4-FFF2-40B4-BE49-F238E27FC236}">
+                <a16:creationId xmlns:a16="http://schemas.microsoft.com/office/drawing/2014/main" id="{20F9E5F4-6949-D2C6-1282-514D9D9A2DB3}"/>
+              </a:ext>
+            </a:extLst>
+          </p:cNvPr>
+          <p:cNvSpPr>
+            <a:spLocks noGrp="1"/>
+          </p:cNvSpPr>
+          <p:nvPr>
+            <p:ph type="title"/>
+          </p:nvPr>
+        </p:nvSpPr>
+        <p:spPr/>
+        <p:txBody>
+          <a:bodyPr/>
+          <a:lstStyle/>
+          <a:p>
+            <a:r>
+              <a:rPr lang="en-US" dirty="0"/>
+              <a:t>Questions?</a:t>
+            </a:r>
+          </a:p>
+        </p:txBody>
+      </p:sp>
+      <p:sp>
+        <p:nvSpPr>
+          <p:cNvPr id="3" name="Content Placeholder 2">
+            <a:extLst>
+              <a:ext uri="{FF2B5EF4-FFF2-40B4-BE49-F238E27FC236}">
+                <a16:creationId xmlns:a16="http://schemas.microsoft.com/office/drawing/2014/main" id="{D93BD559-55AC-82D0-95CE-5A5E1BFDC16D}"/>
+              </a:ext>
+            </a:extLst>
+          </p:cNvPr>
+          <p:cNvSpPr>
+            <a:spLocks noGrp="1"/>
+          </p:cNvSpPr>
+          <p:nvPr>
+            <p:ph idx="1"/>
+          </p:nvPr>
+        </p:nvSpPr>
+        <p:spPr/>
+        <p:txBody>
+          <a:bodyPr/>
+          <a:lstStyle/>
+          <a:p>
+            <a:endParaRPr lang="en-US"/>
+          </a:p>
+        </p:txBody>
+      </p:sp>
+    </p:spTree>
+    <p:extLst>
+      <p:ext uri="{BB962C8B-B14F-4D97-AF65-F5344CB8AC3E}">
+        <p14:creationId xmlns:p14="http://schemas.microsoft.com/office/powerpoint/2010/main" val="974185529"/>
+      </p:ext>
+    </p:extLst>
+  </p:cSld>
+  <p:clrMapOvr>
+    <a:masterClrMapping/>
+  </p:clrMapOvr>
+</p:sld>
+</file>
+
 <file path=ppt/theme/theme1.xml><?xml version="1.0" encoding="utf-8"?>
 <a:theme xmlns:a="http://schemas.openxmlformats.org/drawingml/2006/main" name="Retrospect">
   <a:themeElements>
-    <a:clrScheme name="Custom 1">
+    <a:clrScheme name="Retrospect">
       <a:dk1>
-        <a:srgbClr val="000000"/>
+        <a:sysClr val="windowText" lastClr="000000"/>
       </a:dk1>
       <a:lt1>
         <a:sysClr val="window" lastClr="FFFFFF"/>
       </a:lt1>
       <a:dk2>
-        <a:srgbClr val="637052"/>
+        <a:srgbClr val="455F51"/>
       </a:dk2>
       <a:lt2>
-        <a:srgbClr val="CCDDEA"/>
+        <a:srgbClr val="E2DFCC"/>
       </a:lt2>
       <a:accent1>
-        <a:srgbClr val="865640"/>
+        <a:srgbClr val="99CB38"/>
       </a:accent1>
       <a:accent2>
-        <a:srgbClr val="BD582C"/>
+        <a:srgbClr val="63A537"/>
       </a:accent2>
       <a:accent3>
-        <a:srgbClr val="865640"/>
+        <a:srgbClr val="37A76F"/>
       </a:accent3>
       <a:accent4>
-        <a:srgbClr val="9B8357"/>
+        <a:srgbClr val="44C1A3"/>
       </a:accent4>
       <a:accent5>
-        <a:srgbClr val="C2BC80"/>
+        <a:srgbClr val="4EB3CF"/>
       </a:accent5>
       <a:accent6>
-        <a:srgbClr val="94A088"/>
+        <a:srgbClr val="51C3F9"/>
       </a:accent6>
       <a:hlink>
-        <a:srgbClr val="2998E3"/>
+        <a:srgbClr val="6B9F25"/>
       </a:hlink>
       <a:folHlink>
-        <a:srgbClr val="8C8C8C"/>
+        <a:srgbClr val="B26B02"/>
       </a:folHlink>
     </a:clrScheme>
     <a:fontScheme name="Retrospect">
@@ -7747,7 +10136,7 @@
   <a:extraClrSchemeLst/>
   <a:extLst>
     <a:ext uri="{05A4C25C-085E-4340-85A3-A5531E510DB2}">
-      <thm15:themeFamily xmlns:thm15="http://schemas.microsoft.com/office/thememl/2012/main" name="Retrospect" id="{5F128B03-DCCA-4EEB-AB3B-CF2899314A46}" vid="{3F1AAB62-24C6-49D2-8E01-B56FAC9A3DCD}"/>
+      <thm15:themeFamily xmlns:thm15="http://schemas.microsoft.com/office/thememl/2012/main" name="Retrospect" id="{5F128B03-DCCA-4EEB-AB3B-CF2899314A46}" vid="{D26EA377-59BD-4C9C-9D94-EE8416EE4C79}"/>
     </a:ext>
   </a:extLst>
 </a:theme>
